--- a/Presentation/The fires in Portugal.pptx
+++ b/Presentation/The fires in Portugal.pptx
@@ -5,10 +5,10 @@
     <p:sldMasterId id="2147483673" r:id="rId1"/>
   </p:sldMasterIdLst>
   <p:notesMasterIdLst>
-    <p:notesMasterId r:id="rId14"/>
+    <p:notesMasterId r:id="rId17"/>
   </p:notesMasterIdLst>
   <p:handoutMasterIdLst>
-    <p:handoutMasterId r:id="rId15"/>
+    <p:handoutMasterId r:id="rId18"/>
   </p:handoutMasterIdLst>
   <p:sldIdLst>
     <p:sldId id="257" r:id="rId2"/>
@@ -17,12 +17,15 @@
     <p:sldId id="267" r:id="rId5"/>
     <p:sldId id="269" r:id="rId6"/>
     <p:sldId id="259" r:id="rId7"/>
-    <p:sldId id="261" r:id="rId8"/>
-    <p:sldId id="268" r:id="rId9"/>
-    <p:sldId id="263" r:id="rId10"/>
-    <p:sldId id="264" r:id="rId11"/>
-    <p:sldId id="265" r:id="rId12"/>
-    <p:sldId id="266" r:id="rId13"/>
+    <p:sldId id="275" r:id="rId8"/>
+    <p:sldId id="270" r:id="rId9"/>
+    <p:sldId id="273" r:id="rId10"/>
+    <p:sldId id="261" r:id="rId11"/>
+    <p:sldId id="268" r:id="rId12"/>
+    <p:sldId id="263" r:id="rId13"/>
+    <p:sldId id="274" r:id="rId14"/>
+    <p:sldId id="265" r:id="rId15"/>
+    <p:sldId id="266" r:id="rId16"/>
   </p:sldIdLst>
   <p:sldSz cx="12192000" cy="6858000"/>
   <p:notesSz cx="6858000" cy="9144000"/>
@@ -216,7 +219,7 @@
             <a:pPr rtl="0"/>
             <a:fld id="{36D45774-96D0-4C8D-90D9-99B6BF22FF83}" type="datetime1">
               <a:rPr lang="en-US" smtClean="0"/>
-              <a:t>10/4/2022</a:t>
+              <a:t>10/5/2022</a:t>
             </a:fld>
             <a:endParaRPr lang="en-US" dirty="0"/>
           </a:p>
@@ -386,7 +389,7 @@
             <a:pPr rtl="0"/>
             <a:fld id="{7C083E89-9C17-4ACB-9C5A-FC6158153030}" type="datetime1">
               <a:rPr lang="en-US" smtClean="0"/>
-              <a:t>10/4/2022</a:t>
+              <a:t>10/5/2022</a:t>
             </a:fld>
             <a:endParaRPr lang="en-US"/>
           </a:p>
@@ -659,6 +662,1547 @@
 </p:notesMaster>
 </file>
 
+<file path=ppt/notesSlides/notesSlide1.xml><?xml version="1.0" encoding="utf-8"?>
+<p:notes xmlns:a="http://schemas.openxmlformats.org/drawingml/2006/main" xmlns:r="http://schemas.openxmlformats.org/officeDocument/2006/relationships" xmlns:p="http://schemas.openxmlformats.org/presentationml/2006/main">
+  <p:cSld>
+    <p:spTree>
+      <p:nvGrpSpPr>
+        <p:cNvPr id="1" name=""/>
+        <p:cNvGrpSpPr/>
+        <p:nvPr/>
+      </p:nvGrpSpPr>
+      <p:grpSpPr>
+        <a:xfrm>
+          <a:off x="0" y="0"/>
+          <a:ext cx="0" cy="0"/>
+          <a:chOff x="0" y="0"/>
+          <a:chExt cx="0" cy="0"/>
+        </a:xfrm>
+      </p:grpSpPr>
+      <p:sp>
+        <p:nvSpPr>
+          <p:cNvPr id="2" name="Slide Image Placeholder 1"/>
+          <p:cNvSpPr>
+            <a:spLocks noGrp="1" noRot="1" noChangeAspect="1"/>
+          </p:cNvSpPr>
+          <p:nvPr>
+            <p:ph type="sldImg"/>
+          </p:nvPr>
+        </p:nvSpPr>
+        <p:spPr/>
+      </p:sp>
+      <p:sp>
+        <p:nvSpPr>
+          <p:cNvPr id="3" name="Notes Placeholder 2"/>
+          <p:cNvSpPr>
+            <a:spLocks noGrp="1"/>
+          </p:cNvSpPr>
+          <p:nvPr>
+            <p:ph type="body" idx="1"/>
+          </p:nvPr>
+        </p:nvSpPr>
+        <p:spPr/>
+        <p:txBody>
+          <a:bodyPr/>
+          <a:lstStyle/>
+          <a:p>
+            <a:endParaRPr lang="pt-PT"/>
+          </a:p>
+        </p:txBody>
+      </p:sp>
+      <p:sp>
+        <p:nvSpPr>
+          <p:cNvPr id="4" name="Date Placeholder 3"/>
+          <p:cNvSpPr>
+            <a:spLocks noGrp="1"/>
+          </p:cNvSpPr>
+          <p:nvPr>
+            <p:ph type="dt" idx="1"/>
+          </p:nvPr>
+        </p:nvSpPr>
+        <p:spPr/>
+        <p:txBody>
+          <a:bodyPr/>
+          <a:lstStyle/>
+          <a:p>
+            <a:pPr rtl="0"/>
+            <a:fld id="{7C083E89-9C17-4ACB-9C5A-FC6158153030}" type="datetime1">
+              <a:rPr lang="en-US" smtClean="0"/>
+              <a:t>10/5/2022</a:t>
+            </a:fld>
+            <a:endParaRPr lang="en-US"/>
+          </a:p>
+        </p:txBody>
+      </p:sp>
+      <p:sp>
+        <p:nvSpPr>
+          <p:cNvPr id="5" name="Slide Number Placeholder 4"/>
+          <p:cNvSpPr>
+            <a:spLocks noGrp="1"/>
+          </p:cNvSpPr>
+          <p:nvPr>
+            <p:ph type="sldNum" sz="quarter" idx="5"/>
+          </p:nvPr>
+        </p:nvSpPr>
+        <p:spPr/>
+        <p:txBody>
+          <a:bodyPr/>
+          <a:lstStyle/>
+          <a:p>
+            <a:pPr rtl="0"/>
+            <a:fld id="{98E40627-AA7D-471F-B5F2-0BF9E4C68EB6}" type="slidenum">
+              <a:rPr lang="en-US" smtClean="0"/>
+              <a:t>1</a:t>
+            </a:fld>
+            <a:endParaRPr lang="en-US"/>
+          </a:p>
+        </p:txBody>
+      </p:sp>
+    </p:spTree>
+    <p:extLst>
+      <p:ext uri="{BB962C8B-B14F-4D97-AF65-F5344CB8AC3E}">
+        <p14:creationId xmlns:p14="http://schemas.microsoft.com/office/powerpoint/2010/main" val="2402358852"/>
+      </p:ext>
+    </p:extLst>
+  </p:cSld>
+  <p:clrMapOvr>
+    <a:masterClrMapping/>
+  </p:clrMapOvr>
+</p:notes>
+</file>
+
+<file path=ppt/notesSlides/notesSlide10.xml><?xml version="1.0" encoding="utf-8"?>
+<p:notes xmlns:a="http://schemas.openxmlformats.org/drawingml/2006/main" xmlns:r="http://schemas.openxmlformats.org/officeDocument/2006/relationships" xmlns:p="http://schemas.openxmlformats.org/presentationml/2006/main">
+  <p:cSld>
+    <p:spTree>
+      <p:nvGrpSpPr>
+        <p:cNvPr id="1" name=""/>
+        <p:cNvGrpSpPr/>
+        <p:nvPr/>
+      </p:nvGrpSpPr>
+      <p:grpSpPr>
+        <a:xfrm>
+          <a:off x="0" y="0"/>
+          <a:ext cx="0" cy="0"/>
+          <a:chOff x="0" y="0"/>
+          <a:chExt cx="0" cy="0"/>
+        </a:xfrm>
+      </p:grpSpPr>
+      <p:sp>
+        <p:nvSpPr>
+          <p:cNvPr id="2" name="Slide Image Placeholder 1"/>
+          <p:cNvSpPr>
+            <a:spLocks noGrp="1" noRot="1" noChangeAspect="1"/>
+          </p:cNvSpPr>
+          <p:nvPr>
+            <p:ph type="sldImg"/>
+          </p:nvPr>
+        </p:nvSpPr>
+        <p:spPr/>
+      </p:sp>
+      <p:sp>
+        <p:nvSpPr>
+          <p:cNvPr id="3" name="Notes Placeholder 2"/>
+          <p:cNvSpPr>
+            <a:spLocks noGrp="1"/>
+          </p:cNvSpPr>
+          <p:nvPr>
+            <p:ph type="body" idx="1"/>
+          </p:nvPr>
+        </p:nvSpPr>
+        <p:spPr/>
+        <p:txBody>
+          <a:bodyPr/>
+          <a:lstStyle/>
+          <a:p>
+            <a:endParaRPr lang="pt-PT"/>
+          </a:p>
+        </p:txBody>
+      </p:sp>
+      <p:sp>
+        <p:nvSpPr>
+          <p:cNvPr id="4" name="Date Placeholder 3"/>
+          <p:cNvSpPr>
+            <a:spLocks noGrp="1"/>
+          </p:cNvSpPr>
+          <p:nvPr>
+            <p:ph type="dt" idx="1"/>
+          </p:nvPr>
+        </p:nvSpPr>
+        <p:spPr/>
+        <p:txBody>
+          <a:bodyPr/>
+          <a:lstStyle/>
+          <a:p>
+            <a:pPr rtl="0"/>
+            <a:fld id="{7C083E89-9C17-4ACB-9C5A-FC6158153030}" type="datetime1">
+              <a:rPr lang="en-US" smtClean="0"/>
+              <a:t>10/5/2022</a:t>
+            </a:fld>
+            <a:endParaRPr lang="en-US"/>
+          </a:p>
+        </p:txBody>
+      </p:sp>
+      <p:sp>
+        <p:nvSpPr>
+          <p:cNvPr id="5" name="Slide Number Placeholder 4"/>
+          <p:cNvSpPr>
+            <a:spLocks noGrp="1"/>
+          </p:cNvSpPr>
+          <p:nvPr>
+            <p:ph type="sldNum" sz="quarter" idx="5"/>
+          </p:nvPr>
+        </p:nvSpPr>
+        <p:spPr/>
+        <p:txBody>
+          <a:bodyPr/>
+          <a:lstStyle/>
+          <a:p>
+            <a:pPr rtl="0"/>
+            <a:fld id="{98E40627-AA7D-471F-B5F2-0BF9E4C68EB6}" type="slidenum">
+              <a:rPr lang="en-US" smtClean="0"/>
+              <a:t>10</a:t>
+            </a:fld>
+            <a:endParaRPr lang="en-US"/>
+          </a:p>
+        </p:txBody>
+      </p:sp>
+    </p:spTree>
+    <p:extLst>
+      <p:ext uri="{BB962C8B-B14F-4D97-AF65-F5344CB8AC3E}">
+        <p14:creationId xmlns:p14="http://schemas.microsoft.com/office/powerpoint/2010/main" val="411511381"/>
+      </p:ext>
+    </p:extLst>
+  </p:cSld>
+  <p:clrMapOvr>
+    <a:masterClrMapping/>
+  </p:clrMapOvr>
+</p:notes>
+</file>
+
+<file path=ppt/notesSlides/notesSlide11.xml><?xml version="1.0" encoding="utf-8"?>
+<p:notes xmlns:a="http://schemas.openxmlformats.org/drawingml/2006/main" xmlns:r="http://schemas.openxmlformats.org/officeDocument/2006/relationships" xmlns:p="http://schemas.openxmlformats.org/presentationml/2006/main">
+  <p:cSld>
+    <p:spTree>
+      <p:nvGrpSpPr>
+        <p:cNvPr id="1" name=""/>
+        <p:cNvGrpSpPr/>
+        <p:nvPr/>
+      </p:nvGrpSpPr>
+      <p:grpSpPr>
+        <a:xfrm>
+          <a:off x="0" y="0"/>
+          <a:ext cx="0" cy="0"/>
+          <a:chOff x="0" y="0"/>
+          <a:chExt cx="0" cy="0"/>
+        </a:xfrm>
+      </p:grpSpPr>
+      <p:sp>
+        <p:nvSpPr>
+          <p:cNvPr id="2" name="Slide Image Placeholder 1"/>
+          <p:cNvSpPr>
+            <a:spLocks noGrp="1" noRot="1" noChangeAspect="1"/>
+          </p:cNvSpPr>
+          <p:nvPr>
+            <p:ph type="sldImg"/>
+          </p:nvPr>
+        </p:nvSpPr>
+        <p:spPr/>
+      </p:sp>
+      <p:sp>
+        <p:nvSpPr>
+          <p:cNvPr id="3" name="Notes Placeholder 2"/>
+          <p:cNvSpPr>
+            <a:spLocks noGrp="1"/>
+          </p:cNvSpPr>
+          <p:nvPr>
+            <p:ph type="body" idx="1"/>
+          </p:nvPr>
+        </p:nvSpPr>
+        <p:spPr/>
+        <p:txBody>
+          <a:bodyPr/>
+          <a:lstStyle/>
+          <a:p>
+            <a:endParaRPr lang="pt-PT"/>
+          </a:p>
+        </p:txBody>
+      </p:sp>
+      <p:sp>
+        <p:nvSpPr>
+          <p:cNvPr id="4" name="Date Placeholder 3"/>
+          <p:cNvSpPr>
+            <a:spLocks noGrp="1"/>
+          </p:cNvSpPr>
+          <p:nvPr>
+            <p:ph type="dt" idx="1"/>
+          </p:nvPr>
+        </p:nvSpPr>
+        <p:spPr/>
+        <p:txBody>
+          <a:bodyPr/>
+          <a:lstStyle/>
+          <a:p>
+            <a:pPr rtl="0"/>
+            <a:fld id="{7C083E89-9C17-4ACB-9C5A-FC6158153030}" type="datetime1">
+              <a:rPr lang="en-US" smtClean="0"/>
+              <a:t>10/5/2022</a:t>
+            </a:fld>
+            <a:endParaRPr lang="en-US"/>
+          </a:p>
+        </p:txBody>
+      </p:sp>
+      <p:sp>
+        <p:nvSpPr>
+          <p:cNvPr id="5" name="Slide Number Placeholder 4"/>
+          <p:cNvSpPr>
+            <a:spLocks noGrp="1"/>
+          </p:cNvSpPr>
+          <p:nvPr>
+            <p:ph type="sldNum" sz="quarter" idx="5"/>
+          </p:nvPr>
+        </p:nvSpPr>
+        <p:spPr/>
+        <p:txBody>
+          <a:bodyPr/>
+          <a:lstStyle/>
+          <a:p>
+            <a:pPr rtl="0"/>
+            <a:fld id="{98E40627-AA7D-471F-B5F2-0BF9E4C68EB6}" type="slidenum">
+              <a:rPr lang="en-US" smtClean="0"/>
+              <a:t>11</a:t>
+            </a:fld>
+            <a:endParaRPr lang="en-US"/>
+          </a:p>
+        </p:txBody>
+      </p:sp>
+    </p:spTree>
+    <p:extLst>
+      <p:ext uri="{BB962C8B-B14F-4D97-AF65-F5344CB8AC3E}">
+        <p14:creationId xmlns:p14="http://schemas.microsoft.com/office/powerpoint/2010/main" val="2937036978"/>
+      </p:ext>
+    </p:extLst>
+  </p:cSld>
+  <p:clrMapOvr>
+    <a:masterClrMapping/>
+  </p:clrMapOvr>
+</p:notes>
+</file>
+
+<file path=ppt/notesSlides/notesSlide12.xml><?xml version="1.0" encoding="utf-8"?>
+<p:notes xmlns:a="http://schemas.openxmlformats.org/drawingml/2006/main" xmlns:r="http://schemas.openxmlformats.org/officeDocument/2006/relationships" xmlns:p="http://schemas.openxmlformats.org/presentationml/2006/main">
+  <p:cSld>
+    <p:spTree>
+      <p:nvGrpSpPr>
+        <p:cNvPr id="1" name=""/>
+        <p:cNvGrpSpPr/>
+        <p:nvPr/>
+      </p:nvGrpSpPr>
+      <p:grpSpPr>
+        <a:xfrm>
+          <a:off x="0" y="0"/>
+          <a:ext cx="0" cy="0"/>
+          <a:chOff x="0" y="0"/>
+          <a:chExt cx="0" cy="0"/>
+        </a:xfrm>
+      </p:grpSpPr>
+      <p:sp>
+        <p:nvSpPr>
+          <p:cNvPr id="2" name="Slide Image Placeholder 1"/>
+          <p:cNvSpPr>
+            <a:spLocks noGrp="1" noRot="1" noChangeAspect="1"/>
+          </p:cNvSpPr>
+          <p:nvPr>
+            <p:ph type="sldImg"/>
+          </p:nvPr>
+        </p:nvSpPr>
+        <p:spPr/>
+      </p:sp>
+      <p:sp>
+        <p:nvSpPr>
+          <p:cNvPr id="3" name="Notes Placeholder 2"/>
+          <p:cNvSpPr>
+            <a:spLocks noGrp="1"/>
+          </p:cNvSpPr>
+          <p:nvPr>
+            <p:ph type="body" idx="1"/>
+          </p:nvPr>
+        </p:nvSpPr>
+        <p:spPr/>
+        <p:txBody>
+          <a:bodyPr/>
+          <a:lstStyle/>
+          <a:p>
+            <a:endParaRPr lang="pt-PT"/>
+          </a:p>
+        </p:txBody>
+      </p:sp>
+      <p:sp>
+        <p:nvSpPr>
+          <p:cNvPr id="4" name="Date Placeholder 3"/>
+          <p:cNvSpPr>
+            <a:spLocks noGrp="1"/>
+          </p:cNvSpPr>
+          <p:nvPr>
+            <p:ph type="dt" idx="1"/>
+          </p:nvPr>
+        </p:nvSpPr>
+        <p:spPr/>
+        <p:txBody>
+          <a:bodyPr/>
+          <a:lstStyle/>
+          <a:p>
+            <a:pPr rtl="0"/>
+            <a:fld id="{7C083E89-9C17-4ACB-9C5A-FC6158153030}" type="datetime1">
+              <a:rPr lang="en-US" smtClean="0"/>
+              <a:t>10/5/2022</a:t>
+            </a:fld>
+            <a:endParaRPr lang="en-US"/>
+          </a:p>
+        </p:txBody>
+      </p:sp>
+      <p:sp>
+        <p:nvSpPr>
+          <p:cNvPr id="5" name="Slide Number Placeholder 4"/>
+          <p:cNvSpPr>
+            <a:spLocks noGrp="1"/>
+          </p:cNvSpPr>
+          <p:nvPr>
+            <p:ph type="sldNum" sz="quarter" idx="5"/>
+          </p:nvPr>
+        </p:nvSpPr>
+        <p:spPr/>
+        <p:txBody>
+          <a:bodyPr/>
+          <a:lstStyle/>
+          <a:p>
+            <a:pPr rtl="0"/>
+            <a:fld id="{98E40627-AA7D-471F-B5F2-0BF9E4C68EB6}" type="slidenum">
+              <a:rPr lang="en-US" smtClean="0"/>
+              <a:t>12</a:t>
+            </a:fld>
+            <a:endParaRPr lang="en-US"/>
+          </a:p>
+        </p:txBody>
+      </p:sp>
+    </p:spTree>
+    <p:extLst>
+      <p:ext uri="{BB962C8B-B14F-4D97-AF65-F5344CB8AC3E}">
+        <p14:creationId xmlns:p14="http://schemas.microsoft.com/office/powerpoint/2010/main" val="1133332175"/>
+      </p:ext>
+    </p:extLst>
+  </p:cSld>
+  <p:clrMapOvr>
+    <a:masterClrMapping/>
+  </p:clrMapOvr>
+</p:notes>
+</file>
+
+<file path=ppt/notesSlides/notesSlide13.xml><?xml version="1.0" encoding="utf-8"?>
+<p:notes xmlns:a="http://schemas.openxmlformats.org/drawingml/2006/main" xmlns:r="http://schemas.openxmlformats.org/officeDocument/2006/relationships" xmlns:p="http://schemas.openxmlformats.org/presentationml/2006/main">
+  <p:cSld>
+    <p:spTree>
+      <p:nvGrpSpPr>
+        <p:cNvPr id="1" name=""/>
+        <p:cNvGrpSpPr/>
+        <p:nvPr/>
+      </p:nvGrpSpPr>
+      <p:grpSpPr>
+        <a:xfrm>
+          <a:off x="0" y="0"/>
+          <a:ext cx="0" cy="0"/>
+          <a:chOff x="0" y="0"/>
+          <a:chExt cx="0" cy="0"/>
+        </a:xfrm>
+      </p:grpSpPr>
+      <p:sp>
+        <p:nvSpPr>
+          <p:cNvPr id="2" name="Slide Image Placeholder 1"/>
+          <p:cNvSpPr>
+            <a:spLocks noGrp="1" noRot="1" noChangeAspect="1"/>
+          </p:cNvSpPr>
+          <p:nvPr>
+            <p:ph type="sldImg"/>
+          </p:nvPr>
+        </p:nvSpPr>
+        <p:spPr/>
+      </p:sp>
+      <p:sp>
+        <p:nvSpPr>
+          <p:cNvPr id="3" name="Notes Placeholder 2"/>
+          <p:cNvSpPr>
+            <a:spLocks noGrp="1"/>
+          </p:cNvSpPr>
+          <p:nvPr>
+            <p:ph type="body" idx="1"/>
+          </p:nvPr>
+        </p:nvSpPr>
+        <p:spPr/>
+        <p:txBody>
+          <a:bodyPr/>
+          <a:lstStyle/>
+          <a:p>
+            <a:endParaRPr lang="pt-PT"/>
+          </a:p>
+        </p:txBody>
+      </p:sp>
+      <p:sp>
+        <p:nvSpPr>
+          <p:cNvPr id="4" name="Date Placeholder 3"/>
+          <p:cNvSpPr>
+            <a:spLocks noGrp="1"/>
+          </p:cNvSpPr>
+          <p:nvPr>
+            <p:ph type="dt" idx="1"/>
+          </p:nvPr>
+        </p:nvSpPr>
+        <p:spPr/>
+        <p:txBody>
+          <a:bodyPr/>
+          <a:lstStyle/>
+          <a:p>
+            <a:pPr rtl="0"/>
+            <a:fld id="{7C083E89-9C17-4ACB-9C5A-FC6158153030}" type="datetime1">
+              <a:rPr lang="en-US" smtClean="0"/>
+              <a:t>10/5/2022</a:t>
+            </a:fld>
+            <a:endParaRPr lang="en-US"/>
+          </a:p>
+        </p:txBody>
+      </p:sp>
+      <p:sp>
+        <p:nvSpPr>
+          <p:cNvPr id="5" name="Slide Number Placeholder 4"/>
+          <p:cNvSpPr>
+            <a:spLocks noGrp="1"/>
+          </p:cNvSpPr>
+          <p:nvPr>
+            <p:ph type="sldNum" sz="quarter" idx="5"/>
+          </p:nvPr>
+        </p:nvSpPr>
+        <p:spPr/>
+        <p:txBody>
+          <a:bodyPr/>
+          <a:lstStyle/>
+          <a:p>
+            <a:pPr rtl="0"/>
+            <a:fld id="{98E40627-AA7D-471F-B5F2-0BF9E4C68EB6}" type="slidenum">
+              <a:rPr lang="en-US" smtClean="0"/>
+              <a:t>14</a:t>
+            </a:fld>
+            <a:endParaRPr lang="en-US"/>
+          </a:p>
+        </p:txBody>
+      </p:sp>
+    </p:spTree>
+    <p:extLst>
+      <p:ext uri="{BB962C8B-B14F-4D97-AF65-F5344CB8AC3E}">
+        <p14:creationId xmlns:p14="http://schemas.microsoft.com/office/powerpoint/2010/main" val="3035467584"/>
+      </p:ext>
+    </p:extLst>
+  </p:cSld>
+  <p:clrMapOvr>
+    <a:masterClrMapping/>
+  </p:clrMapOvr>
+</p:notes>
+</file>
+
+<file path=ppt/notesSlides/notesSlide14.xml><?xml version="1.0" encoding="utf-8"?>
+<p:notes xmlns:a="http://schemas.openxmlformats.org/drawingml/2006/main" xmlns:r="http://schemas.openxmlformats.org/officeDocument/2006/relationships" xmlns:p="http://schemas.openxmlformats.org/presentationml/2006/main">
+  <p:cSld>
+    <p:spTree>
+      <p:nvGrpSpPr>
+        <p:cNvPr id="1" name=""/>
+        <p:cNvGrpSpPr/>
+        <p:nvPr/>
+      </p:nvGrpSpPr>
+      <p:grpSpPr>
+        <a:xfrm>
+          <a:off x="0" y="0"/>
+          <a:ext cx="0" cy="0"/>
+          <a:chOff x="0" y="0"/>
+          <a:chExt cx="0" cy="0"/>
+        </a:xfrm>
+      </p:grpSpPr>
+      <p:sp>
+        <p:nvSpPr>
+          <p:cNvPr id="2" name="Slide Image Placeholder 1"/>
+          <p:cNvSpPr>
+            <a:spLocks noGrp="1" noRot="1" noChangeAspect="1"/>
+          </p:cNvSpPr>
+          <p:nvPr>
+            <p:ph type="sldImg"/>
+          </p:nvPr>
+        </p:nvSpPr>
+        <p:spPr/>
+      </p:sp>
+      <p:sp>
+        <p:nvSpPr>
+          <p:cNvPr id="3" name="Notes Placeholder 2"/>
+          <p:cNvSpPr>
+            <a:spLocks noGrp="1"/>
+          </p:cNvSpPr>
+          <p:nvPr>
+            <p:ph type="body" idx="1"/>
+          </p:nvPr>
+        </p:nvSpPr>
+        <p:spPr/>
+        <p:txBody>
+          <a:bodyPr/>
+          <a:lstStyle/>
+          <a:p>
+            <a:endParaRPr lang="pt-PT"/>
+          </a:p>
+        </p:txBody>
+      </p:sp>
+      <p:sp>
+        <p:nvSpPr>
+          <p:cNvPr id="4" name="Date Placeholder 3"/>
+          <p:cNvSpPr>
+            <a:spLocks noGrp="1"/>
+          </p:cNvSpPr>
+          <p:nvPr>
+            <p:ph type="dt" idx="1"/>
+          </p:nvPr>
+        </p:nvSpPr>
+        <p:spPr/>
+        <p:txBody>
+          <a:bodyPr/>
+          <a:lstStyle/>
+          <a:p>
+            <a:pPr rtl="0"/>
+            <a:fld id="{7C083E89-9C17-4ACB-9C5A-FC6158153030}" type="datetime1">
+              <a:rPr lang="en-US" smtClean="0"/>
+              <a:t>10/5/2022</a:t>
+            </a:fld>
+            <a:endParaRPr lang="en-US"/>
+          </a:p>
+        </p:txBody>
+      </p:sp>
+      <p:sp>
+        <p:nvSpPr>
+          <p:cNvPr id="5" name="Slide Number Placeholder 4"/>
+          <p:cNvSpPr>
+            <a:spLocks noGrp="1"/>
+          </p:cNvSpPr>
+          <p:nvPr>
+            <p:ph type="sldNum" sz="quarter" idx="5"/>
+          </p:nvPr>
+        </p:nvSpPr>
+        <p:spPr/>
+        <p:txBody>
+          <a:bodyPr/>
+          <a:lstStyle/>
+          <a:p>
+            <a:pPr rtl="0"/>
+            <a:fld id="{98E40627-AA7D-471F-B5F2-0BF9E4C68EB6}" type="slidenum">
+              <a:rPr lang="en-US" smtClean="0"/>
+              <a:t>15</a:t>
+            </a:fld>
+            <a:endParaRPr lang="en-US"/>
+          </a:p>
+        </p:txBody>
+      </p:sp>
+    </p:spTree>
+    <p:extLst>
+      <p:ext uri="{BB962C8B-B14F-4D97-AF65-F5344CB8AC3E}">
+        <p14:creationId xmlns:p14="http://schemas.microsoft.com/office/powerpoint/2010/main" val="2500257680"/>
+      </p:ext>
+    </p:extLst>
+  </p:cSld>
+  <p:clrMapOvr>
+    <a:masterClrMapping/>
+  </p:clrMapOvr>
+</p:notes>
+</file>
+
+<file path=ppt/notesSlides/notesSlide2.xml><?xml version="1.0" encoding="utf-8"?>
+<p:notes xmlns:a="http://schemas.openxmlformats.org/drawingml/2006/main" xmlns:r="http://schemas.openxmlformats.org/officeDocument/2006/relationships" xmlns:p="http://schemas.openxmlformats.org/presentationml/2006/main">
+  <p:cSld>
+    <p:spTree>
+      <p:nvGrpSpPr>
+        <p:cNvPr id="1" name=""/>
+        <p:cNvGrpSpPr/>
+        <p:nvPr/>
+      </p:nvGrpSpPr>
+      <p:grpSpPr>
+        <a:xfrm>
+          <a:off x="0" y="0"/>
+          <a:ext cx="0" cy="0"/>
+          <a:chOff x="0" y="0"/>
+          <a:chExt cx="0" cy="0"/>
+        </a:xfrm>
+      </p:grpSpPr>
+      <p:sp>
+        <p:nvSpPr>
+          <p:cNvPr id="2" name="Slide Image Placeholder 1"/>
+          <p:cNvSpPr>
+            <a:spLocks noGrp="1" noRot="1" noChangeAspect="1"/>
+          </p:cNvSpPr>
+          <p:nvPr>
+            <p:ph type="sldImg"/>
+          </p:nvPr>
+        </p:nvSpPr>
+        <p:spPr/>
+      </p:sp>
+      <p:sp>
+        <p:nvSpPr>
+          <p:cNvPr id="3" name="Notes Placeholder 2"/>
+          <p:cNvSpPr>
+            <a:spLocks noGrp="1"/>
+          </p:cNvSpPr>
+          <p:nvPr>
+            <p:ph type="body" idx="1"/>
+          </p:nvPr>
+        </p:nvSpPr>
+        <p:spPr/>
+        <p:txBody>
+          <a:bodyPr/>
+          <a:lstStyle/>
+          <a:p>
+            <a:endParaRPr lang="pt-PT"/>
+          </a:p>
+        </p:txBody>
+      </p:sp>
+      <p:sp>
+        <p:nvSpPr>
+          <p:cNvPr id="4" name="Date Placeholder 3"/>
+          <p:cNvSpPr>
+            <a:spLocks noGrp="1"/>
+          </p:cNvSpPr>
+          <p:nvPr>
+            <p:ph type="dt" idx="1"/>
+          </p:nvPr>
+        </p:nvSpPr>
+        <p:spPr/>
+        <p:txBody>
+          <a:bodyPr/>
+          <a:lstStyle/>
+          <a:p>
+            <a:pPr rtl="0"/>
+            <a:fld id="{7C083E89-9C17-4ACB-9C5A-FC6158153030}" type="datetime1">
+              <a:rPr lang="en-US" smtClean="0"/>
+              <a:t>10/5/2022</a:t>
+            </a:fld>
+            <a:endParaRPr lang="en-US"/>
+          </a:p>
+        </p:txBody>
+      </p:sp>
+      <p:sp>
+        <p:nvSpPr>
+          <p:cNvPr id="5" name="Slide Number Placeholder 4"/>
+          <p:cNvSpPr>
+            <a:spLocks noGrp="1"/>
+          </p:cNvSpPr>
+          <p:nvPr>
+            <p:ph type="sldNum" sz="quarter" idx="5"/>
+          </p:nvPr>
+        </p:nvSpPr>
+        <p:spPr/>
+        <p:txBody>
+          <a:bodyPr/>
+          <a:lstStyle/>
+          <a:p>
+            <a:pPr rtl="0"/>
+            <a:fld id="{98E40627-AA7D-471F-B5F2-0BF9E4C68EB6}" type="slidenum">
+              <a:rPr lang="en-US" smtClean="0"/>
+              <a:t>2</a:t>
+            </a:fld>
+            <a:endParaRPr lang="en-US"/>
+          </a:p>
+        </p:txBody>
+      </p:sp>
+    </p:spTree>
+    <p:extLst>
+      <p:ext uri="{BB962C8B-B14F-4D97-AF65-F5344CB8AC3E}">
+        <p14:creationId xmlns:p14="http://schemas.microsoft.com/office/powerpoint/2010/main" val="2262581708"/>
+      </p:ext>
+    </p:extLst>
+  </p:cSld>
+  <p:clrMapOvr>
+    <a:masterClrMapping/>
+  </p:clrMapOvr>
+</p:notes>
+</file>
+
+<file path=ppt/notesSlides/notesSlide3.xml><?xml version="1.0" encoding="utf-8"?>
+<p:notes xmlns:a="http://schemas.openxmlformats.org/drawingml/2006/main" xmlns:r="http://schemas.openxmlformats.org/officeDocument/2006/relationships" xmlns:p="http://schemas.openxmlformats.org/presentationml/2006/main">
+  <p:cSld>
+    <p:spTree>
+      <p:nvGrpSpPr>
+        <p:cNvPr id="1" name=""/>
+        <p:cNvGrpSpPr/>
+        <p:nvPr/>
+      </p:nvGrpSpPr>
+      <p:grpSpPr>
+        <a:xfrm>
+          <a:off x="0" y="0"/>
+          <a:ext cx="0" cy="0"/>
+          <a:chOff x="0" y="0"/>
+          <a:chExt cx="0" cy="0"/>
+        </a:xfrm>
+      </p:grpSpPr>
+      <p:sp>
+        <p:nvSpPr>
+          <p:cNvPr id="2" name="Slide Image Placeholder 1"/>
+          <p:cNvSpPr>
+            <a:spLocks noGrp="1" noRot="1" noChangeAspect="1"/>
+          </p:cNvSpPr>
+          <p:nvPr>
+            <p:ph type="sldImg"/>
+          </p:nvPr>
+        </p:nvSpPr>
+        <p:spPr/>
+      </p:sp>
+      <p:sp>
+        <p:nvSpPr>
+          <p:cNvPr id="3" name="Notes Placeholder 2"/>
+          <p:cNvSpPr>
+            <a:spLocks noGrp="1"/>
+          </p:cNvSpPr>
+          <p:nvPr>
+            <p:ph type="body" idx="1"/>
+          </p:nvPr>
+        </p:nvSpPr>
+        <p:spPr/>
+        <p:txBody>
+          <a:bodyPr/>
+          <a:lstStyle/>
+          <a:p>
+            <a:r>
+              <a:rPr lang="pt-PT" dirty="0"/>
+              <a:t>2017 wasn’t a typical year, so I discarded it.</a:t>
+            </a:r>
+          </a:p>
+        </p:txBody>
+      </p:sp>
+      <p:sp>
+        <p:nvSpPr>
+          <p:cNvPr id="4" name="Date Placeholder 3"/>
+          <p:cNvSpPr>
+            <a:spLocks noGrp="1"/>
+          </p:cNvSpPr>
+          <p:nvPr>
+            <p:ph type="dt" idx="1"/>
+          </p:nvPr>
+        </p:nvSpPr>
+        <p:spPr/>
+        <p:txBody>
+          <a:bodyPr/>
+          <a:lstStyle/>
+          <a:p>
+            <a:pPr rtl="0"/>
+            <a:fld id="{7C083E89-9C17-4ACB-9C5A-FC6158153030}" type="datetime1">
+              <a:rPr lang="en-US" smtClean="0"/>
+              <a:t>10/5/2022</a:t>
+            </a:fld>
+            <a:endParaRPr lang="en-US"/>
+          </a:p>
+        </p:txBody>
+      </p:sp>
+      <p:sp>
+        <p:nvSpPr>
+          <p:cNvPr id="5" name="Slide Number Placeholder 4"/>
+          <p:cNvSpPr>
+            <a:spLocks noGrp="1"/>
+          </p:cNvSpPr>
+          <p:nvPr>
+            <p:ph type="sldNum" sz="quarter" idx="5"/>
+          </p:nvPr>
+        </p:nvSpPr>
+        <p:spPr/>
+        <p:txBody>
+          <a:bodyPr/>
+          <a:lstStyle/>
+          <a:p>
+            <a:pPr rtl="0"/>
+            <a:fld id="{98E40627-AA7D-471F-B5F2-0BF9E4C68EB6}" type="slidenum">
+              <a:rPr lang="en-US" smtClean="0"/>
+              <a:t>3</a:t>
+            </a:fld>
+            <a:endParaRPr lang="en-US"/>
+          </a:p>
+        </p:txBody>
+      </p:sp>
+    </p:spTree>
+    <p:extLst>
+      <p:ext uri="{BB962C8B-B14F-4D97-AF65-F5344CB8AC3E}">
+        <p14:creationId xmlns:p14="http://schemas.microsoft.com/office/powerpoint/2010/main" val="4018780410"/>
+      </p:ext>
+    </p:extLst>
+  </p:cSld>
+  <p:clrMapOvr>
+    <a:masterClrMapping/>
+  </p:clrMapOvr>
+</p:notes>
+</file>
+
+<file path=ppt/notesSlides/notesSlide4.xml><?xml version="1.0" encoding="utf-8"?>
+<p:notes xmlns:a="http://schemas.openxmlformats.org/drawingml/2006/main" xmlns:r="http://schemas.openxmlformats.org/officeDocument/2006/relationships" xmlns:p="http://schemas.openxmlformats.org/presentationml/2006/main">
+  <p:cSld>
+    <p:spTree>
+      <p:nvGrpSpPr>
+        <p:cNvPr id="1" name=""/>
+        <p:cNvGrpSpPr/>
+        <p:nvPr/>
+      </p:nvGrpSpPr>
+      <p:grpSpPr>
+        <a:xfrm>
+          <a:off x="0" y="0"/>
+          <a:ext cx="0" cy="0"/>
+          <a:chOff x="0" y="0"/>
+          <a:chExt cx="0" cy="0"/>
+        </a:xfrm>
+      </p:grpSpPr>
+      <p:sp>
+        <p:nvSpPr>
+          <p:cNvPr id="2" name="Slide Image Placeholder 1"/>
+          <p:cNvSpPr>
+            <a:spLocks noGrp="1" noRot="1" noChangeAspect="1"/>
+          </p:cNvSpPr>
+          <p:nvPr>
+            <p:ph type="sldImg"/>
+          </p:nvPr>
+        </p:nvSpPr>
+        <p:spPr/>
+      </p:sp>
+      <p:sp>
+        <p:nvSpPr>
+          <p:cNvPr id="3" name="Notes Placeholder 2"/>
+          <p:cNvSpPr>
+            <a:spLocks noGrp="1"/>
+          </p:cNvSpPr>
+          <p:nvPr>
+            <p:ph type="body" idx="1"/>
+          </p:nvPr>
+        </p:nvSpPr>
+        <p:spPr/>
+        <p:txBody>
+          <a:bodyPr/>
+          <a:lstStyle/>
+          <a:p>
+            <a:r>
+              <a:rPr lang="pt-PT" dirty="0"/>
+              <a:t>Top 5 have more than 60% of all emitted co2.</a:t>
+            </a:r>
+          </a:p>
+        </p:txBody>
+      </p:sp>
+      <p:sp>
+        <p:nvSpPr>
+          <p:cNvPr id="4" name="Date Placeholder 3"/>
+          <p:cNvSpPr>
+            <a:spLocks noGrp="1"/>
+          </p:cNvSpPr>
+          <p:nvPr>
+            <p:ph type="dt" idx="1"/>
+          </p:nvPr>
+        </p:nvSpPr>
+        <p:spPr/>
+        <p:txBody>
+          <a:bodyPr/>
+          <a:lstStyle/>
+          <a:p>
+            <a:pPr rtl="0"/>
+            <a:fld id="{7C083E89-9C17-4ACB-9C5A-FC6158153030}" type="datetime1">
+              <a:rPr lang="en-US" smtClean="0"/>
+              <a:t>10/5/2022</a:t>
+            </a:fld>
+            <a:endParaRPr lang="en-US"/>
+          </a:p>
+        </p:txBody>
+      </p:sp>
+      <p:sp>
+        <p:nvSpPr>
+          <p:cNvPr id="5" name="Slide Number Placeholder 4"/>
+          <p:cNvSpPr>
+            <a:spLocks noGrp="1"/>
+          </p:cNvSpPr>
+          <p:nvPr>
+            <p:ph type="sldNum" sz="quarter" idx="5"/>
+          </p:nvPr>
+        </p:nvSpPr>
+        <p:spPr/>
+        <p:txBody>
+          <a:bodyPr/>
+          <a:lstStyle/>
+          <a:p>
+            <a:pPr rtl="0"/>
+            <a:fld id="{98E40627-AA7D-471F-B5F2-0BF9E4C68EB6}" type="slidenum">
+              <a:rPr lang="en-US" smtClean="0"/>
+              <a:t>4</a:t>
+            </a:fld>
+            <a:endParaRPr lang="en-US"/>
+          </a:p>
+        </p:txBody>
+      </p:sp>
+    </p:spTree>
+    <p:extLst>
+      <p:ext uri="{BB962C8B-B14F-4D97-AF65-F5344CB8AC3E}">
+        <p14:creationId xmlns:p14="http://schemas.microsoft.com/office/powerpoint/2010/main" val="357393104"/>
+      </p:ext>
+    </p:extLst>
+  </p:cSld>
+  <p:clrMapOvr>
+    <a:masterClrMapping/>
+  </p:clrMapOvr>
+</p:notes>
+</file>
+
+<file path=ppt/notesSlides/notesSlide5.xml><?xml version="1.0" encoding="utf-8"?>
+<p:notes xmlns:a="http://schemas.openxmlformats.org/drawingml/2006/main" xmlns:r="http://schemas.openxmlformats.org/officeDocument/2006/relationships" xmlns:p="http://schemas.openxmlformats.org/presentationml/2006/main">
+  <p:cSld>
+    <p:spTree>
+      <p:nvGrpSpPr>
+        <p:cNvPr id="1" name=""/>
+        <p:cNvGrpSpPr/>
+        <p:nvPr/>
+      </p:nvGrpSpPr>
+      <p:grpSpPr>
+        <a:xfrm>
+          <a:off x="0" y="0"/>
+          <a:ext cx="0" cy="0"/>
+          <a:chOff x="0" y="0"/>
+          <a:chExt cx="0" cy="0"/>
+        </a:xfrm>
+      </p:grpSpPr>
+      <p:sp>
+        <p:nvSpPr>
+          <p:cNvPr id="2" name="Slide Image Placeholder 1"/>
+          <p:cNvSpPr>
+            <a:spLocks noGrp="1" noRot="1" noChangeAspect="1"/>
+          </p:cNvSpPr>
+          <p:nvPr>
+            <p:ph type="sldImg"/>
+          </p:nvPr>
+        </p:nvSpPr>
+        <p:spPr/>
+      </p:sp>
+      <p:sp>
+        <p:nvSpPr>
+          <p:cNvPr id="3" name="Notes Placeholder 2"/>
+          <p:cNvSpPr>
+            <a:spLocks noGrp="1"/>
+          </p:cNvSpPr>
+          <p:nvPr>
+            <p:ph type="body" idx="1"/>
+          </p:nvPr>
+        </p:nvSpPr>
+        <p:spPr/>
+        <p:txBody>
+          <a:bodyPr/>
+          <a:lstStyle/>
+          <a:p>
+            <a:endParaRPr lang="pt-PT"/>
+          </a:p>
+        </p:txBody>
+      </p:sp>
+      <p:sp>
+        <p:nvSpPr>
+          <p:cNvPr id="4" name="Date Placeholder 3"/>
+          <p:cNvSpPr>
+            <a:spLocks noGrp="1"/>
+          </p:cNvSpPr>
+          <p:nvPr>
+            <p:ph type="dt" idx="1"/>
+          </p:nvPr>
+        </p:nvSpPr>
+        <p:spPr/>
+        <p:txBody>
+          <a:bodyPr/>
+          <a:lstStyle/>
+          <a:p>
+            <a:pPr rtl="0"/>
+            <a:fld id="{7C083E89-9C17-4ACB-9C5A-FC6158153030}" type="datetime1">
+              <a:rPr lang="en-US" smtClean="0"/>
+              <a:t>10/5/2022</a:t>
+            </a:fld>
+            <a:endParaRPr lang="en-US"/>
+          </a:p>
+        </p:txBody>
+      </p:sp>
+      <p:sp>
+        <p:nvSpPr>
+          <p:cNvPr id="5" name="Slide Number Placeholder 4"/>
+          <p:cNvSpPr>
+            <a:spLocks noGrp="1"/>
+          </p:cNvSpPr>
+          <p:nvPr>
+            <p:ph type="sldNum" sz="quarter" idx="5"/>
+          </p:nvPr>
+        </p:nvSpPr>
+        <p:spPr/>
+        <p:txBody>
+          <a:bodyPr/>
+          <a:lstStyle/>
+          <a:p>
+            <a:pPr rtl="0"/>
+            <a:fld id="{98E40627-AA7D-471F-B5F2-0BF9E4C68EB6}" type="slidenum">
+              <a:rPr lang="en-US" smtClean="0"/>
+              <a:t>5</a:t>
+            </a:fld>
+            <a:endParaRPr lang="en-US"/>
+          </a:p>
+        </p:txBody>
+      </p:sp>
+    </p:spTree>
+    <p:extLst>
+      <p:ext uri="{BB962C8B-B14F-4D97-AF65-F5344CB8AC3E}">
+        <p14:creationId xmlns:p14="http://schemas.microsoft.com/office/powerpoint/2010/main" val="2924238397"/>
+      </p:ext>
+    </p:extLst>
+  </p:cSld>
+  <p:clrMapOvr>
+    <a:masterClrMapping/>
+  </p:clrMapOvr>
+</p:notes>
+</file>
+
+<file path=ppt/notesSlides/notesSlide6.xml><?xml version="1.0" encoding="utf-8"?>
+<p:notes xmlns:a="http://schemas.openxmlformats.org/drawingml/2006/main" xmlns:r="http://schemas.openxmlformats.org/officeDocument/2006/relationships" xmlns:p="http://schemas.openxmlformats.org/presentationml/2006/main">
+  <p:cSld>
+    <p:spTree>
+      <p:nvGrpSpPr>
+        <p:cNvPr id="1" name=""/>
+        <p:cNvGrpSpPr/>
+        <p:nvPr/>
+      </p:nvGrpSpPr>
+      <p:grpSpPr>
+        <a:xfrm>
+          <a:off x="0" y="0"/>
+          <a:ext cx="0" cy="0"/>
+          <a:chOff x="0" y="0"/>
+          <a:chExt cx="0" cy="0"/>
+        </a:xfrm>
+      </p:grpSpPr>
+      <p:sp>
+        <p:nvSpPr>
+          <p:cNvPr id="2" name="Slide Image Placeholder 1"/>
+          <p:cNvSpPr>
+            <a:spLocks noGrp="1" noRot="1" noChangeAspect="1"/>
+          </p:cNvSpPr>
+          <p:nvPr>
+            <p:ph type="sldImg"/>
+          </p:nvPr>
+        </p:nvSpPr>
+        <p:spPr/>
+      </p:sp>
+      <p:sp>
+        <p:nvSpPr>
+          <p:cNvPr id="3" name="Notes Placeholder 2"/>
+          <p:cNvSpPr>
+            <a:spLocks noGrp="1"/>
+          </p:cNvSpPr>
+          <p:nvPr>
+            <p:ph type="body" idx="1"/>
+          </p:nvPr>
+        </p:nvSpPr>
+        <p:spPr/>
+        <p:txBody>
+          <a:bodyPr/>
+          <a:lstStyle/>
+          <a:p>
+            <a:r>
+              <a:rPr lang="pt-PT"/>
+              <a:t>Negligence fires are the most prevalent, followed by intencional.</a:t>
+            </a:r>
+          </a:p>
+        </p:txBody>
+      </p:sp>
+      <p:sp>
+        <p:nvSpPr>
+          <p:cNvPr id="4" name="Date Placeholder 3"/>
+          <p:cNvSpPr>
+            <a:spLocks noGrp="1"/>
+          </p:cNvSpPr>
+          <p:nvPr>
+            <p:ph type="dt" idx="1"/>
+          </p:nvPr>
+        </p:nvSpPr>
+        <p:spPr/>
+        <p:txBody>
+          <a:bodyPr/>
+          <a:lstStyle/>
+          <a:p>
+            <a:pPr rtl="0"/>
+            <a:fld id="{7C083E89-9C17-4ACB-9C5A-FC6158153030}" type="datetime1">
+              <a:rPr lang="en-US" smtClean="0"/>
+              <a:t>10/5/2022</a:t>
+            </a:fld>
+            <a:endParaRPr lang="en-US"/>
+          </a:p>
+        </p:txBody>
+      </p:sp>
+      <p:sp>
+        <p:nvSpPr>
+          <p:cNvPr id="5" name="Slide Number Placeholder 4"/>
+          <p:cNvSpPr>
+            <a:spLocks noGrp="1"/>
+          </p:cNvSpPr>
+          <p:nvPr>
+            <p:ph type="sldNum" sz="quarter" idx="5"/>
+          </p:nvPr>
+        </p:nvSpPr>
+        <p:spPr/>
+        <p:txBody>
+          <a:bodyPr/>
+          <a:lstStyle/>
+          <a:p>
+            <a:pPr rtl="0"/>
+            <a:fld id="{98E40627-AA7D-471F-B5F2-0BF9E4C68EB6}" type="slidenum">
+              <a:rPr lang="en-US" smtClean="0"/>
+              <a:t>6</a:t>
+            </a:fld>
+            <a:endParaRPr lang="en-US"/>
+          </a:p>
+        </p:txBody>
+      </p:sp>
+    </p:spTree>
+    <p:extLst>
+      <p:ext uri="{BB962C8B-B14F-4D97-AF65-F5344CB8AC3E}">
+        <p14:creationId xmlns:p14="http://schemas.microsoft.com/office/powerpoint/2010/main" val="2545332972"/>
+      </p:ext>
+    </p:extLst>
+  </p:cSld>
+  <p:clrMapOvr>
+    <a:masterClrMapping/>
+  </p:clrMapOvr>
+</p:notes>
+</file>
+
+<file path=ppt/notesSlides/notesSlide7.xml><?xml version="1.0" encoding="utf-8"?>
+<p:notes xmlns:a="http://schemas.openxmlformats.org/drawingml/2006/main" xmlns:r="http://schemas.openxmlformats.org/officeDocument/2006/relationships" xmlns:p="http://schemas.openxmlformats.org/presentationml/2006/main">
+  <p:cSld>
+    <p:spTree>
+      <p:nvGrpSpPr>
+        <p:cNvPr id="1" name=""/>
+        <p:cNvGrpSpPr/>
+        <p:nvPr/>
+      </p:nvGrpSpPr>
+      <p:grpSpPr>
+        <a:xfrm>
+          <a:off x="0" y="0"/>
+          <a:ext cx="0" cy="0"/>
+          <a:chOff x="0" y="0"/>
+          <a:chExt cx="0" cy="0"/>
+        </a:xfrm>
+      </p:grpSpPr>
+      <p:sp>
+        <p:nvSpPr>
+          <p:cNvPr id="2" name="Slide Image Placeholder 1"/>
+          <p:cNvSpPr>
+            <a:spLocks noGrp="1" noRot="1" noChangeAspect="1"/>
+          </p:cNvSpPr>
+          <p:nvPr>
+            <p:ph type="sldImg"/>
+          </p:nvPr>
+        </p:nvSpPr>
+        <p:spPr/>
+      </p:sp>
+      <p:sp>
+        <p:nvSpPr>
+          <p:cNvPr id="3" name="Notes Placeholder 2"/>
+          <p:cNvSpPr>
+            <a:spLocks noGrp="1"/>
+          </p:cNvSpPr>
+          <p:nvPr>
+            <p:ph type="body" idx="1"/>
+          </p:nvPr>
+        </p:nvSpPr>
+        <p:spPr/>
+        <p:txBody>
+          <a:bodyPr/>
+          <a:lstStyle/>
+          <a:p>
+            <a:endParaRPr lang="pt-PT"/>
+          </a:p>
+        </p:txBody>
+      </p:sp>
+      <p:sp>
+        <p:nvSpPr>
+          <p:cNvPr id="4" name="Date Placeholder 3"/>
+          <p:cNvSpPr>
+            <a:spLocks noGrp="1"/>
+          </p:cNvSpPr>
+          <p:nvPr>
+            <p:ph type="dt" idx="1"/>
+          </p:nvPr>
+        </p:nvSpPr>
+        <p:spPr/>
+        <p:txBody>
+          <a:bodyPr/>
+          <a:lstStyle/>
+          <a:p>
+            <a:pPr rtl="0"/>
+            <a:fld id="{7C083E89-9C17-4ACB-9C5A-FC6158153030}" type="datetime1">
+              <a:rPr lang="en-US" smtClean="0"/>
+              <a:t>10/5/2022</a:t>
+            </a:fld>
+            <a:endParaRPr lang="en-US"/>
+          </a:p>
+        </p:txBody>
+      </p:sp>
+      <p:sp>
+        <p:nvSpPr>
+          <p:cNvPr id="5" name="Slide Number Placeholder 4"/>
+          <p:cNvSpPr>
+            <a:spLocks noGrp="1"/>
+          </p:cNvSpPr>
+          <p:nvPr>
+            <p:ph type="sldNum" sz="quarter" idx="5"/>
+          </p:nvPr>
+        </p:nvSpPr>
+        <p:spPr/>
+        <p:txBody>
+          <a:bodyPr/>
+          <a:lstStyle/>
+          <a:p>
+            <a:pPr rtl="0"/>
+            <a:fld id="{98E40627-AA7D-471F-B5F2-0BF9E4C68EB6}" type="slidenum">
+              <a:rPr lang="en-US" smtClean="0"/>
+              <a:t>7</a:t>
+            </a:fld>
+            <a:endParaRPr lang="en-US"/>
+          </a:p>
+        </p:txBody>
+      </p:sp>
+    </p:spTree>
+    <p:extLst>
+      <p:ext uri="{BB962C8B-B14F-4D97-AF65-F5344CB8AC3E}">
+        <p14:creationId xmlns:p14="http://schemas.microsoft.com/office/powerpoint/2010/main" val="2564793194"/>
+      </p:ext>
+    </p:extLst>
+  </p:cSld>
+  <p:clrMapOvr>
+    <a:masterClrMapping/>
+  </p:clrMapOvr>
+</p:notes>
+</file>
+
+<file path=ppt/notesSlides/notesSlide8.xml><?xml version="1.0" encoding="utf-8"?>
+<p:notes xmlns:a="http://schemas.openxmlformats.org/drawingml/2006/main" xmlns:r="http://schemas.openxmlformats.org/officeDocument/2006/relationships" xmlns:p="http://schemas.openxmlformats.org/presentationml/2006/main">
+  <p:cSld>
+    <p:spTree>
+      <p:nvGrpSpPr>
+        <p:cNvPr id="1" name=""/>
+        <p:cNvGrpSpPr/>
+        <p:nvPr/>
+      </p:nvGrpSpPr>
+      <p:grpSpPr>
+        <a:xfrm>
+          <a:off x="0" y="0"/>
+          <a:ext cx="0" cy="0"/>
+          <a:chOff x="0" y="0"/>
+          <a:chExt cx="0" cy="0"/>
+        </a:xfrm>
+      </p:grpSpPr>
+      <p:sp>
+        <p:nvSpPr>
+          <p:cNvPr id="2" name="Slide Image Placeholder 1"/>
+          <p:cNvSpPr>
+            <a:spLocks noGrp="1" noRot="1" noChangeAspect="1"/>
+          </p:cNvSpPr>
+          <p:nvPr>
+            <p:ph type="sldImg"/>
+          </p:nvPr>
+        </p:nvSpPr>
+        <p:spPr/>
+      </p:sp>
+      <p:sp>
+        <p:nvSpPr>
+          <p:cNvPr id="3" name="Notes Placeholder 2"/>
+          <p:cNvSpPr>
+            <a:spLocks noGrp="1"/>
+          </p:cNvSpPr>
+          <p:nvPr>
+            <p:ph type="body" idx="1"/>
+          </p:nvPr>
+        </p:nvSpPr>
+        <p:spPr/>
+        <p:txBody>
+          <a:bodyPr/>
+          <a:lstStyle/>
+          <a:p>
+            <a:r>
+              <a:rPr lang="pt-PT" dirty="0"/>
+              <a:t>No, its actually quite lower. 6814 vs 6353</a:t>
+            </a:r>
+          </a:p>
+        </p:txBody>
+      </p:sp>
+      <p:sp>
+        <p:nvSpPr>
+          <p:cNvPr id="4" name="Date Placeholder 3"/>
+          <p:cNvSpPr>
+            <a:spLocks noGrp="1"/>
+          </p:cNvSpPr>
+          <p:nvPr>
+            <p:ph type="dt" idx="1"/>
+          </p:nvPr>
+        </p:nvSpPr>
+        <p:spPr/>
+        <p:txBody>
+          <a:bodyPr/>
+          <a:lstStyle/>
+          <a:p>
+            <a:pPr rtl="0"/>
+            <a:fld id="{7C083E89-9C17-4ACB-9C5A-FC6158153030}" type="datetime1">
+              <a:rPr lang="en-US" smtClean="0"/>
+              <a:t>10/5/2022</a:t>
+            </a:fld>
+            <a:endParaRPr lang="en-US"/>
+          </a:p>
+        </p:txBody>
+      </p:sp>
+      <p:sp>
+        <p:nvSpPr>
+          <p:cNvPr id="5" name="Slide Number Placeholder 4"/>
+          <p:cNvSpPr>
+            <a:spLocks noGrp="1"/>
+          </p:cNvSpPr>
+          <p:nvPr>
+            <p:ph type="sldNum" sz="quarter" idx="5"/>
+          </p:nvPr>
+        </p:nvSpPr>
+        <p:spPr/>
+        <p:txBody>
+          <a:bodyPr/>
+          <a:lstStyle/>
+          <a:p>
+            <a:pPr rtl="0"/>
+            <a:fld id="{98E40627-AA7D-471F-B5F2-0BF9E4C68EB6}" type="slidenum">
+              <a:rPr lang="en-US" smtClean="0"/>
+              <a:t>8</a:t>
+            </a:fld>
+            <a:endParaRPr lang="en-US"/>
+          </a:p>
+        </p:txBody>
+      </p:sp>
+    </p:spTree>
+    <p:extLst>
+      <p:ext uri="{BB962C8B-B14F-4D97-AF65-F5344CB8AC3E}">
+        <p14:creationId xmlns:p14="http://schemas.microsoft.com/office/powerpoint/2010/main" val="2014950927"/>
+      </p:ext>
+    </p:extLst>
+  </p:cSld>
+  <p:clrMapOvr>
+    <a:masterClrMapping/>
+  </p:clrMapOvr>
+</p:notes>
+</file>
+
+<file path=ppt/notesSlides/notesSlide9.xml><?xml version="1.0" encoding="utf-8"?>
+<p:notes xmlns:a="http://schemas.openxmlformats.org/drawingml/2006/main" xmlns:r="http://schemas.openxmlformats.org/officeDocument/2006/relationships" xmlns:p="http://schemas.openxmlformats.org/presentationml/2006/main">
+  <p:cSld>
+    <p:spTree>
+      <p:nvGrpSpPr>
+        <p:cNvPr id="1" name=""/>
+        <p:cNvGrpSpPr/>
+        <p:nvPr/>
+      </p:nvGrpSpPr>
+      <p:grpSpPr>
+        <a:xfrm>
+          <a:off x="0" y="0"/>
+          <a:ext cx="0" cy="0"/>
+          <a:chOff x="0" y="0"/>
+          <a:chExt cx="0" cy="0"/>
+        </a:xfrm>
+      </p:grpSpPr>
+      <p:sp>
+        <p:nvSpPr>
+          <p:cNvPr id="2" name="Slide Image Placeholder 1"/>
+          <p:cNvSpPr>
+            <a:spLocks noGrp="1" noRot="1" noChangeAspect="1"/>
+          </p:cNvSpPr>
+          <p:nvPr>
+            <p:ph type="sldImg"/>
+          </p:nvPr>
+        </p:nvSpPr>
+        <p:spPr/>
+      </p:sp>
+      <p:sp>
+        <p:nvSpPr>
+          <p:cNvPr id="3" name="Notes Placeholder 2"/>
+          <p:cNvSpPr>
+            <a:spLocks noGrp="1"/>
+          </p:cNvSpPr>
+          <p:nvPr>
+            <p:ph type="body" idx="1"/>
+          </p:nvPr>
+        </p:nvSpPr>
+        <p:spPr/>
+        <p:txBody>
+          <a:bodyPr/>
+          <a:lstStyle/>
+          <a:p>
+            <a:r>
+              <a:rPr lang="pt-PT" dirty="0"/>
+              <a:t>Yes they have. Almost double!</a:t>
+            </a:r>
+          </a:p>
+        </p:txBody>
+      </p:sp>
+      <p:sp>
+        <p:nvSpPr>
+          <p:cNvPr id="4" name="Date Placeholder 3"/>
+          <p:cNvSpPr>
+            <a:spLocks noGrp="1"/>
+          </p:cNvSpPr>
+          <p:nvPr>
+            <p:ph type="dt" idx="1"/>
+          </p:nvPr>
+        </p:nvSpPr>
+        <p:spPr/>
+        <p:txBody>
+          <a:bodyPr/>
+          <a:lstStyle/>
+          <a:p>
+            <a:pPr rtl="0"/>
+            <a:fld id="{7C083E89-9C17-4ACB-9C5A-FC6158153030}" type="datetime1">
+              <a:rPr lang="en-US" smtClean="0"/>
+              <a:t>10/5/2022</a:t>
+            </a:fld>
+            <a:endParaRPr lang="en-US"/>
+          </a:p>
+        </p:txBody>
+      </p:sp>
+      <p:sp>
+        <p:nvSpPr>
+          <p:cNvPr id="5" name="Slide Number Placeholder 4"/>
+          <p:cNvSpPr>
+            <a:spLocks noGrp="1"/>
+          </p:cNvSpPr>
+          <p:nvPr>
+            <p:ph type="sldNum" sz="quarter" idx="5"/>
+          </p:nvPr>
+        </p:nvSpPr>
+        <p:spPr/>
+        <p:txBody>
+          <a:bodyPr/>
+          <a:lstStyle/>
+          <a:p>
+            <a:pPr rtl="0"/>
+            <a:fld id="{98E40627-AA7D-471F-B5F2-0BF9E4C68EB6}" type="slidenum">
+              <a:rPr lang="en-US" smtClean="0"/>
+              <a:t>9</a:t>
+            </a:fld>
+            <a:endParaRPr lang="en-US"/>
+          </a:p>
+        </p:txBody>
+      </p:sp>
+    </p:spTree>
+    <p:extLst>
+      <p:ext uri="{BB962C8B-B14F-4D97-AF65-F5344CB8AC3E}">
+        <p14:creationId xmlns:p14="http://schemas.microsoft.com/office/powerpoint/2010/main" val="3419647459"/>
+      </p:ext>
+    </p:extLst>
+  </p:cSld>
+  <p:clrMapOvr>
+    <a:masterClrMapping/>
+  </p:clrMapOvr>
+</p:notes>
+</file>
+
 <file path=ppt/slideLayouts/slideLayout1.xml><?xml version="1.0" encoding="utf-8"?>
 <p:sldLayout xmlns:a="http://schemas.openxmlformats.org/drawingml/2006/main" xmlns:r="http://schemas.openxmlformats.org/officeDocument/2006/relationships" xmlns:p="http://schemas.openxmlformats.org/presentationml/2006/main" showMasterSp="0" type="title" preserve="1">
   <p:cSld name="Title Slide">
@@ -801,191 +2345,6 @@
           <a:effectLst/>
         </p:spPr>
       </p:sp>
-      <p:sp>
-        <p:nvSpPr>
-          <p:cNvPr id="15" name="Rectangle 14"/>
-          <p:cNvSpPr/>
-          <p:nvPr/>
-        </p:nvSpPr>
-        <p:spPr>
-          <a:xfrm>
-            <a:off x="5135880" y="1267730"/>
-            <a:ext cx="1920240" cy="731520"/>
-          </a:xfrm>
-          <a:prstGeom prst="rect">
-            <a:avLst/>
-          </a:prstGeom>
-          <a:solidFill>
-            <a:schemeClr val="accent1"/>
-          </a:solidFill>
-          <a:ln>
-            <a:noFill/>
-          </a:ln>
-        </p:spPr>
-        <p:style>
-          <a:lnRef idx="2">
-            <a:schemeClr val="accent1">
-              <a:shade val="50000"/>
-            </a:schemeClr>
-          </a:lnRef>
-          <a:fillRef idx="1">
-            <a:schemeClr val="accent1"/>
-          </a:fillRef>
-          <a:effectRef idx="0">
-            <a:schemeClr val="accent1"/>
-          </a:effectRef>
-          <a:fontRef idx="minor">
-            <a:schemeClr val="lt1"/>
-          </a:fontRef>
-        </p:style>
-      </p:sp>
-      <p:grpSp>
-        <p:nvGrpSpPr>
-          <p:cNvPr id="7" name="Group 6">
-            <a:extLst>
-              <a:ext uri="{FF2B5EF4-FFF2-40B4-BE49-F238E27FC236}">
-                <a16:creationId xmlns:a16="http://schemas.microsoft.com/office/drawing/2014/main" id="{E26428D7-C6F3-473D-A360-A3F5C3E8728C}"/>
-              </a:ext>
-            </a:extLst>
-          </p:cNvPr>
-          <p:cNvGrpSpPr/>
-          <p:nvPr/>
-        </p:nvGrpSpPr>
-        <p:grpSpPr>
-          <a:xfrm>
-            <a:off x="5250180" y="1267730"/>
-            <a:ext cx="1691640" cy="615934"/>
-            <a:chOff x="5250180" y="1267730"/>
-            <a:chExt cx="1691640" cy="615934"/>
-          </a:xfrm>
-        </p:grpSpPr>
-        <p:cxnSp>
-          <p:nvCxnSpPr>
-            <p:cNvPr id="17" name="Straight Connector 16"/>
-            <p:cNvCxnSpPr/>
-            <p:nvPr/>
-          </p:nvCxnSpPr>
-          <p:spPr>
-            <a:xfrm>
-              <a:off x="5250180" y="1267730"/>
-              <a:ext cx="0" cy="612648"/>
-            </a:xfrm>
-            <a:prstGeom prst="line">
-              <a:avLst/>
-            </a:prstGeom>
-            <a:solidFill>
-              <a:schemeClr val="tx1">
-                <a:lumMod val="85000"/>
-                <a:lumOff val="15000"/>
-              </a:schemeClr>
-            </a:solidFill>
-            <a:ln>
-              <a:solidFill>
-                <a:srgbClr val="FFFFFF"/>
-              </a:solidFill>
-              <a:miter lim="800000"/>
-            </a:ln>
-          </p:spPr>
-          <p:style>
-            <a:lnRef idx="1">
-              <a:schemeClr val="accent1"/>
-            </a:lnRef>
-            <a:fillRef idx="0">
-              <a:schemeClr val="accent1"/>
-            </a:fillRef>
-            <a:effectRef idx="0">
-              <a:schemeClr val="accent1"/>
-            </a:effectRef>
-            <a:fontRef idx="minor">
-              <a:schemeClr val="tx1"/>
-            </a:fontRef>
-          </p:style>
-        </p:cxnSp>
-        <p:cxnSp>
-          <p:nvCxnSpPr>
-            <p:cNvPr id="18" name="Straight Connector 17"/>
-            <p:cNvCxnSpPr/>
-            <p:nvPr/>
-          </p:nvCxnSpPr>
-          <p:spPr>
-            <a:xfrm>
-              <a:off x="6941820" y="1267730"/>
-              <a:ext cx="0" cy="612648"/>
-            </a:xfrm>
-            <a:prstGeom prst="line">
-              <a:avLst/>
-            </a:prstGeom>
-            <a:solidFill>
-              <a:schemeClr val="tx1">
-                <a:lumMod val="85000"/>
-                <a:lumOff val="15000"/>
-              </a:schemeClr>
-            </a:solidFill>
-            <a:ln>
-              <a:solidFill>
-                <a:srgbClr val="FFFFFF"/>
-              </a:solidFill>
-              <a:miter lim="800000"/>
-            </a:ln>
-          </p:spPr>
-          <p:style>
-            <a:lnRef idx="1">
-              <a:schemeClr val="accent1"/>
-            </a:lnRef>
-            <a:fillRef idx="0">
-              <a:schemeClr val="accent1"/>
-            </a:fillRef>
-            <a:effectRef idx="0">
-              <a:schemeClr val="accent1"/>
-            </a:effectRef>
-            <a:fontRef idx="minor">
-              <a:schemeClr val="tx1"/>
-            </a:fontRef>
-          </p:style>
-        </p:cxnSp>
-        <p:cxnSp>
-          <p:nvCxnSpPr>
-            <p:cNvPr id="19" name="Straight Connector 18"/>
-            <p:cNvCxnSpPr/>
-            <p:nvPr/>
-          </p:nvCxnSpPr>
-          <p:spPr>
-            <a:xfrm>
-              <a:off x="5250180" y="1883664"/>
-              <a:ext cx="1691640" cy="0"/>
-            </a:xfrm>
-            <a:prstGeom prst="line">
-              <a:avLst/>
-            </a:prstGeom>
-            <a:solidFill>
-              <a:schemeClr val="tx1">
-                <a:lumMod val="85000"/>
-                <a:lumOff val="15000"/>
-              </a:schemeClr>
-            </a:solidFill>
-            <a:ln>
-              <a:solidFill>
-                <a:srgbClr val="FFFFFF"/>
-              </a:solidFill>
-              <a:miter lim="800000"/>
-            </a:ln>
-          </p:spPr>
-          <p:style>
-            <a:lnRef idx="1">
-              <a:schemeClr val="accent1"/>
-            </a:lnRef>
-            <a:fillRef idx="0">
-              <a:schemeClr val="accent1"/>
-            </a:fillRef>
-            <a:effectRef idx="0">
-              <a:schemeClr val="accent1"/>
-            </a:effectRef>
-            <a:fontRef idx="minor">
-              <a:schemeClr val="tx1"/>
-            </a:fontRef>
-          </p:style>
-        </p:cxnSp>
-      </p:grpSp>
       <p:sp>
         <p:nvSpPr>
           <p:cNvPr id="2" name="Title 1"/>
@@ -1115,44 +2474,6 @@
       </p:sp>
       <p:sp>
         <p:nvSpPr>
-          <p:cNvPr id="20" name="Date Placeholder 19"/>
-          <p:cNvSpPr>
-            <a:spLocks noGrp="1"/>
-          </p:cNvSpPr>
-          <p:nvPr>
-            <p:ph type="dt" sz="half" idx="10"/>
-          </p:nvPr>
-        </p:nvSpPr>
-        <p:spPr>
-          <a:xfrm>
-            <a:off x="5318760" y="1341256"/>
-            <a:ext cx="1554480" cy="485546"/>
-          </a:xfrm>
-        </p:spPr>
-        <p:txBody>
-          <a:bodyPr rtlCol="0"/>
-          <a:lstStyle>
-            <a:lvl1pPr algn="ctr">
-              <a:defRPr sz="1300" spc="0" baseline="0">
-                <a:solidFill>
-                  <a:srgbClr val="FFFFFF"/>
-                </a:solidFill>
-                <a:latin typeface="+mn-lt"/>
-              </a:defRPr>
-            </a:lvl1pPr>
-          </a:lstStyle>
-          <a:p>
-            <a:pPr rtl="0"/>
-            <a:fld id="{AF06100D-ACB2-4073-BF9B-CEA67DE4FC1E}" type="datetime1">
-              <a:rPr lang="en-US" smtClean="0"/>
-              <a:t>10/4/2022</a:t>
-            </a:fld>
-            <a:endParaRPr lang="en-US" dirty="0"/>
-          </a:p>
-        </p:txBody>
-      </p:sp>
-      <p:sp>
-        <p:nvSpPr>
           <p:cNvPr id="21" name="Footer Placeholder 20"/>
           <p:cNvSpPr>
             <a:spLocks noGrp="1"/>
@@ -1365,7 +2686,7 @@
             <a:pPr rtl="0"/>
             <a:fld id="{597ED783-DB29-47F9-9951-77B63BA02D43}" type="datetime1">
               <a:rPr lang="en-US" smtClean="0"/>
-              <a:t>10/4/2022</a:t>
+              <a:t>10/5/2022</a:t>
             </a:fld>
             <a:endParaRPr lang="en-US"/>
           </a:p>
@@ -1563,7 +2884,7 @@
             <a:pPr rtl="0"/>
             <a:fld id="{15B008B6-742F-469A-8149-46AD5BD72E17}" type="datetime1">
               <a:rPr lang="en-US" smtClean="0"/>
-              <a:t>10/4/2022</a:t>
+              <a:t>10/5/2022</a:t>
             </a:fld>
             <a:endParaRPr lang="en-US"/>
           </a:p>
@@ -1915,44 +3236,6 @@
       </p:sp>
       <p:sp>
         <p:nvSpPr>
-          <p:cNvPr id="30" name="Rectangle 29"/>
-          <p:cNvSpPr/>
-          <p:nvPr/>
-        </p:nvSpPr>
-        <p:spPr>
-          <a:xfrm>
-            <a:off x="5135880" y="1267730"/>
-            <a:ext cx="1920240" cy="731520"/>
-          </a:xfrm>
-          <a:prstGeom prst="rect">
-            <a:avLst/>
-          </a:prstGeom>
-          <a:solidFill>
-            <a:schemeClr val="accent2"/>
-          </a:solidFill>
-          <a:ln>
-            <a:noFill/>
-          </a:ln>
-        </p:spPr>
-        <p:style>
-          <a:lnRef idx="2">
-            <a:schemeClr val="accent1">
-              <a:shade val="50000"/>
-            </a:schemeClr>
-          </a:lnRef>
-          <a:fillRef idx="1">
-            <a:schemeClr val="accent1"/>
-          </a:fillRef>
-          <a:effectRef idx="0">
-            <a:schemeClr val="accent1"/>
-          </a:effectRef>
-          <a:fontRef idx="minor">
-            <a:schemeClr val="lt1"/>
-          </a:fontRef>
-        </p:style>
-      </p:sp>
-      <p:sp>
-        <p:nvSpPr>
           <p:cNvPr id="2" name="Title 1"/>
           <p:cNvSpPr>
             <a:spLocks noGrp="1"/>
@@ -2000,171 +3283,6 @@
           </a:p>
         </p:txBody>
       </p:sp>
-      <p:grpSp>
-        <p:nvGrpSpPr>
-          <p:cNvPr id="16" name="Group 15">
-            <a:extLst>
-              <a:ext uri="{FF2B5EF4-FFF2-40B4-BE49-F238E27FC236}">
-                <a16:creationId xmlns:a16="http://schemas.microsoft.com/office/drawing/2014/main" id="{1683EB04-C23E-490C-A1A6-030CF79D23C8}"/>
-              </a:ext>
-            </a:extLst>
-          </p:cNvPr>
-          <p:cNvGrpSpPr/>
-          <p:nvPr/>
-        </p:nvGrpSpPr>
-        <p:grpSpPr>
-          <a:xfrm>
-            <a:off x="5250180" y="1267730"/>
-            <a:ext cx="1691640" cy="615934"/>
-            <a:chOff x="5250180" y="1267730"/>
-            <a:chExt cx="1691640" cy="615934"/>
-          </a:xfrm>
-        </p:grpSpPr>
-        <p:cxnSp>
-          <p:nvCxnSpPr>
-            <p:cNvPr id="17" name="Straight Connector 16">
-              <a:extLst>
-                <a:ext uri="{FF2B5EF4-FFF2-40B4-BE49-F238E27FC236}">
-                  <a16:creationId xmlns:a16="http://schemas.microsoft.com/office/drawing/2014/main" id="{F8A84C03-E1CA-4A4E-81D6-9BB0C335B7A0}"/>
-                </a:ext>
-              </a:extLst>
-            </p:cNvPr>
-            <p:cNvCxnSpPr/>
-            <p:nvPr/>
-          </p:nvCxnSpPr>
-          <p:spPr>
-            <a:xfrm>
-              <a:off x="5250180" y="1267730"/>
-              <a:ext cx="0" cy="612648"/>
-            </a:xfrm>
-            <a:prstGeom prst="line">
-              <a:avLst/>
-            </a:prstGeom>
-            <a:solidFill>
-              <a:schemeClr val="tx1">
-                <a:lumMod val="85000"/>
-                <a:lumOff val="15000"/>
-              </a:schemeClr>
-            </a:solidFill>
-            <a:ln>
-              <a:solidFill>
-                <a:srgbClr val="FFFFFF"/>
-              </a:solidFill>
-              <a:miter lim="800000"/>
-            </a:ln>
-          </p:spPr>
-          <p:style>
-            <a:lnRef idx="1">
-              <a:schemeClr val="accent1"/>
-            </a:lnRef>
-            <a:fillRef idx="0">
-              <a:schemeClr val="accent1"/>
-            </a:fillRef>
-            <a:effectRef idx="0">
-              <a:schemeClr val="accent1"/>
-            </a:effectRef>
-            <a:fontRef idx="minor">
-              <a:schemeClr val="tx1"/>
-            </a:fontRef>
-          </p:style>
-        </p:cxnSp>
-        <p:cxnSp>
-          <p:nvCxnSpPr>
-            <p:cNvPr id="18" name="Straight Connector 17">
-              <a:extLst>
-                <a:ext uri="{FF2B5EF4-FFF2-40B4-BE49-F238E27FC236}">
-                  <a16:creationId xmlns:a16="http://schemas.microsoft.com/office/drawing/2014/main" id="{4A26FB5A-D5D1-4DAB-AC43-7F51A7F2D197}"/>
-                </a:ext>
-              </a:extLst>
-            </p:cNvPr>
-            <p:cNvCxnSpPr/>
-            <p:nvPr/>
-          </p:nvCxnSpPr>
-          <p:spPr>
-            <a:xfrm>
-              <a:off x="6941820" y="1267730"/>
-              <a:ext cx="0" cy="612648"/>
-            </a:xfrm>
-            <a:prstGeom prst="line">
-              <a:avLst/>
-            </a:prstGeom>
-            <a:solidFill>
-              <a:schemeClr val="tx1">
-                <a:lumMod val="85000"/>
-                <a:lumOff val="15000"/>
-              </a:schemeClr>
-            </a:solidFill>
-            <a:ln>
-              <a:solidFill>
-                <a:srgbClr val="FFFFFF"/>
-              </a:solidFill>
-              <a:miter lim="800000"/>
-            </a:ln>
-          </p:spPr>
-          <p:style>
-            <a:lnRef idx="1">
-              <a:schemeClr val="accent1"/>
-            </a:lnRef>
-            <a:fillRef idx="0">
-              <a:schemeClr val="accent1"/>
-            </a:fillRef>
-            <a:effectRef idx="0">
-              <a:schemeClr val="accent1"/>
-            </a:effectRef>
-            <a:fontRef idx="minor">
-              <a:schemeClr val="tx1"/>
-            </a:fontRef>
-          </p:style>
-        </p:cxnSp>
-        <p:cxnSp>
-          <p:nvCxnSpPr>
-            <p:cNvPr id="19" name="Straight Connector 18">
-              <a:extLst>
-                <a:ext uri="{FF2B5EF4-FFF2-40B4-BE49-F238E27FC236}">
-                  <a16:creationId xmlns:a16="http://schemas.microsoft.com/office/drawing/2014/main" id="{49303F14-E560-4C02-94F4-B4695FE26813}"/>
-                </a:ext>
-              </a:extLst>
-            </p:cNvPr>
-            <p:cNvCxnSpPr/>
-            <p:nvPr/>
-          </p:nvCxnSpPr>
-          <p:spPr>
-            <a:xfrm>
-              <a:off x="5250180" y="1883664"/>
-              <a:ext cx="1691640" cy="0"/>
-            </a:xfrm>
-            <a:prstGeom prst="line">
-              <a:avLst/>
-            </a:prstGeom>
-            <a:solidFill>
-              <a:schemeClr val="tx1">
-                <a:lumMod val="85000"/>
-                <a:lumOff val="15000"/>
-              </a:schemeClr>
-            </a:solidFill>
-            <a:ln>
-              <a:solidFill>
-                <a:srgbClr val="FFFFFF"/>
-              </a:solidFill>
-              <a:miter lim="800000"/>
-            </a:ln>
-          </p:spPr>
-          <p:style>
-            <a:lnRef idx="1">
-              <a:schemeClr val="accent1"/>
-            </a:lnRef>
-            <a:fillRef idx="0">
-              <a:schemeClr val="accent1"/>
-            </a:fillRef>
-            <a:effectRef idx="0">
-              <a:schemeClr val="accent1"/>
-            </a:effectRef>
-            <a:fontRef idx="minor">
-              <a:schemeClr val="tx1"/>
-            </a:fontRef>
-          </p:style>
-        </p:cxnSp>
-      </p:grpSp>
       <p:sp>
         <p:nvSpPr>
           <p:cNvPr id="3" name="Text Placeholder 2"/>
@@ -2293,46 +3411,6 @@
       </p:sp>
       <p:sp>
         <p:nvSpPr>
-          <p:cNvPr id="4" name="Date Placeholder 3"/>
-          <p:cNvSpPr>
-            <a:spLocks noGrp="1"/>
-          </p:cNvSpPr>
-          <p:nvPr>
-            <p:ph type="dt" sz="half" idx="10"/>
-          </p:nvPr>
-        </p:nvSpPr>
-        <p:spPr>
-          <a:xfrm>
-            <a:off x="5318760" y="1344502"/>
-            <a:ext cx="1554480" cy="498781"/>
-          </a:xfrm>
-        </p:spPr>
-        <p:txBody>
-          <a:bodyPr rtlCol="0"/>
-          <a:lstStyle>
-            <a:lvl1pPr algn="ctr">
-              <a:defRPr lang="en-US" sz="1300" kern="1200" spc="0" baseline="0">
-                <a:solidFill>
-                  <a:srgbClr val="FFFFFF"/>
-                </a:solidFill>
-                <a:latin typeface="+mn-lt"/>
-                <a:ea typeface="+mn-ea"/>
-                <a:cs typeface="+mn-cs"/>
-              </a:defRPr>
-            </a:lvl1pPr>
-          </a:lstStyle>
-          <a:p>
-            <a:pPr rtl="0"/>
-            <a:fld id="{E52EAF6A-26D9-444A-B705-0A4D4C19524E}" type="datetime1">
-              <a:rPr lang="en-US" smtClean="0"/>
-              <a:t>10/4/2022</a:t>
-            </a:fld>
-            <a:endParaRPr lang="en-US" dirty="0"/>
-          </a:p>
-        </p:txBody>
-      </p:sp>
-      <p:sp>
-        <p:nvSpPr>
           <p:cNvPr id="5" name="Footer Placeholder 4"/>
           <p:cNvSpPr>
             <a:spLocks noGrp="1"/>
@@ -2663,7 +3741,7 @@
             <a:pPr rtl="0"/>
             <a:fld id="{8BF8E8C2-5B3F-4938-B298-DC830678435E}" type="datetime1">
               <a:rPr lang="en-US" smtClean="0"/>
-              <a:t>10/4/2022</a:t>
+              <a:t>10/5/2022</a:t>
             </a:fld>
             <a:endParaRPr lang="en-US"/>
           </a:p>
@@ -3118,7 +4196,7 @@
             <a:pPr rtl="0"/>
             <a:fld id="{44B096BB-90C9-47D5-BC2E-60996DD28B4D}" type="datetime1">
               <a:rPr lang="en-US" smtClean="0"/>
-              <a:t>10/4/2022</a:t>
+              <a:t>10/5/2022</a:t>
             </a:fld>
             <a:endParaRPr lang="en-US"/>
           </a:p>
@@ -3254,7 +4332,7 @@
             <a:pPr rtl="0"/>
             <a:fld id="{A2539355-4B01-415F-86C3-20BDC371F631}" type="datetime1">
               <a:rPr lang="en-US" smtClean="0"/>
-              <a:t>10/4/2022</a:t>
+              <a:t>10/5/2022</a:t>
             </a:fld>
             <a:endParaRPr lang="en-US"/>
           </a:p>
@@ -3366,7 +4444,7 @@
             <a:pPr rtl="0"/>
             <a:fld id="{C4EF661B-051B-488D-9CAD-3167E0302A9F}" type="datetime1">
               <a:rPr lang="en-US" smtClean="0"/>
-              <a:t>10/4/2022</a:t>
+              <a:t>10/5/2022</a:t>
             </a:fld>
             <a:endParaRPr lang="en-US"/>
           </a:p>
@@ -3800,7 +4878,7 @@
             <a:pPr rtl="0"/>
             <a:fld id="{5A1928F9-0DBA-496E-A54E-8F6506DE8A22}" type="datetime1">
               <a:rPr lang="en-US" smtClean="0"/>
-              <a:t>10/4/2022</a:t>
+              <a:t>10/5/2022</a:t>
             </a:fld>
             <a:endParaRPr lang="en-US"/>
           </a:p>
@@ -4078,7 +5156,7 @@
             <a:pPr rtl="0"/>
             <a:fld id="{D00C4EC2-8CF3-421D-A60C-E5DA97AFBEE4}" type="datetime1">
               <a:rPr lang="en-US" smtClean="0"/>
-              <a:t>10/4/2022</a:t>
+              <a:t>10/5/2022</a:t>
             </a:fld>
             <a:endParaRPr lang="en-US" dirty="0"/>
           </a:p>
@@ -4606,7 +5684,7 @@
             <a:pPr rtl="0"/>
             <a:fld id="{4A154B4A-AFBA-40AE-AC51-EF683FF0136C}" type="datetime1">
               <a:rPr lang="en-US" smtClean="0"/>
-              <a:t>10/4/2022</a:t>
+              <a:t>10/5/2022</a:t>
             </a:fld>
             <a:endParaRPr lang="en-US" dirty="0"/>
           </a:p>
@@ -5100,7 +6178,7 @@
           <p:nvPr/>
         </p:nvPicPr>
         <p:blipFill>
-          <a:blip r:embed="rId2">
+          <a:blip r:embed="rId3">
             <a:extLst>
               <a:ext uri="{28A0092B-C50C-407E-A947-70E740481C1C}">
                 <a14:useLocalDpi xmlns:a14="http://schemas.microsoft.com/office/drawing/2010/main" val="0"/>
@@ -5112,7 +6190,7 @@
         </p:blipFill>
         <p:spPr>
           <a:xfrm>
-            <a:off x="20" y="-2345138"/>
+            <a:off x="0" y="-2352200"/>
             <a:ext cx="16398220" cy="9210200"/>
           </a:xfrm>
           <a:prstGeom prst="rect">
@@ -5339,1636 +6417,6 @@
           <p:cNvPr id="2" name="Title 1">
             <a:extLst>
               <a:ext uri="{FF2B5EF4-FFF2-40B4-BE49-F238E27FC236}">
-                <a16:creationId xmlns:a16="http://schemas.microsoft.com/office/drawing/2014/main" id="{F6AF5EC1-B4CB-1419-252F-A564CFD954D3}"/>
-              </a:ext>
-            </a:extLst>
-          </p:cNvPr>
-          <p:cNvSpPr>
-            <a:spLocks noGrp="1"/>
-          </p:cNvSpPr>
-          <p:nvPr>
-            <p:ph type="title"/>
-          </p:nvPr>
-        </p:nvSpPr>
-        <p:spPr>
-          <a:xfrm>
-            <a:off x="8458200" y="607392"/>
-            <a:ext cx="3161963" cy="1099488"/>
-          </a:xfrm>
-        </p:spPr>
-        <p:txBody>
-          <a:bodyPr/>
-          <a:lstStyle/>
-          <a:p>
-            <a:r>
-              <a:rPr lang="pt-PT" dirty="0"/>
-              <a:t>Another look</a:t>
-            </a:r>
-          </a:p>
-        </p:txBody>
-      </p:sp>
-      <p:sp>
-        <p:nvSpPr>
-          <p:cNvPr id="3" name="Content Placeholder 2">
-            <a:extLst>
-              <a:ext uri="{FF2B5EF4-FFF2-40B4-BE49-F238E27FC236}">
-                <a16:creationId xmlns:a16="http://schemas.microsoft.com/office/drawing/2014/main" id="{DDA0649B-0727-1C80-7A9A-731712F31F86}"/>
-              </a:ext>
-            </a:extLst>
-          </p:cNvPr>
-          <p:cNvSpPr>
-            <a:spLocks noGrp="1"/>
-          </p:cNvSpPr>
-          <p:nvPr>
-            <p:ph idx="1"/>
-          </p:nvPr>
-        </p:nvSpPr>
-        <p:spPr/>
-        <p:txBody>
-          <a:bodyPr/>
-          <a:lstStyle/>
-          <a:p>
-            <a:endParaRPr lang="pt-PT"/>
-          </a:p>
-        </p:txBody>
-      </p:sp>
-      <p:sp>
-        <p:nvSpPr>
-          <p:cNvPr id="4" name="Text Placeholder 3">
-            <a:extLst>
-              <a:ext uri="{FF2B5EF4-FFF2-40B4-BE49-F238E27FC236}">
-                <a16:creationId xmlns:a16="http://schemas.microsoft.com/office/drawing/2014/main" id="{E2B5BEC2-C59B-636C-1E78-B31CF408941A}"/>
-              </a:ext>
-            </a:extLst>
-          </p:cNvPr>
-          <p:cNvSpPr>
-            <a:spLocks noGrp="1"/>
-          </p:cNvSpPr>
-          <p:nvPr>
-            <p:ph type="body" sz="half" idx="2"/>
-          </p:nvPr>
-        </p:nvSpPr>
-        <p:spPr>
-          <a:xfrm>
-            <a:off x="8458200" y="1808480"/>
-            <a:ext cx="3161963" cy="4135120"/>
-          </a:xfrm>
-        </p:spPr>
-        <p:txBody>
-          <a:bodyPr>
-            <a:normAutofit/>
-          </a:bodyPr>
-          <a:lstStyle/>
-          <a:p>
-            <a:r>
-              <a:rPr lang="pt-PT" dirty="0"/>
-              <a:t>We can clearly see that some districts have almost exclusively intencional fires, and others just negligence realted ones.</a:t>
-            </a:r>
-          </a:p>
-          <a:p>
-            <a:r>
-              <a:rPr lang="pt-PT" dirty="0"/>
-              <a:t>Better prevention and fires enforcement rules have to be in place for the negligence related districts since they are mostly agricultural.</a:t>
-            </a:r>
-          </a:p>
-        </p:txBody>
-      </p:sp>
-      <p:sp>
-        <p:nvSpPr>
-          <p:cNvPr id="5" name="Date Placeholder 4">
-            <a:extLst>
-              <a:ext uri="{FF2B5EF4-FFF2-40B4-BE49-F238E27FC236}">
-                <a16:creationId xmlns:a16="http://schemas.microsoft.com/office/drawing/2014/main" id="{F312605A-4588-49C7-EFB0-1F78F599DC34}"/>
-              </a:ext>
-            </a:extLst>
-          </p:cNvPr>
-          <p:cNvSpPr>
-            <a:spLocks noGrp="1"/>
-          </p:cNvSpPr>
-          <p:nvPr>
-            <p:ph type="dt" sz="half" idx="10"/>
-          </p:nvPr>
-        </p:nvSpPr>
-        <p:spPr/>
-        <p:txBody>
-          <a:bodyPr/>
-          <a:lstStyle/>
-          <a:p>
-            <a:pPr rtl="0"/>
-            <a:fld id="{5A1928F9-0DBA-496E-A54E-8F6506DE8A22}" type="datetime1">
-              <a:rPr lang="en-US" smtClean="0"/>
-              <a:t>10/4/2022</a:t>
-            </a:fld>
-            <a:endParaRPr lang="en-US"/>
-          </a:p>
-        </p:txBody>
-      </p:sp>
-    </p:spTree>
-    <p:extLst>
-      <p:ext uri="{BB962C8B-B14F-4D97-AF65-F5344CB8AC3E}">
-        <p14:creationId xmlns:p14="http://schemas.microsoft.com/office/powerpoint/2010/main" val="3445363929"/>
-      </p:ext>
-    </p:extLst>
-  </p:cSld>
-  <p:clrMapOvr>
-    <a:masterClrMapping/>
-  </p:clrMapOvr>
-</p:sld>
-</file>
-
-<file path=ppt/slides/slide11.xml><?xml version="1.0" encoding="utf-8"?>
-<p:sld xmlns:a="http://schemas.openxmlformats.org/drawingml/2006/main" xmlns:r="http://schemas.openxmlformats.org/officeDocument/2006/relationships" xmlns:p="http://schemas.openxmlformats.org/presentationml/2006/main">
-  <p:cSld>
-    <p:bg>
-      <p:bgPr>
-        <a:solidFill>
-          <a:schemeClr val="bg1"/>
-        </a:solidFill>
-        <a:effectLst/>
-      </p:bgPr>
-    </p:bg>
-    <p:spTree>
-      <p:nvGrpSpPr>
-        <p:cNvPr id="1" name=""/>
-        <p:cNvGrpSpPr/>
-        <p:nvPr/>
-      </p:nvGrpSpPr>
-      <p:grpSpPr>
-        <a:xfrm>
-          <a:off x="0" y="0"/>
-          <a:ext cx="0" cy="0"/>
-          <a:chOff x="0" y="0"/>
-          <a:chExt cx="0" cy="0"/>
-        </a:xfrm>
-      </p:grpSpPr>
-      <p:pic>
-        <p:nvPicPr>
-          <p:cNvPr id="5" name="Picture 4">
-            <a:extLst>
-              <a:ext uri="{FF2B5EF4-FFF2-40B4-BE49-F238E27FC236}">
-                <a16:creationId xmlns:a16="http://schemas.microsoft.com/office/drawing/2014/main" id="{6D3BA21E-E6C8-4E14-8E53-C5DF567E9DFF}"/>
-              </a:ext>
-            </a:extLst>
-          </p:cNvPr>
-          <p:cNvPicPr>
-            <a:picLocks noChangeAspect="1"/>
-          </p:cNvPicPr>
-          <p:nvPr/>
-        </p:nvPicPr>
-        <p:blipFill>
-          <a:blip r:embed="rId2">
-            <a:extLst>
-              <a:ext uri="{28A0092B-C50C-407E-A947-70E740481C1C}">
-                <a14:useLocalDpi xmlns:a14="http://schemas.microsoft.com/office/drawing/2010/main" val="0"/>
-              </a:ext>
-            </a:extLst>
-          </a:blip>
-          <a:srcRect/>
-          <a:stretch/>
-        </p:blipFill>
-        <p:spPr>
-          <a:xfrm>
-            <a:off x="20" y="-2357330"/>
-            <a:ext cx="16398220" cy="9210200"/>
-          </a:xfrm>
-          <a:prstGeom prst="rect">
-            <a:avLst/>
-          </a:prstGeom>
-        </p:spPr>
-      </p:pic>
-      <p:sp>
-        <p:nvSpPr>
-          <p:cNvPr id="64" name="Rectangle 59">
-            <a:extLst>
-              <a:ext uri="{FF2B5EF4-FFF2-40B4-BE49-F238E27FC236}">
-                <a16:creationId xmlns:a16="http://schemas.microsoft.com/office/drawing/2014/main" id="{2644B391-9BFE-445C-A9EC-F544BB85FBC7}"/>
-              </a:ext>
-              <a:ext uri="{C183D7F6-B498-43B3-948B-1728B52AA6E4}">
-                <adec:decorative xmlns:adec="http://schemas.microsoft.com/office/drawing/2017/decorative" val="1"/>
-              </a:ext>
-            </a:extLst>
-          </p:cNvPr>
-          <p:cNvSpPr>
-            <a:spLocks noGrp="1" noRot="1" noChangeAspect="1" noMove="1" noResize="1" noEditPoints="1" noAdjustHandles="1" noChangeArrowheads="1" noChangeShapeType="1" noTextEdit="1"/>
-          </p:cNvSpPr>
-          <p:nvPr>
-            <p:extLst>
-              <p:ext uri="{386F3935-93C4-4BCD-93E2-E3B085C9AB24}">
-                <p16:designElem xmlns:p16="http://schemas.microsoft.com/office/powerpoint/2015/main" val="1"/>
-              </p:ext>
-            </p:extLst>
-          </p:nvPr>
-        </p:nvSpPr>
-        <p:spPr>
-          <a:xfrm>
-            <a:off x="937329" y="1808532"/>
-            <a:ext cx="5452527" cy="3240936"/>
-          </a:xfrm>
-          <a:prstGeom prst="rect">
-            <a:avLst/>
-          </a:prstGeom>
-          <a:solidFill>
-            <a:schemeClr val="bg1">
-              <a:lumMod val="75000"/>
-              <a:lumOff val="25000"/>
-            </a:schemeClr>
-          </a:solidFill>
-          <a:ln w="6350" cap="sq" cmpd="sng" algn="ctr">
-            <a:noFill/>
-            <a:prstDash val="solid"/>
-            <a:miter lim="800000"/>
-          </a:ln>
-          <a:effectLst/>
-        </p:spPr>
-      </p:sp>
-      <p:sp>
-        <p:nvSpPr>
-          <p:cNvPr id="65" name="Rectangle 61">
-            <a:extLst>
-              <a:ext uri="{FF2B5EF4-FFF2-40B4-BE49-F238E27FC236}">
-                <a16:creationId xmlns:a16="http://schemas.microsoft.com/office/drawing/2014/main" id="{80F26E69-87D9-4655-AE7B-280A87AA3CAD}"/>
-              </a:ext>
-              <a:ext uri="{C183D7F6-B498-43B3-948B-1728B52AA6E4}">
-                <adec:decorative xmlns:adec="http://schemas.microsoft.com/office/drawing/2017/decorative" val="1"/>
-              </a:ext>
-            </a:extLst>
-          </p:cNvPr>
-          <p:cNvSpPr>
-            <a:spLocks noGrp="1" noRot="1" noChangeAspect="1" noMove="1" noResize="1" noEditPoints="1" noAdjustHandles="1" noChangeArrowheads="1" noChangeShapeType="1" noTextEdit="1"/>
-          </p:cNvSpPr>
-          <p:nvPr>
-            <p:extLst>
-              <p:ext uri="{386F3935-93C4-4BCD-93E2-E3B085C9AB24}">
-                <p16:designElem xmlns:p16="http://schemas.microsoft.com/office/powerpoint/2015/main" val="1"/>
-              </p:ext>
-            </p:extLst>
-          </p:nvPr>
-        </p:nvSpPr>
-        <p:spPr>
-          <a:xfrm>
-            <a:off x="1103272" y="1975104"/>
-            <a:ext cx="5120640" cy="2907792"/>
-          </a:xfrm>
-          <a:prstGeom prst="rect">
-            <a:avLst/>
-          </a:prstGeom>
-          <a:noFill/>
-          <a:ln w="6350" cap="sq" cmpd="sng" algn="ctr">
-            <a:solidFill>
-              <a:schemeClr val="tx1"/>
-            </a:solidFill>
-            <a:prstDash val="solid"/>
-            <a:miter lim="800000"/>
-          </a:ln>
-          <a:effectLst>
-            <a:softEdge rad="0"/>
-          </a:effectLst>
-        </p:spPr>
-      </p:sp>
-      <p:sp>
-        <p:nvSpPr>
-          <p:cNvPr id="2" name="Title 1">
-            <a:extLst>
-              <a:ext uri="{FF2B5EF4-FFF2-40B4-BE49-F238E27FC236}">
-                <a16:creationId xmlns:a16="http://schemas.microsoft.com/office/drawing/2014/main" id="{18C3B467-088C-4F3D-A9A7-105C4E1E20CD}"/>
-              </a:ext>
-            </a:extLst>
-          </p:cNvPr>
-          <p:cNvSpPr>
-            <a:spLocks noGrp="1"/>
-          </p:cNvSpPr>
-          <p:nvPr>
-            <p:ph type="ctrTitle"/>
-          </p:nvPr>
-        </p:nvSpPr>
-        <p:spPr>
-          <a:xfrm>
-            <a:off x="1276055" y="2350017"/>
-            <a:ext cx="4775075" cy="1630906"/>
-          </a:xfrm>
-        </p:spPr>
-        <p:txBody>
-          <a:bodyPr rtlCol="0">
-            <a:normAutofit/>
-          </a:bodyPr>
-          <a:lstStyle/>
-          <a:p>
-            <a:pPr rtl="0"/>
-            <a:r>
-              <a:rPr lang="en-gb" sz="3200" dirty="0">
-                <a:solidFill>
-                  <a:schemeClr val="tx1"/>
-                </a:solidFill>
-              </a:rPr>
-              <a:t>Full research and project at GitHub</a:t>
-            </a:r>
-          </a:p>
-        </p:txBody>
-      </p:sp>
-      <p:sp>
-        <p:nvSpPr>
-          <p:cNvPr id="3" name="Subtitle 2">
-            <a:extLst>
-              <a:ext uri="{FF2B5EF4-FFF2-40B4-BE49-F238E27FC236}">
-                <a16:creationId xmlns:a16="http://schemas.microsoft.com/office/drawing/2014/main" id="{C8722DDC-8EEE-4A06-8DFE-B44871EAA2CF}"/>
-              </a:ext>
-            </a:extLst>
-          </p:cNvPr>
-          <p:cNvSpPr>
-            <a:spLocks noGrp="1"/>
-          </p:cNvSpPr>
-          <p:nvPr>
-            <p:ph type="subTitle" idx="1"/>
-          </p:nvPr>
-        </p:nvSpPr>
-        <p:spPr>
-          <a:xfrm>
-            <a:off x="1276055" y="3990546"/>
-            <a:ext cx="4775075" cy="559656"/>
-          </a:xfrm>
-        </p:spPr>
-        <p:txBody>
-          <a:bodyPr rtlCol="0">
-            <a:normAutofit/>
-          </a:bodyPr>
-          <a:lstStyle/>
-          <a:p>
-            <a:pPr rtl="0"/>
-            <a:r>
-              <a:rPr lang="en-GB" sz="1600" dirty="0">
-                <a:solidFill>
-                  <a:schemeClr val="tx1"/>
-                </a:solidFill>
-              </a:rPr>
-              <a:t>github.com/Simao-Lopes/Fire-Project</a:t>
-            </a:r>
-            <a:endParaRPr lang="en-gb" sz="1600" dirty="0">
-              <a:solidFill>
-                <a:schemeClr val="tx1"/>
-              </a:solidFill>
-            </a:endParaRPr>
-          </a:p>
-        </p:txBody>
-      </p:sp>
-    </p:spTree>
-    <p:extLst>
-      <p:ext uri="{BB962C8B-B14F-4D97-AF65-F5344CB8AC3E}">
-        <p14:creationId xmlns:p14="http://schemas.microsoft.com/office/powerpoint/2010/main" val="936838463"/>
-      </p:ext>
-    </p:extLst>
-  </p:cSld>
-  <p:clrMapOvr>
-    <a:overrideClrMapping bg1="lt1" tx1="dk1" bg2="lt2" tx2="dk2" accent1="accent1" accent2="accent2" accent3="accent3" accent4="accent4" accent5="accent5" accent6="accent6" hlink="hlink" folHlink="folHlink"/>
-  </p:clrMapOvr>
-</p:sld>
-</file>
-
-<file path=ppt/slides/slide12.xml><?xml version="1.0" encoding="utf-8"?>
-<p:sld xmlns:a="http://schemas.openxmlformats.org/drawingml/2006/main" xmlns:r="http://schemas.openxmlformats.org/officeDocument/2006/relationships" xmlns:p="http://schemas.openxmlformats.org/presentationml/2006/main">
-  <p:cSld>
-    <p:spTree>
-      <p:nvGrpSpPr>
-        <p:cNvPr id="1" name=""/>
-        <p:cNvGrpSpPr/>
-        <p:nvPr/>
-      </p:nvGrpSpPr>
-      <p:grpSpPr>
-        <a:xfrm>
-          <a:off x="0" y="0"/>
-          <a:ext cx="0" cy="0"/>
-          <a:chOff x="0" y="0"/>
-          <a:chExt cx="0" cy="0"/>
-        </a:xfrm>
-      </p:grpSpPr>
-      <p:sp>
-        <p:nvSpPr>
-          <p:cNvPr id="2" name="Title 1">
-            <a:extLst>
-              <a:ext uri="{FF2B5EF4-FFF2-40B4-BE49-F238E27FC236}">
-                <a16:creationId xmlns:a16="http://schemas.microsoft.com/office/drawing/2014/main" id="{FA57DE4E-8E75-CE8D-A104-DC8C8A57485B}"/>
-              </a:ext>
-            </a:extLst>
-          </p:cNvPr>
-          <p:cNvSpPr>
-            <a:spLocks noGrp="1"/>
-          </p:cNvSpPr>
-          <p:nvPr>
-            <p:ph type="title"/>
-          </p:nvPr>
-        </p:nvSpPr>
-        <p:spPr/>
-        <p:txBody>
-          <a:bodyPr/>
-          <a:lstStyle/>
-          <a:p>
-            <a:r>
-              <a:rPr lang="pt-PT" dirty="0"/>
-              <a:t>Sources</a:t>
-            </a:r>
-          </a:p>
-        </p:txBody>
-      </p:sp>
-      <p:sp>
-        <p:nvSpPr>
-          <p:cNvPr id="3" name="Content Placeholder 2">
-            <a:extLst>
-              <a:ext uri="{FF2B5EF4-FFF2-40B4-BE49-F238E27FC236}">
-                <a16:creationId xmlns:a16="http://schemas.microsoft.com/office/drawing/2014/main" id="{1625B707-6170-EBC3-B054-50F91234FD97}"/>
-              </a:ext>
-            </a:extLst>
-          </p:cNvPr>
-          <p:cNvSpPr>
-            <a:spLocks noGrp="1"/>
-          </p:cNvSpPr>
-          <p:nvPr>
-            <p:ph idx="1"/>
-          </p:nvPr>
-        </p:nvSpPr>
-        <p:spPr/>
-        <p:txBody>
-          <a:bodyPr/>
-          <a:lstStyle/>
-          <a:p>
-            <a:endParaRPr lang="pt-PT" b="1" i="0" u="none" strike="noStrike" dirty="0">
-              <a:solidFill>
-                <a:srgbClr val="191919"/>
-              </a:solidFill>
-              <a:effectLst/>
-              <a:latin typeface="+mj-lt"/>
-            </a:endParaRPr>
-          </a:p>
-          <a:p>
-            <a:endParaRPr lang="pt-PT" b="1" dirty="0">
-              <a:solidFill>
-                <a:srgbClr val="191919"/>
-              </a:solidFill>
-              <a:latin typeface="+mj-lt"/>
-            </a:endParaRPr>
-          </a:p>
-          <a:p>
-            <a:r>
-              <a:rPr lang="pt-PT" b="1" i="0" u="none" strike="noStrike" dirty="0">
-                <a:solidFill>
-                  <a:srgbClr val="191919"/>
-                </a:solidFill>
-                <a:effectLst/>
-                <a:latin typeface="+mj-lt"/>
-              </a:rPr>
-              <a:t>Nuzulul Khairu Nissa, </a:t>
-            </a:r>
-            <a:r>
-              <a:rPr lang="en-US" b="1" i="0" dirty="0">
-                <a:solidFill>
-                  <a:srgbClr val="292929"/>
-                </a:solidFill>
-                <a:effectLst/>
-                <a:latin typeface="+mj-lt"/>
-              </a:rPr>
-              <a:t>The Experiment of Forest Fires Prediction using Deep Learning </a:t>
-            </a:r>
-            <a:r>
-              <a:rPr lang="en-US" i="0" dirty="0">
-                <a:solidFill>
-                  <a:srgbClr val="292929"/>
-                </a:solidFill>
-                <a:effectLst/>
-                <a:latin typeface="+mj-lt"/>
-              </a:rPr>
-              <a:t>-</a:t>
-            </a:r>
-            <a:r>
-              <a:rPr lang="pt-PT" dirty="0">
-                <a:solidFill>
-                  <a:srgbClr val="191919"/>
-                </a:solidFill>
-                <a:latin typeface="+mj-lt"/>
-              </a:rPr>
-              <a:t>h</a:t>
-            </a:r>
-            <a:r>
-              <a:rPr lang="pt-PT" dirty="0">
-                <a:latin typeface="+mj-lt"/>
-              </a:rPr>
-              <a:t>ttps://medium.com/mlearning-ai/the-experiment-of-forest-fires-prediction-using-deep-learning-d537e8c8e3a2</a:t>
-            </a:r>
-          </a:p>
-          <a:p>
-            <a:r>
-              <a:rPr lang="en-US" b="1" i="0" dirty="0">
-                <a:effectLst/>
-                <a:latin typeface="+mj-lt"/>
-              </a:rPr>
-              <a:t>Fire Weather Index (FWI) System</a:t>
-            </a:r>
-            <a:r>
-              <a:rPr lang="pt-PT" b="1" i="0" dirty="0">
-                <a:effectLst/>
-                <a:latin typeface="+mj-lt"/>
-              </a:rPr>
-              <a:t> </a:t>
-            </a:r>
-            <a:r>
-              <a:rPr lang="pt-PT" i="0" dirty="0">
-                <a:effectLst/>
-                <a:latin typeface="+mj-lt"/>
-              </a:rPr>
-              <a:t>- https://www.nwcg.gov/publications/pms437/cffdrs/fire-weather-index-system</a:t>
-            </a:r>
-          </a:p>
-          <a:p>
-            <a:r>
-              <a:rPr lang="pt-PT" b="1" dirty="0">
-                <a:latin typeface="+mj-lt"/>
-              </a:rPr>
-              <a:t>Jorge Miguel Gomes, </a:t>
-            </a:r>
-            <a:r>
-              <a:rPr lang="en-US" b="1" dirty="0">
-                <a:latin typeface="+mj-lt"/>
-              </a:rPr>
-              <a:t>A repository for ICNF data </a:t>
-            </a:r>
-            <a:r>
-              <a:rPr lang="en-US" dirty="0">
-                <a:latin typeface="+mj-lt"/>
-              </a:rPr>
-              <a:t>- https://github.com/vostpt/ICNF_DATA</a:t>
-            </a:r>
-          </a:p>
-          <a:p>
-            <a:r>
-              <a:rPr lang="en-US" b="1" dirty="0">
-                <a:latin typeface="+mj-lt"/>
-              </a:rPr>
-              <a:t>Paulo Cortez &amp; Anibal </a:t>
-            </a:r>
-            <a:r>
-              <a:rPr lang="en-US" b="1" dirty="0" err="1">
-                <a:latin typeface="+mj-lt"/>
-              </a:rPr>
-              <a:t>Morais</a:t>
-            </a:r>
-            <a:r>
-              <a:rPr lang="en-US" dirty="0">
-                <a:latin typeface="+mj-lt"/>
-              </a:rPr>
-              <a:t>, </a:t>
-            </a:r>
-            <a:r>
-              <a:rPr lang="en-US" i="0" dirty="0">
-                <a:solidFill>
-                  <a:srgbClr val="000000"/>
-                </a:solidFill>
-                <a:effectLst/>
-                <a:latin typeface="+mj-lt"/>
-              </a:rPr>
-              <a:t>A Data Mining Approach to Predict Forest Fires using Meteorological Data</a:t>
-            </a:r>
-            <a:r>
-              <a:rPr lang="en-US" dirty="0">
-                <a:latin typeface="+mj-lt"/>
-              </a:rPr>
-              <a:t> </a:t>
-            </a:r>
-          </a:p>
-          <a:p>
-            <a:r>
-              <a:rPr lang="en-US" b="1" dirty="0">
-                <a:latin typeface="+mj-lt"/>
-              </a:rPr>
-              <a:t>Joana da Fonseca Valente</a:t>
-            </a:r>
-            <a:r>
-              <a:rPr lang="en-US" dirty="0">
-                <a:latin typeface="+mj-lt"/>
-              </a:rPr>
-              <a:t>, </a:t>
-            </a:r>
-            <a:r>
-              <a:rPr lang="en-US" dirty="0" err="1">
-                <a:latin typeface="+mj-lt"/>
-              </a:rPr>
-              <a:t>Modelação</a:t>
-            </a:r>
-            <a:r>
-              <a:rPr lang="en-US" dirty="0">
-                <a:latin typeface="+mj-lt"/>
-              </a:rPr>
-              <a:t> do </a:t>
-            </a:r>
-            <a:r>
-              <a:rPr lang="en-US" dirty="0" err="1">
-                <a:latin typeface="+mj-lt"/>
-              </a:rPr>
-              <a:t>fogo</a:t>
-            </a:r>
-            <a:r>
-              <a:rPr lang="en-US" dirty="0">
-                <a:latin typeface="+mj-lt"/>
-              </a:rPr>
-              <a:t> </a:t>
-            </a:r>
-            <a:r>
-              <a:rPr lang="en-US" dirty="0" err="1">
-                <a:latin typeface="+mj-lt"/>
-              </a:rPr>
-              <a:t>florestal</a:t>
-            </a:r>
-            <a:r>
-              <a:rPr lang="en-US" dirty="0">
-                <a:latin typeface="+mj-lt"/>
-              </a:rPr>
-              <a:t> e </a:t>
-            </a:r>
-            <a:r>
-              <a:rPr lang="en-US" dirty="0" err="1">
-                <a:latin typeface="+mj-lt"/>
-              </a:rPr>
-              <a:t>os</a:t>
-            </a:r>
-            <a:r>
-              <a:rPr lang="en-US" dirty="0">
-                <a:latin typeface="+mj-lt"/>
-              </a:rPr>
-              <a:t> </a:t>
-            </a:r>
-            <a:r>
-              <a:rPr lang="en-US" dirty="0" err="1">
-                <a:latin typeface="+mj-lt"/>
-              </a:rPr>
-              <a:t>seus</a:t>
-            </a:r>
-            <a:r>
-              <a:rPr lang="en-US" dirty="0">
-                <a:latin typeface="+mj-lt"/>
-              </a:rPr>
-              <a:t> </a:t>
-            </a:r>
-            <a:r>
-              <a:rPr lang="en-US" dirty="0" err="1">
-                <a:latin typeface="+mj-lt"/>
-              </a:rPr>
-              <a:t>impactes</a:t>
-            </a:r>
-            <a:r>
-              <a:rPr lang="en-US" dirty="0">
-                <a:latin typeface="+mj-lt"/>
-              </a:rPr>
-              <a:t> </a:t>
-            </a:r>
-            <a:r>
-              <a:rPr lang="en-US" dirty="0" err="1">
-                <a:latin typeface="+mj-lt"/>
-              </a:rPr>
-              <a:t>na</a:t>
-            </a:r>
-            <a:r>
-              <a:rPr lang="en-US" dirty="0">
-                <a:latin typeface="+mj-lt"/>
-              </a:rPr>
-              <a:t> </a:t>
-            </a:r>
-            <a:r>
-              <a:rPr lang="en-US" dirty="0" err="1">
-                <a:latin typeface="+mj-lt"/>
-              </a:rPr>
-              <a:t>qualidade</a:t>
-            </a:r>
-            <a:r>
-              <a:rPr lang="en-US" dirty="0">
-                <a:latin typeface="+mj-lt"/>
-              </a:rPr>
-              <a:t> do ar.</a:t>
-            </a:r>
-          </a:p>
-          <a:p>
-            <a:pPr marL="0" indent="0">
-              <a:buNone/>
-            </a:pPr>
-            <a:br>
-              <a:rPr lang="en-US" dirty="0"/>
-            </a:br>
-            <a:endParaRPr lang="en-US" dirty="0">
-              <a:latin typeface="+mj-lt"/>
-            </a:endParaRPr>
-          </a:p>
-          <a:p>
-            <a:endParaRPr lang="en-US" i="0" dirty="0">
-              <a:effectLst/>
-              <a:latin typeface="+mj-lt"/>
-            </a:endParaRPr>
-          </a:p>
-        </p:txBody>
-      </p:sp>
-    </p:spTree>
-    <p:extLst>
-      <p:ext uri="{BB962C8B-B14F-4D97-AF65-F5344CB8AC3E}">
-        <p14:creationId xmlns:p14="http://schemas.microsoft.com/office/powerpoint/2010/main" val="2836752967"/>
-      </p:ext>
-    </p:extLst>
-  </p:cSld>
-  <p:clrMapOvr>
-    <a:masterClrMapping/>
-  </p:clrMapOvr>
-</p:sld>
-</file>
-
-<file path=ppt/slides/slide2.xml><?xml version="1.0" encoding="utf-8"?>
-<p:sld xmlns:a="http://schemas.openxmlformats.org/drawingml/2006/main" xmlns:r="http://schemas.openxmlformats.org/officeDocument/2006/relationships" xmlns:p="http://schemas.openxmlformats.org/presentationml/2006/main">
-  <p:cSld>
-    <p:spTree>
-      <p:nvGrpSpPr>
-        <p:cNvPr id="1" name=""/>
-        <p:cNvGrpSpPr/>
-        <p:nvPr/>
-      </p:nvGrpSpPr>
-      <p:grpSpPr>
-        <a:xfrm>
-          <a:off x="0" y="0"/>
-          <a:ext cx="0" cy="0"/>
-          <a:chOff x="0" y="0"/>
-          <a:chExt cx="0" cy="0"/>
-        </a:xfrm>
-      </p:grpSpPr>
-      <p:sp>
-        <p:nvSpPr>
-          <p:cNvPr id="2" name="Title 1">
-            <a:extLst>
-              <a:ext uri="{FF2B5EF4-FFF2-40B4-BE49-F238E27FC236}">
-                <a16:creationId xmlns:a16="http://schemas.microsoft.com/office/drawing/2014/main" id="{C530496E-932C-D651-E9D3-869FE9C734D0}"/>
-              </a:ext>
-            </a:extLst>
-          </p:cNvPr>
-          <p:cNvSpPr>
-            <a:spLocks noGrp="1"/>
-          </p:cNvSpPr>
-          <p:nvPr>
-            <p:ph type="ctrTitle"/>
-          </p:nvPr>
-        </p:nvSpPr>
-        <p:spPr/>
-        <p:txBody>
-          <a:bodyPr/>
-          <a:lstStyle/>
-          <a:p>
-            <a:r>
-              <a:rPr lang="pt-PT" dirty="0">
-                <a:solidFill>
-                  <a:schemeClr val="bg1"/>
-                </a:solidFill>
-              </a:rPr>
-              <a:t>The problem</a:t>
-            </a:r>
-          </a:p>
-        </p:txBody>
-      </p:sp>
-      <p:sp>
-        <p:nvSpPr>
-          <p:cNvPr id="3" name="Content Placeholder 2">
-            <a:extLst>
-              <a:ext uri="{FF2B5EF4-FFF2-40B4-BE49-F238E27FC236}">
-                <a16:creationId xmlns:a16="http://schemas.microsoft.com/office/drawing/2014/main" id="{5F32244B-AF78-76C7-24EE-E3A6BA2BFF3C}"/>
-              </a:ext>
-            </a:extLst>
-          </p:cNvPr>
-          <p:cNvSpPr>
-            <a:spLocks noGrp="1"/>
-          </p:cNvSpPr>
-          <p:nvPr>
-            <p:ph type="subTitle" idx="1"/>
-          </p:nvPr>
-        </p:nvSpPr>
-        <p:spPr>
-          <a:xfrm>
-            <a:off x="1629101" y="3731086"/>
-            <a:ext cx="8936846" cy="457201"/>
-          </a:xfrm>
-        </p:spPr>
-        <p:txBody>
-          <a:bodyPr>
-            <a:normAutofit fontScale="25000" lnSpcReduction="20000"/>
-          </a:bodyPr>
-          <a:lstStyle/>
-          <a:p>
-            <a:endParaRPr lang="pt-PT" sz="2000" dirty="0"/>
-          </a:p>
-          <a:p>
-            <a:endParaRPr lang="pt-PT" sz="2000" dirty="0"/>
-          </a:p>
-          <a:p>
-            <a:endParaRPr lang="pt-PT" sz="2000" dirty="0"/>
-          </a:p>
-          <a:p>
-            <a:r>
-              <a:rPr lang="pt-PT" sz="8000" dirty="0">
-                <a:solidFill>
-                  <a:schemeClr val="bg1"/>
-                </a:solidFill>
-              </a:rPr>
-              <a:t>Is it possible to predict the amount of burnt area from the available information and use it to optimize resources?</a:t>
-            </a:r>
-          </a:p>
-        </p:txBody>
-      </p:sp>
-    </p:spTree>
-    <p:extLst>
-      <p:ext uri="{BB962C8B-B14F-4D97-AF65-F5344CB8AC3E}">
-        <p14:creationId xmlns:p14="http://schemas.microsoft.com/office/powerpoint/2010/main" val="4088689254"/>
-      </p:ext>
-    </p:extLst>
-  </p:cSld>
-  <p:clrMapOvr>
-    <a:masterClrMapping/>
-  </p:clrMapOvr>
-</p:sld>
-</file>
-
-<file path=ppt/slides/slide3.xml><?xml version="1.0" encoding="utf-8"?>
-<p:sld xmlns:a="http://schemas.openxmlformats.org/drawingml/2006/main" xmlns:r="http://schemas.openxmlformats.org/officeDocument/2006/relationships" xmlns:p="http://schemas.openxmlformats.org/presentationml/2006/main">
-  <p:cSld>
-    <p:bg>
-      <p:bgPr>
-        <a:blipFill dpi="0" rotWithShape="1">
-          <a:blip r:embed="rId2">
-            <a:lum/>
-          </a:blip>
-          <a:srcRect/>
-          <a:stretch>
-            <a:fillRect/>
-          </a:stretch>
-        </a:blipFill>
-        <a:effectLst/>
-      </p:bgPr>
-    </p:bg>
-    <p:spTree>
-      <p:nvGrpSpPr>
-        <p:cNvPr id="1" name=""/>
-        <p:cNvGrpSpPr/>
-        <p:nvPr/>
-      </p:nvGrpSpPr>
-      <p:grpSpPr>
-        <a:xfrm>
-          <a:off x="0" y="0"/>
-          <a:ext cx="0" cy="0"/>
-          <a:chOff x="0" y="0"/>
-          <a:chExt cx="0" cy="0"/>
-        </a:xfrm>
-      </p:grpSpPr>
-      <p:sp>
-        <p:nvSpPr>
-          <p:cNvPr id="2" name="Title 1">
-            <a:extLst>
-              <a:ext uri="{FF2B5EF4-FFF2-40B4-BE49-F238E27FC236}">
-                <a16:creationId xmlns:a16="http://schemas.microsoft.com/office/drawing/2014/main" id="{EC81C684-65E1-3CA4-5814-DE66E4B5CF86}"/>
-              </a:ext>
-            </a:extLst>
-          </p:cNvPr>
-          <p:cNvSpPr>
-            <a:spLocks noGrp="1"/>
-          </p:cNvSpPr>
-          <p:nvPr>
-            <p:ph type="title"/>
-          </p:nvPr>
-        </p:nvSpPr>
-        <p:spPr/>
-        <p:txBody>
-          <a:bodyPr/>
-          <a:lstStyle/>
-          <a:p>
-            <a:r>
-              <a:rPr lang="pt-PT" dirty="0"/>
-              <a:t>The macro view</a:t>
-            </a:r>
-            <a:br>
-              <a:rPr lang="pt-PT" dirty="0"/>
-            </a:br>
-            <a:r>
-              <a:rPr lang="pt-PT" dirty="0"/>
-              <a:t>Portugal </a:t>
-            </a:r>
-            <a:br>
-              <a:rPr lang="pt-PT" dirty="0"/>
-            </a:br>
-            <a:endParaRPr lang="pt-PT" dirty="0"/>
-          </a:p>
-        </p:txBody>
-      </p:sp>
-      <p:pic>
-        <p:nvPicPr>
-          <p:cNvPr id="7" name="Content Placeholder 6">
-            <a:extLst>
-              <a:ext uri="{FF2B5EF4-FFF2-40B4-BE49-F238E27FC236}">
-                <a16:creationId xmlns:a16="http://schemas.microsoft.com/office/drawing/2014/main" id="{8FA57844-430C-9127-53A1-3ADCF958ADE3}"/>
-              </a:ext>
-            </a:extLst>
-          </p:cNvPr>
-          <p:cNvPicPr>
-            <a:picLocks noGrp="1" noChangeAspect="1"/>
-          </p:cNvPicPr>
-          <p:nvPr>
-            <p:ph idx="1"/>
-          </p:nvPr>
-        </p:nvPicPr>
-        <p:blipFill>
-          <a:blip r:embed="rId3">
-            <a:extLst>
-              <a:ext uri="{28A0092B-C50C-407E-A947-70E740481C1C}">
-                <a14:useLocalDpi xmlns:a14="http://schemas.microsoft.com/office/drawing/2010/main" val="0"/>
-              </a:ext>
-            </a:extLst>
-          </a:blip>
-          <a:stretch>
-            <a:fillRect/>
-          </a:stretch>
-        </p:blipFill>
-        <p:spPr/>
-      </p:pic>
-      <p:sp>
-        <p:nvSpPr>
-          <p:cNvPr id="4" name="Text Placeholder 3">
-            <a:extLst>
-              <a:ext uri="{FF2B5EF4-FFF2-40B4-BE49-F238E27FC236}">
-                <a16:creationId xmlns:a16="http://schemas.microsoft.com/office/drawing/2014/main" id="{B53C9FDB-DF10-2DE7-11F5-09B332600A1B}"/>
-              </a:ext>
-            </a:extLst>
-          </p:cNvPr>
-          <p:cNvSpPr>
-            <a:spLocks noGrp="1"/>
-          </p:cNvSpPr>
-          <p:nvPr>
-            <p:ph type="body" sz="half" idx="2"/>
-          </p:nvPr>
-        </p:nvSpPr>
-        <p:spPr/>
-        <p:txBody>
-          <a:bodyPr/>
-          <a:lstStyle/>
-          <a:p>
-            <a:endParaRPr lang="pt-PT" dirty="0"/>
-          </a:p>
-          <a:p>
-            <a:r>
-              <a:rPr lang="pt-PT" dirty="0"/>
-              <a:t>Diferent types of terrain have their own hot spots.</a:t>
-            </a:r>
-          </a:p>
-        </p:txBody>
-      </p:sp>
-      <p:sp>
-        <p:nvSpPr>
-          <p:cNvPr id="5" name="Date Placeholder 4">
-            <a:extLst>
-              <a:ext uri="{FF2B5EF4-FFF2-40B4-BE49-F238E27FC236}">
-                <a16:creationId xmlns:a16="http://schemas.microsoft.com/office/drawing/2014/main" id="{8051FCAA-6007-1280-8A6A-A67FBA8D3E1A}"/>
-              </a:ext>
-            </a:extLst>
-          </p:cNvPr>
-          <p:cNvSpPr>
-            <a:spLocks noGrp="1"/>
-          </p:cNvSpPr>
-          <p:nvPr>
-            <p:ph type="dt" sz="half" idx="10"/>
-          </p:nvPr>
-        </p:nvSpPr>
-        <p:spPr/>
-        <p:txBody>
-          <a:bodyPr/>
-          <a:lstStyle/>
-          <a:p>
-            <a:pPr rtl="0"/>
-            <a:fld id="{5A1928F9-0DBA-496E-A54E-8F6506DE8A22}" type="datetime1">
-              <a:rPr lang="en-US" smtClean="0"/>
-              <a:t>10/4/2022</a:t>
-            </a:fld>
-            <a:endParaRPr lang="en-US"/>
-          </a:p>
-        </p:txBody>
-      </p:sp>
-    </p:spTree>
-    <p:extLst>
-      <p:ext uri="{BB962C8B-B14F-4D97-AF65-F5344CB8AC3E}">
-        <p14:creationId xmlns:p14="http://schemas.microsoft.com/office/powerpoint/2010/main" val="730310459"/>
-      </p:ext>
-    </p:extLst>
-  </p:cSld>
-  <p:clrMapOvr>
-    <a:masterClrMapping/>
-  </p:clrMapOvr>
-</p:sld>
-</file>
-
-<file path=ppt/slides/slide4.xml><?xml version="1.0" encoding="utf-8"?>
-<p:sld xmlns:a="http://schemas.openxmlformats.org/drawingml/2006/main" xmlns:r="http://schemas.openxmlformats.org/officeDocument/2006/relationships" xmlns:p="http://schemas.openxmlformats.org/presentationml/2006/main">
-  <p:cSld>
-    <p:spTree>
-      <p:nvGrpSpPr>
-        <p:cNvPr id="1" name=""/>
-        <p:cNvGrpSpPr/>
-        <p:nvPr/>
-      </p:nvGrpSpPr>
-      <p:grpSpPr>
-        <a:xfrm>
-          <a:off x="0" y="0"/>
-          <a:ext cx="0" cy="0"/>
-          <a:chOff x="0" y="0"/>
-          <a:chExt cx="0" cy="0"/>
-        </a:xfrm>
-      </p:grpSpPr>
-      <p:sp>
-        <p:nvSpPr>
-          <p:cNvPr id="2" name="Title 1">
-            <a:extLst>
-              <a:ext uri="{FF2B5EF4-FFF2-40B4-BE49-F238E27FC236}">
-                <a16:creationId xmlns:a16="http://schemas.microsoft.com/office/drawing/2014/main" id="{69443CF6-493B-C67B-6B9D-3829604C6383}"/>
-              </a:ext>
-            </a:extLst>
-          </p:cNvPr>
-          <p:cNvSpPr>
-            <a:spLocks noGrp="1"/>
-          </p:cNvSpPr>
-          <p:nvPr>
-            <p:ph type="title"/>
-          </p:nvPr>
-        </p:nvSpPr>
-        <p:spPr/>
-        <p:txBody>
-          <a:bodyPr/>
-          <a:lstStyle/>
-          <a:p>
-            <a:r>
-              <a:rPr lang="pt-PT" dirty="0"/>
-              <a:t>Is the burnt area a good metric?</a:t>
-            </a:r>
-          </a:p>
-        </p:txBody>
-      </p:sp>
-      <p:pic>
-        <p:nvPicPr>
-          <p:cNvPr id="9" name="Content Placeholder 8">
-            <a:extLst>
-              <a:ext uri="{FF2B5EF4-FFF2-40B4-BE49-F238E27FC236}">
-                <a16:creationId xmlns:a16="http://schemas.microsoft.com/office/drawing/2014/main" id="{4AA5517F-D3C3-C4A1-635B-C3F8BA1DE9D3}"/>
-              </a:ext>
-            </a:extLst>
-          </p:cNvPr>
-          <p:cNvPicPr>
-            <a:picLocks noGrp="1" noChangeAspect="1"/>
-          </p:cNvPicPr>
-          <p:nvPr>
-            <p:ph idx="1"/>
-          </p:nvPr>
-        </p:nvPicPr>
-        <p:blipFill>
-          <a:blip r:embed="rId2">
-            <a:extLst>
-              <a:ext uri="{28A0092B-C50C-407E-A947-70E740481C1C}">
-                <a14:useLocalDpi xmlns:a14="http://schemas.microsoft.com/office/drawing/2010/main" val="0"/>
-              </a:ext>
-            </a:extLst>
-          </a:blip>
-          <a:stretch>
-            <a:fillRect/>
-          </a:stretch>
-        </p:blipFill>
-        <p:spPr>
-          <a:xfrm>
-            <a:off x="698833" y="609600"/>
-            <a:ext cx="6831933" cy="5334000"/>
-          </a:xfrm>
-        </p:spPr>
-      </p:pic>
-      <p:sp>
-        <p:nvSpPr>
-          <p:cNvPr id="4" name="Text Placeholder 3">
-            <a:extLst>
-              <a:ext uri="{FF2B5EF4-FFF2-40B4-BE49-F238E27FC236}">
-                <a16:creationId xmlns:a16="http://schemas.microsoft.com/office/drawing/2014/main" id="{A9CAB425-E096-8DEC-E20F-4A093A5ADC14}"/>
-              </a:ext>
-            </a:extLst>
-          </p:cNvPr>
-          <p:cNvSpPr>
-            <a:spLocks noGrp="1"/>
-          </p:cNvSpPr>
-          <p:nvPr>
-            <p:ph type="body" sz="half" idx="2"/>
-          </p:nvPr>
-        </p:nvSpPr>
-        <p:spPr/>
-        <p:txBody>
-          <a:bodyPr>
-            <a:normAutofit fontScale="92500"/>
-          </a:bodyPr>
-          <a:lstStyle/>
-          <a:p>
-            <a:endParaRPr lang="pt-PT" dirty="0"/>
-          </a:p>
-          <a:p>
-            <a:r>
-              <a:rPr lang="pt-PT" dirty="0"/>
-              <a:t>A lot of factors come into play, but the emissions generated by the fires are actually the biggest problem as they affect the quality of the air.</a:t>
-            </a:r>
-          </a:p>
-          <a:p>
-            <a:endParaRPr lang="pt-PT" dirty="0"/>
-          </a:p>
-          <a:p>
-            <a:r>
-              <a:rPr lang="pt-PT" sz="1000" b="1" dirty="0"/>
-              <a:t>CO2 calculation method:</a:t>
-            </a:r>
-          </a:p>
-          <a:p>
-            <a:r>
-              <a:rPr lang="pt-PT" sz="900" dirty="0"/>
-              <a:t>X(t) = (bush_area* bush_area_fuel_coeficient + populated_area* populated _area_fuel_coeficient + agricultural_area* agricultural_area_fuel_coeficient)*Emission_Factor</a:t>
-            </a:r>
-          </a:p>
-          <a:p>
-            <a:r>
-              <a:rPr lang="pt-PT" sz="900" dirty="0"/>
-              <a:t>In: Tiago Silva, José Pereira, José Paúl, Maria Santos, Maria vasconcelos – Estimativa de emissões Atmosféricas de fogos rurais em Portugal</a:t>
-            </a:r>
-          </a:p>
-        </p:txBody>
-      </p:sp>
-      <p:sp>
-        <p:nvSpPr>
-          <p:cNvPr id="5" name="Date Placeholder 4">
-            <a:extLst>
-              <a:ext uri="{FF2B5EF4-FFF2-40B4-BE49-F238E27FC236}">
-                <a16:creationId xmlns:a16="http://schemas.microsoft.com/office/drawing/2014/main" id="{5ACFC4C9-7386-6621-5004-E732846BBFA8}"/>
-              </a:ext>
-            </a:extLst>
-          </p:cNvPr>
-          <p:cNvSpPr>
-            <a:spLocks noGrp="1"/>
-          </p:cNvSpPr>
-          <p:nvPr>
-            <p:ph type="dt" sz="half" idx="10"/>
-          </p:nvPr>
-        </p:nvSpPr>
-        <p:spPr/>
-        <p:txBody>
-          <a:bodyPr/>
-          <a:lstStyle/>
-          <a:p>
-            <a:pPr rtl="0"/>
-            <a:fld id="{5A1928F9-0DBA-496E-A54E-8F6506DE8A22}" type="datetime1">
-              <a:rPr lang="en-US" smtClean="0"/>
-              <a:t>10/4/2022</a:t>
-            </a:fld>
-            <a:endParaRPr lang="en-US"/>
-          </a:p>
-        </p:txBody>
-      </p:sp>
-    </p:spTree>
-    <p:extLst>
-      <p:ext uri="{BB962C8B-B14F-4D97-AF65-F5344CB8AC3E}">
-        <p14:creationId xmlns:p14="http://schemas.microsoft.com/office/powerpoint/2010/main" val="316819984"/>
-      </p:ext>
-    </p:extLst>
-  </p:cSld>
-  <p:clrMapOvr>
-    <a:masterClrMapping/>
-  </p:clrMapOvr>
-</p:sld>
-</file>
-
-<file path=ppt/slides/slide5.xml><?xml version="1.0" encoding="utf-8"?>
-<p:sld xmlns:a="http://schemas.openxmlformats.org/drawingml/2006/main" xmlns:r="http://schemas.openxmlformats.org/officeDocument/2006/relationships" xmlns:p="http://schemas.openxmlformats.org/presentationml/2006/main">
-  <p:cSld>
-    <p:spTree>
-      <p:nvGrpSpPr>
-        <p:cNvPr id="1" name=""/>
-        <p:cNvGrpSpPr/>
-        <p:nvPr/>
-      </p:nvGrpSpPr>
-      <p:grpSpPr>
-        <a:xfrm>
-          <a:off x="0" y="0"/>
-          <a:ext cx="0" cy="0"/>
-          <a:chOff x="0" y="0"/>
-          <a:chExt cx="0" cy="0"/>
-        </a:xfrm>
-      </p:grpSpPr>
-      <p:sp>
-        <p:nvSpPr>
-          <p:cNvPr id="2" name="Title 1">
-            <a:extLst>
-              <a:ext uri="{FF2B5EF4-FFF2-40B4-BE49-F238E27FC236}">
-                <a16:creationId xmlns:a16="http://schemas.microsoft.com/office/drawing/2014/main" id="{9F4CB53C-A66E-62C5-BEDC-397091B461CA}"/>
-              </a:ext>
-            </a:extLst>
-          </p:cNvPr>
-          <p:cNvSpPr>
-            <a:spLocks noGrp="1"/>
-          </p:cNvSpPr>
-          <p:nvPr>
-            <p:ph type="title"/>
-          </p:nvPr>
-        </p:nvSpPr>
-        <p:spPr/>
-        <p:txBody>
-          <a:bodyPr/>
-          <a:lstStyle/>
-          <a:p>
-            <a:r>
-              <a:rPr lang="pt-PT" dirty="0">
-                <a:solidFill>
-                  <a:schemeClr val="bg1"/>
-                </a:solidFill>
-              </a:rPr>
-              <a:t>12 989 826</a:t>
-            </a:r>
-          </a:p>
-        </p:txBody>
-      </p:sp>
-      <p:sp>
-        <p:nvSpPr>
-          <p:cNvPr id="3" name="Text Placeholder 2">
-            <a:extLst>
-              <a:ext uri="{FF2B5EF4-FFF2-40B4-BE49-F238E27FC236}">
-                <a16:creationId xmlns:a16="http://schemas.microsoft.com/office/drawing/2014/main" id="{FE7812D8-2607-4327-FD2F-29A302D351E2}"/>
-              </a:ext>
-            </a:extLst>
-          </p:cNvPr>
-          <p:cNvSpPr>
-            <a:spLocks noGrp="1"/>
-          </p:cNvSpPr>
-          <p:nvPr>
-            <p:ph type="body" idx="1"/>
-          </p:nvPr>
-        </p:nvSpPr>
-        <p:spPr/>
-        <p:txBody>
-          <a:bodyPr/>
-          <a:lstStyle/>
-          <a:p>
-            <a:r>
-              <a:rPr lang="pt-PT" dirty="0">
-                <a:solidFill>
-                  <a:schemeClr val="bg1"/>
-                </a:solidFill>
-              </a:rPr>
-              <a:t>A scary number</a:t>
-            </a:r>
-          </a:p>
-        </p:txBody>
-      </p:sp>
-    </p:spTree>
-    <p:extLst>
-      <p:ext uri="{BB962C8B-B14F-4D97-AF65-F5344CB8AC3E}">
-        <p14:creationId xmlns:p14="http://schemas.microsoft.com/office/powerpoint/2010/main" val="3144691797"/>
-      </p:ext>
-    </p:extLst>
-  </p:cSld>
-  <p:clrMapOvr>
-    <a:masterClrMapping/>
-  </p:clrMapOvr>
-  <p:timing>
-    <p:tnLst>
-      <p:par>
-        <p:cTn id="1" dur="indefinite" restart="never" nodeType="tmRoot">
-          <p:childTnLst>
-            <p:seq concurrent="1" nextAc="seek">
-              <p:cTn id="2" dur="indefinite" nodeType="mainSeq">
-                <p:childTnLst>
-                  <p:par>
-                    <p:cTn id="3" fill="hold">
-                      <p:stCondLst>
-                        <p:cond delay="indefinite"/>
-                      </p:stCondLst>
-                      <p:childTnLst>
-                        <p:par>
-                          <p:cTn id="4" fill="hold">
-                            <p:stCondLst>
-                              <p:cond delay="0"/>
-                            </p:stCondLst>
-                            <p:childTnLst>
-                              <p:par>
-                                <p:cTn id="5" presetID="42" presetClass="entr" presetSubtype="0" fill="hold" grpId="0" nodeType="clickEffect">
-                                  <p:stCondLst>
-                                    <p:cond delay="0"/>
-                                  </p:stCondLst>
-                                  <p:childTnLst>
-                                    <p:set>
-                                      <p:cBhvr>
-                                        <p:cTn id="6" dur="1" fill="hold">
-                                          <p:stCondLst>
-                                            <p:cond delay="0"/>
-                                          </p:stCondLst>
-                                        </p:cTn>
-                                        <p:tgtEl>
-                                          <p:spTgt spid="2"/>
-                                        </p:tgtEl>
-                                        <p:attrNameLst>
-                                          <p:attrName>style.visibility</p:attrName>
-                                        </p:attrNameLst>
-                                      </p:cBhvr>
-                                      <p:to>
-                                        <p:strVal val="visible"/>
-                                      </p:to>
-                                    </p:set>
-                                    <p:animEffect transition="in" filter="fade">
-                                      <p:cBhvr>
-                                        <p:cTn id="7" dur="1000"/>
-                                        <p:tgtEl>
-                                          <p:spTgt spid="2"/>
-                                        </p:tgtEl>
-                                      </p:cBhvr>
-                                    </p:animEffect>
-                                    <p:anim calcmode="lin" valueType="num">
-                                      <p:cBhvr>
-                                        <p:cTn id="8" dur="1000" fill="hold"/>
-                                        <p:tgtEl>
-                                          <p:spTgt spid="2"/>
-                                        </p:tgtEl>
-                                        <p:attrNameLst>
-                                          <p:attrName>ppt_x</p:attrName>
-                                        </p:attrNameLst>
-                                      </p:cBhvr>
-                                      <p:tavLst>
-                                        <p:tav tm="0">
-                                          <p:val>
-                                            <p:strVal val="#ppt_x"/>
-                                          </p:val>
-                                        </p:tav>
-                                        <p:tav tm="100000">
-                                          <p:val>
-                                            <p:strVal val="#ppt_x"/>
-                                          </p:val>
-                                        </p:tav>
-                                      </p:tavLst>
-                                    </p:anim>
-                                    <p:anim calcmode="lin" valueType="num">
-                                      <p:cBhvr>
-                                        <p:cTn id="9" dur="1000" fill="hold"/>
-                                        <p:tgtEl>
-                                          <p:spTgt spid="2"/>
-                                        </p:tgtEl>
-                                        <p:attrNameLst>
-                                          <p:attrName>ppt_y</p:attrName>
-                                        </p:attrNameLst>
-                                      </p:cBhvr>
-                                      <p:tavLst>
-                                        <p:tav tm="0">
-                                          <p:val>
-                                            <p:strVal val="#ppt_y+.1"/>
-                                          </p:val>
-                                        </p:tav>
-                                        <p:tav tm="100000">
-                                          <p:val>
-                                            <p:strVal val="#ppt_y"/>
-                                          </p:val>
-                                        </p:tav>
-                                      </p:tavLst>
-                                    </p:anim>
-                                  </p:childTnLst>
-                                </p:cTn>
-                              </p:par>
-                            </p:childTnLst>
-                          </p:cTn>
-                        </p:par>
-                      </p:childTnLst>
-                    </p:cTn>
-                  </p:par>
-                </p:childTnLst>
-              </p:cTn>
-              <p:prevCondLst>
-                <p:cond evt="onPrev" delay="0">
-                  <p:tgtEl>
-                    <p:sldTgt/>
-                  </p:tgtEl>
-                </p:cond>
-              </p:prevCondLst>
-              <p:nextCondLst>
-                <p:cond evt="onNext" delay="0">
-                  <p:tgtEl>
-                    <p:sldTgt/>
-                  </p:tgtEl>
-                </p:cond>
-              </p:nextCondLst>
-            </p:seq>
-          </p:childTnLst>
-        </p:cTn>
-      </p:par>
-    </p:tnLst>
-    <p:bldLst>
-      <p:bldP spid="2" grpId="0"/>
-    </p:bldLst>
-  </p:timing>
-</p:sld>
-</file>
-
-<file path=ppt/slides/slide6.xml><?xml version="1.0" encoding="utf-8"?>
-<p:sld xmlns:a="http://schemas.openxmlformats.org/drawingml/2006/main" xmlns:r="http://schemas.openxmlformats.org/officeDocument/2006/relationships" xmlns:p="http://schemas.openxmlformats.org/presentationml/2006/main">
-  <p:cSld>
-    <p:spTree>
-      <p:nvGrpSpPr>
-        <p:cNvPr id="1" name=""/>
-        <p:cNvGrpSpPr/>
-        <p:nvPr/>
-      </p:nvGrpSpPr>
-      <p:grpSpPr>
-        <a:xfrm>
-          <a:off x="0" y="0"/>
-          <a:ext cx="0" cy="0"/>
-          <a:chOff x="0" y="0"/>
-          <a:chExt cx="0" cy="0"/>
-        </a:xfrm>
-      </p:grpSpPr>
-      <p:sp>
-        <p:nvSpPr>
-          <p:cNvPr id="2" name="Title 1">
-            <a:extLst>
-              <a:ext uri="{FF2B5EF4-FFF2-40B4-BE49-F238E27FC236}">
-                <a16:creationId xmlns:a16="http://schemas.microsoft.com/office/drawing/2014/main" id="{5EC9E542-460B-71CE-0A94-2D1744C8A330}"/>
-              </a:ext>
-            </a:extLst>
-          </p:cNvPr>
-          <p:cNvSpPr>
-            <a:spLocks noGrp="1"/>
-          </p:cNvSpPr>
-          <p:nvPr>
-            <p:ph type="title"/>
-          </p:nvPr>
-        </p:nvSpPr>
-        <p:spPr/>
-        <p:txBody>
-          <a:bodyPr/>
-          <a:lstStyle/>
-          <a:p>
-            <a:r>
-              <a:rPr lang="pt-PT" dirty="0"/>
-              <a:t>Are natural fires relevant?</a:t>
-            </a:r>
-          </a:p>
-        </p:txBody>
-      </p:sp>
-      <p:sp>
-        <p:nvSpPr>
-          <p:cNvPr id="13" name="Text Placeholder 12">
-            <a:extLst>
-              <a:ext uri="{FF2B5EF4-FFF2-40B4-BE49-F238E27FC236}">
-                <a16:creationId xmlns:a16="http://schemas.microsoft.com/office/drawing/2014/main" id="{844DD0CD-41CB-8297-CF34-1EEF3756F54E}"/>
-              </a:ext>
-            </a:extLst>
-          </p:cNvPr>
-          <p:cNvSpPr>
-            <a:spLocks noGrp="1"/>
-          </p:cNvSpPr>
-          <p:nvPr>
-            <p:ph type="body" sz="half" idx="2"/>
-          </p:nvPr>
-        </p:nvSpPr>
-        <p:spPr/>
-        <p:txBody>
-          <a:bodyPr>
-            <a:normAutofit/>
-          </a:bodyPr>
-          <a:lstStyle/>
-          <a:p>
-            <a:r>
-              <a:rPr lang="pt-PT" sz="1600" b="1" dirty="0"/>
-              <a:t>No, they are not</a:t>
-            </a:r>
-            <a:r>
-              <a:rPr lang="pt-PT" sz="1600" dirty="0"/>
-              <a:t>, but we can look deeper and see interesting regional results as:</a:t>
-            </a:r>
-          </a:p>
-          <a:p>
-            <a:endParaRPr lang="pt-PT" sz="1600" dirty="0"/>
-          </a:p>
-          <a:p>
-            <a:pPr marL="342900" indent="-342900">
-              <a:buFont typeface="Arial" panose="020B0604020202020204" pitchFamily="34" charset="0"/>
-              <a:buChar char="•"/>
-            </a:pPr>
-            <a:r>
-              <a:rPr lang="pt-PT" sz="1400" dirty="0"/>
-              <a:t>Negligent fire is a problem in Portugal.</a:t>
-            </a:r>
-          </a:p>
-          <a:p>
-            <a:pPr marL="342900" indent="-342900">
-              <a:buFont typeface="Arial" panose="020B0604020202020204" pitchFamily="34" charset="0"/>
-              <a:buChar char="•"/>
-            </a:pPr>
-            <a:endParaRPr lang="pt-PT" sz="1400" dirty="0"/>
-          </a:p>
-          <a:p>
-            <a:pPr marL="342900" indent="-342900">
-              <a:buFont typeface="Arial" panose="020B0604020202020204" pitchFamily="34" charset="0"/>
-              <a:buChar char="•"/>
-            </a:pPr>
-            <a:r>
-              <a:rPr lang="pt-PT" sz="1400" dirty="0"/>
-              <a:t>The number of fires is actually decreasing.</a:t>
-            </a:r>
-          </a:p>
-        </p:txBody>
-      </p:sp>
-      <p:pic>
-        <p:nvPicPr>
-          <p:cNvPr id="17" name="Picture 16">
-            <a:extLst>
-              <a:ext uri="{FF2B5EF4-FFF2-40B4-BE49-F238E27FC236}">
-                <a16:creationId xmlns:a16="http://schemas.microsoft.com/office/drawing/2014/main" id="{A06B2D82-6458-EF15-0918-7BC70DCF8EF1}"/>
-              </a:ext>
-            </a:extLst>
-          </p:cNvPr>
-          <p:cNvPicPr>
-            <a:picLocks noChangeAspect="1"/>
-          </p:cNvPicPr>
-          <p:nvPr/>
-        </p:nvPicPr>
-        <p:blipFill>
-          <a:blip r:embed="rId2"/>
-          <a:stretch>
-            <a:fillRect/>
-          </a:stretch>
-        </p:blipFill>
-        <p:spPr>
-          <a:xfrm>
-            <a:off x="6454596" y="978485"/>
-            <a:ext cx="733384" cy="671949"/>
-          </a:xfrm>
-          <a:prstGeom prst="rect">
-            <a:avLst/>
-          </a:prstGeom>
-        </p:spPr>
-      </p:pic>
-      <p:pic>
-        <p:nvPicPr>
-          <p:cNvPr id="21" name="Content Placeholder 20">
-            <a:extLst>
-              <a:ext uri="{FF2B5EF4-FFF2-40B4-BE49-F238E27FC236}">
-                <a16:creationId xmlns:a16="http://schemas.microsoft.com/office/drawing/2014/main" id="{A76533AE-2E44-55A6-A57B-075DD60C2B1F}"/>
-              </a:ext>
-            </a:extLst>
-          </p:cNvPr>
-          <p:cNvPicPr>
-            <a:picLocks noGrp="1" noChangeAspect="1"/>
-          </p:cNvPicPr>
-          <p:nvPr>
-            <p:ph idx="1"/>
-          </p:nvPr>
-        </p:nvPicPr>
-        <p:blipFill>
-          <a:blip r:embed="rId3">
-            <a:extLst>
-              <a:ext uri="{28A0092B-C50C-407E-A947-70E740481C1C}">
-                <a14:useLocalDpi xmlns:a14="http://schemas.microsoft.com/office/drawing/2010/main" val="0"/>
-              </a:ext>
-            </a:extLst>
-          </a:blip>
-          <a:stretch>
-            <a:fillRect/>
-          </a:stretch>
-        </p:blipFill>
-        <p:spPr>
-          <a:xfrm>
-            <a:off x="853084" y="609600"/>
-            <a:ext cx="6523431" cy="5334000"/>
-          </a:xfrm>
-        </p:spPr>
-      </p:pic>
-    </p:spTree>
-    <p:extLst>
-      <p:ext uri="{BB962C8B-B14F-4D97-AF65-F5344CB8AC3E}">
-        <p14:creationId xmlns:p14="http://schemas.microsoft.com/office/powerpoint/2010/main" val="2108070086"/>
-      </p:ext>
-    </p:extLst>
-  </p:cSld>
-  <p:clrMapOvr>
-    <a:masterClrMapping/>
-  </p:clrMapOvr>
-</p:sld>
-</file>
-
-<file path=ppt/slides/slide7.xml><?xml version="1.0" encoding="utf-8"?>
-<p:sld xmlns:a="http://schemas.openxmlformats.org/drawingml/2006/main" xmlns:r="http://schemas.openxmlformats.org/officeDocument/2006/relationships" xmlns:p="http://schemas.openxmlformats.org/presentationml/2006/main">
-  <p:cSld>
-    <p:spTree>
-      <p:nvGrpSpPr>
-        <p:cNvPr id="1" name=""/>
-        <p:cNvGrpSpPr/>
-        <p:nvPr/>
-      </p:nvGrpSpPr>
-      <p:grpSpPr>
-        <a:xfrm>
-          <a:off x="0" y="0"/>
-          <a:ext cx="0" cy="0"/>
-          <a:chOff x="0" y="0"/>
-          <a:chExt cx="0" cy="0"/>
-        </a:xfrm>
-      </p:grpSpPr>
-      <p:sp>
-        <p:nvSpPr>
-          <p:cNvPr id="2" name="Title 1">
-            <a:extLst>
-              <a:ext uri="{FF2B5EF4-FFF2-40B4-BE49-F238E27FC236}">
                 <a16:creationId xmlns:a16="http://schemas.microsoft.com/office/drawing/2014/main" id="{2E406020-AC71-9CE5-C164-E613D1AE86AB}"/>
               </a:ext>
             </a:extLst>
@@ -6988,7 +6436,7 @@
           <a:lstStyle/>
           <a:p>
             <a:r>
-              <a:rPr lang="pt-PT" sz="4400" dirty="0">
+              <a:rPr lang="pt-PT" sz="4400" b="1" dirty="0">
                 <a:solidFill>
                   <a:schemeClr val="bg1"/>
                 </a:solidFill>
@@ -7011,7 +6459,7 @@
 </p:sld>
 </file>
 
-<file path=ppt/slides/slide8.xml><?xml version="1.0" encoding="utf-8"?>
+<file path=ppt/slides/slide11.xml><?xml version="1.0" encoding="utf-8"?>
 <p:sld xmlns:a="http://schemas.openxmlformats.org/drawingml/2006/main" xmlns:r="http://schemas.openxmlformats.org/officeDocument/2006/relationships" xmlns:p="http://schemas.openxmlformats.org/presentationml/2006/main">
   <p:cSld>
     <p:spTree>
@@ -7129,13 +6577,13 @@
             <p:nvPr/>
           </p:nvPicPr>
           <p:blipFill>
-            <a:blip r:embed="rId2">
+            <a:blip r:embed="rId3">
               <a:extLst>
                 <a:ext uri="{28A0092B-C50C-407E-A947-70E740481C1C}">
                   <a14:useLocalDpi xmlns:a14="http://schemas.microsoft.com/office/drawing/2010/main" val="0"/>
                 </a:ext>
                 <a:ext uri="{96DAC541-7B7A-43D3-8B79-37D633B846F1}">
-                  <asvg:svgBlip xmlns:asvg="http://schemas.microsoft.com/office/drawing/2016/SVG/main" r:embed="rId3"/>
+                  <asvg:svgBlip xmlns:asvg="http://schemas.microsoft.com/office/drawing/2016/SVG/main" r:embed="rId4"/>
                 </a:ext>
               </a:extLst>
             </a:blip>
@@ -7252,13 +6700,13 @@
               <p:nvPr/>
             </p:nvPicPr>
             <p:blipFill>
-              <a:blip r:embed="rId4">
+              <a:blip r:embed="rId5">
                 <a:extLst>
                   <a:ext uri="{28A0092B-C50C-407E-A947-70E740481C1C}">
                     <a14:useLocalDpi xmlns:a14="http://schemas.microsoft.com/office/drawing/2010/main" val="0"/>
                   </a:ext>
                   <a:ext uri="{96DAC541-7B7A-43D3-8B79-37D633B846F1}">
-                    <asvg:svgBlip xmlns:asvg="http://schemas.microsoft.com/office/drawing/2016/SVG/main" r:embed="rId5"/>
+                    <asvg:svgBlip xmlns:asvg="http://schemas.microsoft.com/office/drawing/2016/SVG/main" r:embed="rId6"/>
                   </a:ext>
                 </a:extLst>
               </a:blip>
@@ -7291,13 +6739,13 @@
               <p:nvPr/>
             </p:nvPicPr>
             <p:blipFill>
-              <a:blip r:embed="rId6">
+              <a:blip r:embed="rId7">
                 <a:extLst>
                   <a:ext uri="{28A0092B-C50C-407E-A947-70E740481C1C}">
                     <a14:useLocalDpi xmlns:a14="http://schemas.microsoft.com/office/drawing/2010/main" val="0"/>
                   </a:ext>
                   <a:ext uri="{96DAC541-7B7A-43D3-8B79-37D633B846F1}">
-                    <asvg:svgBlip xmlns:asvg="http://schemas.microsoft.com/office/drawing/2016/SVG/main" r:embed="rId7"/>
+                    <asvg:svgBlip xmlns:asvg="http://schemas.microsoft.com/office/drawing/2016/SVG/main" r:embed="rId8"/>
                   </a:ext>
                 </a:extLst>
               </a:blip>
@@ -7330,13 +6778,13 @@
               <p:nvPr/>
             </p:nvPicPr>
             <p:blipFill>
-              <a:blip r:embed="rId8">
+              <a:blip r:embed="rId9">
                 <a:extLst>
                   <a:ext uri="{28A0092B-C50C-407E-A947-70E740481C1C}">
                     <a14:useLocalDpi xmlns:a14="http://schemas.microsoft.com/office/drawing/2010/main" val="0"/>
                   </a:ext>
                   <a:ext uri="{96DAC541-7B7A-43D3-8B79-37D633B846F1}">
-                    <asvg:svgBlip xmlns:asvg="http://schemas.microsoft.com/office/drawing/2016/SVG/main" r:embed="rId9"/>
+                    <asvg:svgBlip xmlns:asvg="http://schemas.microsoft.com/office/drawing/2016/SVG/main" r:embed="rId10"/>
                   </a:ext>
                 </a:extLst>
               </a:blip>
@@ -7426,13 +6874,13 @@
             <p:nvPr/>
           </p:nvPicPr>
           <p:blipFill>
-            <a:blip r:embed="rId10">
+            <a:blip r:embed="rId11">
               <a:extLst>
                 <a:ext uri="{28A0092B-C50C-407E-A947-70E740481C1C}">
                   <a14:useLocalDpi xmlns:a14="http://schemas.microsoft.com/office/drawing/2010/main" val="0"/>
                 </a:ext>
                 <a:ext uri="{96DAC541-7B7A-43D3-8B79-37D633B846F1}">
-                  <asvg:svgBlip xmlns:asvg="http://schemas.microsoft.com/office/drawing/2016/SVG/main" r:embed="rId11"/>
+                  <asvg:svgBlip xmlns:asvg="http://schemas.microsoft.com/office/drawing/2016/SVG/main" r:embed="rId12"/>
                 </a:ext>
               </a:extLst>
             </a:blip>
@@ -7791,7 +7239,7 @@
 </p:sld>
 </file>
 
-<file path=ppt/slides/slide9.xml><?xml version="1.0" encoding="utf-8"?>
+<file path=ppt/slides/slide12.xml><?xml version="1.0" encoding="utf-8"?>
 <p:sld xmlns:a="http://schemas.openxmlformats.org/drawingml/2006/main" xmlns:r="http://schemas.openxmlformats.org/officeDocument/2006/relationships" xmlns:p="http://schemas.openxmlformats.org/presentationml/2006/main">
   <p:cSld>
     <p:spTree>
@@ -7864,38 +7312,6 @@
       </p:sp>
       <p:sp>
         <p:nvSpPr>
-          <p:cNvPr id="2" name="Title 1">
-            <a:extLst>
-              <a:ext uri="{FF2B5EF4-FFF2-40B4-BE49-F238E27FC236}">
-                <a16:creationId xmlns:a16="http://schemas.microsoft.com/office/drawing/2014/main" id="{B39F4078-4DBC-42DD-AE31-88D9670A48F8}"/>
-              </a:ext>
-            </a:extLst>
-          </p:cNvPr>
-          <p:cNvSpPr>
-            <a:spLocks noGrp="1"/>
-          </p:cNvSpPr>
-          <p:nvPr>
-            <p:ph type="title"/>
-          </p:nvPr>
-        </p:nvSpPr>
-        <p:spPr/>
-        <p:txBody>
-          <a:bodyPr/>
-          <a:lstStyle/>
-          <a:p>
-            <a:r>
-              <a:rPr lang="pt-PT" dirty="0"/>
-              <a:t>WE DO!</a:t>
-            </a:r>
-            <a:br>
-              <a:rPr lang="pt-PT" dirty="0"/>
-            </a:br>
-            <a:endParaRPr lang="pt-PT" dirty="0"/>
-          </a:p>
-        </p:txBody>
-      </p:sp>
-      <p:sp>
-        <p:nvSpPr>
           <p:cNvPr id="4" name="Text Placeholder 3">
             <a:extLst>
               <a:ext uri="{FF2B5EF4-FFF2-40B4-BE49-F238E27FC236}">
@@ -7910,7 +7326,12 @@
             <p:ph type="body" sz="half" idx="2"/>
           </p:nvPr>
         </p:nvSpPr>
-        <p:spPr/>
+        <p:spPr>
+          <a:xfrm>
+            <a:off x="8458200" y="1652985"/>
+            <a:ext cx="3161963" cy="3606800"/>
+          </a:xfrm>
+        </p:spPr>
         <p:txBody>
           <a:bodyPr>
             <a:normAutofit fontScale="92500" lnSpcReduction="20000"/>
@@ -7960,7 +7381,7 @@
             <a:pPr rtl="0"/>
             <a:fld id="{5A1928F9-0DBA-496E-A54E-8F6506DE8A22}" type="datetime1">
               <a:rPr lang="en-US" smtClean="0"/>
-              <a:t>10/4/2022</a:t>
+              <a:t>10/5/2022</a:t>
             </a:fld>
             <a:endParaRPr lang="en-US"/>
           </a:p>
@@ -8018,7 +7439,7 @@
           </p:nvPr>
         </p:nvPicPr>
         <p:blipFill>
-          <a:blip r:embed="rId2">
+          <a:blip r:embed="rId3">
             <a:extLst>
               <a:ext uri="{28A0092B-C50C-407E-A947-70E740481C1C}">
                 <a14:useLocalDpi xmlns:a14="http://schemas.microsoft.com/office/drawing/2010/main" val="0"/>
@@ -8050,8 +7471,8 @@
         </p:nvSpPr>
         <p:spPr>
           <a:xfrm>
-            <a:off x="1427480" y="4974510"/>
-            <a:ext cx="5328920" cy="800219"/>
+            <a:off x="1790036" y="4764639"/>
+            <a:ext cx="4456487" cy="923330"/>
           </a:xfrm>
           <a:prstGeom prst="rect">
             <a:avLst/>
@@ -8064,73 +7485,1861 @@
           </a:bodyPr>
           <a:lstStyle/>
           <a:p>
-            <a:r>
-              <a:rPr kumimoji="0" lang="pt-PT" altLang="pt-PT" sz="1400" i="0" u="none" strike="noStrike" cap="none" normalizeH="0" baseline="0" dirty="0">
+            <a:pPr algn="ctr"/>
+            <a:r>
+              <a:rPr kumimoji="0" lang="pt-PT" altLang="pt-PT" sz="1400" b="1" i="0" u="none" strike="noStrike" cap="none" normalizeH="0" baseline="0" dirty="0">
                 <a:ln>
                   <a:noFill/>
                 </a:ln>
                 <a:effectLst/>
                 <a:latin typeface="+mj-lt"/>
               </a:rPr>
-              <a:t>Total Burned area real: 10106.52</a:t>
-            </a:r>
-          </a:p>
-          <a:p>
-            <a:r>
-              <a:rPr kumimoji="0" lang="pt-PT" altLang="pt-PT" sz="1400" i="0" u="none" strike="noStrike" cap="none" normalizeH="0" baseline="0" dirty="0">
-                <a:ln>
-                  <a:noFill/>
-                </a:ln>
-                <a:effectLst/>
+              <a:t>R2 score of 63%</a:t>
+            </a:r>
+          </a:p>
+          <a:p>
+            <a:pPr algn="ctr"/>
+            <a:endParaRPr kumimoji="0" lang="pt-PT" altLang="pt-PT" sz="1400" i="0" u="none" strike="noStrike" cap="none" normalizeH="0" baseline="0" dirty="0">
+              <a:ln>
+                <a:noFill/>
+              </a:ln>
+              <a:effectLst/>
+              <a:latin typeface="+mj-lt"/>
+            </a:endParaRPr>
+          </a:p>
+          <a:p>
+            <a:pPr algn="ctr"/>
+            <a:r>
+              <a:rPr lang="pt-PT" altLang="pt-PT" sz="800" b="1" dirty="0">
                 <a:latin typeface="+mj-lt"/>
               </a:rPr>
-              <a:t>Total Burned area predicted: 9640.48 </a:t>
-            </a:r>
-          </a:p>
-          <a:p>
+              <a:t>Better results possible with further iteration and neural networking</a:t>
+            </a:r>
+            <a:endParaRPr kumimoji="0" lang="pt-PT" altLang="pt-PT" sz="800" b="1" i="0" u="none" strike="noStrike" cap="none" normalizeH="0" baseline="0" dirty="0">
+              <a:ln>
+                <a:noFill/>
+              </a:ln>
+              <a:effectLst/>
+              <a:latin typeface="+mj-lt"/>
+            </a:endParaRPr>
+          </a:p>
+          <a:p>
+            <a:pPr algn="ctr"/>
             <a:endParaRPr lang="pt-PT" dirty="0"/>
           </a:p>
         </p:txBody>
       </p:sp>
-      <p:sp>
-        <p:nvSpPr>
-          <p:cNvPr id="14" name="TextBox 13">
+    </p:spTree>
+    <p:extLst>
+      <p:ext uri="{BB962C8B-B14F-4D97-AF65-F5344CB8AC3E}">
+        <p14:creationId xmlns:p14="http://schemas.microsoft.com/office/powerpoint/2010/main" val="2159782795"/>
+      </p:ext>
+    </p:extLst>
+  </p:cSld>
+  <p:clrMapOvr>
+    <a:masterClrMapping/>
+  </p:clrMapOvr>
+</p:sld>
+</file>
+
+<file path=ppt/slides/slide13.xml><?xml version="1.0" encoding="utf-8"?>
+<p:sld xmlns:a="http://schemas.openxmlformats.org/drawingml/2006/main" xmlns:r="http://schemas.openxmlformats.org/officeDocument/2006/relationships" xmlns:p="http://schemas.openxmlformats.org/presentationml/2006/main">
+  <p:cSld>
+    <p:spTree>
+      <p:nvGrpSpPr>
+        <p:cNvPr id="1" name=""/>
+        <p:cNvGrpSpPr/>
+        <p:nvPr/>
+      </p:nvGrpSpPr>
+      <p:grpSpPr>
+        <a:xfrm>
+          <a:off x="0" y="0"/>
+          <a:ext cx="0" cy="0"/>
+          <a:chOff x="0" y="0"/>
+          <a:chExt cx="0" cy="0"/>
+        </a:xfrm>
+      </p:grpSpPr>
+      <p:sp>
+        <p:nvSpPr>
+          <p:cNvPr id="2" name="Title 1">
             <a:extLst>
               <a:ext uri="{FF2B5EF4-FFF2-40B4-BE49-F238E27FC236}">
-                <a16:creationId xmlns:a16="http://schemas.microsoft.com/office/drawing/2014/main" id="{0520CA02-E3FF-8876-4DF8-1A344CE31EFA}"/>
+                <a16:creationId xmlns:a16="http://schemas.microsoft.com/office/drawing/2014/main" id="{5C002BF8-3B9A-1E87-1E1D-19F4A962E08C}"/>
               </a:ext>
             </a:extLst>
           </p:cNvPr>
-          <p:cNvSpPr txBox="1"/>
+          <p:cNvSpPr>
+            <a:spLocks noGrp="1"/>
+          </p:cNvSpPr>
+          <p:nvPr>
+            <p:ph type="title"/>
+          </p:nvPr>
+        </p:nvSpPr>
+        <p:spPr/>
+        <p:txBody>
+          <a:bodyPr/>
+          <a:lstStyle/>
+          <a:p>
+            <a:r>
+              <a:rPr lang="pt-PT" dirty="0"/>
+              <a:t>Conclusions</a:t>
+            </a:r>
+          </a:p>
+        </p:txBody>
+      </p:sp>
+      <p:sp>
+        <p:nvSpPr>
+          <p:cNvPr id="3" name="Content Placeholder 2">
+            <a:extLst>
+              <a:ext uri="{FF2B5EF4-FFF2-40B4-BE49-F238E27FC236}">
+                <a16:creationId xmlns:a16="http://schemas.microsoft.com/office/drawing/2014/main" id="{CF79D8A2-7B0A-3832-7A04-2F7E705C3C53}"/>
+              </a:ext>
+            </a:extLst>
+          </p:cNvPr>
+          <p:cNvSpPr>
+            <a:spLocks noGrp="1"/>
+          </p:cNvSpPr>
+          <p:nvPr>
+            <p:ph idx="1"/>
+          </p:nvPr>
+        </p:nvSpPr>
+        <p:spPr/>
+        <p:txBody>
+          <a:bodyPr>
+            <a:normAutofit fontScale="92500" lnSpcReduction="10000"/>
+          </a:bodyPr>
+          <a:lstStyle/>
+          <a:p>
+            <a:r>
+              <a:rPr lang="pt-PT" sz="3200" dirty="0"/>
+              <a:t>Data inputs have to improve.</a:t>
+            </a:r>
+          </a:p>
+          <a:p>
+            <a:r>
+              <a:rPr lang="pt-PT" sz="3200" dirty="0"/>
+              <a:t>Re-ignition is a serious problem, significant resources should be allocated in the aftermath of fire.</a:t>
+            </a:r>
+          </a:p>
+          <a:p>
+            <a:r>
+              <a:rPr lang="pt-PT" sz="3200" dirty="0"/>
+              <a:t>Use the predictive models to allocate resources in advance.</a:t>
+            </a:r>
+          </a:p>
+          <a:p>
+            <a:r>
+              <a:rPr lang="pt-PT" sz="3200" dirty="0"/>
+              <a:t>Promote global campaigns instructing people how to prevent negligent fires.</a:t>
+            </a:r>
+          </a:p>
+        </p:txBody>
+      </p:sp>
+    </p:spTree>
+    <p:extLst>
+      <p:ext uri="{BB962C8B-B14F-4D97-AF65-F5344CB8AC3E}">
+        <p14:creationId xmlns:p14="http://schemas.microsoft.com/office/powerpoint/2010/main" val="3723154536"/>
+      </p:ext>
+    </p:extLst>
+  </p:cSld>
+  <p:clrMapOvr>
+    <a:masterClrMapping/>
+  </p:clrMapOvr>
+</p:sld>
+</file>
+
+<file path=ppt/slides/slide14.xml><?xml version="1.0" encoding="utf-8"?>
+<p:sld xmlns:a="http://schemas.openxmlformats.org/drawingml/2006/main" xmlns:r="http://schemas.openxmlformats.org/officeDocument/2006/relationships" xmlns:p="http://schemas.openxmlformats.org/presentationml/2006/main">
+  <p:cSld>
+    <p:bg>
+      <p:bgPr>
+        <a:solidFill>
+          <a:schemeClr val="bg1"/>
+        </a:solidFill>
+        <a:effectLst/>
+      </p:bgPr>
+    </p:bg>
+    <p:spTree>
+      <p:nvGrpSpPr>
+        <p:cNvPr id="1" name=""/>
+        <p:cNvGrpSpPr/>
+        <p:nvPr/>
+      </p:nvGrpSpPr>
+      <p:grpSpPr>
+        <a:xfrm>
+          <a:off x="0" y="0"/>
+          <a:ext cx="0" cy="0"/>
+          <a:chOff x="0" y="0"/>
+          <a:chExt cx="0" cy="0"/>
+        </a:xfrm>
+      </p:grpSpPr>
+      <p:pic>
+        <p:nvPicPr>
+          <p:cNvPr id="5" name="Picture 4">
+            <a:extLst>
+              <a:ext uri="{FF2B5EF4-FFF2-40B4-BE49-F238E27FC236}">
+                <a16:creationId xmlns:a16="http://schemas.microsoft.com/office/drawing/2014/main" id="{6D3BA21E-E6C8-4E14-8E53-C5DF567E9DFF}"/>
+              </a:ext>
+            </a:extLst>
+          </p:cNvPr>
+          <p:cNvPicPr>
+            <a:picLocks noChangeAspect="1"/>
+          </p:cNvPicPr>
           <p:nvPr/>
-        </p:nvSpPr>
+        </p:nvPicPr>
+        <p:blipFill>
+          <a:blip r:embed="rId3">
+            <a:extLst>
+              <a:ext uri="{28A0092B-C50C-407E-A947-70E740481C1C}">
+                <a14:useLocalDpi xmlns:a14="http://schemas.microsoft.com/office/drawing/2010/main" val="0"/>
+              </a:ext>
+            </a:extLst>
+          </a:blip>
+          <a:srcRect/>
+          <a:stretch/>
+        </p:blipFill>
         <p:spPr>
           <a:xfrm>
-            <a:off x="4551680" y="5054600"/>
-            <a:ext cx="2287165" cy="369332"/>
+            <a:off x="20" y="-2357330"/>
+            <a:ext cx="16398220" cy="9210200"/>
+          </a:xfrm>
+          <a:prstGeom prst="rect">
+            <a:avLst/>
+          </a:prstGeom>
+        </p:spPr>
+      </p:pic>
+      <p:sp>
+        <p:nvSpPr>
+          <p:cNvPr id="64" name="Rectangle 59">
+            <a:extLst>
+              <a:ext uri="{FF2B5EF4-FFF2-40B4-BE49-F238E27FC236}">
+                <a16:creationId xmlns:a16="http://schemas.microsoft.com/office/drawing/2014/main" id="{2644B391-9BFE-445C-A9EC-F544BB85FBC7}"/>
+              </a:ext>
+              <a:ext uri="{C183D7F6-B498-43B3-948B-1728B52AA6E4}">
+                <adec:decorative xmlns:adec="http://schemas.microsoft.com/office/drawing/2017/decorative" val="1"/>
+              </a:ext>
+            </a:extLst>
+          </p:cNvPr>
+          <p:cNvSpPr>
+            <a:spLocks noGrp="1" noRot="1" noChangeAspect="1" noMove="1" noResize="1" noEditPoints="1" noAdjustHandles="1" noChangeArrowheads="1" noChangeShapeType="1" noTextEdit="1"/>
+          </p:cNvSpPr>
+          <p:nvPr>
+            <p:extLst>
+              <p:ext uri="{386F3935-93C4-4BCD-93E2-E3B085C9AB24}">
+                <p16:designElem xmlns:p16="http://schemas.microsoft.com/office/powerpoint/2015/main" val="1"/>
+              </p:ext>
+            </p:extLst>
+          </p:nvPr>
+        </p:nvSpPr>
+        <p:spPr>
+          <a:xfrm>
+            <a:off x="937329" y="1808532"/>
+            <a:ext cx="5452527" cy="3240936"/>
+          </a:xfrm>
+          <a:prstGeom prst="rect">
+            <a:avLst/>
+          </a:prstGeom>
+          <a:solidFill>
+            <a:schemeClr val="bg1">
+              <a:lumMod val="75000"/>
+              <a:lumOff val="25000"/>
+            </a:schemeClr>
+          </a:solidFill>
+          <a:ln w="6350" cap="sq" cmpd="sng" algn="ctr">
+            <a:noFill/>
+            <a:prstDash val="solid"/>
+            <a:miter lim="800000"/>
+          </a:ln>
+          <a:effectLst/>
+        </p:spPr>
+      </p:sp>
+      <p:sp>
+        <p:nvSpPr>
+          <p:cNvPr id="65" name="Rectangle 61">
+            <a:extLst>
+              <a:ext uri="{FF2B5EF4-FFF2-40B4-BE49-F238E27FC236}">
+                <a16:creationId xmlns:a16="http://schemas.microsoft.com/office/drawing/2014/main" id="{80F26E69-87D9-4655-AE7B-280A87AA3CAD}"/>
+              </a:ext>
+              <a:ext uri="{C183D7F6-B498-43B3-948B-1728B52AA6E4}">
+                <adec:decorative xmlns:adec="http://schemas.microsoft.com/office/drawing/2017/decorative" val="1"/>
+              </a:ext>
+            </a:extLst>
+          </p:cNvPr>
+          <p:cNvSpPr>
+            <a:spLocks noGrp="1" noRot="1" noChangeAspect="1" noMove="1" noResize="1" noEditPoints="1" noAdjustHandles="1" noChangeArrowheads="1" noChangeShapeType="1" noTextEdit="1"/>
+          </p:cNvSpPr>
+          <p:nvPr>
+            <p:extLst>
+              <p:ext uri="{386F3935-93C4-4BCD-93E2-E3B085C9AB24}">
+                <p16:designElem xmlns:p16="http://schemas.microsoft.com/office/powerpoint/2015/main" val="1"/>
+              </p:ext>
+            </p:extLst>
+          </p:nvPr>
+        </p:nvSpPr>
+        <p:spPr>
+          <a:xfrm>
+            <a:off x="1103272" y="1975104"/>
+            <a:ext cx="5120640" cy="2907792"/>
           </a:xfrm>
           <a:prstGeom prst="rect">
             <a:avLst/>
           </a:prstGeom>
           <a:noFill/>
+          <a:ln w="6350" cap="sq" cmpd="sng" algn="ctr">
+            <a:solidFill>
+              <a:schemeClr val="tx1"/>
+            </a:solidFill>
+            <a:prstDash val="solid"/>
+            <a:miter lim="800000"/>
+          </a:ln>
+          <a:effectLst>
+            <a:softEdge rad="0"/>
+          </a:effectLst>
         </p:spPr>
-        <p:txBody>
-          <a:bodyPr wrap="none" rtlCol="0">
-            <a:spAutoFit/>
+      </p:sp>
+      <p:sp>
+        <p:nvSpPr>
+          <p:cNvPr id="2" name="Title 1">
+            <a:extLst>
+              <a:ext uri="{FF2B5EF4-FFF2-40B4-BE49-F238E27FC236}">
+                <a16:creationId xmlns:a16="http://schemas.microsoft.com/office/drawing/2014/main" id="{18C3B467-088C-4F3D-A9A7-105C4E1E20CD}"/>
+              </a:ext>
+            </a:extLst>
+          </p:cNvPr>
+          <p:cNvSpPr>
+            <a:spLocks noGrp="1"/>
+          </p:cNvSpPr>
+          <p:nvPr>
+            <p:ph type="ctrTitle"/>
+          </p:nvPr>
+        </p:nvSpPr>
+        <p:spPr>
+          <a:xfrm>
+            <a:off x="1276055" y="2350017"/>
+            <a:ext cx="4775075" cy="1630906"/>
+          </a:xfrm>
+        </p:spPr>
+        <p:txBody>
+          <a:bodyPr rtlCol="0">
+            <a:normAutofit/>
           </a:bodyPr>
           <a:lstStyle/>
           <a:p>
-            <a:r>
-              <a:rPr lang="pt-PT" dirty="0"/>
-              <a:t>95% of the real data</a:t>
-            </a:r>
+            <a:pPr rtl="0"/>
+            <a:r>
+              <a:rPr lang="en-gb" sz="3200" dirty="0">
+                <a:solidFill>
+                  <a:schemeClr val="tx1"/>
+                </a:solidFill>
+              </a:rPr>
+              <a:t>Full research and project at GitHub</a:t>
+            </a:r>
+          </a:p>
+        </p:txBody>
+      </p:sp>
+      <p:sp>
+        <p:nvSpPr>
+          <p:cNvPr id="3" name="Subtitle 2">
+            <a:extLst>
+              <a:ext uri="{FF2B5EF4-FFF2-40B4-BE49-F238E27FC236}">
+                <a16:creationId xmlns:a16="http://schemas.microsoft.com/office/drawing/2014/main" id="{C8722DDC-8EEE-4A06-8DFE-B44871EAA2CF}"/>
+              </a:ext>
+            </a:extLst>
+          </p:cNvPr>
+          <p:cNvSpPr>
+            <a:spLocks noGrp="1"/>
+          </p:cNvSpPr>
+          <p:nvPr>
+            <p:ph type="subTitle" idx="1"/>
+          </p:nvPr>
+        </p:nvSpPr>
+        <p:spPr>
+          <a:xfrm>
+            <a:off x="1276055" y="3990546"/>
+            <a:ext cx="4775075" cy="559656"/>
+          </a:xfrm>
+        </p:spPr>
+        <p:txBody>
+          <a:bodyPr rtlCol="0">
+            <a:normAutofit/>
+          </a:bodyPr>
+          <a:lstStyle/>
+          <a:p>
+            <a:pPr rtl="0"/>
+            <a:r>
+              <a:rPr lang="en-GB" sz="1600" dirty="0">
+                <a:solidFill>
+                  <a:schemeClr val="tx1"/>
+                </a:solidFill>
+              </a:rPr>
+              <a:t>github.com/Simao-Lopes/Fire-Project</a:t>
+            </a:r>
+            <a:endParaRPr lang="en-gb" sz="1600" dirty="0">
+              <a:solidFill>
+                <a:schemeClr val="tx1"/>
+              </a:solidFill>
+            </a:endParaRPr>
           </a:p>
         </p:txBody>
       </p:sp>
     </p:spTree>
     <p:extLst>
       <p:ext uri="{BB962C8B-B14F-4D97-AF65-F5344CB8AC3E}">
-        <p14:creationId xmlns:p14="http://schemas.microsoft.com/office/powerpoint/2010/main" val="2159782795"/>
+        <p14:creationId xmlns:p14="http://schemas.microsoft.com/office/powerpoint/2010/main" val="936838463"/>
+      </p:ext>
+    </p:extLst>
+  </p:cSld>
+  <p:clrMapOvr>
+    <a:overrideClrMapping bg1="lt1" tx1="dk1" bg2="lt2" tx2="dk2" accent1="accent1" accent2="accent2" accent3="accent3" accent4="accent4" accent5="accent5" accent6="accent6" hlink="hlink" folHlink="folHlink"/>
+  </p:clrMapOvr>
+</p:sld>
+</file>
+
+<file path=ppt/slides/slide15.xml><?xml version="1.0" encoding="utf-8"?>
+<p:sld xmlns:a="http://schemas.openxmlformats.org/drawingml/2006/main" xmlns:r="http://schemas.openxmlformats.org/officeDocument/2006/relationships" xmlns:p="http://schemas.openxmlformats.org/presentationml/2006/main">
+  <p:cSld>
+    <p:spTree>
+      <p:nvGrpSpPr>
+        <p:cNvPr id="1" name=""/>
+        <p:cNvGrpSpPr/>
+        <p:nvPr/>
+      </p:nvGrpSpPr>
+      <p:grpSpPr>
+        <a:xfrm>
+          <a:off x="0" y="0"/>
+          <a:ext cx="0" cy="0"/>
+          <a:chOff x="0" y="0"/>
+          <a:chExt cx="0" cy="0"/>
+        </a:xfrm>
+      </p:grpSpPr>
+      <p:sp>
+        <p:nvSpPr>
+          <p:cNvPr id="2" name="Title 1">
+            <a:extLst>
+              <a:ext uri="{FF2B5EF4-FFF2-40B4-BE49-F238E27FC236}">
+                <a16:creationId xmlns:a16="http://schemas.microsoft.com/office/drawing/2014/main" id="{FA57DE4E-8E75-CE8D-A104-DC8C8A57485B}"/>
+              </a:ext>
+            </a:extLst>
+          </p:cNvPr>
+          <p:cNvSpPr>
+            <a:spLocks noGrp="1"/>
+          </p:cNvSpPr>
+          <p:nvPr>
+            <p:ph type="title"/>
+          </p:nvPr>
+        </p:nvSpPr>
+        <p:spPr/>
+        <p:txBody>
+          <a:bodyPr/>
+          <a:lstStyle/>
+          <a:p>
+            <a:r>
+              <a:rPr lang="pt-PT" dirty="0"/>
+              <a:t>Sources</a:t>
+            </a:r>
+          </a:p>
+        </p:txBody>
+      </p:sp>
+      <p:sp>
+        <p:nvSpPr>
+          <p:cNvPr id="3" name="Content Placeholder 2">
+            <a:extLst>
+              <a:ext uri="{FF2B5EF4-FFF2-40B4-BE49-F238E27FC236}">
+                <a16:creationId xmlns:a16="http://schemas.microsoft.com/office/drawing/2014/main" id="{1625B707-6170-EBC3-B054-50F91234FD97}"/>
+              </a:ext>
+            </a:extLst>
+          </p:cNvPr>
+          <p:cNvSpPr>
+            <a:spLocks noGrp="1"/>
+          </p:cNvSpPr>
+          <p:nvPr>
+            <p:ph idx="1"/>
+          </p:nvPr>
+        </p:nvSpPr>
+        <p:spPr/>
+        <p:txBody>
+          <a:bodyPr/>
+          <a:lstStyle/>
+          <a:p>
+            <a:endParaRPr lang="pt-PT" b="1" i="0" u="none" strike="noStrike" dirty="0">
+              <a:solidFill>
+                <a:srgbClr val="191919"/>
+              </a:solidFill>
+              <a:effectLst/>
+              <a:latin typeface="+mj-lt"/>
+            </a:endParaRPr>
+          </a:p>
+          <a:p>
+            <a:endParaRPr lang="pt-PT" b="1" dirty="0">
+              <a:solidFill>
+                <a:srgbClr val="191919"/>
+              </a:solidFill>
+              <a:latin typeface="+mj-lt"/>
+            </a:endParaRPr>
+          </a:p>
+          <a:p>
+            <a:r>
+              <a:rPr lang="pt-PT" b="1" i="0" u="none" strike="noStrike" dirty="0">
+                <a:solidFill>
+                  <a:srgbClr val="191919"/>
+                </a:solidFill>
+                <a:effectLst/>
+                <a:latin typeface="+mj-lt"/>
+              </a:rPr>
+              <a:t>Nuzulul Khairu Nissa, </a:t>
+            </a:r>
+            <a:r>
+              <a:rPr lang="en-US" b="1" i="0" dirty="0">
+                <a:solidFill>
+                  <a:srgbClr val="292929"/>
+                </a:solidFill>
+                <a:effectLst/>
+                <a:latin typeface="+mj-lt"/>
+              </a:rPr>
+              <a:t>The Experiment of Forest Fires Prediction using Deep Learning </a:t>
+            </a:r>
+            <a:r>
+              <a:rPr lang="en-US" i="0" dirty="0">
+                <a:solidFill>
+                  <a:srgbClr val="292929"/>
+                </a:solidFill>
+                <a:effectLst/>
+                <a:latin typeface="+mj-lt"/>
+              </a:rPr>
+              <a:t>-</a:t>
+            </a:r>
+            <a:r>
+              <a:rPr lang="pt-PT" dirty="0">
+                <a:solidFill>
+                  <a:srgbClr val="191919"/>
+                </a:solidFill>
+                <a:latin typeface="+mj-lt"/>
+              </a:rPr>
+              <a:t>h</a:t>
+            </a:r>
+            <a:r>
+              <a:rPr lang="pt-PT" dirty="0">
+                <a:latin typeface="+mj-lt"/>
+              </a:rPr>
+              <a:t>ttps://medium.com/mlearning-ai/the-experiment-of-forest-fires-prediction-using-deep-learning-d537e8c8e3a2</a:t>
+            </a:r>
+          </a:p>
+          <a:p>
+            <a:r>
+              <a:rPr lang="en-US" b="1" i="0" dirty="0">
+                <a:effectLst/>
+                <a:latin typeface="+mj-lt"/>
+              </a:rPr>
+              <a:t>Fire Weather Index (FWI) System</a:t>
+            </a:r>
+            <a:r>
+              <a:rPr lang="pt-PT" b="1" i="0" dirty="0">
+                <a:effectLst/>
+                <a:latin typeface="+mj-lt"/>
+              </a:rPr>
+              <a:t> </a:t>
+            </a:r>
+            <a:r>
+              <a:rPr lang="pt-PT" i="0" dirty="0">
+                <a:effectLst/>
+                <a:latin typeface="+mj-lt"/>
+              </a:rPr>
+              <a:t>- https://www.nwcg.gov/publications/pms437/cffdrs/fire-weather-index-system</a:t>
+            </a:r>
+          </a:p>
+          <a:p>
+            <a:r>
+              <a:rPr lang="pt-PT" b="1" dirty="0">
+                <a:latin typeface="+mj-lt"/>
+              </a:rPr>
+              <a:t>Jorge Miguel Gomes, </a:t>
+            </a:r>
+            <a:r>
+              <a:rPr lang="en-US" b="1" dirty="0">
+                <a:latin typeface="+mj-lt"/>
+              </a:rPr>
+              <a:t>A repository for ICNF data </a:t>
+            </a:r>
+            <a:r>
+              <a:rPr lang="en-US" dirty="0">
+                <a:latin typeface="+mj-lt"/>
+              </a:rPr>
+              <a:t>- https://github.com/vostpt/ICNF_DATA</a:t>
+            </a:r>
+          </a:p>
+          <a:p>
+            <a:r>
+              <a:rPr lang="en-US" b="1" dirty="0">
+                <a:latin typeface="+mj-lt"/>
+              </a:rPr>
+              <a:t>Paulo Cortez &amp; Anibal </a:t>
+            </a:r>
+            <a:r>
+              <a:rPr lang="en-US" b="1" dirty="0" err="1">
+                <a:latin typeface="+mj-lt"/>
+              </a:rPr>
+              <a:t>Morais</a:t>
+            </a:r>
+            <a:r>
+              <a:rPr lang="en-US" dirty="0">
+                <a:latin typeface="+mj-lt"/>
+              </a:rPr>
+              <a:t>, </a:t>
+            </a:r>
+            <a:r>
+              <a:rPr lang="en-US" i="0" dirty="0">
+                <a:solidFill>
+                  <a:srgbClr val="000000"/>
+                </a:solidFill>
+                <a:effectLst/>
+                <a:latin typeface="+mj-lt"/>
+              </a:rPr>
+              <a:t>A Data Mining Approach to Predict Forest Fires using Meteorological Data</a:t>
+            </a:r>
+            <a:r>
+              <a:rPr lang="en-US" dirty="0">
+                <a:latin typeface="+mj-lt"/>
+              </a:rPr>
+              <a:t> </a:t>
+            </a:r>
+          </a:p>
+          <a:p>
+            <a:r>
+              <a:rPr lang="en-US" b="1" dirty="0">
+                <a:latin typeface="+mj-lt"/>
+              </a:rPr>
+              <a:t>Joana da Fonseca Valente</a:t>
+            </a:r>
+            <a:r>
+              <a:rPr lang="en-US" dirty="0">
+                <a:latin typeface="+mj-lt"/>
+              </a:rPr>
+              <a:t>, </a:t>
+            </a:r>
+            <a:r>
+              <a:rPr lang="en-US" dirty="0" err="1">
+                <a:latin typeface="+mj-lt"/>
+              </a:rPr>
+              <a:t>Modelação</a:t>
+            </a:r>
+            <a:r>
+              <a:rPr lang="en-US" dirty="0">
+                <a:latin typeface="+mj-lt"/>
+              </a:rPr>
+              <a:t> do </a:t>
+            </a:r>
+            <a:r>
+              <a:rPr lang="en-US" dirty="0" err="1">
+                <a:latin typeface="+mj-lt"/>
+              </a:rPr>
+              <a:t>fogo</a:t>
+            </a:r>
+            <a:r>
+              <a:rPr lang="en-US" dirty="0">
+                <a:latin typeface="+mj-lt"/>
+              </a:rPr>
+              <a:t> </a:t>
+            </a:r>
+            <a:r>
+              <a:rPr lang="en-US" dirty="0" err="1">
+                <a:latin typeface="+mj-lt"/>
+              </a:rPr>
+              <a:t>florestal</a:t>
+            </a:r>
+            <a:r>
+              <a:rPr lang="en-US" dirty="0">
+                <a:latin typeface="+mj-lt"/>
+              </a:rPr>
+              <a:t> e </a:t>
+            </a:r>
+            <a:r>
+              <a:rPr lang="en-US" dirty="0" err="1">
+                <a:latin typeface="+mj-lt"/>
+              </a:rPr>
+              <a:t>os</a:t>
+            </a:r>
+            <a:r>
+              <a:rPr lang="en-US" dirty="0">
+                <a:latin typeface="+mj-lt"/>
+              </a:rPr>
+              <a:t> </a:t>
+            </a:r>
+            <a:r>
+              <a:rPr lang="en-US" dirty="0" err="1">
+                <a:latin typeface="+mj-lt"/>
+              </a:rPr>
+              <a:t>seus</a:t>
+            </a:r>
+            <a:r>
+              <a:rPr lang="en-US" dirty="0">
+                <a:latin typeface="+mj-lt"/>
+              </a:rPr>
+              <a:t> </a:t>
+            </a:r>
+            <a:r>
+              <a:rPr lang="en-US" dirty="0" err="1">
+                <a:latin typeface="+mj-lt"/>
+              </a:rPr>
+              <a:t>impactes</a:t>
+            </a:r>
+            <a:r>
+              <a:rPr lang="en-US" dirty="0">
+                <a:latin typeface="+mj-lt"/>
+              </a:rPr>
+              <a:t> </a:t>
+            </a:r>
+            <a:r>
+              <a:rPr lang="en-US" dirty="0" err="1">
+                <a:latin typeface="+mj-lt"/>
+              </a:rPr>
+              <a:t>na</a:t>
+            </a:r>
+            <a:r>
+              <a:rPr lang="en-US" dirty="0">
+                <a:latin typeface="+mj-lt"/>
+              </a:rPr>
+              <a:t> </a:t>
+            </a:r>
+            <a:r>
+              <a:rPr lang="en-US" dirty="0" err="1">
+                <a:latin typeface="+mj-lt"/>
+              </a:rPr>
+              <a:t>qualidade</a:t>
+            </a:r>
+            <a:r>
+              <a:rPr lang="en-US" dirty="0">
+                <a:latin typeface="+mj-lt"/>
+              </a:rPr>
+              <a:t> do ar.</a:t>
+            </a:r>
+          </a:p>
+          <a:p>
+            <a:pPr marL="0" indent="0">
+              <a:buNone/>
+            </a:pPr>
+            <a:br>
+              <a:rPr lang="en-US" dirty="0"/>
+            </a:br>
+            <a:endParaRPr lang="en-US" dirty="0">
+              <a:latin typeface="+mj-lt"/>
+            </a:endParaRPr>
+          </a:p>
+          <a:p>
+            <a:endParaRPr lang="en-US" i="0" dirty="0">
+              <a:effectLst/>
+              <a:latin typeface="+mj-lt"/>
+            </a:endParaRPr>
+          </a:p>
+        </p:txBody>
+      </p:sp>
+    </p:spTree>
+    <p:extLst>
+      <p:ext uri="{BB962C8B-B14F-4D97-AF65-F5344CB8AC3E}">
+        <p14:creationId xmlns:p14="http://schemas.microsoft.com/office/powerpoint/2010/main" val="2836752967"/>
+      </p:ext>
+    </p:extLst>
+  </p:cSld>
+  <p:clrMapOvr>
+    <a:masterClrMapping/>
+  </p:clrMapOvr>
+</p:sld>
+</file>
+
+<file path=ppt/slides/slide2.xml><?xml version="1.0" encoding="utf-8"?>
+<p:sld xmlns:a="http://schemas.openxmlformats.org/drawingml/2006/main" xmlns:r="http://schemas.openxmlformats.org/officeDocument/2006/relationships" xmlns:p="http://schemas.openxmlformats.org/presentationml/2006/main">
+  <p:cSld>
+    <p:spTree>
+      <p:nvGrpSpPr>
+        <p:cNvPr id="1" name=""/>
+        <p:cNvGrpSpPr/>
+        <p:nvPr/>
+      </p:nvGrpSpPr>
+      <p:grpSpPr>
+        <a:xfrm>
+          <a:off x="0" y="0"/>
+          <a:ext cx="0" cy="0"/>
+          <a:chOff x="0" y="0"/>
+          <a:chExt cx="0" cy="0"/>
+        </a:xfrm>
+      </p:grpSpPr>
+      <p:sp>
+        <p:nvSpPr>
+          <p:cNvPr id="2" name="Title 1">
+            <a:extLst>
+              <a:ext uri="{FF2B5EF4-FFF2-40B4-BE49-F238E27FC236}">
+                <a16:creationId xmlns:a16="http://schemas.microsoft.com/office/drawing/2014/main" id="{C530496E-932C-D651-E9D3-869FE9C734D0}"/>
+              </a:ext>
+            </a:extLst>
+          </p:cNvPr>
+          <p:cNvSpPr>
+            <a:spLocks noGrp="1"/>
+          </p:cNvSpPr>
+          <p:nvPr>
+            <p:ph type="ctrTitle"/>
+          </p:nvPr>
+        </p:nvSpPr>
+        <p:spPr/>
+        <p:txBody>
+          <a:bodyPr/>
+          <a:lstStyle/>
+          <a:p>
+            <a:r>
+              <a:rPr lang="pt-PT" dirty="0">
+                <a:solidFill>
+                  <a:schemeClr val="bg1"/>
+                </a:solidFill>
+              </a:rPr>
+              <a:t>The problem</a:t>
+            </a:r>
+          </a:p>
+        </p:txBody>
+      </p:sp>
+      <p:sp>
+        <p:nvSpPr>
+          <p:cNvPr id="3" name="Content Placeholder 2">
+            <a:extLst>
+              <a:ext uri="{FF2B5EF4-FFF2-40B4-BE49-F238E27FC236}">
+                <a16:creationId xmlns:a16="http://schemas.microsoft.com/office/drawing/2014/main" id="{5F32244B-AF78-76C7-24EE-E3A6BA2BFF3C}"/>
+              </a:ext>
+            </a:extLst>
+          </p:cNvPr>
+          <p:cNvSpPr>
+            <a:spLocks noGrp="1"/>
+          </p:cNvSpPr>
+          <p:nvPr>
+            <p:ph type="subTitle" idx="1"/>
+          </p:nvPr>
+        </p:nvSpPr>
+        <p:spPr>
+          <a:xfrm>
+            <a:off x="1629101" y="3731086"/>
+            <a:ext cx="8936846" cy="457201"/>
+          </a:xfrm>
+        </p:spPr>
+        <p:txBody>
+          <a:bodyPr>
+            <a:normAutofit fontScale="25000" lnSpcReduction="20000"/>
+          </a:bodyPr>
+          <a:lstStyle/>
+          <a:p>
+            <a:endParaRPr lang="pt-PT" sz="2000" dirty="0"/>
+          </a:p>
+          <a:p>
+            <a:endParaRPr lang="pt-PT" sz="2000" dirty="0"/>
+          </a:p>
+          <a:p>
+            <a:endParaRPr lang="pt-PT" sz="2000" dirty="0"/>
+          </a:p>
+          <a:p>
+            <a:r>
+              <a:rPr lang="pt-PT" sz="8000" dirty="0">
+                <a:solidFill>
+                  <a:schemeClr val="bg1"/>
+                </a:solidFill>
+              </a:rPr>
+              <a:t>Is it possible to predict the amount of burnt area from the available information and use it to optimize resources?</a:t>
+            </a:r>
+          </a:p>
+        </p:txBody>
+      </p:sp>
+    </p:spTree>
+    <p:extLst>
+      <p:ext uri="{BB962C8B-B14F-4D97-AF65-F5344CB8AC3E}">
+        <p14:creationId xmlns:p14="http://schemas.microsoft.com/office/powerpoint/2010/main" val="4088689254"/>
+      </p:ext>
+    </p:extLst>
+  </p:cSld>
+  <p:clrMapOvr>
+    <a:masterClrMapping/>
+  </p:clrMapOvr>
+</p:sld>
+</file>
+
+<file path=ppt/slides/slide3.xml><?xml version="1.0" encoding="utf-8"?>
+<p:sld xmlns:a="http://schemas.openxmlformats.org/drawingml/2006/main" xmlns:r="http://schemas.openxmlformats.org/officeDocument/2006/relationships" xmlns:p="http://schemas.openxmlformats.org/presentationml/2006/main">
+  <p:cSld>
+    <p:bg>
+      <p:bgPr>
+        <a:blipFill dpi="0" rotWithShape="1">
+          <a:blip r:embed="rId3">
+            <a:lum/>
+          </a:blip>
+          <a:srcRect/>
+          <a:stretch>
+            <a:fillRect/>
+          </a:stretch>
+        </a:blipFill>
+        <a:effectLst/>
+      </p:bgPr>
+    </p:bg>
+    <p:spTree>
+      <p:nvGrpSpPr>
+        <p:cNvPr id="1" name=""/>
+        <p:cNvGrpSpPr/>
+        <p:nvPr/>
+      </p:nvGrpSpPr>
+      <p:grpSpPr>
+        <a:xfrm>
+          <a:off x="0" y="0"/>
+          <a:ext cx="0" cy="0"/>
+          <a:chOff x="0" y="0"/>
+          <a:chExt cx="0" cy="0"/>
+        </a:xfrm>
+      </p:grpSpPr>
+      <p:sp>
+        <p:nvSpPr>
+          <p:cNvPr id="2" name="Title 1">
+            <a:extLst>
+              <a:ext uri="{FF2B5EF4-FFF2-40B4-BE49-F238E27FC236}">
+                <a16:creationId xmlns:a16="http://schemas.microsoft.com/office/drawing/2014/main" id="{EC81C684-65E1-3CA4-5814-DE66E4B5CF86}"/>
+              </a:ext>
+            </a:extLst>
+          </p:cNvPr>
+          <p:cNvSpPr>
+            <a:spLocks noGrp="1"/>
+          </p:cNvSpPr>
+          <p:nvPr>
+            <p:ph type="title"/>
+          </p:nvPr>
+        </p:nvSpPr>
+        <p:spPr/>
+        <p:txBody>
+          <a:bodyPr/>
+          <a:lstStyle/>
+          <a:p>
+            <a:r>
+              <a:rPr lang="pt-PT" dirty="0"/>
+              <a:t>The macro view</a:t>
+            </a:r>
+            <a:br>
+              <a:rPr lang="pt-PT" dirty="0"/>
+            </a:br>
+            <a:r>
+              <a:rPr lang="pt-PT" dirty="0"/>
+              <a:t>Portugal </a:t>
+            </a:r>
+            <a:br>
+              <a:rPr lang="pt-PT" dirty="0"/>
+            </a:br>
+            <a:endParaRPr lang="pt-PT" dirty="0"/>
+          </a:p>
+        </p:txBody>
+      </p:sp>
+      <p:sp>
+        <p:nvSpPr>
+          <p:cNvPr id="4" name="Text Placeholder 3">
+            <a:extLst>
+              <a:ext uri="{FF2B5EF4-FFF2-40B4-BE49-F238E27FC236}">
+                <a16:creationId xmlns:a16="http://schemas.microsoft.com/office/drawing/2014/main" id="{B53C9FDB-DF10-2DE7-11F5-09B332600A1B}"/>
+              </a:ext>
+            </a:extLst>
+          </p:cNvPr>
+          <p:cNvSpPr>
+            <a:spLocks noGrp="1"/>
+          </p:cNvSpPr>
+          <p:nvPr>
+            <p:ph type="body" sz="half" idx="2"/>
+          </p:nvPr>
+        </p:nvSpPr>
+        <p:spPr/>
+        <p:txBody>
+          <a:bodyPr/>
+          <a:lstStyle/>
+          <a:p>
+            <a:endParaRPr lang="pt-PT" dirty="0"/>
+          </a:p>
+          <a:p>
+            <a:endParaRPr lang="pt-PT" dirty="0"/>
+          </a:p>
+          <a:p>
+            <a:r>
+              <a:rPr lang="pt-PT" dirty="0"/>
+              <a:t>Diferent types of terrain have their own hot spots.</a:t>
+            </a:r>
+          </a:p>
+          <a:p>
+            <a:endParaRPr lang="pt-PT" dirty="0"/>
+          </a:p>
+          <a:p>
+            <a:endParaRPr lang="pt-PT" dirty="0"/>
+          </a:p>
+          <a:p>
+            <a:endParaRPr lang="pt-PT" dirty="0"/>
+          </a:p>
+          <a:p>
+            <a:endParaRPr lang="pt-PT" dirty="0"/>
+          </a:p>
+          <a:p>
+            <a:r>
+              <a:rPr lang="pt-PT" sz="1200" dirty="0"/>
+              <a:t>2017 excluded from this and next slide since it was an abnormal year.</a:t>
+            </a:r>
+          </a:p>
+        </p:txBody>
+      </p:sp>
+      <p:sp>
+        <p:nvSpPr>
+          <p:cNvPr id="5" name="Date Placeholder 4">
+            <a:extLst>
+              <a:ext uri="{FF2B5EF4-FFF2-40B4-BE49-F238E27FC236}">
+                <a16:creationId xmlns:a16="http://schemas.microsoft.com/office/drawing/2014/main" id="{8051FCAA-6007-1280-8A6A-A67FBA8D3E1A}"/>
+              </a:ext>
+            </a:extLst>
+          </p:cNvPr>
+          <p:cNvSpPr>
+            <a:spLocks noGrp="1"/>
+          </p:cNvSpPr>
+          <p:nvPr>
+            <p:ph type="dt" sz="half" idx="10"/>
+          </p:nvPr>
+        </p:nvSpPr>
+        <p:spPr/>
+        <p:txBody>
+          <a:bodyPr/>
+          <a:lstStyle/>
+          <a:p>
+            <a:pPr rtl="0"/>
+            <a:fld id="{5A1928F9-0DBA-496E-A54E-8F6506DE8A22}" type="datetime1">
+              <a:rPr lang="en-US" smtClean="0"/>
+              <a:t>10/5/2022</a:t>
+            </a:fld>
+            <a:endParaRPr lang="en-US"/>
+          </a:p>
+        </p:txBody>
+      </p:sp>
+      <p:pic>
+        <p:nvPicPr>
+          <p:cNvPr id="9" name="Content Placeholder 8">
+            <a:extLst>
+              <a:ext uri="{FF2B5EF4-FFF2-40B4-BE49-F238E27FC236}">
+                <a16:creationId xmlns:a16="http://schemas.microsoft.com/office/drawing/2014/main" id="{FEA23CA7-958F-3F73-F508-5998F7CADD44}"/>
+              </a:ext>
+            </a:extLst>
+          </p:cNvPr>
+          <p:cNvPicPr>
+            <a:picLocks noGrp="1" noChangeAspect="1"/>
+          </p:cNvPicPr>
+          <p:nvPr>
+            <p:ph idx="1"/>
+          </p:nvPr>
+        </p:nvPicPr>
+        <p:blipFill>
+          <a:blip r:embed="rId4">
+            <a:extLst>
+              <a:ext uri="{28A0092B-C50C-407E-A947-70E740481C1C}">
+                <a14:useLocalDpi xmlns:a14="http://schemas.microsoft.com/office/drawing/2010/main" val="0"/>
+              </a:ext>
+            </a:extLst>
+          </a:blip>
+          <a:stretch>
+            <a:fillRect/>
+          </a:stretch>
+        </p:blipFill>
+        <p:spPr>
+          <a:xfrm>
+            <a:off x="685800" y="611959"/>
+            <a:ext cx="6858000" cy="5329281"/>
+          </a:xfrm>
+        </p:spPr>
+      </p:pic>
+    </p:spTree>
+    <p:extLst>
+      <p:ext uri="{BB962C8B-B14F-4D97-AF65-F5344CB8AC3E}">
+        <p14:creationId xmlns:p14="http://schemas.microsoft.com/office/powerpoint/2010/main" val="730310459"/>
+      </p:ext>
+    </p:extLst>
+  </p:cSld>
+  <p:clrMapOvr>
+    <a:masterClrMapping/>
+  </p:clrMapOvr>
+</p:sld>
+</file>
+
+<file path=ppt/slides/slide4.xml><?xml version="1.0" encoding="utf-8"?>
+<p:sld xmlns:a="http://schemas.openxmlformats.org/drawingml/2006/main" xmlns:r="http://schemas.openxmlformats.org/officeDocument/2006/relationships" xmlns:p="http://schemas.openxmlformats.org/presentationml/2006/main">
+  <p:cSld>
+    <p:spTree>
+      <p:nvGrpSpPr>
+        <p:cNvPr id="1" name=""/>
+        <p:cNvGrpSpPr/>
+        <p:nvPr/>
+      </p:nvGrpSpPr>
+      <p:grpSpPr>
+        <a:xfrm>
+          <a:off x="0" y="0"/>
+          <a:ext cx="0" cy="0"/>
+          <a:chOff x="0" y="0"/>
+          <a:chExt cx="0" cy="0"/>
+        </a:xfrm>
+      </p:grpSpPr>
+      <p:sp>
+        <p:nvSpPr>
+          <p:cNvPr id="2" name="Title 1">
+            <a:extLst>
+              <a:ext uri="{FF2B5EF4-FFF2-40B4-BE49-F238E27FC236}">
+                <a16:creationId xmlns:a16="http://schemas.microsoft.com/office/drawing/2014/main" id="{69443CF6-493B-C67B-6B9D-3829604C6383}"/>
+              </a:ext>
+            </a:extLst>
+          </p:cNvPr>
+          <p:cNvSpPr>
+            <a:spLocks noGrp="1"/>
+          </p:cNvSpPr>
+          <p:nvPr>
+            <p:ph type="title"/>
+          </p:nvPr>
+        </p:nvSpPr>
+        <p:spPr/>
+        <p:txBody>
+          <a:bodyPr/>
+          <a:lstStyle/>
+          <a:p>
+            <a:r>
+              <a:rPr lang="pt-PT" dirty="0"/>
+              <a:t>Is the burnt area a good metric?</a:t>
+            </a:r>
+          </a:p>
+        </p:txBody>
+      </p:sp>
+      <p:sp>
+        <p:nvSpPr>
+          <p:cNvPr id="4" name="Text Placeholder 3">
+            <a:extLst>
+              <a:ext uri="{FF2B5EF4-FFF2-40B4-BE49-F238E27FC236}">
+                <a16:creationId xmlns:a16="http://schemas.microsoft.com/office/drawing/2014/main" id="{A9CAB425-E096-8DEC-E20F-4A093A5ADC14}"/>
+              </a:ext>
+            </a:extLst>
+          </p:cNvPr>
+          <p:cNvSpPr>
+            <a:spLocks noGrp="1"/>
+          </p:cNvSpPr>
+          <p:nvPr>
+            <p:ph type="body" sz="half" idx="2"/>
+          </p:nvPr>
+        </p:nvSpPr>
+        <p:spPr/>
+        <p:txBody>
+          <a:bodyPr>
+            <a:normAutofit fontScale="92500"/>
+          </a:bodyPr>
+          <a:lstStyle/>
+          <a:p>
+            <a:endParaRPr lang="pt-PT" dirty="0"/>
+          </a:p>
+          <a:p>
+            <a:r>
+              <a:rPr lang="pt-PT" dirty="0"/>
+              <a:t>A lot of factors come into play, but the emissions generated by the fires are actually the biggest problem as they affect the quality of the air.</a:t>
+            </a:r>
+          </a:p>
+          <a:p>
+            <a:endParaRPr lang="pt-PT" dirty="0"/>
+          </a:p>
+          <a:p>
+            <a:r>
+              <a:rPr lang="pt-PT" sz="1000" b="1" dirty="0"/>
+              <a:t>CO2 calculation method:</a:t>
+            </a:r>
+          </a:p>
+          <a:p>
+            <a:r>
+              <a:rPr lang="pt-PT" sz="900" dirty="0"/>
+              <a:t>X(t) = (bush_area* bush_area_fuel_coeficient + populated_area* populated _area_fuel_coeficient + agricultural_area* agricultural_area_fuel_coeficient)*Emission_Factor</a:t>
+            </a:r>
+          </a:p>
+          <a:p>
+            <a:r>
+              <a:rPr lang="pt-PT" sz="900" dirty="0"/>
+              <a:t>In: Tiago Silva, José Pereira, José Paúl, Maria Santos, Maria vasconcelos – Estimativa de emissões Atmosféricas de fogos rurais em Portugal</a:t>
+            </a:r>
+          </a:p>
+        </p:txBody>
+      </p:sp>
+      <p:sp>
+        <p:nvSpPr>
+          <p:cNvPr id="5" name="Date Placeholder 4">
+            <a:extLst>
+              <a:ext uri="{FF2B5EF4-FFF2-40B4-BE49-F238E27FC236}">
+                <a16:creationId xmlns:a16="http://schemas.microsoft.com/office/drawing/2014/main" id="{5ACFC4C9-7386-6621-5004-E732846BBFA8}"/>
+              </a:ext>
+            </a:extLst>
+          </p:cNvPr>
+          <p:cNvSpPr>
+            <a:spLocks noGrp="1"/>
+          </p:cNvSpPr>
+          <p:nvPr>
+            <p:ph type="dt" sz="half" idx="10"/>
+          </p:nvPr>
+        </p:nvSpPr>
+        <p:spPr/>
+        <p:txBody>
+          <a:bodyPr/>
+          <a:lstStyle/>
+          <a:p>
+            <a:pPr rtl="0"/>
+            <a:fld id="{5A1928F9-0DBA-496E-A54E-8F6506DE8A22}" type="datetime1">
+              <a:rPr lang="en-US" smtClean="0"/>
+              <a:t>10/5/2022</a:t>
+            </a:fld>
+            <a:endParaRPr lang="en-US"/>
+          </a:p>
+        </p:txBody>
+      </p:sp>
+      <p:pic>
+        <p:nvPicPr>
+          <p:cNvPr id="8" name="Content Placeholder 7">
+            <a:extLst>
+              <a:ext uri="{FF2B5EF4-FFF2-40B4-BE49-F238E27FC236}">
+                <a16:creationId xmlns:a16="http://schemas.microsoft.com/office/drawing/2014/main" id="{48EAA35E-5427-542E-692D-FF2DCA7D8F30}"/>
+              </a:ext>
+            </a:extLst>
+          </p:cNvPr>
+          <p:cNvPicPr>
+            <a:picLocks noGrp="1" noChangeAspect="1"/>
+          </p:cNvPicPr>
+          <p:nvPr>
+            <p:ph idx="1"/>
+          </p:nvPr>
+        </p:nvPicPr>
+        <p:blipFill>
+          <a:blip r:embed="rId3">
+            <a:extLst>
+              <a:ext uri="{28A0092B-C50C-407E-A947-70E740481C1C}">
+                <a14:useLocalDpi xmlns:a14="http://schemas.microsoft.com/office/drawing/2010/main" val="0"/>
+              </a:ext>
+            </a:extLst>
+          </a:blip>
+          <a:stretch>
+            <a:fillRect/>
+          </a:stretch>
+        </p:blipFill>
+        <p:spPr>
+          <a:xfrm>
+            <a:off x="685800" y="618114"/>
+            <a:ext cx="6858000" cy="5316972"/>
+          </a:xfrm>
+        </p:spPr>
+      </p:pic>
+    </p:spTree>
+    <p:extLst>
+      <p:ext uri="{BB962C8B-B14F-4D97-AF65-F5344CB8AC3E}">
+        <p14:creationId xmlns:p14="http://schemas.microsoft.com/office/powerpoint/2010/main" val="316819984"/>
+      </p:ext>
+    </p:extLst>
+  </p:cSld>
+  <p:clrMapOvr>
+    <a:masterClrMapping/>
+  </p:clrMapOvr>
+</p:sld>
+</file>
+
+<file path=ppt/slides/slide5.xml><?xml version="1.0" encoding="utf-8"?>
+<p:sld xmlns:a="http://schemas.openxmlformats.org/drawingml/2006/main" xmlns:r="http://schemas.openxmlformats.org/officeDocument/2006/relationships" xmlns:p="http://schemas.openxmlformats.org/presentationml/2006/main">
+  <p:cSld>
+    <p:spTree>
+      <p:nvGrpSpPr>
+        <p:cNvPr id="1" name=""/>
+        <p:cNvGrpSpPr/>
+        <p:nvPr/>
+      </p:nvGrpSpPr>
+      <p:grpSpPr>
+        <a:xfrm>
+          <a:off x="0" y="0"/>
+          <a:ext cx="0" cy="0"/>
+          <a:chOff x="0" y="0"/>
+          <a:chExt cx="0" cy="0"/>
+        </a:xfrm>
+      </p:grpSpPr>
+      <p:sp>
+        <p:nvSpPr>
+          <p:cNvPr id="2" name="Title 1">
+            <a:extLst>
+              <a:ext uri="{FF2B5EF4-FFF2-40B4-BE49-F238E27FC236}">
+                <a16:creationId xmlns:a16="http://schemas.microsoft.com/office/drawing/2014/main" id="{9F4CB53C-A66E-62C5-BEDC-397091B461CA}"/>
+              </a:ext>
+            </a:extLst>
+          </p:cNvPr>
+          <p:cNvSpPr>
+            <a:spLocks noGrp="1"/>
+          </p:cNvSpPr>
+          <p:nvPr>
+            <p:ph type="title"/>
+          </p:nvPr>
+        </p:nvSpPr>
+        <p:spPr/>
+        <p:txBody>
+          <a:bodyPr/>
+          <a:lstStyle/>
+          <a:p>
+            <a:r>
+              <a:rPr lang="pt-PT" dirty="0">
+                <a:solidFill>
+                  <a:schemeClr val="bg1"/>
+                </a:solidFill>
+              </a:rPr>
+              <a:t>12 989 826</a:t>
+            </a:r>
+          </a:p>
+        </p:txBody>
+      </p:sp>
+      <p:sp>
+        <p:nvSpPr>
+          <p:cNvPr id="3" name="Text Placeholder 2">
+            <a:extLst>
+              <a:ext uri="{FF2B5EF4-FFF2-40B4-BE49-F238E27FC236}">
+                <a16:creationId xmlns:a16="http://schemas.microsoft.com/office/drawing/2014/main" id="{FE7812D8-2607-4327-FD2F-29A302D351E2}"/>
+              </a:ext>
+            </a:extLst>
+          </p:cNvPr>
+          <p:cNvSpPr>
+            <a:spLocks noGrp="1"/>
+          </p:cNvSpPr>
+          <p:nvPr>
+            <p:ph type="body" idx="1"/>
+          </p:nvPr>
+        </p:nvSpPr>
+        <p:spPr/>
+        <p:txBody>
+          <a:bodyPr/>
+          <a:lstStyle/>
+          <a:p>
+            <a:r>
+              <a:rPr lang="pt-PT" dirty="0">
+                <a:solidFill>
+                  <a:schemeClr val="bg1"/>
+                </a:solidFill>
+              </a:rPr>
+              <a:t>Co2 in tonnes since 2013</a:t>
+            </a:r>
+          </a:p>
+        </p:txBody>
+      </p:sp>
+    </p:spTree>
+    <p:extLst>
+      <p:ext uri="{BB962C8B-B14F-4D97-AF65-F5344CB8AC3E}">
+        <p14:creationId xmlns:p14="http://schemas.microsoft.com/office/powerpoint/2010/main" val="3144691797"/>
+      </p:ext>
+    </p:extLst>
+  </p:cSld>
+  <p:clrMapOvr>
+    <a:masterClrMapping/>
+  </p:clrMapOvr>
+</p:sld>
+</file>
+
+<file path=ppt/slides/slide6.xml><?xml version="1.0" encoding="utf-8"?>
+<p:sld xmlns:a="http://schemas.openxmlformats.org/drawingml/2006/main" xmlns:r="http://schemas.openxmlformats.org/officeDocument/2006/relationships" xmlns:p="http://schemas.openxmlformats.org/presentationml/2006/main">
+  <p:cSld>
+    <p:spTree>
+      <p:nvGrpSpPr>
+        <p:cNvPr id="1" name=""/>
+        <p:cNvGrpSpPr/>
+        <p:nvPr/>
+      </p:nvGrpSpPr>
+      <p:grpSpPr>
+        <a:xfrm>
+          <a:off x="0" y="0"/>
+          <a:ext cx="0" cy="0"/>
+          <a:chOff x="0" y="0"/>
+          <a:chExt cx="0" cy="0"/>
+        </a:xfrm>
+      </p:grpSpPr>
+      <p:sp>
+        <p:nvSpPr>
+          <p:cNvPr id="2" name="Title 1">
+            <a:extLst>
+              <a:ext uri="{FF2B5EF4-FFF2-40B4-BE49-F238E27FC236}">
+                <a16:creationId xmlns:a16="http://schemas.microsoft.com/office/drawing/2014/main" id="{5EC9E542-460B-71CE-0A94-2D1744C8A330}"/>
+              </a:ext>
+            </a:extLst>
+          </p:cNvPr>
+          <p:cNvSpPr>
+            <a:spLocks noGrp="1"/>
+          </p:cNvSpPr>
+          <p:nvPr>
+            <p:ph type="title"/>
+          </p:nvPr>
+        </p:nvSpPr>
+        <p:spPr/>
+        <p:txBody>
+          <a:bodyPr/>
+          <a:lstStyle/>
+          <a:p>
+            <a:r>
+              <a:rPr lang="pt-PT" dirty="0"/>
+              <a:t>Are natural fires relevant?</a:t>
+            </a:r>
+          </a:p>
+        </p:txBody>
+      </p:sp>
+      <p:sp>
+        <p:nvSpPr>
+          <p:cNvPr id="13" name="Text Placeholder 12">
+            <a:extLst>
+              <a:ext uri="{FF2B5EF4-FFF2-40B4-BE49-F238E27FC236}">
+                <a16:creationId xmlns:a16="http://schemas.microsoft.com/office/drawing/2014/main" id="{844DD0CD-41CB-8297-CF34-1EEF3756F54E}"/>
+              </a:ext>
+            </a:extLst>
+          </p:cNvPr>
+          <p:cNvSpPr>
+            <a:spLocks noGrp="1"/>
+          </p:cNvSpPr>
+          <p:nvPr>
+            <p:ph type="body" sz="half" idx="2"/>
+          </p:nvPr>
+        </p:nvSpPr>
+        <p:spPr/>
+        <p:txBody>
+          <a:bodyPr>
+            <a:normAutofit/>
+          </a:bodyPr>
+          <a:lstStyle/>
+          <a:p>
+            <a:r>
+              <a:rPr lang="pt-PT" sz="1600" b="1" dirty="0"/>
+              <a:t>No, they are not</a:t>
+            </a:r>
+            <a:r>
+              <a:rPr lang="pt-PT" sz="1600" dirty="0"/>
+              <a:t>, but we can look deeper and see interesting regional results as:</a:t>
+            </a:r>
+          </a:p>
+          <a:p>
+            <a:endParaRPr lang="pt-PT" sz="1600" dirty="0"/>
+          </a:p>
+          <a:p>
+            <a:pPr marL="342900" indent="-342900">
+              <a:buFont typeface="Arial" panose="020B0604020202020204" pitchFamily="34" charset="0"/>
+              <a:buChar char="•"/>
+            </a:pPr>
+            <a:r>
+              <a:rPr lang="pt-PT" sz="1400" dirty="0"/>
+              <a:t>Negligent fire is a problem in Portugal.</a:t>
+            </a:r>
+          </a:p>
+          <a:p>
+            <a:pPr marL="342900" indent="-342900">
+              <a:buFont typeface="Arial" panose="020B0604020202020204" pitchFamily="34" charset="0"/>
+              <a:buChar char="•"/>
+            </a:pPr>
+            <a:endParaRPr lang="pt-PT" sz="1400" dirty="0"/>
+          </a:p>
+          <a:p>
+            <a:pPr marL="342900" indent="-342900">
+              <a:buFont typeface="Arial" panose="020B0604020202020204" pitchFamily="34" charset="0"/>
+              <a:buChar char="•"/>
+            </a:pPr>
+            <a:r>
+              <a:rPr lang="pt-PT" sz="1400" dirty="0"/>
+              <a:t>The number of fires is actually decreasing.</a:t>
+            </a:r>
+          </a:p>
+        </p:txBody>
+      </p:sp>
+      <p:pic>
+        <p:nvPicPr>
+          <p:cNvPr id="17" name="Picture 16">
+            <a:extLst>
+              <a:ext uri="{FF2B5EF4-FFF2-40B4-BE49-F238E27FC236}">
+                <a16:creationId xmlns:a16="http://schemas.microsoft.com/office/drawing/2014/main" id="{A06B2D82-6458-EF15-0918-7BC70DCF8EF1}"/>
+              </a:ext>
+            </a:extLst>
+          </p:cNvPr>
+          <p:cNvPicPr>
+            <a:picLocks noChangeAspect="1"/>
+          </p:cNvPicPr>
+          <p:nvPr/>
+        </p:nvPicPr>
+        <p:blipFill>
+          <a:blip r:embed="rId3"/>
+          <a:stretch>
+            <a:fillRect/>
+          </a:stretch>
+        </p:blipFill>
+        <p:spPr>
+          <a:xfrm>
+            <a:off x="6454596" y="978485"/>
+            <a:ext cx="733384" cy="671949"/>
+          </a:xfrm>
+          <a:prstGeom prst="rect">
+            <a:avLst/>
+          </a:prstGeom>
+        </p:spPr>
+      </p:pic>
+      <p:pic>
+        <p:nvPicPr>
+          <p:cNvPr id="21" name="Content Placeholder 20">
+            <a:extLst>
+              <a:ext uri="{FF2B5EF4-FFF2-40B4-BE49-F238E27FC236}">
+                <a16:creationId xmlns:a16="http://schemas.microsoft.com/office/drawing/2014/main" id="{A76533AE-2E44-55A6-A57B-075DD60C2B1F}"/>
+              </a:ext>
+            </a:extLst>
+          </p:cNvPr>
+          <p:cNvPicPr>
+            <a:picLocks noGrp="1" noChangeAspect="1"/>
+          </p:cNvPicPr>
+          <p:nvPr>
+            <p:ph idx="1"/>
+          </p:nvPr>
+        </p:nvPicPr>
+        <p:blipFill>
+          <a:blip r:embed="rId4">
+            <a:extLst>
+              <a:ext uri="{28A0092B-C50C-407E-A947-70E740481C1C}">
+                <a14:useLocalDpi xmlns:a14="http://schemas.microsoft.com/office/drawing/2010/main" val="0"/>
+              </a:ext>
+            </a:extLst>
+          </a:blip>
+          <a:stretch>
+            <a:fillRect/>
+          </a:stretch>
+        </p:blipFill>
+        <p:spPr>
+          <a:xfrm>
+            <a:off x="853084" y="613576"/>
+            <a:ext cx="6523431" cy="5334000"/>
+          </a:xfrm>
+        </p:spPr>
+      </p:pic>
+    </p:spTree>
+    <p:extLst>
+      <p:ext uri="{BB962C8B-B14F-4D97-AF65-F5344CB8AC3E}">
+        <p14:creationId xmlns:p14="http://schemas.microsoft.com/office/powerpoint/2010/main" val="2108070086"/>
+      </p:ext>
+    </p:extLst>
+  </p:cSld>
+  <p:clrMapOvr>
+    <a:masterClrMapping/>
+  </p:clrMapOvr>
+</p:sld>
+</file>
+
+<file path=ppt/slides/slide7.xml><?xml version="1.0" encoding="utf-8"?>
+<p:sld xmlns:a="http://schemas.openxmlformats.org/drawingml/2006/main" xmlns:r="http://schemas.openxmlformats.org/officeDocument/2006/relationships" xmlns:p="http://schemas.openxmlformats.org/presentationml/2006/main">
+  <p:cSld>
+    <p:spTree>
+      <p:nvGrpSpPr>
+        <p:cNvPr id="1" name=""/>
+        <p:cNvGrpSpPr/>
+        <p:nvPr/>
+      </p:nvGrpSpPr>
+      <p:grpSpPr>
+        <a:xfrm>
+          <a:off x="0" y="0"/>
+          <a:ext cx="0" cy="0"/>
+          <a:chOff x="0" y="0"/>
+          <a:chExt cx="0" cy="0"/>
+        </a:xfrm>
+      </p:grpSpPr>
+      <p:sp>
+        <p:nvSpPr>
+          <p:cNvPr id="2" name="Title 1">
+            <a:extLst>
+              <a:ext uri="{FF2B5EF4-FFF2-40B4-BE49-F238E27FC236}">
+                <a16:creationId xmlns:a16="http://schemas.microsoft.com/office/drawing/2014/main" id="{5EC9E542-460B-71CE-0A94-2D1744C8A330}"/>
+              </a:ext>
+            </a:extLst>
+          </p:cNvPr>
+          <p:cNvSpPr>
+            <a:spLocks noGrp="1"/>
+          </p:cNvSpPr>
+          <p:nvPr>
+            <p:ph type="title"/>
+          </p:nvPr>
+        </p:nvSpPr>
+        <p:spPr>
+          <a:xfrm>
+            <a:off x="8458200" y="2771472"/>
+            <a:ext cx="3161963" cy="1645920"/>
+          </a:xfrm>
+        </p:spPr>
+        <p:txBody>
+          <a:bodyPr>
+            <a:normAutofit fontScale="90000"/>
+          </a:bodyPr>
+          <a:lstStyle/>
+          <a:p>
+            <a:r>
+              <a:rPr lang="pt-PT" dirty="0"/>
+              <a:t>Is the monthly fire count and burnt area distribution the same for all top 5 districts?</a:t>
+            </a:r>
+          </a:p>
+        </p:txBody>
+      </p:sp>
+      <p:pic>
+        <p:nvPicPr>
+          <p:cNvPr id="17" name="Picture 16">
+            <a:extLst>
+              <a:ext uri="{FF2B5EF4-FFF2-40B4-BE49-F238E27FC236}">
+                <a16:creationId xmlns:a16="http://schemas.microsoft.com/office/drawing/2014/main" id="{A06B2D82-6458-EF15-0918-7BC70DCF8EF1}"/>
+              </a:ext>
+            </a:extLst>
+          </p:cNvPr>
+          <p:cNvPicPr>
+            <a:picLocks noChangeAspect="1"/>
+          </p:cNvPicPr>
+          <p:nvPr/>
+        </p:nvPicPr>
+        <p:blipFill>
+          <a:blip r:embed="rId3"/>
+          <a:stretch>
+            <a:fillRect/>
+          </a:stretch>
+        </p:blipFill>
+        <p:spPr>
+          <a:xfrm>
+            <a:off x="6454596" y="978485"/>
+            <a:ext cx="733384" cy="671949"/>
+          </a:xfrm>
+          <a:prstGeom prst="rect">
+            <a:avLst/>
+          </a:prstGeom>
+        </p:spPr>
+      </p:pic>
+      <p:pic>
+        <p:nvPicPr>
+          <p:cNvPr id="6" name="Content Placeholder 5">
+            <a:extLst>
+              <a:ext uri="{FF2B5EF4-FFF2-40B4-BE49-F238E27FC236}">
+                <a16:creationId xmlns:a16="http://schemas.microsoft.com/office/drawing/2014/main" id="{65A43F9F-B6E0-2BF6-610F-140DC7273059}"/>
+              </a:ext>
+            </a:extLst>
+          </p:cNvPr>
+          <p:cNvPicPr>
+            <a:picLocks noGrp="1" noChangeAspect="1"/>
+          </p:cNvPicPr>
+          <p:nvPr>
+            <p:ph idx="1"/>
+          </p:nvPr>
+        </p:nvPicPr>
+        <p:blipFill>
+          <a:blip r:embed="rId4">
+            <a:extLst>
+              <a:ext uri="{28A0092B-C50C-407E-A947-70E740481C1C}">
+                <a14:useLocalDpi xmlns:a14="http://schemas.microsoft.com/office/drawing/2010/main" val="0"/>
+              </a:ext>
+            </a:extLst>
+          </a:blip>
+          <a:stretch>
+            <a:fillRect/>
+          </a:stretch>
+        </p:blipFill>
+        <p:spPr>
+          <a:xfrm>
+            <a:off x="685800" y="708488"/>
+            <a:ext cx="6858000" cy="5136224"/>
+          </a:xfrm>
+        </p:spPr>
+      </p:pic>
+    </p:spTree>
+    <p:extLst>
+      <p:ext uri="{BB962C8B-B14F-4D97-AF65-F5344CB8AC3E}">
+        <p14:creationId xmlns:p14="http://schemas.microsoft.com/office/powerpoint/2010/main" val="1984766668"/>
+      </p:ext>
+    </p:extLst>
+  </p:cSld>
+  <p:clrMapOvr>
+    <a:masterClrMapping/>
+  </p:clrMapOvr>
+</p:sld>
+</file>
+
+<file path=ppt/slides/slide8.xml><?xml version="1.0" encoding="utf-8"?>
+<p:sld xmlns:a="http://schemas.openxmlformats.org/drawingml/2006/main" xmlns:r="http://schemas.openxmlformats.org/officeDocument/2006/relationships" xmlns:p="http://schemas.openxmlformats.org/presentationml/2006/main">
+  <p:cSld>
+    <p:spTree>
+      <p:nvGrpSpPr>
+        <p:cNvPr id="1" name=""/>
+        <p:cNvGrpSpPr/>
+        <p:nvPr/>
+      </p:nvGrpSpPr>
+      <p:grpSpPr>
+        <a:xfrm>
+          <a:off x="0" y="0"/>
+          <a:ext cx="0" cy="0"/>
+          <a:chOff x="0" y="0"/>
+          <a:chExt cx="0" cy="0"/>
+        </a:xfrm>
+      </p:grpSpPr>
+      <p:sp>
+        <p:nvSpPr>
+          <p:cNvPr id="2" name="Title 1">
+            <a:extLst>
+              <a:ext uri="{FF2B5EF4-FFF2-40B4-BE49-F238E27FC236}">
+                <a16:creationId xmlns:a16="http://schemas.microsoft.com/office/drawing/2014/main" id="{0B359917-7591-2FC5-44C1-F5EBA05CEE19}"/>
+              </a:ext>
+            </a:extLst>
+          </p:cNvPr>
+          <p:cNvSpPr>
+            <a:spLocks noGrp="1"/>
+          </p:cNvSpPr>
+          <p:nvPr>
+            <p:ph type="title"/>
+          </p:nvPr>
+        </p:nvSpPr>
+        <p:spPr/>
+        <p:txBody>
+          <a:bodyPr>
+            <a:normAutofit/>
+          </a:bodyPr>
+          <a:lstStyle/>
+          <a:p>
+            <a:r>
+              <a:rPr lang="pt-PT" sz="4400" b="1" dirty="0">
+                <a:solidFill>
+                  <a:schemeClr val="bg1"/>
+                </a:solidFill>
+              </a:rPr>
+              <a:t>Do the top 5 districts have a higher mean of fires than all the country?</a:t>
+            </a:r>
+          </a:p>
+        </p:txBody>
+      </p:sp>
+      <p:sp>
+        <p:nvSpPr>
+          <p:cNvPr id="3" name="Text Placeholder 2">
+            <a:extLst>
+              <a:ext uri="{FF2B5EF4-FFF2-40B4-BE49-F238E27FC236}">
+                <a16:creationId xmlns:a16="http://schemas.microsoft.com/office/drawing/2014/main" id="{D3920C8D-B001-8C9D-84C5-495B930B1BDD}"/>
+              </a:ext>
+            </a:extLst>
+          </p:cNvPr>
+          <p:cNvSpPr>
+            <a:spLocks noGrp="1"/>
+          </p:cNvSpPr>
+          <p:nvPr>
+            <p:ph type="body" idx="1"/>
+          </p:nvPr>
+        </p:nvSpPr>
+        <p:spPr>
+          <a:xfrm>
+            <a:off x="5974544" y="5345997"/>
+            <a:ext cx="8939784" cy="457200"/>
+          </a:xfrm>
+        </p:spPr>
+        <p:txBody>
+          <a:bodyPr>
+            <a:normAutofit/>
+          </a:bodyPr>
+          <a:lstStyle/>
+          <a:p>
+            <a:r>
+              <a:rPr lang="pt-PT" sz="1000" b="1" dirty="0">
+                <a:solidFill>
+                  <a:schemeClr val="bg1"/>
+                </a:solidFill>
+              </a:rPr>
+              <a:t>Hypothesis 1</a:t>
+            </a:r>
+          </a:p>
+        </p:txBody>
+      </p:sp>
+    </p:spTree>
+    <p:extLst>
+      <p:ext uri="{BB962C8B-B14F-4D97-AF65-F5344CB8AC3E}">
+        <p14:creationId xmlns:p14="http://schemas.microsoft.com/office/powerpoint/2010/main" val="839735757"/>
+      </p:ext>
+    </p:extLst>
+  </p:cSld>
+  <p:clrMapOvr>
+    <a:masterClrMapping/>
+  </p:clrMapOvr>
+</p:sld>
+</file>
+
+<file path=ppt/slides/slide9.xml><?xml version="1.0" encoding="utf-8"?>
+<p:sld xmlns:a="http://schemas.openxmlformats.org/drawingml/2006/main" xmlns:r="http://schemas.openxmlformats.org/officeDocument/2006/relationships" xmlns:p="http://schemas.openxmlformats.org/presentationml/2006/main">
+  <p:cSld>
+    <p:spTree>
+      <p:nvGrpSpPr>
+        <p:cNvPr id="1" name=""/>
+        <p:cNvGrpSpPr/>
+        <p:nvPr/>
+      </p:nvGrpSpPr>
+      <p:grpSpPr>
+        <a:xfrm>
+          <a:off x="0" y="0"/>
+          <a:ext cx="0" cy="0"/>
+          <a:chOff x="0" y="0"/>
+          <a:chExt cx="0" cy="0"/>
+        </a:xfrm>
+      </p:grpSpPr>
+      <p:sp>
+        <p:nvSpPr>
+          <p:cNvPr id="2" name="Title 1">
+            <a:extLst>
+              <a:ext uri="{FF2B5EF4-FFF2-40B4-BE49-F238E27FC236}">
+                <a16:creationId xmlns:a16="http://schemas.microsoft.com/office/drawing/2014/main" id="{0B359917-7591-2FC5-44C1-F5EBA05CEE19}"/>
+              </a:ext>
+            </a:extLst>
+          </p:cNvPr>
+          <p:cNvSpPr>
+            <a:spLocks noGrp="1"/>
+          </p:cNvSpPr>
+          <p:nvPr>
+            <p:ph type="title"/>
+          </p:nvPr>
+        </p:nvSpPr>
+        <p:spPr/>
+        <p:txBody>
+          <a:bodyPr>
+            <a:normAutofit/>
+          </a:bodyPr>
+          <a:lstStyle/>
+          <a:p>
+            <a:r>
+              <a:rPr lang="pt-PT" sz="4400" b="1" dirty="0">
+                <a:solidFill>
+                  <a:schemeClr val="bg1"/>
+                </a:solidFill>
+              </a:rPr>
+              <a:t>Do the top 5 districts have a higher re-ignition mean than all the country?</a:t>
+            </a:r>
+          </a:p>
+        </p:txBody>
+      </p:sp>
+      <p:sp>
+        <p:nvSpPr>
+          <p:cNvPr id="3" name="Text Placeholder 2">
+            <a:extLst>
+              <a:ext uri="{FF2B5EF4-FFF2-40B4-BE49-F238E27FC236}">
+                <a16:creationId xmlns:a16="http://schemas.microsoft.com/office/drawing/2014/main" id="{D3920C8D-B001-8C9D-84C5-495B930B1BDD}"/>
+              </a:ext>
+            </a:extLst>
+          </p:cNvPr>
+          <p:cNvSpPr>
+            <a:spLocks noGrp="1"/>
+          </p:cNvSpPr>
+          <p:nvPr>
+            <p:ph type="body" idx="1"/>
+          </p:nvPr>
+        </p:nvSpPr>
+        <p:spPr>
+          <a:xfrm>
+            <a:off x="5946715" y="5334069"/>
+            <a:ext cx="8939784" cy="457200"/>
+          </a:xfrm>
+        </p:spPr>
+        <p:txBody>
+          <a:bodyPr>
+            <a:normAutofit/>
+          </a:bodyPr>
+          <a:lstStyle/>
+          <a:p>
+            <a:r>
+              <a:rPr lang="pt-PT" sz="1000" b="1" dirty="0">
+                <a:solidFill>
+                  <a:schemeClr val="bg1"/>
+                </a:solidFill>
+              </a:rPr>
+              <a:t>Hypothesis 2</a:t>
+            </a:r>
+          </a:p>
+        </p:txBody>
+      </p:sp>
+    </p:spTree>
+    <p:extLst>
+      <p:ext uri="{BB962C8B-B14F-4D97-AF65-F5344CB8AC3E}">
+        <p14:creationId xmlns:p14="http://schemas.microsoft.com/office/powerpoint/2010/main" val="1695507025"/>
       </p:ext>
     </p:extLst>
   </p:cSld>

--- a/Presentation/The fires in Portugal.pptx
+++ b/Presentation/The fires in Portugal.pptx
@@ -5,27 +5,32 @@
     <p:sldMasterId id="2147483673" r:id="rId1"/>
   </p:sldMasterIdLst>
   <p:notesMasterIdLst>
-    <p:notesMasterId r:id="rId17"/>
+    <p:notesMasterId r:id="rId22"/>
   </p:notesMasterIdLst>
   <p:handoutMasterIdLst>
-    <p:handoutMasterId r:id="rId18"/>
+    <p:handoutMasterId r:id="rId23"/>
   </p:handoutMasterIdLst>
   <p:sldIdLst>
     <p:sldId id="257" r:id="rId2"/>
     <p:sldId id="262" r:id="rId3"/>
     <p:sldId id="258" r:id="rId4"/>
-    <p:sldId id="267" r:id="rId5"/>
-    <p:sldId id="269" r:id="rId6"/>
-    <p:sldId id="259" r:id="rId7"/>
-    <p:sldId id="275" r:id="rId8"/>
-    <p:sldId id="270" r:id="rId9"/>
-    <p:sldId id="273" r:id="rId10"/>
-    <p:sldId id="261" r:id="rId11"/>
-    <p:sldId id="268" r:id="rId12"/>
-    <p:sldId id="263" r:id="rId13"/>
-    <p:sldId id="274" r:id="rId14"/>
-    <p:sldId id="265" r:id="rId15"/>
-    <p:sldId id="266" r:id="rId16"/>
+    <p:sldId id="278" r:id="rId5"/>
+    <p:sldId id="279" r:id="rId6"/>
+    <p:sldId id="267" r:id="rId7"/>
+    <p:sldId id="269" r:id="rId8"/>
+    <p:sldId id="259" r:id="rId9"/>
+    <p:sldId id="275" r:id="rId10"/>
+    <p:sldId id="276" r:id="rId11"/>
+    <p:sldId id="277" r:id="rId12"/>
+    <p:sldId id="270" r:id="rId13"/>
+    <p:sldId id="273" r:id="rId14"/>
+    <p:sldId id="261" r:id="rId15"/>
+    <p:sldId id="268" r:id="rId16"/>
+    <p:sldId id="263" r:id="rId17"/>
+    <p:sldId id="274" r:id="rId18"/>
+    <p:sldId id="280" r:id="rId19"/>
+    <p:sldId id="265" r:id="rId20"/>
+    <p:sldId id="266" r:id="rId21"/>
   </p:sldIdLst>
   <p:sldSz cx="12192000" cy="6858000"/>
   <p:notesSz cx="6858000" cy="9144000"/>
@@ -219,7 +224,7 @@
             <a:pPr rtl="0"/>
             <a:fld id="{36D45774-96D0-4C8D-90D9-99B6BF22FF83}" type="datetime1">
               <a:rPr lang="en-US" smtClean="0"/>
-              <a:t>10/5/2022</a:t>
+              <a:t>10/7/2022</a:t>
             </a:fld>
             <a:endParaRPr lang="en-US" dirty="0"/>
           </a:p>
@@ -389,7 +394,7 @@
             <a:pPr rtl="0"/>
             <a:fld id="{7C083E89-9C17-4ACB-9C5A-FC6158153030}" type="datetime1">
               <a:rPr lang="en-US" smtClean="0"/>
-              <a:t>10/5/2022</a:t>
+              <a:t>10/7/2022</a:t>
             </a:fld>
             <a:endParaRPr lang="en-US"/>
           </a:p>
@@ -728,7 +733,7 @@
             <a:pPr rtl="0"/>
             <a:fld id="{7C083E89-9C17-4ACB-9C5A-FC6158153030}" type="datetime1">
               <a:rPr lang="en-US" smtClean="0"/>
-              <a:t>10/5/2022</a:t>
+              <a:t>10/7/2022</a:t>
             </a:fld>
             <a:endParaRPr lang="en-US"/>
           </a:p>
@@ -837,7 +842,7 @@
             <a:pPr rtl="0"/>
             <a:fld id="{7C083E89-9C17-4ACB-9C5A-FC6158153030}" type="datetime1">
               <a:rPr lang="en-US" smtClean="0"/>
-              <a:t>10/5/2022</a:t>
+              <a:t>10/7/2022</a:t>
             </a:fld>
             <a:endParaRPr lang="en-US"/>
           </a:p>
@@ -870,7 +875,7 @@
     </p:spTree>
     <p:extLst>
       <p:ext uri="{BB962C8B-B14F-4D97-AF65-F5344CB8AC3E}">
-        <p14:creationId xmlns:p14="http://schemas.microsoft.com/office/powerpoint/2010/main" val="411511381"/>
+        <p14:creationId xmlns:p14="http://schemas.microsoft.com/office/powerpoint/2010/main" val="3810864359"/>
       </p:ext>
     </p:extLst>
   </p:cSld>
@@ -946,7 +951,7 @@
             <a:pPr rtl="0"/>
             <a:fld id="{7C083E89-9C17-4ACB-9C5A-FC6158153030}" type="datetime1">
               <a:rPr lang="en-US" smtClean="0"/>
-              <a:t>10/5/2022</a:t>
+              <a:t>10/7/2022</a:t>
             </a:fld>
             <a:endParaRPr lang="en-US"/>
           </a:p>
@@ -979,7 +984,7 @@
     </p:spTree>
     <p:extLst>
       <p:ext uri="{BB962C8B-B14F-4D97-AF65-F5344CB8AC3E}">
-        <p14:creationId xmlns:p14="http://schemas.microsoft.com/office/powerpoint/2010/main" val="2937036978"/>
+        <p14:creationId xmlns:p14="http://schemas.microsoft.com/office/powerpoint/2010/main" val="1738861002"/>
       </p:ext>
     </p:extLst>
   </p:cSld>
@@ -1033,7 +1038,10 @@
           <a:bodyPr/>
           <a:lstStyle/>
           <a:p>
-            <a:endParaRPr lang="pt-PT"/>
+            <a:r>
+              <a:rPr lang="pt-PT" dirty="0"/>
+              <a:t>No, its actually quite lower. The mean of fires in the top 5 is  6353, while the country as whole has a mean value of 6814 fires per district.</a:t>
+            </a:r>
           </a:p>
         </p:txBody>
       </p:sp>
@@ -1055,7 +1063,7 @@
             <a:pPr rtl="0"/>
             <a:fld id="{7C083E89-9C17-4ACB-9C5A-FC6158153030}" type="datetime1">
               <a:rPr lang="en-US" smtClean="0"/>
-              <a:t>10/5/2022</a:t>
+              <a:t>10/7/2022</a:t>
             </a:fld>
             <a:endParaRPr lang="en-US"/>
           </a:p>
@@ -1088,7 +1096,7 @@
     </p:spTree>
     <p:extLst>
       <p:ext uri="{BB962C8B-B14F-4D97-AF65-F5344CB8AC3E}">
-        <p14:creationId xmlns:p14="http://schemas.microsoft.com/office/powerpoint/2010/main" val="1133332175"/>
+        <p14:creationId xmlns:p14="http://schemas.microsoft.com/office/powerpoint/2010/main" val="2014950927"/>
       </p:ext>
     </p:extLst>
   </p:cSld>
@@ -1142,7 +1150,10 @@
           <a:bodyPr/>
           <a:lstStyle/>
           <a:p>
-            <a:endParaRPr lang="pt-PT"/>
+            <a:r>
+              <a:rPr lang="pt-PT" dirty="0"/>
+              <a:t>Yes they have. Almost double if we compare to the country.</a:t>
+            </a:r>
           </a:p>
         </p:txBody>
       </p:sp>
@@ -1164,7 +1175,7 @@
             <a:pPr rtl="0"/>
             <a:fld id="{7C083E89-9C17-4ACB-9C5A-FC6158153030}" type="datetime1">
               <a:rPr lang="en-US" smtClean="0"/>
-              <a:t>10/5/2022</a:t>
+              <a:t>10/7/2022</a:t>
             </a:fld>
             <a:endParaRPr lang="en-US"/>
           </a:p>
@@ -1188,7 +1199,7 @@
             <a:pPr rtl="0"/>
             <a:fld id="{98E40627-AA7D-471F-B5F2-0BF9E4C68EB6}" type="slidenum">
               <a:rPr lang="en-US" smtClean="0"/>
-              <a:t>14</a:t>
+              <a:t>13</a:t>
             </a:fld>
             <a:endParaRPr lang="en-US"/>
           </a:p>
@@ -1197,7 +1208,7 @@
     </p:spTree>
     <p:extLst>
       <p:ext uri="{BB962C8B-B14F-4D97-AF65-F5344CB8AC3E}">
-        <p14:creationId xmlns:p14="http://schemas.microsoft.com/office/powerpoint/2010/main" val="3035467584"/>
+        <p14:creationId xmlns:p14="http://schemas.microsoft.com/office/powerpoint/2010/main" val="3419647459"/>
       </p:ext>
     </p:extLst>
   </p:cSld>
@@ -1273,7 +1284,116 @@
             <a:pPr rtl="0"/>
             <a:fld id="{7C083E89-9C17-4ACB-9C5A-FC6158153030}" type="datetime1">
               <a:rPr lang="en-US" smtClean="0"/>
-              <a:t>10/5/2022</a:t>
+              <a:t>10/7/2022</a:t>
+            </a:fld>
+            <a:endParaRPr lang="en-US"/>
+          </a:p>
+        </p:txBody>
+      </p:sp>
+      <p:sp>
+        <p:nvSpPr>
+          <p:cNvPr id="5" name="Slide Number Placeholder 4"/>
+          <p:cNvSpPr>
+            <a:spLocks noGrp="1"/>
+          </p:cNvSpPr>
+          <p:nvPr>
+            <p:ph type="sldNum" sz="quarter" idx="5"/>
+          </p:nvPr>
+        </p:nvSpPr>
+        <p:spPr/>
+        <p:txBody>
+          <a:bodyPr/>
+          <a:lstStyle/>
+          <a:p>
+            <a:pPr rtl="0"/>
+            <a:fld id="{98E40627-AA7D-471F-B5F2-0BF9E4C68EB6}" type="slidenum">
+              <a:rPr lang="en-US" smtClean="0"/>
+              <a:t>14</a:t>
+            </a:fld>
+            <a:endParaRPr lang="en-US"/>
+          </a:p>
+        </p:txBody>
+      </p:sp>
+    </p:spTree>
+    <p:extLst>
+      <p:ext uri="{BB962C8B-B14F-4D97-AF65-F5344CB8AC3E}">
+        <p14:creationId xmlns:p14="http://schemas.microsoft.com/office/powerpoint/2010/main" val="411511381"/>
+      </p:ext>
+    </p:extLst>
+  </p:cSld>
+  <p:clrMapOvr>
+    <a:masterClrMapping/>
+  </p:clrMapOvr>
+</p:notes>
+</file>
+
+<file path=ppt/notesSlides/notesSlide15.xml><?xml version="1.0" encoding="utf-8"?>
+<p:notes xmlns:a="http://schemas.openxmlformats.org/drawingml/2006/main" xmlns:r="http://schemas.openxmlformats.org/officeDocument/2006/relationships" xmlns:p="http://schemas.openxmlformats.org/presentationml/2006/main">
+  <p:cSld>
+    <p:spTree>
+      <p:nvGrpSpPr>
+        <p:cNvPr id="1" name=""/>
+        <p:cNvGrpSpPr/>
+        <p:nvPr/>
+      </p:nvGrpSpPr>
+      <p:grpSpPr>
+        <a:xfrm>
+          <a:off x="0" y="0"/>
+          <a:ext cx="0" cy="0"/>
+          <a:chOff x="0" y="0"/>
+          <a:chExt cx="0" cy="0"/>
+        </a:xfrm>
+      </p:grpSpPr>
+      <p:sp>
+        <p:nvSpPr>
+          <p:cNvPr id="2" name="Slide Image Placeholder 1"/>
+          <p:cNvSpPr>
+            <a:spLocks noGrp="1" noRot="1" noChangeAspect="1"/>
+          </p:cNvSpPr>
+          <p:nvPr>
+            <p:ph type="sldImg"/>
+          </p:nvPr>
+        </p:nvSpPr>
+        <p:spPr/>
+      </p:sp>
+      <p:sp>
+        <p:nvSpPr>
+          <p:cNvPr id="3" name="Notes Placeholder 2"/>
+          <p:cNvSpPr>
+            <a:spLocks noGrp="1"/>
+          </p:cNvSpPr>
+          <p:nvPr>
+            <p:ph type="body" idx="1"/>
+          </p:nvPr>
+        </p:nvSpPr>
+        <p:spPr/>
+        <p:txBody>
+          <a:bodyPr/>
+          <a:lstStyle/>
+          <a:p>
+            <a:endParaRPr lang="pt-PT"/>
+          </a:p>
+        </p:txBody>
+      </p:sp>
+      <p:sp>
+        <p:nvSpPr>
+          <p:cNvPr id="4" name="Date Placeholder 3"/>
+          <p:cNvSpPr>
+            <a:spLocks noGrp="1"/>
+          </p:cNvSpPr>
+          <p:nvPr>
+            <p:ph type="dt" idx="1"/>
+          </p:nvPr>
+        </p:nvSpPr>
+        <p:spPr/>
+        <p:txBody>
+          <a:bodyPr/>
+          <a:lstStyle/>
+          <a:p>
+            <a:pPr rtl="0"/>
+            <a:fld id="{7C083E89-9C17-4ACB-9C5A-FC6158153030}" type="datetime1">
+              <a:rPr lang="en-US" smtClean="0"/>
+              <a:t>10/7/2022</a:t>
             </a:fld>
             <a:endParaRPr lang="en-US"/>
           </a:p>
@@ -1298,6 +1418,497 @@
             <a:fld id="{98E40627-AA7D-471F-B5F2-0BF9E4C68EB6}" type="slidenum">
               <a:rPr lang="en-US" smtClean="0"/>
               <a:t>15</a:t>
+            </a:fld>
+            <a:endParaRPr lang="en-US"/>
+          </a:p>
+        </p:txBody>
+      </p:sp>
+    </p:spTree>
+    <p:extLst>
+      <p:ext uri="{BB962C8B-B14F-4D97-AF65-F5344CB8AC3E}">
+        <p14:creationId xmlns:p14="http://schemas.microsoft.com/office/powerpoint/2010/main" val="2937036978"/>
+      </p:ext>
+    </p:extLst>
+  </p:cSld>
+  <p:clrMapOvr>
+    <a:masterClrMapping/>
+  </p:clrMapOvr>
+</p:notes>
+</file>
+
+<file path=ppt/notesSlides/notesSlide16.xml><?xml version="1.0" encoding="utf-8"?>
+<p:notes xmlns:a="http://schemas.openxmlformats.org/drawingml/2006/main" xmlns:r="http://schemas.openxmlformats.org/officeDocument/2006/relationships" xmlns:p="http://schemas.openxmlformats.org/presentationml/2006/main">
+  <p:cSld>
+    <p:spTree>
+      <p:nvGrpSpPr>
+        <p:cNvPr id="1" name=""/>
+        <p:cNvGrpSpPr/>
+        <p:nvPr/>
+      </p:nvGrpSpPr>
+      <p:grpSpPr>
+        <a:xfrm>
+          <a:off x="0" y="0"/>
+          <a:ext cx="0" cy="0"/>
+          <a:chOff x="0" y="0"/>
+          <a:chExt cx="0" cy="0"/>
+        </a:xfrm>
+      </p:grpSpPr>
+      <p:sp>
+        <p:nvSpPr>
+          <p:cNvPr id="2" name="Slide Image Placeholder 1"/>
+          <p:cNvSpPr>
+            <a:spLocks noGrp="1" noRot="1" noChangeAspect="1"/>
+          </p:cNvSpPr>
+          <p:nvPr>
+            <p:ph type="sldImg"/>
+          </p:nvPr>
+        </p:nvSpPr>
+        <p:spPr/>
+      </p:sp>
+      <p:sp>
+        <p:nvSpPr>
+          <p:cNvPr id="3" name="Notes Placeholder 2"/>
+          <p:cNvSpPr>
+            <a:spLocks noGrp="1"/>
+          </p:cNvSpPr>
+          <p:nvPr>
+            <p:ph type="body" idx="1"/>
+          </p:nvPr>
+        </p:nvSpPr>
+        <p:spPr/>
+        <p:txBody>
+          <a:bodyPr/>
+          <a:lstStyle/>
+          <a:p>
+            <a:endParaRPr lang="pt-PT"/>
+          </a:p>
+        </p:txBody>
+      </p:sp>
+      <p:sp>
+        <p:nvSpPr>
+          <p:cNvPr id="4" name="Date Placeholder 3"/>
+          <p:cNvSpPr>
+            <a:spLocks noGrp="1"/>
+          </p:cNvSpPr>
+          <p:nvPr>
+            <p:ph type="dt" idx="1"/>
+          </p:nvPr>
+        </p:nvSpPr>
+        <p:spPr/>
+        <p:txBody>
+          <a:bodyPr/>
+          <a:lstStyle/>
+          <a:p>
+            <a:pPr rtl="0"/>
+            <a:fld id="{7C083E89-9C17-4ACB-9C5A-FC6158153030}" type="datetime1">
+              <a:rPr lang="en-US" smtClean="0"/>
+              <a:t>10/7/2022</a:t>
+            </a:fld>
+            <a:endParaRPr lang="en-US"/>
+          </a:p>
+        </p:txBody>
+      </p:sp>
+      <p:sp>
+        <p:nvSpPr>
+          <p:cNvPr id="5" name="Slide Number Placeholder 4"/>
+          <p:cNvSpPr>
+            <a:spLocks noGrp="1"/>
+          </p:cNvSpPr>
+          <p:nvPr>
+            <p:ph type="sldNum" sz="quarter" idx="5"/>
+          </p:nvPr>
+        </p:nvSpPr>
+        <p:spPr/>
+        <p:txBody>
+          <a:bodyPr/>
+          <a:lstStyle/>
+          <a:p>
+            <a:pPr rtl="0"/>
+            <a:fld id="{98E40627-AA7D-471F-B5F2-0BF9E4C68EB6}" type="slidenum">
+              <a:rPr lang="en-US" smtClean="0"/>
+              <a:t>16</a:t>
+            </a:fld>
+            <a:endParaRPr lang="en-US"/>
+          </a:p>
+        </p:txBody>
+      </p:sp>
+    </p:spTree>
+    <p:extLst>
+      <p:ext uri="{BB962C8B-B14F-4D97-AF65-F5344CB8AC3E}">
+        <p14:creationId xmlns:p14="http://schemas.microsoft.com/office/powerpoint/2010/main" val="1133332175"/>
+      </p:ext>
+    </p:extLst>
+  </p:cSld>
+  <p:clrMapOvr>
+    <a:masterClrMapping/>
+  </p:clrMapOvr>
+</p:notes>
+</file>
+
+<file path=ppt/notesSlides/notesSlide17.xml><?xml version="1.0" encoding="utf-8"?>
+<p:notes xmlns:a="http://schemas.openxmlformats.org/drawingml/2006/main" xmlns:r="http://schemas.openxmlformats.org/officeDocument/2006/relationships" xmlns:p="http://schemas.openxmlformats.org/presentationml/2006/main">
+  <p:cSld>
+    <p:spTree>
+      <p:nvGrpSpPr>
+        <p:cNvPr id="1" name=""/>
+        <p:cNvGrpSpPr/>
+        <p:nvPr/>
+      </p:nvGrpSpPr>
+      <p:grpSpPr>
+        <a:xfrm>
+          <a:off x="0" y="0"/>
+          <a:ext cx="0" cy="0"/>
+          <a:chOff x="0" y="0"/>
+          <a:chExt cx="0" cy="0"/>
+        </a:xfrm>
+      </p:grpSpPr>
+      <p:sp>
+        <p:nvSpPr>
+          <p:cNvPr id="2" name="Slide Image Placeholder 1"/>
+          <p:cNvSpPr>
+            <a:spLocks noGrp="1" noRot="1" noChangeAspect="1"/>
+          </p:cNvSpPr>
+          <p:nvPr>
+            <p:ph type="sldImg"/>
+          </p:nvPr>
+        </p:nvSpPr>
+        <p:spPr/>
+      </p:sp>
+      <p:sp>
+        <p:nvSpPr>
+          <p:cNvPr id="3" name="Notes Placeholder 2"/>
+          <p:cNvSpPr>
+            <a:spLocks noGrp="1"/>
+          </p:cNvSpPr>
+          <p:nvPr>
+            <p:ph type="body" idx="1"/>
+          </p:nvPr>
+        </p:nvSpPr>
+        <p:spPr/>
+        <p:txBody>
+          <a:bodyPr/>
+          <a:lstStyle/>
+          <a:p>
+            <a:r>
+              <a:rPr lang="pt-PT" dirty="0"/>
+              <a:t>Only scratched the surface.</a:t>
+            </a:r>
+          </a:p>
+          <a:p>
+            <a:pPr marL="171450" indent="-171450">
+              <a:buFont typeface="Arial" panose="020B0604020202020204" pitchFamily="34" charset="0"/>
+              <a:buChar char="•"/>
+            </a:pPr>
+            <a:endParaRPr lang="pt-PT" dirty="0"/>
+          </a:p>
+          <a:p>
+            <a:pPr marL="171450" indent="-171450">
+              <a:buFont typeface="Arial" panose="020B0604020202020204" pitchFamily="34" charset="0"/>
+              <a:buChar char="•"/>
+            </a:pPr>
+            <a:r>
+              <a:rPr lang="pt-PT" dirty="0"/>
+              <a:t>Pickup the districts where the major cause is intencional and try to cross reference it with local timber business and criminal data.</a:t>
+            </a:r>
+          </a:p>
+          <a:p>
+            <a:pPr marL="171450" indent="-171450">
+              <a:buFont typeface="Arial" panose="020B0604020202020204" pitchFamily="34" charset="0"/>
+              <a:buChar char="•"/>
+            </a:pPr>
+            <a:r>
+              <a:rPr lang="pt-PT" dirty="0"/>
+              <a:t>Understand why the investigation of fires fails so much in some countys as Pt. </a:t>
+            </a:r>
+            <a:r>
+              <a:rPr lang="pt-PT"/>
+              <a:t>De lima in Viana.</a:t>
+            </a:r>
+            <a:endParaRPr lang="pt-PT" dirty="0"/>
+          </a:p>
+          <a:p>
+            <a:pPr marL="171450" indent="-171450">
+              <a:buFont typeface="Arial" panose="020B0604020202020204" pitchFamily="34" charset="0"/>
+              <a:buChar char="•"/>
+            </a:pPr>
+            <a:r>
+              <a:rPr lang="pt-PT" dirty="0"/>
+              <a:t>Cross referencing the fire spread rate with the the amount of maintenance done to the forest.</a:t>
+            </a:r>
+          </a:p>
+          <a:p>
+            <a:pPr marL="171450" indent="-171450">
+              <a:buFont typeface="Arial" panose="020B0604020202020204" pitchFamily="34" charset="0"/>
+              <a:buChar char="•"/>
+            </a:pPr>
+            <a:r>
+              <a:rPr lang="pt-PT" dirty="0"/>
+              <a:t>Endless possibilities.</a:t>
+            </a:r>
+          </a:p>
+        </p:txBody>
+      </p:sp>
+      <p:sp>
+        <p:nvSpPr>
+          <p:cNvPr id="4" name="Date Placeholder 3"/>
+          <p:cNvSpPr>
+            <a:spLocks noGrp="1"/>
+          </p:cNvSpPr>
+          <p:nvPr>
+            <p:ph type="dt" idx="1"/>
+          </p:nvPr>
+        </p:nvSpPr>
+        <p:spPr/>
+        <p:txBody>
+          <a:bodyPr/>
+          <a:lstStyle/>
+          <a:p>
+            <a:pPr rtl="0"/>
+            <a:fld id="{7C083E89-9C17-4ACB-9C5A-FC6158153030}" type="datetime1">
+              <a:rPr lang="en-US" smtClean="0"/>
+              <a:t>10/7/2022</a:t>
+            </a:fld>
+            <a:endParaRPr lang="en-US"/>
+          </a:p>
+        </p:txBody>
+      </p:sp>
+      <p:sp>
+        <p:nvSpPr>
+          <p:cNvPr id="5" name="Slide Number Placeholder 4"/>
+          <p:cNvSpPr>
+            <a:spLocks noGrp="1"/>
+          </p:cNvSpPr>
+          <p:nvPr>
+            <p:ph type="sldNum" sz="quarter" idx="5"/>
+          </p:nvPr>
+        </p:nvSpPr>
+        <p:spPr/>
+        <p:txBody>
+          <a:bodyPr/>
+          <a:lstStyle/>
+          <a:p>
+            <a:pPr rtl="0"/>
+            <a:fld id="{98E40627-AA7D-471F-B5F2-0BF9E4C68EB6}" type="slidenum">
+              <a:rPr lang="en-US" smtClean="0"/>
+              <a:t>18</a:t>
+            </a:fld>
+            <a:endParaRPr lang="en-US"/>
+          </a:p>
+        </p:txBody>
+      </p:sp>
+    </p:spTree>
+    <p:extLst>
+      <p:ext uri="{BB962C8B-B14F-4D97-AF65-F5344CB8AC3E}">
+        <p14:creationId xmlns:p14="http://schemas.microsoft.com/office/powerpoint/2010/main" val="3113879686"/>
+      </p:ext>
+    </p:extLst>
+  </p:cSld>
+  <p:clrMapOvr>
+    <a:masterClrMapping/>
+  </p:clrMapOvr>
+</p:notes>
+</file>
+
+<file path=ppt/notesSlides/notesSlide18.xml><?xml version="1.0" encoding="utf-8"?>
+<p:notes xmlns:a="http://schemas.openxmlformats.org/drawingml/2006/main" xmlns:r="http://schemas.openxmlformats.org/officeDocument/2006/relationships" xmlns:p="http://schemas.openxmlformats.org/presentationml/2006/main">
+  <p:cSld>
+    <p:spTree>
+      <p:nvGrpSpPr>
+        <p:cNvPr id="1" name=""/>
+        <p:cNvGrpSpPr/>
+        <p:nvPr/>
+      </p:nvGrpSpPr>
+      <p:grpSpPr>
+        <a:xfrm>
+          <a:off x="0" y="0"/>
+          <a:ext cx="0" cy="0"/>
+          <a:chOff x="0" y="0"/>
+          <a:chExt cx="0" cy="0"/>
+        </a:xfrm>
+      </p:grpSpPr>
+      <p:sp>
+        <p:nvSpPr>
+          <p:cNvPr id="2" name="Slide Image Placeholder 1"/>
+          <p:cNvSpPr>
+            <a:spLocks noGrp="1" noRot="1" noChangeAspect="1"/>
+          </p:cNvSpPr>
+          <p:nvPr>
+            <p:ph type="sldImg"/>
+          </p:nvPr>
+        </p:nvSpPr>
+        <p:spPr/>
+      </p:sp>
+      <p:sp>
+        <p:nvSpPr>
+          <p:cNvPr id="3" name="Notes Placeholder 2"/>
+          <p:cNvSpPr>
+            <a:spLocks noGrp="1"/>
+          </p:cNvSpPr>
+          <p:nvPr>
+            <p:ph type="body" idx="1"/>
+          </p:nvPr>
+        </p:nvSpPr>
+        <p:spPr/>
+        <p:txBody>
+          <a:bodyPr/>
+          <a:lstStyle/>
+          <a:p>
+            <a:endParaRPr lang="pt-PT"/>
+          </a:p>
+        </p:txBody>
+      </p:sp>
+      <p:sp>
+        <p:nvSpPr>
+          <p:cNvPr id="4" name="Date Placeholder 3"/>
+          <p:cNvSpPr>
+            <a:spLocks noGrp="1"/>
+          </p:cNvSpPr>
+          <p:nvPr>
+            <p:ph type="dt" idx="1"/>
+          </p:nvPr>
+        </p:nvSpPr>
+        <p:spPr/>
+        <p:txBody>
+          <a:bodyPr/>
+          <a:lstStyle/>
+          <a:p>
+            <a:pPr rtl="0"/>
+            <a:fld id="{7C083E89-9C17-4ACB-9C5A-FC6158153030}" type="datetime1">
+              <a:rPr lang="en-US" smtClean="0"/>
+              <a:t>10/7/2022</a:t>
+            </a:fld>
+            <a:endParaRPr lang="en-US"/>
+          </a:p>
+        </p:txBody>
+      </p:sp>
+      <p:sp>
+        <p:nvSpPr>
+          <p:cNvPr id="5" name="Slide Number Placeholder 4"/>
+          <p:cNvSpPr>
+            <a:spLocks noGrp="1"/>
+          </p:cNvSpPr>
+          <p:nvPr>
+            <p:ph type="sldNum" sz="quarter" idx="5"/>
+          </p:nvPr>
+        </p:nvSpPr>
+        <p:spPr/>
+        <p:txBody>
+          <a:bodyPr/>
+          <a:lstStyle/>
+          <a:p>
+            <a:pPr rtl="0"/>
+            <a:fld id="{98E40627-AA7D-471F-B5F2-0BF9E4C68EB6}" type="slidenum">
+              <a:rPr lang="en-US" smtClean="0"/>
+              <a:t>19</a:t>
+            </a:fld>
+            <a:endParaRPr lang="en-US"/>
+          </a:p>
+        </p:txBody>
+      </p:sp>
+    </p:spTree>
+    <p:extLst>
+      <p:ext uri="{BB962C8B-B14F-4D97-AF65-F5344CB8AC3E}">
+        <p14:creationId xmlns:p14="http://schemas.microsoft.com/office/powerpoint/2010/main" val="3035467584"/>
+      </p:ext>
+    </p:extLst>
+  </p:cSld>
+  <p:clrMapOvr>
+    <a:masterClrMapping/>
+  </p:clrMapOvr>
+</p:notes>
+</file>
+
+<file path=ppt/notesSlides/notesSlide19.xml><?xml version="1.0" encoding="utf-8"?>
+<p:notes xmlns:a="http://schemas.openxmlformats.org/drawingml/2006/main" xmlns:r="http://schemas.openxmlformats.org/officeDocument/2006/relationships" xmlns:p="http://schemas.openxmlformats.org/presentationml/2006/main">
+  <p:cSld>
+    <p:spTree>
+      <p:nvGrpSpPr>
+        <p:cNvPr id="1" name=""/>
+        <p:cNvGrpSpPr/>
+        <p:nvPr/>
+      </p:nvGrpSpPr>
+      <p:grpSpPr>
+        <a:xfrm>
+          <a:off x="0" y="0"/>
+          <a:ext cx="0" cy="0"/>
+          <a:chOff x="0" y="0"/>
+          <a:chExt cx="0" cy="0"/>
+        </a:xfrm>
+      </p:grpSpPr>
+      <p:sp>
+        <p:nvSpPr>
+          <p:cNvPr id="2" name="Slide Image Placeholder 1"/>
+          <p:cNvSpPr>
+            <a:spLocks noGrp="1" noRot="1" noChangeAspect="1"/>
+          </p:cNvSpPr>
+          <p:nvPr>
+            <p:ph type="sldImg"/>
+          </p:nvPr>
+        </p:nvSpPr>
+        <p:spPr/>
+      </p:sp>
+      <p:sp>
+        <p:nvSpPr>
+          <p:cNvPr id="3" name="Notes Placeholder 2"/>
+          <p:cNvSpPr>
+            <a:spLocks noGrp="1"/>
+          </p:cNvSpPr>
+          <p:nvPr>
+            <p:ph type="body" idx="1"/>
+          </p:nvPr>
+        </p:nvSpPr>
+        <p:spPr/>
+        <p:txBody>
+          <a:bodyPr/>
+          <a:lstStyle/>
+          <a:p>
+            <a:endParaRPr lang="pt-PT"/>
+          </a:p>
+        </p:txBody>
+      </p:sp>
+      <p:sp>
+        <p:nvSpPr>
+          <p:cNvPr id="4" name="Date Placeholder 3"/>
+          <p:cNvSpPr>
+            <a:spLocks noGrp="1"/>
+          </p:cNvSpPr>
+          <p:nvPr>
+            <p:ph type="dt" idx="1"/>
+          </p:nvPr>
+        </p:nvSpPr>
+        <p:spPr/>
+        <p:txBody>
+          <a:bodyPr/>
+          <a:lstStyle/>
+          <a:p>
+            <a:pPr rtl="0"/>
+            <a:fld id="{7C083E89-9C17-4ACB-9C5A-FC6158153030}" type="datetime1">
+              <a:rPr lang="en-US" smtClean="0"/>
+              <a:t>10/7/2022</a:t>
+            </a:fld>
+            <a:endParaRPr lang="en-US"/>
+          </a:p>
+        </p:txBody>
+      </p:sp>
+      <p:sp>
+        <p:nvSpPr>
+          <p:cNvPr id="5" name="Slide Number Placeholder 4"/>
+          <p:cNvSpPr>
+            <a:spLocks noGrp="1"/>
+          </p:cNvSpPr>
+          <p:nvPr>
+            <p:ph type="sldNum" sz="quarter" idx="5"/>
+          </p:nvPr>
+        </p:nvSpPr>
+        <p:spPr/>
+        <p:txBody>
+          <a:bodyPr/>
+          <a:lstStyle/>
+          <a:p>
+            <a:pPr rtl="0"/>
+            <a:fld id="{98E40627-AA7D-471F-B5F2-0BF9E4C68EB6}" type="slidenum">
+              <a:rPr lang="en-US" smtClean="0"/>
+              <a:t>20</a:t>
             </a:fld>
             <a:endParaRPr lang="en-US"/>
           </a:p>
@@ -1382,7 +1993,7 @@
             <a:pPr rtl="0"/>
             <a:fld id="{7C083E89-9C17-4ACB-9C5A-FC6158153030}" type="datetime1">
               <a:rPr lang="en-US" smtClean="0"/>
-              <a:t>10/5/2022</a:t>
+              <a:t>10/7/2022</a:t>
             </a:fld>
             <a:endParaRPr lang="en-US"/>
           </a:p>
@@ -1494,7 +2105,7 @@
             <a:pPr rtl="0"/>
             <a:fld id="{7C083E89-9C17-4ACB-9C5A-FC6158153030}" type="datetime1">
               <a:rPr lang="en-US" smtClean="0"/>
-              <a:t>10/5/2022</a:t>
+              <a:t>10/7/2022</a:t>
             </a:fld>
             <a:endParaRPr lang="en-US"/>
           </a:p>
@@ -1583,7 +2194,7 @@
           <a:p>
             <a:r>
               <a:rPr lang="pt-PT" dirty="0"/>
-              <a:t>Top 5 have more than 60% of all emitted co2.</a:t>
+              <a:t>2017 wasn’t a typical year, so I discarded it.</a:t>
             </a:r>
           </a:p>
         </p:txBody>
@@ -1606,7 +2217,7 @@
             <a:pPr rtl="0"/>
             <a:fld id="{7C083E89-9C17-4ACB-9C5A-FC6158153030}" type="datetime1">
               <a:rPr lang="en-US" smtClean="0"/>
-              <a:t>10/5/2022</a:t>
+              <a:t>10/7/2022</a:t>
             </a:fld>
             <a:endParaRPr lang="en-US"/>
           </a:p>
@@ -1639,7 +2250,7 @@
     </p:spTree>
     <p:extLst>
       <p:ext uri="{BB962C8B-B14F-4D97-AF65-F5344CB8AC3E}">
-        <p14:creationId xmlns:p14="http://schemas.microsoft.com/office/powerpoint/2010/main" val="357393104"/>
+        <p14:creationId xmlns:p14="http://schemas.microsoft.com/office/powerpoint/2010/main" val="2929146498"/>
       </p:ext>
     </p:extLst>
   </p:cSld>
@@ -1693,7 +2304,10 @@
           <a:bodyPr/>
           <a:lstStyle/>
           <a:p>
-            <a:endParaRPr lang="pt-PT"/>
+            <a:r>
+              <a:rPr lang="pt-PT" dirty="0"/>
+              <a:t>2017 wasn’t a typical year, so I discarded it.</a:t>
+            </a:r>
           </a:p>
         </p:txBody>
       </p:sp>
@@ -1715,7 +2329,7 @@
             <a:pPr rtl="0"/>
             <a:fld id="{7C083E89-9C17-4ACB-9C5A-FC6158153030}" type="datetime1">
               <a:rPr lang="en-US" smtClean="0"/>
-              <a:t>10/5/2022</a:t>
+              <a:t>10/7/2022</a:t>
             </a:fld>
             <a:endParaRPr lang="en-US"/>
           </a:p>
@@ -1748,7 +2362,7 @@
     </p:spTree>
     <p:extLst>
       <p:ext uri="{BB962C8B-B14F-4D97-AF65-F5344CB8AC3E}">
-        <p14:creationId xmlns:p14="http://schemas.microsoft.com/office/powerpoint/2010/main" val="2924238397"/>
+        <p14:creationId xmlns:p14="http://schemas.microsoft.com/office/powerpoint/2010/main" val="468827789"/>
       </p:ext>
     </p:extLst>
   </p:cSld>
@@ -1803,8 +2417,8 @@
           <a:lstStyle/>
           <a:p>
             <a:r>
-              <a:rPr lang="pt-PT"/>
-              <a:t>Negligence fires are the most prevalent, followed by intencional.</a:t>
+              <a:rPr lang="pt-PT" dirty="0"/>
+              <a:t>Top 5 have more than 60% of all emitted co2.</a:t>
             </a:r>
           </a:p>
         </p:txBody>
@@ -1827,7 +2441,7 @@
             <a:pPr rtl="0"/>
             <a:fld id="{7C083E89-9C17-4ACB-9C5A-FC6158153030}" type="datetime1">
               <a:rPr lang="en-US" smtClean="0"/>
-              <a:t>10/5/2022</a:t>
+              <a:t>10/7/2022</a:t>
             </a:fld>
             <a:endParaRPr lang="en-US"/>
           </a:p>
@@ -1860,7 +2474,7 @@
     </p:spTree>
     <p:extLst>
       <p:ext uri="{BB962C8B-B14F-4D97-AF65-F5344CB8AC3E}">
-        <p14:creationId xmlns:p14="http://schemas.microsoft.com/office/powerpoint/2010/main" val="2545332972"/>
+        <p14:creationId xmlns:p14="http://schemas.microsoft.com/office/powerpoint/2010/main" val="357393104"/>
       </p:ext>
     </p:extLst>
   </p:cSld>
@@ -1936,7 +2550,7 @@
             <a:pPr rtl="0"/>
             <a:fld id="{7C083E89-9C17-4ACB-9C5A-FC6158153030}" type="datetime1">
               <a:rPr lang="en-US" smtClean="0"/>
-              <a:t>10/5/2022</a:t>
+              <a:t>10/7/2022</a:t>
             </a:fld>
             <a:endParaRPr lang="en-US"/>
           </a:p>
@@ -1969,7 +2583,7 @@
     </p:spTree>
     <p:extLst>
       <p:ext uri="{BB962C8B-B14F-4D97-AF65-F5344CB8AC3E}">
-        <p14:creationId xmlns:p14="http://schemas.microsoft.com/office/powerpoint/2010/main" val="2564793194"/>
+        <p14:creationId xmlns:p14="http://schemas.microsoft.com/office/powerpoint/2010/main" val="2924238397"/>
       </p:ext>
     </p:extLst>
   </p:cSld>
@@ -2024,8 +2638,8 @@
           <a:lstStyle/>
           <a:p>
             <a:r>
-              <a:rPr lang="pt-PT" dirty="0"/>
-              <a:t>No, its actually quite lower. 6814 vs 6353</a:t>
+              <a:rPr lang="pt-PT"/>
+              <a:t>Negligence fires are the most prevalent, followed by intencional.</a:t>
             </a:r>
           </a:p>
         </p:txBody>
@@ -2048,7 +2662,7 @@
             <a:pPr rtl="0"/>
             <a:fld id="{7C083E89-9C17-4ACB-9C5A-FC6158153030}" type="datetime1">
               <a:rPr lang="en-US" smtClean="0"/>
-              <a:t>10/5/2022</a:t>
+              <a:t>10/7/2022</a:t>
             </a:fld>
             <a:endParaRPr lang="en-US"/>
           </a:p>
@@ -2081,7 +2695,7 @@
     </p:spTree>
     <p:extLst>
       <p:ext uri="{BB962C8B-B14F-4D97-AF65-F5344CB8AC3E}">
-        <p14:creationId xmlns:p14="http://schemas.microsoft.com/office/powerpoint/2010/main" val="2014950927"/>
+        <p14:creationId xmlns:p14="http://schemas.microsoft.com/office/powerpoint/2010/main" val="2545332972"/>
       </p:ext>
     </p:extLst>
   </p:cSld>
@@ -2137,7 +2751,7 @@
           <a:p>
             <a:r>
               <a:rPr lang="pt-PT" dirty="0"/>
-              <a:t>Yes they have. Almost double!</a:t>
+              <a:t>Only showing the worst 5 months, the worst ones.</a:t>
             </a:r>
           </a:p>
         </p:txBody>
@@ -2160,7 +2774,7 @@
             <a:pPr rtl="0"/>
             <a:fld id="{7C083E89-9C17-4ACB-9C5A-FC6158153030}" type="datetime1">
               <a:rPr lang="en-US" smtClean="0"/>
-              <a:t>10/5/2022</a:t>
+              <a:t>10/7/2022</a:t>
             </a:fld>
             <a:endParaRPr lang="en-US"/>
           </a:p>
@@ -2193,7 +2807,7 @@
     </p:spTree>
     <p:extLst>
       <p:ext uri="{BB962C8B-B14F-4D97-AF65-F5344CB8AC3E}">
-        <p14:creationId xmlns:p14="http://schemas.microsoft.com/office/powerpoint/2010/main" val="3419647459"/>
+        <p14:creationId xmlns:p14="http://schemas.microsoft.com/office/powerpoint/2010/main" val="2564793194"/>
       </p:ext>
     </p:extLst>
   </p:cSld>
@@ -2686,7 +3300,7 @@
             <a:pPr rtl="0"/>
             <a:fld id="{597ED783-DB29-47F9-9951-77B63BA02D43}" type="datetime1">
               <a:rPr lang="en-US" smtClean="0"/>
-              <a:t>10/5/2022</a:t>
+              <a:t>10/7/2022</a:t>
             </a:fld>
             <a:endParaRPr lang="en-US"/>
           </a:p>
@@ -2884,7 +3498,7 @@
             <a:pPr rtl="0"/>
             <a:fld id="{15B008B6-742F-469A-8149-46AD5BD72E17}" type="datetime1">
               <a:rPr lang="en-US" smtClean="0"/>
-              <a:t>10/5/2022</a:t>
+              <a:t>10/7/2022</a:t>
             </a:fld>
             <a:endParaRPr lang="en-US"/>
           </a:p>
@@ -3741,7 +4355,7 @@
             <a:pPr rtl="0"/>
             <a:fld id="{8BF8E8C2-5B3F-4938-B298-DC830678435E}" type="datetime1">
               <a:rPr lang="en-US" smtClean="0"/>
-              <a:t>10/5/2022</a:t>
+              <a:t>10/7/2022</a:t>
             </a:fld>
             <a:endParaRPr lang="en-US"/>
           </a:p>
@@ -4196,7 +4810,7 @@
             <a:pPr rtl="0"/>
             <a:fld id="{44B096BB-90C9-47D5-BC2E-60996DD28B4D}" type="datetime1">
               <a:rPr lang="en-US" smtClean="0"/>
-              <a:t>10/5/2022</a:t>
+              <a:t>10/7/2022</a:t>
             </a:fld>
             <a:endParaRPr lang="en-US"/>
           </a:p>
@@ -4332,7 +4946,7 @@
             <a:pPr rtl="0"/>
             <a:fld id="{A2539355-4B01-415F-86C3-20BDC371F631}" type="datetime1">
               <a:rPr lang="en-US" smtClean="0"/>
-              <a:t>10/5/2022</a:t>
+              <a:t>10/7/2022</a:t>
             </a:fld>
             <a:endParaRPr lang="en-US"/>
           </a:p>
@@ -4444,7 +5058,7 @@
             <a:pPr rtl="0"/>
             <a:fld id="{C4EF661B-051B-488D-9CAD-3167E0302A9F}" type="datetime1">
               <a:rPr lang="en-US" smtClean="0"/>
-              <a:t>10/5/2022</a:t>
+              <a:t>10/7/2022</a:t>
             </a:fld>
             <a:endParaRPr lang="en-US"/>
           </a:p>
@@ -4878,7 +5492,7 @@
             <a:pPr rtl="0"/>
             <a:fld id="{5A1928F9-0DBA-496E-A54E-8F6506DE8A22}" type="datetime1">
               <a:rPr lang="en-US" smtClean="0"/>
-              <a:t>10/5/2022</a:t>
+              <a:t>10/7/2022</a:t>
             </a:fld>
             <a:endParaRPr lang="en-US"/>
           </a:p>
@@ -5156,7 +5770,7 @@
             <a:pPr rtl="0"/>
             <a:fld id="{D00C4EC2-8CF3-421D-A60C-E5DA97AFBEE4}" type="datetime1">
               <a:rPr lang="en-US" smtClean="0"/>
-              <a:t>10/5/2022</a:t>
+              <a:t>10/7/2022</a:t>
             </a:fld>
             <a:endParaRPr lang="en-US" dirty="0"/>
           </a:p>
@@ -5684,7 +6298,7 @@
             <a:pPr rtl="0"/>
             <a:fld id="{4A154B4A-AFBA-40AE-AC51-EF683FF0136C}" type="datetime1">
               <a:rPr lang="en-US" smtClean="0"/>
-              <a:t>10/5/2022</a:t>
+              <a:t>10/7/2022</a:t>
             </a:fld>
             <a:endParaRPr lang="en-US" dirty="0"/>
           </a:p>
@@ -6398,6 +7012,14 @@
 <file path=ppt/slides/slide10.xml><?xml version="1.0" encoding="utf-8"?>
 <p:sld xmlns:a="http://schemas.openxmlformats.org/drawingml/2006/main" xmlns:r="http://schemas.openxmlformats.org/officeDocument/2006/relationships" xmlns:p="http://schemas.openxmlformats.org/presentationml/2006/main">
   <p:cSld>
+    <p:bg>
+      <p:bgPr>
+        <a:solidFill>
+          <a:schemeClr val="bg1"/>
+        </a:solidFill>
+        <a:effectLst/>
+      </p:bgPr>
+    </p:bg>
     <p:spTree>
       <p:nvGrpSpPr>
         <p:cNvPr id="1" name=""/>
@@ -6412,6 +7034,444 @@
           <a:chExt cx="0" cy="0"/>
         </a:xfrm>
       </p:grpSpPr>
+      <p:pic>
+        <p:nvPicPr>
+          <p:cNvPr id="6" name="Content Placeholder 5">
+            <a:extLst>
+              <a:ext uri="{FF2B5EF4-FFF2-40B4-BE49-F238E27FC236}">
+                <a16:creationId xmlns:a16="http://schemas.microsoft.com/office/drawing/2014/main" id="{78214A06-CDE0-065D-836C-8C098E1337FB}"/>
+              </a:ext>
+            </a:extLst>
+          </p:cNvPr>
+          <p:cNvPicPr>
+            <a:picLocks noGrp="1" noChangeAspect="1"/>
+          </p:cNvPicPr>
+          <p:nvPr>
+            <p:ph idx="1"/>
+          </p:nvPr>
+        </p:nvPicPr>
+        <p:blipFill>
+          <a:blip r:embed="rId3">
+            <a:extLst>
+              <a:ext uri="{28A0092B-C50C-407E-A947-70E740481C1C}">
+                <a14:useLocalDpi xmlns:a14="http://schemas.microsoft.com/office/drawing/2010/main" val="0"/>
+              </a:ext>
+            </a:extLst>
+          </a:blip>
+          <a:stretch>
+            <a:fillRect/>
+          </a:stretch>
+        </p:blipFill>
+        <p:spPr>
+          <a:xfrm>
+            <a:off x="685800" y="894475"/>
+            <a:ext cx="6858000" cy="4764250"/>
+          </a:xfrm>
+        </p:spPr>
+      </p:pic>
+      <p:sp>
+        <p:nvSpPr>
+          <p:cNvPr id="2" name="Title 1">
+            <a:extLst>
+              <a:ext uri="{FF2B5EF4-FFF2-40B4-BE49-F238E27FC236}">
+                <a16:creationId xmlns:a16="http://schemas.microsoft.com/office/drawing/2014/main" id="{5EC9E542-460B-71CE-0A94-2D1744C8A330}"/>
+              </a:ext>
+            </a:extLst>
+          </p:cNvPr>
+          <p:cNvSpPr>
+            <a:spLocks noGrp="1"/>
+          </p:cNvSpPr>
+          <p:nvPr>
+            <p:ph type="title"/>
+          </p:nvPr>
+        </p:nvSpPr>
+        <p:spPr>
+          <a:xfrm>
+            <a:off x="8458200" y="2771472"/>
+            <a:ext cx="3161963" cy="1645920"/>
+          </a:xfrm>
+        </p:spPr>
+        <p:txBody>
+          <a:bodyPr>
+            <a:normAutofit fontScale="90000"/>
+          </a:bodyPr>
+          <a:lstStyle/>
+          <a:p>
+            <a:r>
+              <a:rPr lang="pt-PT" dirty="0"/>
+              <a:t>Is the monthly fire count and burnt area distribution the same for all top 5 districts?</a:t>
+            </a:r>
+          </a:p>
+        </p:txBody>
+      </p:sp>
+    </p:spTree>
+    <p:extLst>
+      <p:ext uri="{BB962C8B-B14F-4D97-AF65-F5344CB8AC3E}">
+        <p14:creationId xmlns:p14="http://schemas.microsoft.com/office/powerpoint/2010/main" val="2463697128"/>
+      </p:ext>
+    </p:extLst>
+  </p:cSld>
+  <p:clrMapOvr>
+    <a:masterClrMapping/>
+  </p:clrMapOvr>
+  <mc:AlternateContent xmlns:mc="http://schemas.openxmlformats.org/markup-compatibility/2006" xmlns:p159="http://schemas.microsoft.com/office/powerpoint/2015/09/main">
+    <mc:Choice Requires="p159">
+      <p:transition xmlns:p14="http://schemas.microsoft.com/office/powerpoint/2010/main" spd="slow" p14:dur="2000">
+        <p159:morph option="byObject"/>
+      </p:transition>
+    </mc:Choice>
+    <mc:Fallback xmlns="">
+      <p:transition spd="slow">
+        <p:fade/>
+      </p:transition>
+    </mc:Fallback>
+  </mc:AlternateContent>
+</p:sld>
+</file>
+
+<file path=ppt/slides/slide11.xml><?xml version="1.0" encoding="utf-8"?>
+<p:sld xmlns:a="http://schemas.openxmlformats.org/drawingml/2006/main" xmlns:r="http://schemas.openxmlformats.org/officeDocument/2006/relationships" xmlns:p="http://schemas.openxmlformats.org/presentationml/2006/main">
+  <p:cSld>
+    <p:bg>
+      <p:bgPr>
+        <a:solidFill>
+          <a:schemeClr val="bg1"/>
+        </a:solidFill>
+        <a:effectLst/>
+      </p:bgPr>
+    </p:bg>
+    <p:spTree>
+      <p:nvGrpSpPr>
+        <p:cNvPr id="1" name=""/>
+        <p:cNvGrpSpPr/>
+        <p:nvPr/>
+      </p:nvGrpSpPr>
+      <p:grpSpPr>
+        <a:xfrm>
+          <a:off x="0" y="0"/>
+          <a:ext cx="0" cy="0"/>
+          <a:chOff x="0" y="0"/>
+          <a:chExt cx="0" cy="0"/>
+        </a:xfrm>
+      </p:grpSpPr>
+      <p:pic>
+        <p:nvPicPr>
+          <p:cNvPr id="6" name="Content Placeholder 5">
+            <a:extLst>
+              <a:ext uri="{FF2B5EF4-FFF2-40B4-BE49-F238E27FC236}">
+                <a16:creationId xmlns:a16="http://schemas.microsoft.com/office/drawing/2014/main" id="{D7F6BA1C-643A-BF54-66F9-4EB2CE5416C2}"/>
+              </a:ext>
+            </a:extLst>
+          </p:cNvPr>
+          <p:cNvPicPr>
+            <a:picLocks noGrp="1" noChangeAspect="1"/>
+          </p:cNvPicPr>
+          <p:nvPr>
+            <p:ph idx="1"/>
+          </p:nvPr>
+        </p:nvPicPr>
+        <p:blipFill>
+          <a:blip r:embed="rId3">
+            <a:extLst>
+              <a:ext uri="{28A0092B-C50C-407E-A947-70E740481C1C}">
+                <a14:useLocalDpi xmlns:a14="http://schemas.microsoft.com/office/drawing/2010/main" val="0"/>
+              </a:ext>
+            </a:extLst>
+          </a:blip>
+          <a:stretch>
+            <a:fillRect/>
+          </a:stretch>
+        </p:blipFill>
+        <p:spPr>
+          <a:xfrm>
+            <a:off x="685800" y="894475"/>
+            <a:ext cx="6858000" cy="4764250"/>
+          </a:xfrm>
+        </p:spPr>
+      </p:pic>
+      <p:sp>
+        <p:nvSpPr>
+          <p:cNvPr id="2" name="Title 1">
+            <a:extLst>
+              <a:ext uri="{FF2B5EF4-FFF2-40B4-BE49-F238E27FC236}">
+                <a16:creationId xmlns:a16="http://schemas.microsoft.com/office/drawing/2014/main" id="{5EC9E542-460B-71CE-0A94-2D1744C8A330}"/>
+              </a:ext>
+            </a:extLst>
+          </p:cNvPr>
+          <p:cNvSpPr>
+            <a:spLocks noGrp="1"/>
+          </p:cNvSpPr>
+          <p:nvPr>
+            <p:ph type="title"/>
+          </p:nvPr>
+        </p:nvSpPr>
+        <p:spPr>
+          <a:xfrm>
+            <a:off x="8458200" y="2771472"/>
+            <a:ext cx="3161963" cy="1645920"/>
+          </a:xfrm>
+        </p:spPr>
+        <p:txBody>
+          <a:bodyPr>
+            <a:normAutofit fontScale="90000"/>
+          </a:bodyPr>
+          <a:lstStyle/>
+          <a:p>
+            <a:r>
+              <a:rPr lang="pt-PT" dirty="0"/>
+              <a:t>Is the monthly fire count and burnt area distribution the same for all top 5 districts?</a:t>
+            </a:r>
+          </a:p>
+        </p:txBody>
+      </p:sp>
+    </p:spTree>
+    <p:extLst>
+      <p:ext uri="{BB962C8B-B14F-4D97-AF65-F5344CB8AC3E}">
+        <p14:creationId xmlns:p14="http://schemas.microsoft.com/office/powerpoint/2010/main" val="1948297159"/>
+      </p:ext>
+    </p:extLst>
+  </p:cSld>
+  <p:clrMapOvr>
+    <a:masterClrMapping/>
+  </p:clrMapOvr>
+  <mc:AlternateContent xmlns:mc="http://schemas.openxmlformats.org/markup-compatibility/2006" xmlns:p159="http://schemas.microsoft.com/office/powerpoint/2015/09/main">
+    <mc:Choice Requires="p159">
+      <p:transition xmlns:p14="http://schemas.microsoft.com/office/powerpoint/2010/main" spd="slow" p14:dur="2000">
+        <p159:morph option="byObject"/>
+      </p:transition>
+    </mc:Choice>
+    <mc:Fallback xmlns="">
+      <p:transition spd="slow">
+        <p:fade/>
+      </p:transition>
+    </mc:Fallback>
+  </mc:AlternateContent>
+</p:sld>
+</file>
+
+<file path=ppt/slides/slide12.xml><?xml version="1.0" encoding="utf-8"?>
+<p:sld xmlns:a="http://schemas.openxmlformats.org/drawingml/2006/main" xmlns:r="http://schemas.openxmlformats.org/officeDocument/2006/relationships" xmlns:p="http://schemas.openxmlformats.org/presentationml/2006/main">
+  <p:cSld>
+    <p:spTree>
+      <p:nvGrpSpPr>
+        <p:cNvPr id="1" name=""/>
+        <p:cNvGrpSpPr/>
+        <p:nvPr/>
+      </p:nvGrpSpPr>
+      <p:grpSpPr>
+        <a:xfrm>
+          <a:off x="0" y="0"/>
+          <a:ext cx="0" cy="0"/>
+          <a:chOff x="0" y="0"/>
+          <a:chExt cx="0" cy="0"/>
+        </a:xfrm>
+      </p:grpSpPr>
+      <p:sp>
+        <p:nvSpPr>
+          <p:cNvPr id="2" name="Title 1">
+            <a:extLst>
+              <a:ext uri="{FF2B5EF4-FFF2-40B4-BE49-F238E27FC236}">
+                <a16:creationId xmlns:a16="http://schemas.microsoft.com/office/drawing/2014/main" id="{0B359917-7591-2FC5-44C1-F5EBA05CEE19}"/>
+              </a:ext>
+            </a:extLst>
+          </p:cNvPr>
+          <p:cNvSpPr>
+            <a:spLocks noGrp="1"/>
+          </p:cNvSpPr>
+          <p:nvPr>
+            <p:ph type="title"/>
+          </p:nvPr>
+        </p:nvSpPr>
+        <p:spPr/>
+        <p:txBody>
+          <a:bodyPr>
+            <a:normAutofit/>
+          </a:bodyPr>
+          <a:lstStyle/>
+          <a:p>
+            <a:r>
+              <a:rPr lang="pt-PT" sz="4400" b="1" dirty="0">
+                <a:solidFill>
+                  <a:schemeClr val="bg1"/>
+                </a:solidFill>
+              </a:rPr>
+              <a:t>Do the top 5 districts have a higher rate of fires?</a:t>
+            </a:r>
+          </a:p>
+        </p:txBody>
+      </p:sp>
+      <p:sp>
+        <p:nvSpPr>
+          <p:cNvPr id="3" name="Text Placeholder 2">
+            <a:extLst>
+              <a:ext uri="{FF2B5EF4-FFF2-40B4-BE49-F238E27FC236}">
+                <a16:creationId xmlns:a16="http://schemas.microsoft.com/office/drawing/2014/main" id="{D3920C8D-B001-8C9D-84C5-495B930B1BDD}"/>
+              </a:ext>
+            </a:extLst>
+          </p:cNvPr>
+          <p:cNvSpPr>
+            <a:spLocks noGrp="1"/>
+          </p:cNvSpPr>
+          <p:nvPr>
+            <p:ph type="body" idx="1"/>
+          </p:nvPr>
+        </p:nvSpPr>
+        <p:spPr>
+          <a:xfrm>
+            <a:off x="5974544" y="5345997"/>
+            <a:ext cx="8939784" cy="457200"/>
+          </a:xfrm>
+        </p:spPr>
+        <p:txBody>
+          <a:bodyPr>
+            <a:normAutofit/>
+          </a:bodyPr>
+          <a:lstStyle/>
+          <a:p>
+            <a:r>
+              <a:rPr lang="pt-PT" sz="1000" b="1" dirty="0">
+                <a:solidFill>
+                  <a:schemeClr val="bg1"/>
+                </a:solidFill>
+              </a:rPr>
+              <a:t>Hypothesis 1</a:t>
+            </a:r>
+          </a:p>
+        </p:txBody>
+      </p:sp>
+    </p:spTree>
+    <p:extLst>
+      <p:ext uri="{BB962C8B-B14F-4D97-AF65-F5344CB8AC3E}">
+        <p14:creationId xmlns:p14="http://schemas.microsoft.com/office/powerpoint/2010/main" val="839735757"/>
+      </p:ext>
+    </p:extLst>
+  </p:cSld>
+  <p:clrMapOvr>
+    <a:masterClrMapping/>
+  </p:clrMapOvr>
+</p:sld>
+</file>
+
+<file path=ppt/slides/slide13.xml><?xml version="1.0" encoding="utf-8"?>
+<p:sld xmlns:a="http://schemas.openxmlformats.org/drawingml/2006/main" xmlns:r="http://schemas.openxmlformats.org/officeDocument/2006/relationships" xmlns:p="http://schemas.openxmlformats.org/presentationml/2006/main">
+  <p:cSld>
+    <p:spTree>
+      <p:nvGrpSpPr>
+        <p:cNvPr id="1" name=""/>
+        <p:cNvGrpSpPr/>
+        <p:nvPr/>
+      </p:nvGrpSpPr>
+      <p:grpSpPr>
+        <a:xfrm>
+          <a:off x="0" y="0"/>
+          <a:ext cx="0" cy="0"/>
+          <a:chOff x="0" y="0"/>
+          <a:chExt cx="0" cy="0"/>
+        </a:xfrm>
+      </p:grpSpPr>
+      <p:sp>
+        <p:nvSpPr>
+          <p:cNvPr id="2" name="Title 1">
+            <a:extLst>
+              <a:ext uri="{FF2B5EF4-FFF2-40B4-BE49-F238E27FC236}">
+                <a16:creationId xmlns:a16="http://schemas.microsoft.com/office/drawing/2014/main" id="{0B359917-7591-2FC5-44C1-F5EBA05CEE19}"/>
+              </a:ext>
+            </a:extLst>
+          </p:cNvPr>
+          <p:cNvSpPr>
+            <a:spLocks noGrp="1"/>
+          </p:cNvSpPr>
+          <p:nvPr>
+            <p:ph type="title"/>
+          </p:nvPr>
+        </p:nvSpPr>
+        <p:spPr/>
+        <p:txBody>
+          <a:bodyPr>
+            <a:normAutofit/>
+          </a:bodyPr>
+          <a:lstStyle/>
+          <a:p>
+            <a:r>
+              <a:rPr lang="pt-PT" sz="4400" b="1" dirty="0">
+                <a:solidFill>
+                  <a:schemeClr val="bg1"/>
+                </a:solidFill>
+              </a:rPr>
+              <a:t>Do the top 5 districts have a higher re-ignition rate?</a:t>
+            </a:r>
+          </a:p>
+        </p:txBody>
+      </p:sp>
+      <p:sp>
+        <p:nvSpPr>
+          <p:cNvPr id="3" name="Text Placeholder 2">
+            <a:extLst>
+              <a:ext uri="{FF2B5EF4-FFF2-40B4-BE49-F238E27FC236}">
+                <a16:creationId xmlns:a16="http://schemas.microsoft.com/office/drawing/2014/main" id="{D3920C8D-B001-8C9D-84C5-495B930B1BDD}"/>
+              </a:ext>
+            </a:extLst>
+          </p:cNvPr>
+          <p:cNvSpPr>
+            <a:spLocks noGrp="1"/>
+          </p:cNvSpPr>
+          <p:nvPr>
+            <p:ph type="body" idx="1"/>
+          </p:nvPr>
+        </p:nvSpPr>
+        <p:spPr>
+          <a:xfrm>
+            <a:off x="5946715" y="5334069"/>
+            <a:ext cx="8939784" cy="457200"/>
+          </a:xfrm>
+        </p:spPr>
+        <p:txBody>
+          <a:bodyPr>
+            <a:normAutofit/>
+          </a:bodyPr>
+          <a:lstStyle/>
+          <a:p>
+            <a:r>
+              <a:rPr lang="pt-PT" sz="1000" b="1" dirty="0">
+                <a:solidFill>
+                  <a:schemeClr val="bg1"/>
+                </a:solidFill>
+              </a:rPr>
+              <a:t>Hypothesis 2</a:t>
+            </a:r>
+          </a:p>
+        </p:txBody>
+      </p:sp>
+    </p:spTree>
+    <p:extLst>
+      <p:ext uri="{BB962C8B-B14F-4D97-AF65-F5344CB8AC3E}">
+        <p14:creationId xmlns:p14="http://schemas.microsoft.com/office/powerpoint/2010/main" val="1695507025"/>
+      </p:ext>
+    </p:extLst>
+  </p:cSld>
+  <p:clrMapOvr>
+    <a:masterClrMapping/>
+  </p:clrMapOvr>
+</p:sld>
+</file>
+
+<file path=ppt/slides/slide14.xml><?xml version="1.0" encoding="utf-8"?>
+<p:sld xmlns:a="http://schemas.openxmlformats.org/drawingml/2006/main" xmlns:r="http://schemas.openxmlformats.org/officeDocument/2006/relationships" xmlns:p="http://schemas.openxmlformats.org/presentationml/2006/main">
+  <p:cSld>
+    <p:spTree>
+      <p:nvGrpSpPr>
+        <p:cNvPr id="1" name=""/>
+        <p:cNvGrpSpPr/>
+        <p:nvPr/>
+      </p:nvGrpSpPr>
+      <p:grpSpPr>
+        <a:xfrm>
+          <a:off x="0" y="0"/>
+          <a:ext cx="0" cy="0"/>
+          <a:chOff x="0" y="0"/>
+          <a:chExt cx="0" cy="0"/>
+        </a:xfrm>
+      </p:grpSpPr>
       <p:sp>
         <p:nvSpPr>
           <p:cNvPr id="2" name="Title 1">
@@ -6459,9 +7519,18 @@
 </p:sld>
 </file>
 
-<file path=ppt/slides/slide11.xml><?xml version="1.0" encoding="utf-8"?>
+<file path=ppt/slides/slide15.xml><?xml version="1.0" encoding="utf-8"?>
 <p:sld xmlns:a="http://schemas.openxmlformats.org/drawingml/2006/main" xmlns:r="http://schemas.openxmlformats.org/officeDocument/2006/relationships" xmlns:p="http://schemas.openxmlformats.org/presentationml/2006/main">
   <p:cSld>
+    <p:bg>
+      <p:bgPr>
+        <a:blipFill>
+          <a:blip r:embed="rId3"/>
+          <a:tile tx="0" ty="0" sx="100000" sy="100000" flip="none" algn="tl"/>
+        </a:blipFill>
+        <a:effectLst/>
+      </p:bgPr>
+    </p:bg>
     <p:spTree>
       <p:nvGrpSpPr>
         <p:cNvPr id="1" name=""/>
@@ -6577,13 +7646,13 @@
             <p:nvPr/>
           </p:nvPicPr>
           <p:blipFill>
-            <a:blip r:embed="rId3">
+            <a:blip r:embed="rId4">
               <a:extLst>
                 <a:ext uri="{28A0092B-C50C-407E-A947-70E740481C1C}">
                   <a14:useLocalDpi xmlns:a14="http://schemas.microsoft.com/office/drawing/2010/main" val="0"/>
                 </a:ext>
                 <a:ext uri="{96DAC541-7B7A-43D3-8B79-37D633B846F1}">
-                  <asvg:svgBlip xmlns:asvg="http://schemas.microsoft.com/office/drawing/2016/SVG/main" r:embed="rId4"/>
+                  <asvg:svgBlip xmlns:asvg="http://schemas.microsoft.com/office/drawing/2016/SVG/main" r:embed="rId5"/>
                 </a:ext>
               </a:extLst>
             </a:blip>
@@ -6700,13 +7769,13 @@
               <p:nvPr/>
             </p:nvPicPr>
             <p:blipFill>
-              <a:blip r:embed="rId5">
+              <a:blip r:embed="rId6">
                 <a:extLst>
                   <a:ext uri="{28A0092B-C50C-407E-A947-70E740481C1C}">
                     <a14:useLocalDpi xmlns:a14="http://schemas.microsoft.com/office/drawing/2010/main" val="0"/>
                   </a:ext>
                   <a:ext uri="{96DAC541-7B7A-43D3-8B79-37D633B846F1}">
-                    <asvg:svgBlip xmlns:asvg="http://schemas.microsoft.com/office/drawing/2016/SVG/main" r:embed="rId6"/>
+                    <asvg:svgBlip xmlns:asvg="http://schemas.microsoft.com/office/drawing/2016/SVG/main" r:embed="rId7"/>
                   </a:ext>
                 </a:extLst>
               </a:blip>
@@ -6739,13 +7808,13 @@
               <p:nvPr/>
             </p:nvPicPr>
             <p:blipFill>
-              <a:blip r:embed="rId7">
+              <a:blip r:embed="rId8">
                 <a:extLst>
                   <a:ext uri="{28A0092B-C50C-407E-A947-70E740481C1C}">
                     <a14:useLocalDpi xmlns:a14="http://schemas.microsoft.com/office/drawing/2010/main" val="0"/>
                   </a:ext>
                   <a:ext uri="{96DAC541-7B7A-43D3-8B79-37D633B846F1}">
-                    <asvg:svgBlip xmlns:asvg="http://schemas.microsoft.com/office/drawing/2016/SVG/main" r:embed="rId8"/>
+                    <asvg:svgBlip xmlns:asvg="http://schemas.microsoft.com/office/drawing/2016/SVG/main" r:embed="rId9"/>
                   </a:ext>
                 </a:extLst>
               </a:blip>
@@ -6778,13 +7847,13 @@
               <p:nvPr/>
             </p:nvPicPr>
             <p:blipFill>
-              <a:blip r:embed="rId9">
+              <a:blip r:embed="rId10">
                 <a:extLst>
                   <a:ext uri="{28A0092B-C50C-407E-A947-70E740481C1C}">
                     <a14:useLocalDpi xmlns:a14="http://schemas.microsoft.com/office/drawing/2010/main" val="0"/>
                   </a:ext>
                   <a:ext uri="{96DAC541-7B7A-43D3-8B79-37D633B846F1}">
-                    <asvg:svgBlip xmlns:asvg="http://schemas.microsoft.com/office/drawing/2016/SVG/main" r:embed="rId10"/>
+                    <asvg:svgBlip xmlns:asvg="http://schemas.microsoft.com/office/drawing/2016/SVG/main" r:embed="rId11"/>
                   </a:ext>
                 </a:extLst>
               </a:blip>
@@ -6874,13 +7943,13 @@
             <p:nvPr/>
           </p:nvPicPr>
           <p:blipFill>
-            <a:blip r:embed="rId11">
+            <a:blip r:embed="rId12">
               <a:extLst>
                 <a:ext uri="{28A0092B-C50C-407E-A947-70E740481C1C}">
                   <a14:useLocalDpi xmlns:a14="http://schemas.microsoft.com/office/drawing/2010/main" val="0"/>
                 </a:ext>
                 <a:ext uri="{96DAC541-7B7A-43D3-8B79-37D633B846F1}">
-                  <asvg:svgBlip xmlns:asvg="http://schemas.microsoft.com/office/drawing/2016/SVG/main" r:embed="rId12"/>
+                  <asvg:svgBlip xmlns:asvg="http://schemas.microsoft.com/office/drawing/2016/SVG/main" r:embed="rId13"/>
                 </a:ext>
               </a:extLst>
             </a:blip>
@@ -7239,9 +8308,17 @@
 </p:sld>
 </file>
 
-<file path=ppt/slides/slide12.xml><?xml version="1.0" encoding="utf-8"?>
+<file path=ppt/slides/slide16.xml><?xml version="1.0" encoding="utf-8"?>
 <p:sld xmlns:a="http://schemas.openxmlformats.org/drawingml/2006/main" xmlns:r="http://schemas.openxmlformats.org/officeDocument/2006/relationships" xmlns:p="http://schemas.openxmlformats.org/presentationml/2006/main">
   <p:cSld>
+    <p:bg>
+      <p:bgPr>
+        <a:solidFill>
+          <a:schemeClr val="bg1"/>
+        </a:solidFill>
+        <a:effectLst/>
+      </p:bgPr>
+    </p:bg>
     <p:spTree>
       <p:nvGrpSpPr>
         <p:cNvPr id="1" name=""/>
@@ -7328,62 +8405,29 @@
         </p:nvSpPr>
         <p:spPr>
           <a:xfrm>
-            <a:off x="8458200" y="1652985"/>
-            <a:ext cx="3161963" cy="3606800"/>
+            <a:off x="8458200" y="1474695"/>
+            <a:ext cx="3161963" cy="4067479"/>
           </a:xfrm>
         </p:spPr>
         <p:txBody>
           <a:bodyPr>
-            <a:normAutofit fontScale="92500" lnSpcReduction="20000"/>
+            <a:normAutofit/>
           </a:bodyPr>
           <a:lstStyle/>
           <a:p>
             <a:r>
               <a:rPr lang="pt-PT" dirty="0"/>
-              <a:t>Since 2013 the observed weather in the day of the fire is recorded into a dataset.</a:t>
-            </a:r>
-          </a:p>
-          <a:p>
-            <a:r>
-              <a:rPr lang="pt-PT" dirty="0"/>
               <a:t>The original data can’t be used without real cleaning, if a model is built arround this data it will completly skew the reality.</a:t>
             </a:r>
+          </a:p>
+          <a:p>
+            <a:endParaRPr lang="pt-PT" dirty="0"/>
           </a:p>
           <a:p>
             <a:r>
               <a:rPr lang="pt-PT" dirty="0"/>
               <a:t>The data input is for sure one of the things that should be improved since the impact is big on everything from simple plots to prediction models.</a:t>
             </a:r>
-          </a:p>
-        </p:txBody>
-      </p:sp>
-      <p:sp>
-        <p:nvSpPr>
-          <p:cNvPr id="5" name="Date Placeholder 4">
-            <a:extLst>
-              <a:ext uri="{FF2B5EF4-FFF2-40B4-BE49-F238E27FC236}">
-                <a16:creationId xmlns:a16="http://schemas.microsoft.com/office/drawing/2014/main" id="{645134A2-A23C-1241-D2F5-FDF19D0EC273}"/>
-              </a:ext>
-            </a:extLst>
-          </p:cNvPr>
-          <p:cNvSpPr>
-            <a:spLocks noGrp="1"/>
-          </p:cNvSpPr>
-          <p:nvPr>
-            <p:ph type="dt" sz="half" idx="10"/>
-          </p:nvPr>
-        </p:nvSpPr>
-        <p:spPr/>
-        <p:txBody>
-          <a:bodyPr/>
-          <a:lstStyle/>
-          <a:p>
-            <a:pPr rtl="0"/>
-            <a:fld id="{5A1928F9-0DBA-496E-A54E-8F6506DE8A22}" type="datetime1">
-              <a:rPr lang="en-US" smtClean="0"/>
-              <a:t>10/5/2022</a:t>
-            </a:fld>
-            <a:endParaRPr lang="en-US"/>
           </a:p>
         </p:txBody>
       </p:sp>
@@ -7539,10 +8583,273 @@
   <p:clrMapOvr>
     <a:masterClrMapping/>
   </p:clrMapOvr>
+  <p:timing>
+    <p:tnLst>
+      <p:par>
+        <p:cTn id="1" dur="indefinite" restart="never" nodeType="tmRoot">
+          <p:childTnLst>
+            <p:seq concurrent="1" nextAc="seek">
+              <p:cTn id="2" dur="indefinite" nodeType="mainSeq">
+                <p:childTnLst>
+                  <p:par>
+                    <p:cTn id="3" fill="hold">
+                      <p:stCondLst>
+                        <p:cond delay="indefinite"/>
+                      </p:stCondLst>
+                      <p:childTnLst>
+                        <p:par>
+                          <p:cTn id="4" fill="hold">
+                            <p:stCondLst>
+                              <p:cond delay="0"/>
+                            </p:stCondLst>
+                            <p:childTnLst>
+                              <p:par>
+                                <p:cTn id="5" presetID="42" presetClass="entr" presetSubtype="0" fill="hold" grpId="0" nodeType="clickEffect">
+                                  <p:stCondLst>
+                                    <p:cond delay="0"/>
+                                  </p:stCondLst>
+                                  <p:childTnLst>
+                                    <p:set>
+                                      <p:cBhvr>
+                                        <p:cTn id="6" dur="1" fill="hold">
+                                          <p:stCondLst>
+                                            <p:cond delay="0"/>
+                                          </p:stCondLst>
+                                        </p:cTn>
+                                        <p:tgtEl>
+                                          <p:spTgt spid="4">
+                                            <p:txEl>
+                                              <p:pRg st="0" end="0"/>
+                                            </p:txEl>
+                                          </p:spTgt>
+                                        </p:tgtEl>
+                                        <p:attrNameLst>
+                                          <p:attrName>style.visibility</p:attrName>
+                                        </p:attrNameLst>
+                                      </p:cBhvr>
+                                      <p:to>
+                                        <p:strVal val="visible"/>
+                                      </p:to>
+                                    </p:set>
+                                    <p:animEffect transition="in" filter="fade">
+                                      <p:cBhvr>
+                                        <p:cTn id="7" dur="1000"/>
+                                        <p:tgtEl>
+                                          <p:spTgt spid="4">
+                                            <p:txEl>
+                                              <p:pRg st="0" end="0"/>
+                                            </p:txEl>
+                                          </p:spTgt>
+                                        </p:tgtEl>
+                                      </p:cBhvr>
+                                    </p:animEffect>
+                                    <p:anim calcmode="lin" valueType="num">
+                                      <p:cBhvr>
+                                        <p:cTn id="8" dur="1000" fill="hold"/>
+                                        <p:tgtEl>
+                                          <p:spTgt spid="4">
+                                            <p:txEl>
+                                              <p:pRg st="0" end="0"/>
+                                            </p:txEl>
+                                          </p:spTgt>
+                                        </p:tgtEl>
+                                        <p:attrNameLst>
+                                          <p:attrName>ppt_x</p:attrName>
+                                        </p:attrNameLst>
+                                      </p:cBhvr>
+                                      <p:tavLst>
+                                        <p:tav tm="0">
+                                          <p:val>
+                                            <p:strVal val="#ppt_x"/>
+                                          </p:val>
+                                        </p:tav>
+                                        <p:tav tm="100000">
+                                          <p:val>
+                                            <p:strVal val="#ppt_x"/>
+                                          </p:val>
+                                        </p:tav>
+                                      </p:tavLst>
+                                    </p:anim>
+                                    <p:anim calcmode="lin" valueType="num">
+                                      <p:cBhvr>
+                                        <p:cTn id="9" dur="1000" fill="hold"/>
+                                        <p:tgtEl>
+                                          <p:spTgt spid="4">
+                                            <p:txEl>
+                                              <p:pRg st="0" end="0"/>
+                                            </p:txEl>
+                                          </p:spTgt>
+                                        </p:tgtEl>
+                                        <p:attrNameLst>
+                                          <p:attrName>ppt_y</p:attrName>
+                                        </p:attrNameLst>
+                                      </p:cBhvr>
+                                      <p:tavLst>
+                                        <p:tav tm="0">
+                                          <p:val>
+                                            <p:strVal val="#ppt_y+.1"/>
+                                          </p:val>
+                                        </p:tav>
+                                        <p:tav tm="100000">
+                                          <p:val>
+                                            <p:strVal val="#ppt_y"/>
+                                          </p:val>
+                                        </p:tav>
+                                      </p:tavLst>
+                                    </p:anim>
+                                  </p:childTnLst>
+                                </p:cTn>
+                              </p:par>
+                            </p:childTnLst>
+                          </p:cTn>
+                        </p:par>
+                      </p:childTnLst>
+                    </p:cTn>
+                  </p:par>
+                  <p:par>
+                    <p:cTn id="10" fill="hold">
+                      <p:stCondLst>
+                        <p:cond delay="indefinite"/>
+                      </p:stCondLst>
+                      <p:childTnLst>
+                        <p:par>
+                          <p:cTn id="11" fill="hold">
+                            <p:stCondLst>
+                              <p:cond delay="0"/>
+                            </p:stCondLst>
+                            <p:childTnLst>
+                              <p:par>
+                                <p:cTn id="12" presetID="42" presetClass="entr" presetSubtype="0" fill="hold" grpId="0" nodeType="clickEffect">
+                                  <p:stCondLst>
+                                    <p:cond delay="0"/>
+                                  </p:stCondLst>
+                                  <p:childTnLst>
+                                    <p:set>
+                                      <p:cBhvr>
+                                        <p:cTn id="13" dur="1" fill="hold">
+                                          <p:stCondLst>
+                                            <p:cond delay="0"/>
+                                          </p:stCondLst>
+                                        </p:cTn>
+                                        <p:tgtEl>
+                                          <p:spTgt spid="4">
+                                            <p:txEl>
+                                              <p:pRg st="2" end="2"/>
+                                            </p:txEl>
+                                          </p:spTgt>
+                                        </p:tgtEl>
+                                        <p:attrNameLst>
+                                          <p:attrName>style.visibility</p:attrName>
+                                        </p:attrNameLst>
+                                      </p:cBhvr>
+                                      <p:to>
+                                        <p:strVal val="visible"/>
+                                      </p:to>
+                                    </p:set>
+                                    <p:animEffect transition="in" filter="fade">
+                                      <p:cBhvr>
+                                        <p:cTn id="14" dur="1000"/>
+                                        <p:tgtEl>
+                                          <p:spTgt spid="4">
+                                            <p:txEl>
+                                              <p:pRg st="2" end="2"/>
+                                            </p:txEl>
+                                          </p:spTgt>
+                                        </p:tgtEl>
+                                      </p:cBhvr>
+                                    </p:animEffect>
+                                    <p:anim calcmode="lin" valueType="num">
+                                      <p:cBhvr>
+                                        <p:cTn id="15" dur="1000" fill="hold"/>
+                                        <p:tgtEl>
+                                          <p:spTgt spid="4">
+                                            <p:txEl>
+                                              <p:pRg st="2" end="2"/>
+                                            </p:txEl>
+                                          </p:spTgt>
+                                        </p:tgtEl>
+                                        <p:attrNameLst>
+                                          <p:attrName>ppt_x</p:attrName>
+                                        </p:attrNameLst>
+                                      </p:cBhvr>
+                                      <p:tavLst>
+                                        <p:tav tm="0">
+                                          <p:val>
+                                            <p:strVal val="#ppt_x"/>
+                                          </p:val>
+                                        </p:tav>
+                                        <p:tav tm="100000">
+                                          <p:val>
+                                            <p:strVal val="#ppt_x"/>
+                                          </p:val>
+                                        </p:tav>
+                                      </p:tavLst>
+                                    </p:anim>
+                                    <p:anim calcmode="lin" valueType="num">
+                                      <p:cBhvr>
+                                        <p:cTn id="16" dur="1000" fill="hold"/>
+                                        <p:tgtEl>
+                                          <p:spTgt spid="4">
+                                            <p:txEl>
+                                              <p:pRg st="2" end="2"/>
+                                            </p:txEl>
+                                          </p:spTgt>
+                                        </p:tgtEl>
+                                        <p:attrNameLst>
+                                          <p:attrName>ppt_y</p:attrName>
+                                        </p:attrNameLst>
+                                      </p:cBhvr>
+                                      <p:tavLst>
+                                        <p:tav tm="0">
+                                          <p:val>
+                                            <p:strVal val="#ppt_y+.1"/>
+                                          </p:val>
+                                        </p:tav>
+                                        <p:tav tm="100000">
+                                          <p:val>
+                                            <p:strVal val="#ppt_y"/>
+                                          </p:val>
+                                        </p:tav>
+                                      </p:tavLst>
+                                    </p:anim>
+                                  </p:childTnLst>
+                                </p:cTn>
+                              </p:par>
+                            </p:childTnLst>
+                          </p:cTn>
+                        </p:par>
+                      </p:childTnLst>
+                    </p:cTn>
+                  </p:par>
+                </p:childTnLst>
+              </p:cTn>
+              <p:prevCondLst>
+                <p:cond evt="onPrev" delay="0">
+                  <p:tgtEl>
+                    <p:sldTgt/>
+                  </p:tgtEl>
+                </p:cond>
+              </p:prevCondLst>
+              <p:nextCondLst>
+                <p:cond evt="onNext" delay="0">
+                  <p:tgtEl>
+                    <p:sldTgt/>
+                  </p:tgtEl>
+                </p:cond>
+              </p:nextCondLst>
+            </p:seq>
+          </p:childTnLst>
+        </p:cTn>
+      </p:par>
+    </p:tnLst>
+    <p:bldLst>
+      <p:bldP spid="4" grpId="0" build="p"/>
+    </p:bldLst>
+  </p:timing>
 </p:sld>
 </file>
 
-<file path=ppt/slides/slide13.xml><?xml version="1.0" encoding="utf-8"?>
+<file path=ppt/slides/slide17.xml><?xml version="1.0" encoding="utf-8"?>
 <p:sld xmlns:a="http://schemas.openxmlformats.org/drawingml/2006/main" xmlns:r="http://schemas.openxmlformats.org/officeDocument/2006/relationships" xmlns:p="http://schemas.openxmlformats.org/presentationml/2006/main">
   <p:cSld>
     <p:spTree>
@@ -7606,15 +8913,9 @@
         <p:spPr/>
         <p:txBody>
           <a:bodyPr>
-            <a:normAutofit fontScale="92500" lnSpcReduction="10000"/>
+            <a:normAutofit lnSpcReduction="10000"/>
           </a:bodyPr>
           <a:lstStyle/>
-          <a:p>
-            <a:r>
-              <a:rPr lang="pt-PT" sz="3200" dirty="0"/>
-              <a:t>Data inputs have to improve.</a:t>
-            </a:r>
-          </a:p>
           <a:p>
             <a:r>
               <a:rPr lang="pt-PT" sz="3200" dirty="0"/>
@@ -7648,7 +8949,69 @@
 </p:sld>
 </file>
 
-<file path=ppt/slides/slide14.xml><?xml version="1.0" encoding="utf-8"?>
+<file path=ppt/slides/slide18.xml><?xml version="1.0" encoding="utf-8"?>
+<p:sld xmlns:a="http://schemas.openxmlformats.org/drawingml/2006/main" xmlns:r="http://schemas.openxmlformats.org/officeDocument/2006/relationships" xmlns:p="http://schemas.openxmlformats.org/presentationml/2006/main">
+  <p:cSld>
+    <p:spTree>
+      <p:nvGrpSpPr>
+        <p:cNvPr id="1" name=""/>
+        <p:cNvGrpSpPr/>
+        <p:nvPr/>
+      </p:nvGrpSpPr>
+      <p:grpSpPr>
+        <a:xfrm>
+          <a:off x="0" y="0"/>
+          <a:ext cx="0" cy="0"/>
+          <a:chOff x="0" y="0"/>
+          <a:chExt cx="0" cy="0"/>
+        </a:xfrm>
+      </p:grpSpPr>
+      <p:sp>
+        <p:nvSpPr>
+          <p:cNvPr id="2" name="Title 1">
+            <a:extLst>
+              <a:ext uri="{FF2B5EF4-FFF2-40B4-BE49-F238E27FC236}">
+                <a16:creationId xmlns:a16="http://schemas.microsoft.com/office/drawing/2014/main" id="{7AE590BB-0F54-1DDF-007C-F5EA0F2AD25C}"/>
+              </a:ext>
+            </a:extLst>
+          </p:cNvPr>
+          <p:cNvSpPr>
+            <a:spLocks noGrp="1"/>
+          </p:cNvSpPr>
+          <p:nvPr>
+            <p:ph type="title"/>
+          </p:nvPr>
+        </p:nvSpPr>
+        <p:spPr/>
+        <p:txBody>
+          <a:bodyPr/>
+          <a:lstStyle/>
+          <a:p>
+            <a:r>
+              <a:rPr lang="pt-PT" b="1" dirty="0">
+                <a:solidFill>
+                  <a:schemeClr val="bg1"/>
+                </a:solidFill>
+              </a:rPr>
+              <a:t>What’s next?</a:t>
+            </a:r>
+          </a:p>
+        </p:txBody>
+      </p:sp>
+    </p:spTree>
+    <p:extLst>
+      <p:ext uri="{BB962C8B-B14F-4D97-AF65-F5344CB8AC3E}">
+        <p14:creationId xmlns:p14="http://schemas.microsoft.com/office/powerpoint/2010/main" val="2757830129"/>
+      </p:ext>
+    </p:extLst>
+  </p:cSld>
+  <p:clrMapOvr>
+    <a:masterClrMapping/>
+  </p:clrMapOvr>
+</p:sld>
+</file>
+
+<file path=ppt/slides/slide19.xml><?xml version="1.0" encoding="utf-8"?>
 <p:sld xmlns:a="http://schemas.openxmlformats.org/drawingml/2006/main" xmlns:r="http://schemas.openxmlformats.org/officeDocument/2006/relationships" xmlns:p="http://schemas.openxmlformats.org/presentationml/2006/main">
   <p:cSld>
     <p:bg>
@@ -7895,356 +9258,6 @@
 </p:sld>
 </file>
 
-<file path=ppt/slides/slide15.xml><?xml version="1.0" encoding="utf-8"?>
-<p:sld xmlns:a="http://schemas.openxmlformats.org/drawingml/2006/main" xmlns:r="http://schemas.openxmlformats.org/officeDocument/2006/relationships" xmlns:p="http://schemas.openxmlformats.org/presentationml/2006/main">
-  <p:cSld>
-    <p:spTree>
-      <p:nvGrpSpPr>
-        <p:cNvPr id="1" name=""/>
-        <p:cNvGrpSpPr/>
-        <p:nvPr/>
-      </p:nvGrpSpPr>
-      <p:grpSpPr>
-        <a:xfrm>
-          <a:off x="0" y="0"/>
-          <a:ext cx="0" cy="0"/>
-          <a:chOff x="0" y="0"/>
-          <a:chExt cx="0" cy="0"/>
-        </a:xfrm>
-      </p:grpSpPr>
-      <p:sp>
-        <p:nvSpPr>
-          <p:cNvPr id="2" name="Title 1">
-            <a:extLst>
-              <a:ext uri="{FF2B5EF4-FFF2-40B4-BE49-F238E27FC236}">
-                <a16:creationId xmlns:a16="http://schemas.microsoft.com/office/drawing/2014/main" id="{FA57DE4E-8E75-CE8D-A104-DC8C8A57485B}"/>
-              </a:ext>
-            </a:extLst>
-          </p:cNvPr>
-          <p:cNvSpPr>
-            <a:spLocks noGrp="1"/>
-          </p:cNvSpPr>
-          <p:nvPr>
-            <p:ph type="title"/>
-          </p:nvPr>
-        </p:nvSpPr>
-        <p:spPr/>
-        <p:txBody>
-          <a:bodyPr/>
-          <a:lstStyle/>
-          <a:p>
-            <a:r>
-              <a:rPr lang="pt-PT" dirty="0"/>
-              <a:t>Sources</a:t>
-            </a:r>
-          </a:p>
-        </p:txBody>
-      </p:sp>
-      <p:sp>
-        <p:nvSpPr>
-          <p:cNvPr id="3" name="Content Placeholder 2">
-            <a:extLst>
-              <a:ext uri="{FF2B5EF4-FFF2-40B4-BE49-F238E27FC236}">
-                <a16:creationId xmlns:a16="http://schemas.microsoft.com/office/drawing/2014/main" id="{1625B707-6170-EBC3-B054-50F91234FD97}"/>
-              </a:ext>
-            </a:extLst>
-          </p:cNvPr>
-          <p:cNvSpPr>
-            <a:spLocks noGrp="1"/>
-          </p:cNvSpPr>
-          <p:nvPr>
-            <p:ph idx="1"/>
-          </p:nvPr>
-        </p:nvSpPr>
-        <p:spPr/>
-        <p:txBody>
-          <a:bodyPr/>
-          <a:lstStyle/>
-          <a:p>
-            <a:endParaRPr lang="pt-PT" b="1" i="0" u="none" strike="noStrike" dirty="0">
-              <a:solidFill>
-                <a:srgbClr val="191919"/>
-              </a:solidFill>
-              <a:effectLst/>
-              <a:latin typeface="+mj-lt"/>
-            </a:endParaRPr>
-          </a:p>
-          <a:p>
-            <a:endParaRPr lang="pt-PT" b="1" dirty="0">
-              <a:solidFill>
-                <a:srgbClr val="191919"/>
-              </a:solidFill>
-              <a:latin typeface="+mj-lt"/>
-            </a:endParaRPr>
-          </a:p>
-          <a:p>
-            <a:r>
-              <a:rPr lang="pt-PT" b="1" i="0" u="none" strike="noStrike" dirty="0">
-                <a:solidFill>
-                  <a:srgbClr val="191919"/>
-                </a:solidFill>
-                <a:effectLst/>
-                <a:latin typeface="+mj-lt"/>
-              </a:rPr>
-              <a:t>Nuzulul Khairu Nissa, </a:t>
-            </a:r>
-            <a:r>
-              <a:rPr lang="en-US" b="1" i="0" dirty="0">
-                <a:solidFill>
-                  <a:srgbClr val="292929"/>
-                </a:solidFill>
-                <a:effectLst/>
-                <a:latin typeface="+mj-lt"/>
-              </a:rPr>
-              <a:t>The Experiment of Forest Fires Prediction using Deep Learning </a:t>
-            </a:r>
-            <a:r>
-              <a:rPr lang="en-US" i="0" dirty="0">
-                <a:solidFill>
-                  <a:srgbClr val="292929"/>
-                </a:solidFill>
-                <a:effectLst/>
-                <a:latin typeface="+mj-lt"/>
-              </a:rPr>
-              <a:t>-</a:t>
-            </a:r>
-            <a:r>
-              <a:rPr lang="pt-PT" dirty="0">
-                <a:solidFill>
-                  <a:srgbClr val="191919"/>
-                </a:solidFill>
-                <a:latin typeface="+mj-lt"/>
-              </a:rPr>
-              <a:t>h</a:t>
-            </a:r>
-            <a:r>
-              <a:rPr lang="pt-PT" dirty="0">
-                <a:latin typeface="+mj-lt"/>
-              </a:rPr>
-              <a:t>ttps://medium.com/mlearning-ai/the-experiment-of-forest-fires-prediction-using-deep-learning-d537e8c8e3a2</a:t>
-            </a:r>
-          </a:p>
-          <a:p>
-            <a:r>
-              <a:rPr lang="en-US" b="1" i="0" dirty="0">
-                <a:effectLst/>
-                <a:latin typeface="+mj-lt"/>
-              </a:rPr>
-              <a:t>Fire Weather Index (FWI) System</a:t>
-            </a:r>
-            <a:r>
-              <a:rPr lang="pt-PT" b="1" i="0" dirty="0">
-                <a:effectLst/>
-                <a:latin typeface="+mj-lt"/>
-              </a:rPr>
-              <a:t> </a:t>
-            </a:r>
-            <a:r>
-              <a:rPr lang="pt-PT" i="0" dirty="0">
-                <a:effectLst/>
-                <a:latin typeface="+mj-lt"/>
-              </a:rPr>
-              <a:t>- https://www.nwcg.gov/publications/pms437/cffdrs/fire-weather-index-system</a:t>
-            </a:r>
-          </a:p>
-          <a:p>
-            <a:r>
-              <a:rPr lang="pt-PT" b="1" dirty="0">
-                <a:latin typeface="+mj-lt"/>
-              </a:rPr>
-              <a:t>Jorge Miguel Gomes, </a:t>
-            </a:r>
-            <a:r>
-              <a:rPr lang="en-US" b="1" dirty="0">
-                <a:latin typeface="+mj-lt"/>
-              </a:rPr>
-              <a:t>A repository for ICNF data </a:t>
-            </a:r>
-            <a:r>
-              <a:rPr lang="en-US" dirty="0">
-                <a:latin typeface="+mj-lt"/>
-              </a:rPr>
-              <a:t>- https://github.com/vostpt/ICNF_DATA</a:t>
-            </a:r>
-          </a:p>
-          <a:p>
-            <a:r>
-              <a:rPr lang="en-US" b="1" dirty="0">
-                <a:latin typeface="+mj-lt"/>
-              </a:rPr>
-              <a:t>Paulo Cortez &amp; Anibal </a:t>
-            </a:r>
-            <a:r>
-              <a:rPr lang="en-US" b="1" dirty="0" err="1">
-                <a:latin typeface="+mj-lt"/>
-              </a:rPr>
-              <a:t>Morais</a:t>
-            </a:r>
-            <a:r>
-              <a:rPr lang="en-US" dirty="0">
-                <a:latin typeface="+mj-lt"/>
-              </a:rPr>
-              <a:t>, </a:t>
-            </a:r>
-            <a:r>
-              <a:rPr lang="en-US" i="0" dirty="0">
-                <a:solidFill>
-                  <a:srgbClr val="000000"/>
-                </a:solidFill>
-                <a:effectLst/>
-                <a:latin typeface="+mj-lt"/>
-              </a:rPr>
-              <a:t>A Data Mining Approach to Predict Forest Fires using Meteorological Data</a:t>
-            </a:r>
-            <a:r>
-              <a:rPr lang="en-US" dirty="0">
-                <a:latin typeface="+mj-lt"/>
-              </a:rPr>
-              <a:t> </a:t>
-            </a:r>
-          </a:p>
-          <a:p>
-            <a:r>
-              <a:rPr lang="en-US" b="1" dirty="0">
-                <a:latin typeface="+mj-lt"/>
-              </a:rPr>
-              <a:t>Joana da Fonseca Valente</a:t>
-            </a:r>
-            <a:r>
-              <a:rPr lang="en-US" dirty="0">
-                <a:latin typeface="+mj-lt"/>
-              </a:rPr>
-              <a:t>, </a:t>
-            </a:r>
-            <a:r>
-              <a:rPr lang="en-US" dirty="0" err="1">
-                <a:latin typeface="+mj-lt"/>
-              </a:rPr>
-              <a:t>Modelação</a:t>
-            </a:r>
-            <a:r>
-              <a:rPr lang="en-US" dirty="0">
-                <a:latin typeface="+mj-lt"/>
-              </a:rPr>
-              <a:t> do </a:t>
-            </a:r>
-            <a:r>
-              <a:rPr lang="en-US" dirty="0" err="1">
-                <a:latin typeface="+mj-lt"/>
-              </a:rPr>
-              <a:t>fogo</a:t>
-            </a:r>
-            <a:r>
-              <a:rPr lang="en-US" dirty="0">
-                <a:latin typeface="+mj-lt"/>
-              </a:rPr>
-              <a:t> </a:t>
-            </a:r>
-            <a:r>
-              <a:rPr lang="en-US" dirty="0" err="1">
-                <a:latin typeface="+mj-lt"/>
-              </a:rPr>
-              <a:t>florestal</a:t>
-            </a:r>
-            <a:r>
-              <a:rPr lang="en-US" dirty="0">
-                <a:latin typeface="+mj-lt"/>
-              </a:rPr>
-              <a:t> e </a:t>
-            </a:r>
-            <a:r>
-              <a:rPr lang="en-US" dirty="0" err="1">
-                <a:latin typeface="+mj-lt"/>
-              </a:rPr>
-              <a:t>os</a:t>
-            </a:r>
-            <a:r>
-              <a:rPr lang="en-US" dirty="0">
-                <a:latin typeface="+mj-lt"/>
-              </a:rPr>
-              <a:t> </a:t>
-            </a:r>
-            <a:r>
-              <a:rPr lang="en-US" dirty="0" err="1">
-                <a:latin typeface="+mj-lt"/>
-              </a:rPr>
-              <a:t>seus</a:t>
-            </a:r>
-            <a:r>
-              <a:rPr lang="en-US" dirty="0">
-                <a:latin typeface="+mj-lt"/>
-              </a:rPr>
-              <a:t> </a:t>
-            </a:r>
-            <a:r>
-              <a:rPr lang="en-US" dirty="0" err="1">
-                <a:latin typeface="+mj-lt"/>
-              </a:rPr>
-              <a:t>impactes</a:t>
-            </a:r>
-            <a:r>
-              <a:rPr lang="en-US" dirty="0">
-                <a:latin typeface="+mj-lt"/>
-              </a:rPr>
-              <a:t> </a:t>
-            </a:r>
-            <a:r>
-              <a:rPr lang="en-US" dirty="0" err="1">
-                <a:latin typeface="+mj-lt"/>
-              </a:rPr>
-              <a:t>na</a:t>
-            </a:r>
-            <a:r>
-              <a:rPr lang="en-US" dirty="0">
-                <a:latin typeface="+mj-lt"/>
-              </a:rPr>
-              <a:t> </a:t>
-            </a:r>
-            <a:r>
-              <a:rPr lang="en-US" dirty="0" err="1">
-                <a:latin typeface="+mj-lt"/>
-              </a:rPr>
-              <a:t>qualidade</a:t>
-            </a:r>
-            <a:r>
-              <a:rPr lang="en-US" dirty="0">
-                <a:latin typeface="+mj-lt"/>
-              </a:rPr>
-              <a:t> do ar.</a:t>
-            </a:r>
-          </a:p>
-          <a:p>
-            <a:pPr marL="0" indent="0">
-              <a:buNone/>
-            </a:pPr>
-            <a:br>
-              <a:rPr lang="en-US" dirty="0"/>
-            </a:br>
-            <a:endParaRPr lang="en-US" dirty="0">
-              <a:latin typeface="+mj-lt"/>
-            </a:endParaRPr>
-          </a:p>
-          <a:p>
-            <a:endParaRPr lang="en-US" i="0" dirty="0">
-              <a:effectLst/>
-              <a:latin typeface="+mj-lt"/>
-            </a:endParaRPr>
-          </a:p>
-        </p:txBody>
-      </p:sp>
-    </p:spTree>
-    <p:extLst>
-      <p:ext uri="{BB962C8B-B14F-4D97-AF65-F5344CB8AC3E}">
-        <p14:creationId xmlns:p14="http://schemas.microsoft.com/office/powerpoint/2010/main" val="2836752967"/>
-      </p:ext>
-    </p:extLst>
-  </p:cSld>
-  <p:clrMapOvr>
-    <a:masterClrMapping/>
-  </p:clrMapOvr>
-</p:sld>
-</file>
-
 <file path=ppt/slides/slide2.xml><?xml version="1.0" encoding="utf-8"?>
 <p:sld xmlns:a="http://schemas.openxmlformats.org/drawingml/2006/main" xmlns:r="http://schemas.openxmlformats.org/officeDocument/2006/relationships" xmlns:p="http://schemas.openxmlformats.org/presentationml/2006/main">
   <p:cSld>
@@ -8337,7 +9350,7 @@
                   <a:schemeClr val="bg1"/>
                 </a:solidFill>
               </a:rPr>
-              <a:t>Is it possible to predict the amount of burnt area from the available information and use it to optimize resources?</a:t>
+              <a:t>Is it possible to predict the amount of burnt area from the available data and use it to optimize resources?</a:t>
             </a:r>
           </a:p>
         </p:txBody>
@@ -8346,6 +9359,504 @@
     <p:extLst>
       <p:ext uri="{BB962C8B-B14F-4D97-AF65-F5344CB8AC3E}">
         <p14:creationId xmlns:p14="http://schemas.microsoft.com/office/powerpoint/2010/main" val="4088689254"/>
+      </p:ext>
+    </p:extLst>
+  </p:cSld>
+  <p:clrMapOvr>
+    <a:masterClrMapping/>
+  </p:clrMapOvr>
+  <p:timing>
+    <p:tnLst>
+      <p:par>
+        <p:cTn id="1" dur="indefinite" restart="never" nodeType="tmRoot">
+          <p:childTnLst>
+            <p:seq concurrent="1" nextAc="seek">
+              <p:cTn id="2" dur="indefinite" nodeType="mainSeq">
+                <p:childTnLst>
+                  <p:par>
+                    <p:cTn id="3" fill="hold">
+                      <p:stCondLst>
+                        <p:cond delay="indefinite"/>
+                      </p:stCondLst>
+                      <p:childTnLst>
+                        <p:par>
+                          <p:cTn id="4" fill="hold">
+                            <p:stCondLst>
+                              <p:cond delay="0"/>
+                            </p:stCondLst>
+                            <p:childTnLst>
+                              <p:par>
+                                <p:cTn id="5" presetID="42" presetClass="entr" presetSubtype="0" fill="hold" grpId="0" nodeType="clickEffect">
+                                  <p:stCondLst>
+                                    <p:cond delay="0"/>
+                                  </p:stCondLst>
+                                  <p:childTnLst>
+                                    <p:set>
+                                      <p:cBhvr>
+                                        <p:cTn id="6" dur="1" fill="hold">
+                                          <p:stCondLst>
+                                            <p:cond delay="0"/>
+                                          </p:stCondLst>
+                                        </p:cTn>
+                                        <p:tgtEl>
+                                          <p:spTgt spid="3">
+                                            <p:txEl>
+                                              <p:pRg st="3" end="3"/>
+                                            </p:txEl>
+                                          </p:spTgt>
+                                        </p:tgtEl>
+                                        <p:attrNameLst>
+                                          <p:attrName>style.visibility</p:attrName>
+                                        </p:attrNameLst>
+                                      </p:cBhvr>
+                                      <p:to>
+                                        <p:strVal val="visible"/>
+                                      </p:to>
+                                    </p:set>
+                                    <p:animEffect transition="in" filter="fade">
+                                      <p:cBhvr>
+                                        <p:cTn id="7" dur="1000"/>
+                                        <p:tgtEl>
+                                          <p:spTgt spid="3">
+                                            <p:txEl>
+                                              <p:pRg st="3" end="3"/>
+                                            </p:txEl>
+                                          </p:spTgt>
+                                        </p:tgtEl>
+                                      </p:cBhvr>
+                                    </p:animEffect>
+                                    <p:anim calcmode="lin" valueType="num">
+                                      <p:cBhvr>
+                                        <p:cTn id="8" dur="1000" fill="hold"/>
+                                        <p:tgtEl>
+                                          <p:spTgt spid="3">
+                                            <p:txEl>
+                                              <p:pRg st="3" end="3"/>
+                                            </p:txEl>
+                                          </p:spTgt>
+                                        </p:tgtEl>
+                                        <p:attrNameLst>
+                                          <p:attrName>ppt_x</p:attrName>
+                                        </p:attrNameLst>
+                                      </p:cBhvr>
+                                      <p:tavLst>
+                                        <p:tav tm="0">
+                                          <p:val>
+                                            <p:strVal val="#ppt_x"/>
+                                          </p:val>
+                                        </p:tav>
+                                        <p:tav tm="100000">
+                                          <p:val>
+                                            <p:strVal val="#ppt_x"/>
+                                          </p:val>
+                                        </p:tav>
+                                      </p:tavLst>
+                                    </p:anim>
+                                    <p:anim calcmode="lin" valueType="num">
+                                      <p:cBhvr>
+                                        <p:cTn id="9" dur="1000" fill="hold"/>
+                                        <p:tgtEl>
+                                          <p:spTgt spid="3">
+                                            <p:txEl>
+                                              <p:pRg st="3" end="3"/>
+                                            </p:txEl>
+                                          </p:spTgt>
+                                        </p:tgtEl>
+                                        <p:attrNameLst>
+                                          <p:attrName>ppt_y</p:attrName>
+                                        </p:attrNameLst>
+                                      </p:cBhvr>
+                                      <p:tavLst>
+                                        <p:tav tm="0">
+                                          <p:val>
+                                            <p:strVal val="#ppt_y+.1"/>
+                                          </p:val>
+                                        </p:tav>
+                                        <p:tav tm="100000">
+                                          <p:val>
+                                            <p:strVal val="#ppt_y"/>
+                                          </p:val>
+                                        </p:tav>
+                                      </p:tavLst>
+                                    </p:anim>
+                                  </p:childTnLst>
+                                </p:cTn>
+                              </p:par>
+                            </p:childTnLst>
+                          </p:cTn>
+                        </p:par>
+                      </p:childTnLst>
+                    </p:cTn>
+                  </p:par>
+                </p:childTnLst>
+              </p:cTn>
+              <p:prevCondLst>
+                <p:cond evt="onPrev" delay="0">
+                  <p:tgtEl>
+                    <p:sldTgt/>
+                  </p:tgtEl>
+                </p:cond>
+              </p:prevCondLst>
+              <p:nextCondLst>
+                <p:cond evt="onNext" delay="0">
+                  <p:tgtEl>
+                    <p:sldTgt/>
+                  </p:tgtEl>
+                </p:cond>
+              </p:nextCondLst>
+            </p:seq>
+          </p:childTnLst>
+        </p:cTn>
+      </p:par>
+    </p:tnLst>
+    <p:bldLst>
+      <p:bldP spid="3" grpId="0" build="p"/>
+    </p:bldLst>
+  </p:timing>
+</p:sld>
+</file>
+
+<file path=ppt/slides/slide20.xml><?xml version="1.0" encoding="utf-8"?>
+<p:sld xmlns:a="http://schemas.openxmlformats.org/drawingml/2006/main" xmlns:r="http://schemas.openxmlformats.org/officeDocument/2006/relationships" xmlns:p="http://schemas.openxmlformats.org/presentationml/2006/main">
+  <p:cSld>
+    <p:spTree>
+      <p:nvGrpSpPr>
+        <p:cNvPr id="1" name=""/>
+        <p:cNvGrpSpPr/>
+        <p:nvPr/>
+      </p:nvGrpSpPr>
+      <p:grpSpPr>
+        <a:xfrm>
+          <a:off x="0" y="0"/>
+          <a:ext cx="0" cy="0"/>
+          <a:chOff x="0" y="0"/>
+          <a:chExt cx="0" cy="0"/>
+        </a:xfrm>
+      </p:grpSpPr>
+      <p:sp>
+        <p:nvSpPr>
+          <p:cNvPr id="2" name="Title 1">
+            <a:extLst>
+              <a:ext uri="{FF2B5EF4-FFF2-40B4-BE49-F238E27FC236}">
+                <a16:creationId xmlns:a16="http://schemas.microsoft.com/office/drawing/2014/main" id="{FA57DE4E-8E75-CE8D-A104-DC8C8A57485B}"/>
+              </a:ext>
+            </a:extLst>
+          </p:cNvPr>
+          <p:cNvSpPr>
+            <a:spLocks noGrp="1"/>
+          </p:cNvSpPr>
+          <p:nvPr>
+            <p:ph type="title"/>
+          </p:nvPr>
+        </p:nvSpPr>
+        <p:spPr/>
+        <p:txBody>
+          <a:bodyPr/>
+          <a:lstStyle/>
+          <a:p>
+            <a:r>
+              <a:rPr lang="pt-PT" dirty="0"/>
+              <a:t>Sources</a:t>
+            </a:r>
+          </a:p>
+        </p:txBody>
+      </p:sp>
+      <p:sp>
+        <p:nvSpPr>
+          <p:cNvPr id="3" name="Content Placeholder 2">
+            <a:extLst>
+              <a:ext uri="{FF2B5EF4-FFF2-40B4-BE49-F238E27FC236}">
+                <a16:creationId xmlns:a16="http://schemas.microsoft.com/office/drawing/2014/main" id="{1625B707-6170-EBC3-B054-50F91234FD97}"/>
+              </a:ext>
+            </a:extLst>
+          </p:cNvPr>
+          <p:cNvSpPr>
+            <a:spLocks noGrp="1"/>
+          </p:cNvSpPr>
+          <p:nvPr>
+            <p:ph idx="1"/>
+          </p:nvPr>
+        </p:nvSpPr>
+        <p:spPr/>
+        <p:txBody>
+          <a:bodyPr/>
+          <a:lstStyle/>
+          <a:p>
+            <a:endParaRPr lang="pt-PT" b="1" i="0" u="none" strike="noStrike" dirty="0">
+              <a:solidFill>
+                <a:srgbClr val="191919"/>
+              </a:solidFill>
+              <a:effectLst/>
+              <a:latin typeface="+mj-lt"/>
+            </a:endParaRPr>
+          </a:p>
+          <a:p>
+            <a:endParaRPr lang="pt-PT" b="1" dirty="0">
+              <a:solidFill>
+                <a:srgbClr val="191919"/>
+              </a:solidFill>
+              <a:latin typeface="+mj-lt"/>
+            </a:endParaRPr>
+          </a:p>
+          <a:p>
+            <a:r>
+              <a:rPr lang="pt-PT" b="1" i="0" u="none" strike="noStrike" dirty="0">
+                <a:solidFill>
+                  <a:srgbClr val="191919"/>
+                </a:solidFill>
+                <a:effectLst/>
+                <a:latin typeface="+mj-lt"/>
+              </a:rPr>
+              <a:t>Nuzulul Khairu Nissa, </a:t>
+            </a:r>
+            <a:r>
+              <a:rPr lang="en-US" b="1" i="0" dirty="0">
+                <a:solidFill>
+                  <a:srgbClr val="292929"/>
+                </a:solidFill>
+                <a:effectLst/>
+                <a:latin typeface="+mj-lt"/>
+              </a:rPr>
+              <a:t>The Experiment of Forest Fires Prediction using Deep Learning </a:t>
+            </a:r>
+            <a:r>
+              <a:rPr lang="en-US" i="0" dirty="0">
+                <a:solidFill>
+                  <a:srgbClr val="292929"/>
+                </a:solidFill>
+                <a:effectLst/>
+                <a:latin typeface="+mj-lt"/>
+              </a:rPr>
+              <a:t>-</a:t>
+            </a:r>
+            <a:r>
+              <a:rPr lang="pt-PT" dirty="0">
+                <a:solidFill>
+                  <a:srgbClr val="191919"/>
+                </a:solidFill>
+                <a:latin typeface="+mj-lt"/>
+              </a:rPr>
+              <a:t>h</a:t>
+            </a:r>
+            <a:r>
+              <a:rPr lang="pt-PT" dirty="0">
+                <a:latin typeface="+mj-lt"/>
+              </a:rPr>
+              <a:t>ttps://medium.com/mlearning-ai/the-experiment-of-forest-fires-prediction-using-deep-learning-d537e8c8e3a2</a:t>
+            </a:r>
+          </a:p>
+          <a:p>
+            <a:r>
+              <a:rPr lang="en-US" b="1" i="0" dirty="0">
+                <a:effectLst/>
+                <a:latin typeface="+mj-lt"/>
+              </a:rPr>
+              <a:t>Fire Weather Index (FWI) System</a:t>
+            </a:r>
+            <a:r>
+              <a:rPr lang="pt-PT" b="1" i="0" dirty="0">
+                <a:effectLst/>
+                <a:latin typeface="+mj-lt"/>
+              </a:rPr>
+              <a:t> </a:t>
+            </a:r>
+            <a:r>
+              <a:rPr lang="pt-PT" i="0" dirty="0">
+                <a:effectLst/>
+                <a:latin typeface="+mj-lt"/>
+              </a:rPr>
+              <a:t>- https://www.nwcg.gov/publications/pms437/cffdrs/fire-weather-index-system</a:t>
+            </a:r>
+          </a:p>
+          <a:p>
+            <a:r>
+              <a:rPr lang="pt-PT" b="1" dirty="0">
+                <a:latin typeface="+mj-lt"/>
+              </a:rPr>
+              <a:t>Jorge Miguel Gomes, </a:t>
+            </a:r>
+            <a:r>
+              <a:rPr lang="en-US" b="1" dirty="0">
+                <a:latin typeface="+mj-lt"/>
+              </a:rPr>
+              <a:t>A repository for ICNF data </a:t>
+            </a:r>
+            <a:r>
+              <a:rPr lang="en-US" dirty="0">
+                <a:latin typeface="+mj-lt"/>
+              </a:rPr>
+              <a:t>- https://github.com/vostpt/ICNF_DATA</a:t>
+            </a:r>
+          </a:p>
+          <a:p>
+            <a:r>
+              <a:rPr lang="en-US" b="1" dirty="0">
+                <a:latin typeface="+mj-lt"/>
+              </a:rPr>
+              <a:t>Paulo Cortez &amp; Anibal </a:t>
+            </a:r>
+            <a:r>
+              <a:rPr lang="en-US" b="1" dirty="0" err="1">
+                <a:latin typeface="+mj-lt"/>
+              </a:rPr>
+              <a:t>Morais</a:t>
+            </a:r>
+            <a:r>
+              <a:rPr lang="en-US" dirty="0">
+                <a:latin typeface="+mj-lt"/>
+              </a:rPr>
+              <a:t>, </a:t>
+            </a:r>
+            <a:r>
+              <a:rPr lang="en-US" i="0" dirty="0">
+                <a:solidFill>
+                  <a:srgbClr val="000000"/>
+                </a:solidFill>
+                <a:effectLst/>
+                <a:latin typeface="+mj-lt"/>
+              </a:rPr>
+              <a:t>A Data Mining Approach to Predict Forest Fires using Meteorological Data</a:t>
+            </a:r>
+            <a:r>
+              <a:rPr lang="en-US" dirty="0">
+                <a:latin typeface="+mj-lt"/>
+              </a:rPr>
+              <a:t> </a:t>
+            </a:r>
+          </a:p>
+          <a:p>
+            <a:r>
+              <a:rPr lang="en-US" b="1" dirty="0">
+                <a:latin typeface="+mj-lt"/>
+              </a:rPr>
+              <a:t>Joana da Fonseca Valente</a:t>
+            </a:r>
+            <a:r>
+              <a:rPr lang="en-US" dirty="0">
+                <a:latin typeface="+mj-lt"/>
+              </a:rPr>
+              <a:t>, </a:t>
+            </a:r>
+            <a:r>
+              <a:rPr lang="en-US" dirty="0" err="1">
+                <a:latin typeface="+mj-lt"/>
+              </a:rPr>
+              <a:t>Modelação</a:t>
+            </a:r>
+            <a:r>
+              <a:rPr lang="en-US" dirty="0">
+                <a:latin typeface="+mj-lt"/>
+              </a:rPr>
+              <a:t> do </a:t>
+            </a:r>
+            <a:r>
+              <a:rPr lang="en-US" dirty="0" err="1">
+                <a:latin typeface="+mj-lt"/>
+              </a:rPr>
+              <a:t>fogo</a:t>
+            </a:r>
+            <a:r>
+              <a:rPr lang="en-US" dirty="0">
+                <a:latin typeface="+mj-lt"/>
+              </a:rPr>
+              <a:t> </a:t>
+            </a:r>
+            <a:r>
+              <a:rPr lang="en-US" dirty="0" err="1">
+                <a:latin typeface="+mj-lt"/>
+              </a:rPr>
+              <a:t>florestal</a:t>
+            </a:r>
+            <a:r>
+              <a:rPr lang="en-US" dirty="0">
+                <a:latin typeface="+mj-lt"/>
+              </a:rPr>
+              <a:t> e </a:t>
+            </a:r>
+            <a:r>
+              <a:rPr lang="en-US" dirty="0" err="1">
+                <a:latin typeface="+mj-lt"/>
+              </a:rPr>
+              <a:t>os</a:t>
+            </a:r>
+            <a:r>
+              <a:rPr lang="en-US" dirty="0">
+                <a:latin typeface="+mj-lt"/>
+              </a:rPr>
+              <a:t> </a:t>
+            </a:r>
+            <a:r>
+              <a:rPr lang="en-US" dirty="0" err="1">
+                <a:latin typeface="+mj-lt"/>
+              </a:rPr>
+              <a:t>seus</a:t>
+            </a:r>
+            <a:r>
+              <a:rPr lang="en-US" dirty="0">
+                <a:latin typeface="+mj-lt"/>
+              </a:rPr>
+              <a:t> </a:t>
+            </a:r>
+            <a:r>
+              <a:rPr lang="en-US" dirty="0" err="1">
+                <a:latin typeface="+mj-lt"/>
+              </a:rPr>
+              <a:t>impactes</a:t>
+            </a:r>
+            <a:r>
+              <a:rPr lang="en-US" dirty="0">
+                <a:latin typeface="+mj-lt"/>
+              </a:rPr>
+              <a:t> </a:t>
+            </a:r>
+            <a:r>
+              <a:rPr lang="en-US" dirty="0" err="1">
+                <a:latin typeface="+mj-lt"/>
+              </a:rPr>
+              <a:t>na</a:t>
+            </a:r>
+            <a:r>
+              <a:rPr lang="en-US" dirty="0">
+                <a:latin typeface="+mj-lt"/>
+              </a:rPr>
+              <a:t> </a:t>
+            </a:r>
+            <a:r>
+              <a:rPr lang="en-US" dirty="0" err="1">
+                <a:latin typeface="+mj-lt"/>
+              </a:rPr>
+              <a:t>qualidade</a:t>
+            </a:r>
+            <a:r>
+              <a:rPr lang="en-US" dirty="0">
+                <a:latin typeface="+mj-lt"/>
+              </a:rPr>
+              <a:t> do ar.</a:t>
+            </a:r>
+          </a:p>
+          <a:p>
+            <a:pPr marL="0" indent="0">
+              <a:buNone/>
+            </a:pPr>
+            <a:br>
+              <a:rPr lang="en-US" dirty="0"/>
+            </a:br>
+            <a:endParaRPr lang="en-US" dirty="0">
+              <a:latin typeface="+mj-lt"/>
+            </a:endParaRPr>
+          </a:p>
+          <a:p>
+            <a:endParaRPr lang="en-US" i="0" dirty="0">
+              <a:effectLst/>
+              <a:latin typeface="+mj-lt"/>
+            </a:endParaRPr>
+          </a:p>
+        </p:txBody>
+      </p:sp>
+    </p:spTree>
+    <p:extLst>
+      <p:ext uri="{BB962C8B-B14F-4D97-AF65-F5344CB8AC3E}">
+        <p14:creationId xmlns:p14="http://schemas.microsoft.com/office/powerpoint/2010/main" val="2836752967"/>
       </p:ext>
     </p:extLst>
   </p:cSld>
@@ -8360,15 +9871,9 @@
   <p:cSld>
     <p:bg>
       <p:bgPr>
-        <a:blipFill dpi="0" rotWithShape="1">
-          <a:blip r:embed="rId3">
-            <a:lum/>
-          </a:blip>
-          <a:srcRect/>
-          <a:stretch>
-            <a:fillRect/>
-          </a:stretch>
-        </a:blipFill>
+        <a:solidFill>
+          <a:schemeClr val="bg1"/>
+        </a:solidFill>
         <a:effectLst/>
       </p:bgPr>
     </p:bg>
@@ -8472,47 +9977,17 @@
           <a:p>
             <a:r>
               <a:rPr lang="pt-PT" sz="1200" dirty="0"/>
-              <a:t>2017 excluded from this and next slide since it was an abnormal year.</a:t>
-            </a:r>
-          </a:p>
-        </p:txBody>
-      </p:sp>
-      <p:sp>
-        <p:nvSpPr>
-          <p:cNvPr id="5" name="Date Placeholder 4">
+              <a:t>2017 excluded since it was an abnormal year and completly skews the reality.</a:t>
+            </a:r>
+          </a:p>
+        </p:txBody>
+      </p:sp>
+      <p:pic>
+        <p:nvPicPr>
+          <p:cNvPr id="13" name="Content Placeholder 12">
             <a:extLst>
               <a:ext uri="{FF2B5EF4-FFF2-40B4-BE49-F238E27FC236}">
-                <a16:creationId xmlns:a16="http://schemas.microsoft.com/office/drawing/2014/main" id="{8051FCAA-6007-1280-8A6A-A67FBA8D3E1A}"/>
-              </a:ext>
-            </a:extLst>
-          </p:cNvPr>
-          <p:cNvSpPr>
-            <a:spLocks noGrp="1"/>
-          </p:cNvSpPr>
-          <p:nvPr>
-            <p:ph type="dt" sz="half" idx="10"/>
-          </p:nvPr>
-        </p:nvSpPr>
-        <p:spPr/>
-        <p:txBody>
-          <a:bodyPr/>
-          <a:lstStyle/>
-          <a:p>
-            <a:pPr rtl="0"/>
-            <a:fld id="{5A1928F9-0DBA-496E-A54E-8F6506DE8A22}" type="datetime1">
-              <a:rPr lang="en-US" smtClean="0"/>
-              <a:t>10/5/2022</a:t>
-            </a:fld>
-            <a:endParaRPr lang="en-US"/>
-          </a:p>
-        </p:txBody>
-      </p:sp>
-      <p:pic>
-        <p:nvPicPr>
-          <p:cNvPr id="9" name="Content Placeholder 8">
-            <a:extLst>
-              <a:ext uri="{FF2B5EF4-FFF2-40B4-BE49-F238E27FC236}">
-                <a16:creationId xmlns:a16="http://schemas.microsoft.com/office/drawing/2014/main" id="{FEA23CA7-958F-3F73-F508-5998F7CADD44}"/>
+                <a16:creationId xmlns:a16="http://schemas.microsoft.com/office/drawing/2014/main" id="{4F5AF22A-478F-BE51-6A96-BF9032072F6A}"/>
               </a:ext>
             </a:extLst>
           </p:cNvPr>
@@ -8524,7 +9999,7 @@
           </p:nvPr>
         </p:nvPicPr>
         <p:blipFill>
-          <a:blip r:embed="rId4">
+          <a:blip r:embed="rId3">
             <a:extLst>
               <a:ext uri="{28A0092B-C50C-407E-A947-70E740481C1C}">
                 <a14:useLocalDpi xmlns:a14="http://schemas.microsoft.com/office/drawing/2010/main" val="0"/>
@@ -8537,8 +10012,8 @@
         </p:blipFill>
         <p:spPr>
           <a:xfrm>
-            <a:off x="685800" y="611959"/>
-            <a:ext cx="6858000" cy="5329281"/>
+            <a:off x="2883877" y="609600"/>
+            <a:ext cx="2461846" cy="5334000"/>
           </a:xfrm>
         </p:spPr>
       </p:pic>
@@ -8552,12 +10027,265 @@
   <p:clrMapOvr>
     <a:masterClrMapping/>
   </p:clrMapOvr>
+  <p:timing>
+    <p:tnLst>
+      <p:par>
+        <p:cTn id="1" dur="indefinite" restart="never" nodeType="tmRoot">
+          <p:childTnLst>
+            <p:seq concurrent="1" nextAc="seek">
+              <p:cTn id="2" dur="indefinite" nodeType="mainSeq">
+                <p:childTnLst>
+                  <p:par>
+                    <p:cTn id="3" fill="hold">
+                      <p:stCondLst>
+                        <p:cond delay="indefinite"/>
+                      </p:stCondLst>
+                      <p:childTnLst>
+                        <p:par>
+                          <p:cTn id="4" fill="hold">
+                            <p:stCondLst>
+                              <p:cond delay="0"/>
+                            </p:stCondLst>
+                            <p:childTnLst>
+                              <p:par>
+                                <p:cTn id="5" presetID="42" presetClass="entr" presetSubtype="0" fill="hold" grpId="0" nodeType="clickEffect">
+                                  <p:stCondLst>
+                                    <p:cond delay="0"/>
+                                  </p:stCondLst>
+                                  <p:childTnLst>
+                                    <p:set>
+                                      <p:cBhvr>
+                                        <p:cTn id="6" dur="1" fill="hold">
+                                          <p:stCondLst>
+                                            <p:cond delay="0"/>
+                                          </p:stCondLst>
+                                        </p:cTn>
+                                        <p:tgtEl>
+                                          <p:spTgt spid="4">
+                                            <p:txEl>
+                                              <p:pRg st="2" end="2"/>
+                                            </p:txEl>
+                                          </p:spTgt>
+                                        </p:tgtEl>
+                                        <p:attrNameLst>
+                                          <p:attrName>style.visibility</p:attrName>
+                                        </p:attrNameLst>
+                                      </p:cBhvr>
+                                      <p:to>
+                                        <p:strVal val="visible"/>
+                                      </p:to>
+                                    </p:set>
+                                    <p:animEffect transition="in" filter="fade">
+                                      <p:cBhvr>
+                                        <p:cTn id="7" dur="1000"/>
+                                        <p:tgtEl>
+                                          <p:spTgt spid="4">
+                                            <p:txEl>
+                                              <p:pRg st="2" end="2"/>
+                                            </p:txEl>
+                                          </p:spTgt>
+                                        </p:tgtEl>
+                                      </p:cBhvr>
+                                    </p:animEffect>
+                                    <p:anim calcmode="lin" valueType="num">
+                                      <p:cBhvr>
+                                        <p:cTn id="8" dur="1000" fill="hold"/>
+                                        <p:tgtEl>
+                                          <p:spTgt spid="4">
+                                            <p:txEl>
+                                              <p:pRg st="2" end="2"/>
+                                            </p:txEl>
+                                          </p:spTgt>
+                                        </p:tgtEl>
+                                        <p:attrNameLst>
+                                          <p:attrName>ppt_x</p:attrName>
+                                        </p:attrNameLst>
+                                      </p:cBhvr>
+                                      <p:tavLst>
+                                        <p:tav tm="0">
+                                          <p:val>
+                                            <p:strVal val="#ppt_x"/>
+                                          </p:val>
+                                        </p:tav>
+                                        <p:tav tm="100000">
+                                          <p:val>
+                                            <p:strVal val="#ppt_x"/>
+                                          </p:val>
+                                        </p:tav>
+                                      </p:tavLst>
+                                    </p:anim>
+                                    <p:anim calcmode="lin" valueType="num">
+                                      <p:cBhvr>
+                                        <p:cTn id="9" dur="1000" fill="hold"/>
+                                        <p:tgtEl>
+                                          <p:spTgt spid="4">
+                                            <p:txEl>
+                                              <p:pRg st="2" end="2"/>
+                                            </p:txEl>
+                                          </p:spTgt>
+                                        </p:tgtEl>
+                                        <p:attrNameLst>
+                                          <p:attrName>ppt_y</p:attrName>
+                                        </p:attrNameLst>
+                                      </p:cBhvr>
+                                      <p:tavLst>
+                                        <p:tav tm="0">
+                                          <p:val>
+                                            <p:strVal val="#ppt_y+.1"/>
+                                          </p:val>
+                                        </p:tav>
+                                        <p:tav tm="100000">
+                                          <p:val>
+                                            <p:strVal val="#ppt_y"/>
+                                          </p:val>
+                                        </p:tav>
+                                      </p:tavLst>
+                                    </p:anim>
+                                  </p:childTnLst>
+                                </p:cTn>
+                              </p:par>
+                              <p:par>
+                                <p:cTn id="10" presetID="42" presetClass="entr" presetSubtype="0" fill="hold" grpId="0" nodeType="withEffect">
+                                  <p:stCondLst>
+                                    <p:cond delay="0"/>
+                                  </p:stCondLst>
+                                  <p:childTnLst>
+                                    <p:set>
+                                      <p:cBhvr>
+                                        <p:cTn id="11" dur="1" fill="hold">
+                                          <p:stCondLst>
+                                            <p:cond delay="0"/>
+                                          </p:stCondLst>
+                                        </p:cTn>
+                                        <p:tgtEl>
+                                          <p:spTgt spid="4">
+                                            <p:txEl>
+                                              <p:pRg st="7" end="7"/>
+                                            </p:txEl>
+                                          </p:spTgt>
+                                        </p:tgtEl>
+                                        <p:attrNameLst>
+                                          <p:attrName>style.visibility</p:attrName>
+                                        </p:attrNameLst>
+                                      </p:cBhvr>
+                                      <p:to>
+                                        <p:strVal val="visible"/>
+                                      </p:to>
+                                    </p:set>
+                                    <p:animEffect transition="in" filter="fade">
+                                      <p:cBhvr>
+                                        <p:cTn id="12" dur="1000"/>
+                                        <p:tgtEl>
+                                          <p:spTgt spid="4">
+                                            <p:txEl>
+                                              <p:pRg st="7" end="7"/>
+                                            </p:txEl>
+                                          </p:spTgt>
+                                        </p:tgtEl>
+                                      </p:cBhvr>
+                                    </p:animEffect>
+                                    <p:anim calcmode="lin" valueType="num">
+                                      <p:cBhvr>
+                                        <p:cTn id="13" dur="1000" fill="hold"/>
+                                        <p:tgtEl>
+                                          <p:spTgt spid="4">
+                                            <p:txEl>
+                                              <p:pRg st="7" end="7"/>
+                                            </p:txEl>
+                                          </p:spTgt>
+                                        </p:tgtEl>
+                                        <p:attrNameLst>
+                                          <p:attrName>ppt_x</p:attrName>
+                                        </p:attrNameLst>
+                                      </p:cBhvr>
+                                      <p:tavLst>
+                                        <p:tav tm="0">
+                                          <p:val>
+                                            <p:strVal val="#ppt_x"/>
+                                          </p:val>
+                                        </p:tav>
+                                        <p:tav tm="100000">
+                                          <p:val>
+                                            <p:strVal val="#ppt_x"/>
+                                          </p:val>
+                                        </p:tav>
+                                      </p:tavLst>
+                                    </p:anim>
+                                    <p:anim calcmode="lin" valueType="num">
+                                      <p:cBhvr>
+                                        <p:cTn id="14" dur="1000" fill="hold"/>
+                                        <p:tgtEl>
+                                          <p:spTgt spid="4">
+                                            <p:txEl>
+                                              <p:pRg st="7" end="7"/>
+                                            </p:txEl>
+                                          </p:spTgt>
+                                        </p:tgtEl>
+                                        <p:attrNameLst>
+                                          <p:attrName>ppt_y</p:attrName>
+                                        </p:attrNameLst>
+                                      </p:cBhvr>
+                                      <p:tavLst>
+                                        <p:tav tm="0">
+                                          <p:val>
+                                            <p:strVal val="#ppt_y+.1"/>
+                                          </p:val>
+                                        </p:tav>
+                                        <p:tav tm="100000">
+                                          <p:val>
+                                            <p:strVal val="#ppt_y"/>
+                                          </p:val>
+                                        </p:tav>
+                                      </p:tavLst>
+                                    </p:anim>
+                                  </p:childTnLst>
+                                </p:cTn>
+                              </p:par>
+                            </p:childTnLst>
+                          </p:cTn>
+                        </p:par>
+                      </p:childTnLst>
+                    </p:cTn>
+                  </p:par>
+                </p:childTnLst>
+              </p:cTn>
+              <p:prevCondLst>
+                <p:cond evt="onPrev" delay="0">
+                  <p:tgtEl>
+                    <p:sldTgt/>
+                  </p:tgtEl>
+                </p:cond>
+              </p:prevCondLst>
+              <p:nextCondLst>
+                <p:cond evt="onNext" delay="0">
+                  <p:tgtEl>
+                    <p:sldTgt/>
+                  </p:tgtEl>
+                </p:cond>
+              </p:nextCondLst>
+            </p:seq>
+          </p:childTnLst>
+        </p:cTn>
+      </p:par>
+    </p:tnLst>
+    <p:bldLst>
+      <p:bldP spid="4" grpId="0" build="allAtOnce"/>
+    </p:bldLst>
+  </p:timing>
 </p:sld>
 </file>
 
 <file path=ppt/slides/slide4.xml><?xml version="1.0" encoding="utf-8"?>
 <p:sld xmlns:a="http://schemas.openxmlformats.org/drawingml/2006/main" xmlns:r="http://schemas.openxmlformats.org/officeDocument/2006/relationships" xmlns:p="http://schemas.openxmlformats.org/presentationml/2006/main">
   <p:cSld>
+    <p:bg>
+      <p:bgPr>
+        <a:solidFill>
+          <a:schemeClr val="bg1"/>
+        </a:solidFill>
+        <a:effectLst/>
+      </p:bgPr>
+    </p:bg>
     <p:spTree>
       <p:nvGrpSpPr>
         <p:cNvPr id="1" name=""/>
@@ -8577,6 +10305,358 @@
           <p:cNvPr id="2" name="Title 1">
             <a:extLst>
               <a:ext uri="{FF2B5EF4-FFF2-40B4-BE49-F238E27FC236}">
+                <a16:creationId xmlns:a16="http://schemas.microsoft.com/office/drawing/2014/main" id="{EC81C684-65E1-3CA4-5814-DE66E4B5CF86}"/>
+              </a:ext>
+            </a:extLst>
+          </p:cNvPr>
+          <p:cNvSpPr>
+            <a:spLocks noGrp="1"/>
+          </p:cNvSpPr>
+          <p:nvPr>
+            <p:ph type="title"/>
+          </p:nvPr>
+        </p:nvSpPr>
+        <p:spPr/>
+        <p:txBody>
+          <a:bodyPr/>
+          <a:lstStyle/>
+          <a:p>
+            <a:r>
+              <a:rPr lang="pt-PT" dirty="0"/>
+              <a:t>The macro view</a:t>
+            </a:r>
+            <a:br>
+              <a:rPr lang="pt-PT" dirty="0"/>
+            </a:br>
+            <a:r>
+              <a:rPr lang="pt-PT" dirty="0"/>
+              <a:t>Portugal </a:t>
+            </a:r>
+            <a:br>
+              <a:rPr lang="pt-PT" dirty="0"/>
+            </a:br>
+            <a:endParaRPr lang="pt-PT" dirty="0"/>
+          </a:p>
+        </p:txBody>
+      </p:sp>
+      <p:sp>
+        <p:nvSpPr>
+          <p:cNvPr id="4" name="Text Placeholder 3">
+            <a:extLst>
+              <a:ext uri="{FF2B5EF4-FFF2-40B4-BE49-F238E27FC236}">
+                <a16:creationId xmlns:a16="http://schemas.microsoft.com/office/drawing/2014/main" id="{B53C9FDB-DF10-2DE7-11F5-09B332600A1B}"/>
+              </a:ext>
+            </a:extLst>
+          </p:cNvPr>
+          <p:cNvSpPr>
+            <a:spLocks noGrp="1"/>
+          </p:cNvSpPr>
+          <p:nvPr>
+            <p:ph type="body" sz="half" idx="2"/>
+          </p:nvPr>
+        </p:nvSpPr>
+        <p:spPr/>
+        <p:txBody>
+          <a:bodyPr/>
+          <a:lstStyle/>
+          <a:p>
+            <a:endParaRPr lang="pt-PT" dirty="0"/>
+          </a:p>
+          <a:p>
+            <a:endParaRPr lang="pt-PT" dirty="0"/>
+          </a:p>
+          <a:p>
+            <a:r>
+              <a:rPr lang="pt-PT" dirty="0"/>
+              <a:t>Diferent types of terrain have their own hot spots.</a:t>
+            </a:r>
+          </a:p>
+          <a:p>
+            <a:endParaRPr lang="pt-PT" dirty="0"/>
+          </a:p>
+          <a:p>
+            <a:endParaRPr lang="pt-PT" dirty="0"/>
+          </a:p>
+          <a:p>
+            <a:endParaRPr lang="pt-PT" dirty="0"/>
+          </a:p>
+          <a:p>
+            <a:endParaRPr lang="pt-PT" dirty="0"/>
+          </a:p>
+          <a:p>
+            <a:r>
+              <a:rPr lang="pt-PT" sz="1200" dirty="0"/>
+              <a:t>2017 excluded since it was an abnormal year and completly skews the reality.</a:t>
+            </a:r>
+          </a:p>
+        </p:txBody>
+      </p:sp>
+      <p:pic>
+        <p:nvPicPr>
+          <p:cNvPr id="7" name="Content Placeholder 6">
+            <a:extLst>
+              <a:ext uri="{FF2B5EF4-FFF2-40B4-BE49-F238E27FC236}">
+                <a16:creationId xmlns:a16="http://schemas.microsoft.com/office/drawing/2014/main" id="{DFAAE891-DADC-628E-56B8-C17DC3877C04}"/>
+              </a:ext>
+            </a:extLst>
+          </p:cNvPr>
+          <p:cNvPicPr>
+            <a:picLocks noGrp="1" noChangeAspect="1"/>
+          </p:cNvPicPr>
+          <p:nvPr>
+            <p:ph idx="1"/>
+          </p:nvPr>
+        </p:nvPicPr>
+        <p:blipFill>
+          <a:blip r:embed="rId3">
+            <a:extLst>
+              <a:ext uri="{28A0092B-C50C-407E-A947-70E740481C1C}">
+                <a14:useLocalDpi xmlns:a14="http://schemas.microsoft.com/office/drawing/2010/main" val="0"/>
+              </a:ext>
+            </a:extLst>
+          </a:blip>
+          <a:stretch>
+            <a:fillRect/>
+          </a:stretch>
+        </p:blipFill>
+        <p:spPr>
+          <a:xfrm>
+            <a:off x="2883877" y="609600"/>
+            <a:ext cx="2461846" cy="5334000"/>
+          </a:xfrm>
+        </p:spPr>
+      </p:pic>
+    </p:spTree>
+    <p:extLst>
+      <p:ext uri="{BB962C8B-B14F-4D97-AF65-F5344CB8AC3E}">
+        <p14:creationId xmlns:p14="http://schemas.microsoft.com/office/powerpoint/2010/main" val="3442021262"/>
+      </p:ext>
+    </p:extLst>
+  </p:cSld>
+  <p:clrMapOvr>
+    <a:masterClrMapping/>
+  </p:clrMapOvr>
+  <mc:AlternateContent xmlns:mc="http://schemas.openxmlformats.org/markup-compatibility/2006" xmlns:p14="http://schemas.microsoft.com/office/powerpoint/2010/main">
+    <mc:Choice Requires="p14">
+      <p:transition spd="med" p14:dur="700">
+        <p:fade/>
+      </p:transition>
+    </mc:Choice>
+    <mc:Fallback xmlns="">
+      <p:transition spd="med">
+        <p:fade/>
+      </p:transition>
+    </mc:Fallback>
+  </mc:AlternateContent>
+</p:sld>
+</file>
+
+<file path=ppt/slides/slide5.xml><?xml version="1.0" encoding="utf-8"?>
+<p:sld xmlns:a="http://schemas.openxmlformats.org/drawingml/2006/main" xmlns:r="http://schemas.openxmlformats.org/officeDocument/2006/relationships" xmlns:p="http://schemas.openxmlformats.org/presentationml/2006/main">
+  <p:cSld>
+    <p:bg>
+      <p:bgPr>
+        <a:solidFill>
+          <a:schemeClr val="bg1"/>
+        </a:solidFill>
+        <a:effectLst/>
+      </p:bgPr>
+    </p:bg>
+    <p:spTree>
+      <p:nvGrpSpPr>
+        <p:cNvPr id="1" name=""/>
+        <p:cNvGrpSpPr/>
+        <p:nvPr/>
+      </p:nvGrpSpPr>
+      <p:grpSpPr>
+        <a:xfrm>
+          <a:off x="0" y="0"/>
+          <a:ext cx="0" cy="0"/>
+          <a:chOff x="0" y="0"/>
+          <a:chExt cx="0" cy="0"/>
+        </a:xfrm>
+      </p:grpSpPr>
+      <p:sp>
+        <p:nvSpPr>
+          <p:cNvPr id="2" name="Title 1">
+            <a:extLst>
+              <a:ext uri="{FF2B5EF4-FFF2-40B4-BE49-F238E27FC236}">
+                <a16:creationId xmlns:a16="http://schemas.microsoft.com/office/drawing/2014/main" id="{EC81C684-65E1-3CA4-5814-DE66E4B5CF86}"/>
+              </a:ext>
+            </a:extLst>
+          </p:cNvPr>
+          <p:cNvSpPr>
+            <a:spLocks noGrp="1"/>
+          </p:cNvSpPr>
+          <p:nvPr>
+            <p:ph type="title"/>
+          </p:nvPr>
+        </p:nvSpPr>
+        <p:spPr/>
+        <p:txBody>
+          <a:bodyPr/>
+          <a:lstStyle/>
+          <a:p>
+            <a:r>
+              <a:rPr lang="pt-PT" dirty="0"/>
+              <a:t>The macro view</a:t>
+            </a:r>
+            <a:br>
+              <a:rPr lang="pt-PT" dirty="0"/>
+            </a:br>
+            <a:r>
+              <a:rPr lang="pt-PT" dirty="0"/>
+              <a:t>Portugal </a:t>
+            </a:r>
+            <a:br>
+              <a:rPr lang="pt-PT" dirty="0"/>
+            </a:br>
+            <a:endParaRPr lang="pt-PT" dirty="0"/>
+          </a:p>
+        </p:txBody>
+      </p:sp>
+      <p:sp>
+        <p:nvSpPr>
+          <p:cNvPr id="4" name="Text Placeholder 3">
+            <a:extLst>
+              <a:ext uri="{FF2B5EF4-FFF2-40B4-BE49-F238E27FC236}">
+                <a16:creationId xmlns:a16="http://schemas.microsoft.com/office/drawing/2014/main" id="{B53C9FDB-DF10-2DE7-11F5-09B332600A1B}"/>
+              </a:ext>
+            </a:extLst>
+          </p:cNvPr>
+          <p:cNvSpPr>
+            <a:spLocks noGrp="1"/>
+          </p:cNvSpPr>
+          <p:nvPr>
+            <p:ph type="body" sz="half" idx="2"/>
+          </p:nvPr>
+        </p:nvSpPr>
+        <p:spPr/>
+        <p:txBody>
+          <a:bodyPr/>
+          <a:lstStyle/>
+          <a:p>
+            <a:endParaRPr lang="pt-PT" dirty="0"/>
+          </a:p>
+          <a:p>
+            <a:endParaRPr lang="pt-PT" dirty="0"/>
+          </a:p>
+          <a:p>
+            <a:r>
+              <a:rPr lang="pt-PT" dirty="0"/>
+              <a:t>Diferent types of terrain have their own hot spots.</a:t>
+            </a:r>
+          </a:p>
+          <a:p>
+            <a:endParaRPr lang="pt-PT" dirty="0"/>
+          </a:p>
+          <a:p>
+            <a:endParaRPr lang="pt-PT" dirty="0"/>
+          </a:p>
+          <a:p>
+            <a:endParaRPr lang="pt-PT" dirty="0"/>
+          </a:p>
+          <a:p>
+            <a:endParaRPr lang="pt-PT" dirty="0"/>
+          </a:p>
+          <a:p>
+            <a:r>
+              <a:rPr lang="pt-PT" sz="1200" dirty="0"/>
+              <a:t>2017 excluded since it was an abnormal year and completly skews the reality.</a:t>
+            </a:r>
+          </a:p>
+        </p:txBody>
+      </p:sp>
+      <p:pic>
+        <p:nvPicPr>
+          <p:cNvPr id="7" name="Content Placeholder 6">
+            <a:extLst>
+              <a:ext uri="{FF2B5EF4-FFF2-40B4-BE49-F238E27FC236}">
+                <a16:creationId xmlns:a16="http://schemas.microsoft.com/office/drawing/2014/main" id="{2D8F5CEF-C390-AF1D-7305-E989E7F7037A}"/>
+              </a:ext>
+            </a:extLst>
+          </p:cNvPr>
+          <p:cNvPicPr>
+            <a:picLocks noGrp="1" noChangeAspect="1"/>
+          </p:cNvPicPr>
+          <p:nvPr>
+            <p:ph idx="1"/>
+          </p:nvPr>
+        </p:nvPicPr>
+        <p:blipFill>
+          <a:blip r:embed="rId3">
+            <a:extLst>
+              <a:ext uri="{28A0092B-C50C-407E-A947-70E740481C1C}">
+                <a14:useLocalDpi xmlns:a14="http://schemas.microsoft.com/office/drawing/2010/main" val="0"/>
+              </a:ext>
+            </a:extLst>
+          </a:blip>
+          <a:stretch>
+            <a:fillRect/>
+          </a:stretch>
+        </p:blipFill>
+        <p:spPr>
+          <a:xfrm>
+            <a:off x="2883877" y="609600"/>
+            <a:ext cx="2461846" cy="5334000"/>
+          </a:xfrm>
+        </p:spPr>
+      </p:pic>
+    </p:spTree>
+    <p:extLst>
+      <p:ext uri="{BB962C8B-B14F-4D97-AF65-F5344CB8AC3E}">
+        <p14:creationId xmlns:p14="http://schemas.microsoft.com/office/powerpoint/2010/main" val="2381640974"/>
+      </p:ext>
+    </p:extLst>
+  </p:cSld>
+  <p:clrMapOvr>
+    <a:masterClrMapping/>
+  </p:clrMapOvr>
+  <mc:AlternateContent xmlns:mc="http://schemas.openxmlformats.org/markup-compatibility/2006" xmlns:p14="http://schemas.microsoft.com/office/powerpoint/2010/main">
+    <mc:Choice Requires="p14">
+      <p:transition spd="med" p14:dur="700">
+        <p:fade/>
+      </p:transition>
+    </mc:Choice>
+    <mc:Fallback xmlns="">
+      <p:transition spd="med">
+        <p:fade/>
+      </p:transition>
+    </mc:Fallback>
+  </mc:AlternateContent>
+</p:sld>
+</file>
+
+<file path=ppt/slides/slide6.xml><?xml version="1.0" encoding="utf-8"?>
+<p:sld xmlns:a="http://schemas.openxmlformats.org/drawingml/2006/main" xmlns:r="http://schemas.openxmlformats.org/officeDocument/2006/relationships" xmlns:p="http://schemas.openxmlformats.org/presentationml/2006/main">
+  <p:cSld>
+    <p:bg>
+      <p:bgPr>
+        <a:solidFill>
+          <a:schemeClr val="bg1"/>
+        </a:solidFill>
+        <a:effectLst/>
+      </p:bgPr>
+    </p:bg>
+    <p:spTree>
+      <p:nvGrpSpPr>
+        <p:cNvPr id="1" name=""/>
+        <p:cNvGrpSpPr/>
+        <p:nvPr/>
+      </p:nvGrpSpPr>
+      <p:grpSpPr>
+        <a:xfrm>
+          <a:off x="0" y="0"/>
+          <a:ext cx="0" cy="0"/>
+          <a:chOff x="0" y="0"/>
+          <a:chExt cx="0" cy="0"/>
+        </a:xfrm>
+      </p:grpSpPr>
+      <p:sp>
+        <p:nvSpPr>
+          <p:cNvPr id="2" name="Title 1">
+            <a:extLst>
+              <a:ext uri="{FF2B5EF4-FFF2-40B4-BE49-F238E27FC236}">
                 <a16:creationId xmlns:a16="http://schemas.microsoft.com/office/drawing/2014/main" id="{69443CF6-493B-C67B-6B9D-3829604C6383}"/>
               </a:ext>
             </a:extLst>
@@ -8654,42 +10734,12 @@
           </a:p>
         </p:txBody>
       </p:sp>
-      <p:sp>
-        <p:nvSpPr>
-          <p:cNvPr id="5" name="Date Placeholder 4">
+      <p:pic>
+        <p:nvPicPr>
+          <p:cNvPr id="9" name="Content Placeholder 8">
             <a:extLst>
               <a:ext uri="{FF2B5EF4-FFF2-40B4-BE49-F238E27FC236}">
-                <a16:creationId xmlns:a16="http://schemas.microsoft.com/office/drawing/2014/main" id="{5ACFC4C9-7386-6621-5004-E732846BBFA8}"/>
-              </a:ext>
-            </a:extLst>
-          </p:cNvPr>
-          <p:cNvSpPr>
-            <a:spLocks noGrp="1"/>
-          </p:cNvSpPr>
-          <p:nvPr>
-            <p:ph type="dt" sz="half" idx="10"/>
-          </p:nvPr>
-        </p:nvSpPr>
-        <p:spPr/>
-        <p:txBody>
-          <a:bodyPr/>
-          <a:lstStyle/>
-          <a:p>
-            <a:pPr rtl="0"/>
-            <a:fld id="{5A1928F9-0DBA-496E-A54E-8F6506DE8A22}" type="datetime1">
-              <a:rPr lang="en-US" smtClean="0"/>
-              <a:t>10/5/2022</a:t>
-            </a:fld>
-            <a:endParaRPr lang="en-US"/>
-          </a:p>
-        </p:txBody>
-      </p:sp>
-      <p:pic>
-        <p:nvPicPr>
-          <p:cNvPr id="8" name="Content Placeholder 7">
-            <a:extLst>
-              <a:ext uri="{FF2B5EF4-FFF2-40B4-BE49-F238E27FC236}">
-                <a16:creationId xmlns:a16="http://schemas.microsoft.com/office/drawing/2014/main" id="{48EAA35E-5427-542E-692D-FF2DCA7D8F30}"/>
+                <a16:creationId xmlns:a16="http://schemas.microsoft.com/office/drawing/2014/main" id="{0E2720DF-BA4D-F01B-490F-29B3395CC04A}"/>
               </a:ext>
             </a:extLst>
           </p:cNvPr>
@@ -8729,287 +10779,445 @@
   <p:clrMapOvr>
     <a:masterClrMapping/>
   </p:clrMapOvr>
-</p:sld>
-</file>
-
-<file path=ppt/slides/slide5.xml><?xml version="1.0" encoding="utf-8"?>
-<p:sld xmlns:a="http://schemas.openxmlformats.org/drawingml/2006/main" xmlns:r="http://schemas.openxmlformats.org/officeDocument/2006/relationships" xmlns:p="http://schemas.openxmlformats.org/presentationml/2006/main">
-  <p:cSld>
-    <p:spTree>
-      <p:nvGrpSpPr>
-        <p:cNvPr id="1" name=""/>
-        <p:cNvGrpSpPr/>
-        <p:nvPr/>
-      </p:nvGrpSpPr>
-      <p:grpSpPr>
-        <a:xfrm>
-          <a:off x="0" y="0"/>
-          <a:ext cx="0" cy="0"/>
-          <a:chOff x="0" y="0"/>
-          <a:chExt cx="0" cy="0"/>
-        </a:xfrm>
-      </p:grpSpPr>
-      <p:sp>
-        <p:nvSpPr>
-          <p:cNvPr id="2" name="Title 1">
-            <a:extLst>
-              <a:ext uri="{FF2B5EF4-FFF2-40B4-BE49-F238E27FC236}">
-                <a16:creationId xmlns:a16="http://schemas.microsoft.com/office/drawing/2014/main" id="{9F4CB53C-A66E-62C5-BEDC-397091B461CA}"/>
-              </a:ext>
-            </a:extLst>
-          </p:cNvPr>
-          <p:cNvSpPr>
-            <a:spLocks noGrp="1"/>
-          </p:cNvSpPr>
-          <p:nvPr>
-            <p:ph type="title"/>
-          </p:nvPr>
-        </p:nvSpPr>
-        <p:spPr/>
-        <p:txBody>
-          <a:bodyPr/>
-          <a:lstStyle/>
-          <a:p>
-            <a:r>
-              <a:rPr lang="pt-PT" dirty="0">
-                <a:solidFill>
-                  <a:schemeClr val="bg1"/>
-                </a:solidFill>
-              </a:rPr>
-              <a:t>12 989 826</a:t>
-            </a:r>
-          </a:p>
-        </p:txBody>
-      </p:sp>
-      <p:sp>
-        <p:nvSpPr>
-          <p:cNvPr id="3" name="Text Placeholder 2">
-            <a:extLst>
-              <a:ext uri="{FF2B5EF4-FFF2-40B4-BE49-F238E27FC236}">
-                <a16:creationId xmlns:a16="http://schemas.microsoft.com/office/drawing/2014/main" id="{FE7812D8-2607-4327-FD2F-29A302D351E2}"/>
-              </a:ext>
-            </a:extLst>
-          </p:cNvPr>
-          <p:cNvSpPr>
-            <a:spLocks noGrp="1"/>
-          </p:cNvSpPr>
-          <p:nvPr>
-            <p:ph type="body" idx="1"/>
-          </p:nvPr>
-        </p:nvSpPr>
-        <p:spPr/>
-        <p:txBody>
-          <a:bodyPr/>
-          <a:lstStyle/>
-          <a:p>
-            <a:r>
-              <a:rPr lang="pt-PT" dirty="0">
-                <a:solidFill>
-                  <a:schemeClr val="bg1"/>
-                </a:solidFill>
-              </a:rPr>
-              <a:t>Co2 in tonnes since 2013</a:t>
-            </a:r>
-          </a:p>
-        </p:txBody>
-      </p:sp>
-    </p:spTree>
-    <p:extLst>
-      <p:ext uri="{BB962C8B-B14F-4D97-AF65-F5344CB8AC3E}">
-        <p14:creationId xmlns:p14="http://schemas.microsoft.com/office/powerpoint/2010/main" val="3144691797"/>
-      </p:ext>
-    </p:extLst>
-  </p:cSld>
-  <p:clrMapOvr>
-    <a:masterClrMapping/>
-  </p:clrMapOvr>
-</p:sld>
-</file>
-
-<file path=ppt/slides/slide6.xml><?xml version="1.0" encoding="utf-8"?>
-<p:sld xmlns:a="http://schemas.openxmlformats.org/drawingml/2006/main" xmlns:r="http://schemas.openxmlformats.org/officeDocument/2006/relationships" xmlns:p="http://schemas.openxmlformats.org/presentationml/2006/main">
-  <p:cSld>
-    <p:spTree>
-      <p:nvGrpSpPr>
-        <p:cNvPr id="1" name=""/>
-        <p:cNvGrpSpPr/>
-        <p:nvPr/>
-      </p:nvGrpSpPr>
-      <p:grpSpPr>
-        <a:xfrm>
-          <a:off x="0" y="0"/>
-          <a:ext cx="0" cy="0"/>
-          <a:chOff x="0" y="0"/>
-          <a:chExt cx="0" cy="0"/>
-        </a:xfrm>
-      </p:grpSpPr>
-      <p:sp>
-        <p:nvSpPr>
-          <p:cNvPr id="2" name="Title 1">
-            <a:extLst>
-              <a:ext uri="{FF2B5EF4-FFF2-40B4-BE49-F238E27FC236}">
-                <a16:creationId xmlns:a16="http://schemas.microsoft.com/office/drawing/2014/main" id="{5EC9E542-460B-71CE-0A94-2D1744C8A330}"/>
-              </a:ext>
-            </a:extLst>
-          </p:cNvPr>
-          <p:cNvSpPr>
-            <a:spLocks noGrp="1"/>
-          </p:cNvSpPr>
-          <p:nvPr>
-            <p:ph type="title"/>
-          </p:nvPr>
-        </p:nvSpPr>
-        <p:spPr/>
-        <p:txBody>
-          <a:bodyPr/>
-          <a:lstStyle/>
-          <a:p>
-            <a:r>
-              <a:rPr lang="pt-PT" dirty="0"/>
-              <a:t>Are natural fires relevant?</a:t>
-            </a:r>
-          </a:p>
-        </p:txBody>
-      </p:sp>
-      <p:sp>
-        <p:nvSpPr>
-          <p:cNvPr id="13" name="Text Placeholder 12">
-            <a:extLst>
-              <a:ext uri="{FF2B5EF4-FFF2-40B4-BE49-F238E27FC236}">
-                <a16:creationId xmlns:a16="http://schemas.microsoft.com/office/drawing/2014/main" id="{844DD0CD-41CB-8297-CF34-1EEF3756F54E}"/>
-              </a:ext>
-            </a:extLst>
-          </p:cNvPr>
-          <p:cNvSpPr>
-            <a:spLocks noGrp="1"/>
-          </p:cNvSpPr>
-          <p:nvPr>
-            <p:ph type="body" sz="half" idx="2"/>
-          </p:nvPr>
-        </p:nvSpPr>
-        <p:spPr/>
-        <p:txBody>
-          <a:bodyPr>
-            <a:normAutofit/>
-          </a:bodyPr>
-          <a:lstStyle/>
-          <a:p>
-            <a:r>
-              <a:rPr lang="pt-PT" sz="1600" b="1" dirty="0"/>
-              <a:t>No, they are not</a:t>
-            </a:r>
-            <a:r>
-              <a:rPr lang="pt-PT" sz="1600" dirty="0"/>
-              <a:t>, but we can look deeper and see interesting regional results as:</a:t>
-            </a:r>
-          </a:p>
-          <a:p>
-            <a:endParaRPr lang="pt-PT" sz="1600" dirty="0"/>
-          </a:p>
-          <a:p>
-            <a:pPr marL="342900" indent="-342900">
-              <a:buFont typeface="Arial" panose="020B0604020202020204" pitchFamily="34" charset="0"/>
-              <a:buChar char="•"/>
-            </a:pPr>
-            <a:r>
-              <a:rPr lang="pt-PT" sz="1400" dirty="0"/>
-              <a:t>Negligent fire is a problem in Portugal.</a:t>
-            </a:r>
-          </a:p>
-          <a:p>
-            <a:pPr marL="342900" indent="-342900">
-              <a:buFont typeface="Arial" panose="020B0604020202020204" pitchFamily="34" charset="0"/>
-              <a:buChar char="•"/>
-            </a:pPr>
-            <a:endParaRPr lang="pt-PT" sz="1400" dirty="0"/>
-          </a:p>
-          <a:p>
-            <a:pPr marL="342900" indent="-342900">
-              <a:buFont typeface="Arial" panose="020B0604020202020204" pitchFamily="34" charset="0"/>
-              <a:buChar char="•"/>
-            </a:pPr>
-            <a:r>
-              <a:rPr lang="pt-PT" sz="1400" dirty="0"/>
-              <a:t>The number of fires is actually decreasing.</a:t>
-            </a:r>
-          </a:p>
-        </p:txBody>
-      </p:sp>
-      <p:pic>
-        <p:nvPicPr>
-          <p:cNvPr id="17" name="Picture 16">
-            <a:extLst>
-              <a:ext uri="{FF2B5EF4-FFF2-40B4-BE49-F238E27FC236}">
-                <a16:creationId xmlns:a16="http://schemas.microsoft.com/office/drawing/2014/main" id="{A06B2D82-6458-EF15-0918-7BC70DCF8EF1}"/>
-              </a:ext>
-            </a:extLst>
-          </p:cNvPr>
-          <p:cNvPicPr>
-            <a:picLocks noChangeAspect="1"/>
-          </p:cNvPicPr>
-          <p:nvPr/>
-        </p:nvPicPr>
-        <p:blipFill>
-          <a:blip r:embed="rId3"/>
-          <a:stretch>
-            <a:fillRect/>
-          </a:stretch>
-        </p:blipFill>
-        <p:spPr>
-          <a:xfrm>
-            <a:off x="6454596" y="978485"/>
-            <a:ext cx="733384" cy="671949"/>
-          </a:xfrm>
-          <a:prstGeom prst="rect">
-            <a:avLst/>
-          </a:prstGeom>
-        </p:spPr>
-      </p:pic>
-      <p:pic>
-        <p:nvPicPr>
-          <p:cNvPr id="21" name="Content Placeholder 20">
-            <a:extLst>
-              <a:ext uri="{FF2B5EF4-FFF2-40B4-BE49-F238E27FC236}">
-                <a16:creationId xmlns:a16="http://schemas.microsoft.com/office/drawing/2014/main" id="{A76533AE-2E44-55A6-A57B-075DD60C2B1F}"/>
-              </a:ext>
-            </a:extLst>
-          </p:cNvPr>
-          <p:cNvPicPr>
-            <a:picLocks noGrp="1" noChangeAspect="1"/>
-          </p:cNvPicPr>
-          <p:nvPr>
-            <p:ph idx="1"/>
-          </p:nvPr>
-        </p:nvPicPr>
-        <p:blipFill>
-          <a:blip r:embed="rId4">
-            <a:extLst>
-              <a:ext uri="{28A0092B-C50C-407E-A947-70E740481C1C}">
-                <a14:useLocalDpi xmlns:a14="http://schemas.microsoft.com/office/drawing/2010/main" val="0"/>
-              </a:ext>
-            </a:extLst>
-          </a:blip>
-          <a:stretch>
-            <a:fillRect/>
-          </a:stretch>
-        </p:blipFill>
-        <p:spPr>
-          <a:xfrm>
-            <a:off x="853084" y="613576"/>
-            <a:ext cx="6523431" cy="5334000"/>
-          </a:xfrm>
-        </p:spPr>
-      </p:pic>
-    </p:spTree>
-    <p:extLst>
-      <p:ext uri="{BB962C8B-B14F-4D97-AF65-F5344CB8AC3E}">
-        <p14:creationId xmlns:p14="http://schemas.microsoft.com/office/powerpoint/2010/main" val="2108070086"/>
-      </p:ext>
-    </p:extLst>
-  </p:cSld>
-  <p:clrMapOvr>
-    <a:masterClrMapping/>
-  </p:clrMapOvr>
+  <p:timing>
+    <p:tnLst>
+      <p:par>
+        <p:cTn id="1" dur="indefinite" restart="never" nodeType="tmRoot">
+          <p:childTnLst>
+            <p:seq concurrent="1" nextAc="seek">
+              <p:cTn id="2" dur="indefinite" nodeType="mainSeq">
+                <p:childTnLst>
+                  <p:par>
+                    <p:cTn id="3" fill="hold">
+                      <p:stCondLst>
+                        <p:cond delay="indefinite"/>
+                      </p:stCondLst>
+                      <p:childTnLst>
+                        <p:par>
+                          <p:cTn id="4" fill="hold">
+                            <p:stCondLst>
+                              <p:cond delay="0"/>
+                            </p:stCondLst>
+                            <p:childTnLst>
+                              <p:par>
+                                <p:cTn id="5" presetID="42" presetClass="entr" presetSubtype="0" fill="hold" grpId="0" nodeType="clickEffect">
+                                  <p:stCondLst>
+                                    <p:cond delay="0"/>
+                                  </p:stCondLst>
+                                  <p:childTnLst>
+                                    <p:set>
+                                      <p:cBhvr>
+                                        <p:cTn id="6" dur="1" fill="hold">
+                                          <p:stCondLst>
+                                            <p:cond delay="0"/>
+                                          </p:stCondLst>
+                                        </p:cTn>
+                                        <p:tgtEl>
+                                          <p:spTgt spid="4">
+                                            <p:txEl>
+                                              <p:pRg st="1" end="1"/>
+                                            </p:txEl>
+                                          </p:spTgt>
+                                        </p:tgtEl>
+                                        <p:attrNameLst>
+                                          <p:attrName>style.visibility</p:attrName>
+                                        </p:attrNameLst>
+                                      </p:cBhvr>
+                                      <p:to>
+                                        <p:strVal val="visible"/>
+                                      </p:to>
+                                    </p:set>
+                                    <p:animEffect transition="in" filter="fade">
+                                      <p:cBhvr>
+                                        <p:cTn id="7" dur="1000"/>
+                                        <p:tgtEl>
+                                          <p:spTgt spid="4">
+                                            <p:txEl>
+                                              <p:pRg st="1" end="1"/>
+                                            </p:txEl>
+                                          </p:spTgt>
+                                        </p:tgtEl>
+                                      </p:cBhvr>
+                                    </p:animEffect>
+                                    <p:anim calcmode="lin" valueType="num">
+                                      <p:cBhvr>
+                                        <p:cTn id="8" dur="1000" fill="hold"/>
+                                        <p:tgtEl>
+                                          <p:spTgt spid="4">
+                                            <p:txEl>
+                                              <p:pRg st="1" end="1"/>
+                                            </p:txEl>
+                                          </p:spTgt>
+                                        </p:tgtEl>
+                                        <p:attrNameLst>
+                                          <p:attrName>ppt_x</p:attrName>
+                                        </p:attrNameLst>
+                                      </p:cBhvr>
+                                      <p:tavLst>
+                                        <p:tav tm="0">
+                                          <p:val>
+                                            <p:strVal val="#ppt_x"/>
+                                          </p:val>
+                                        </p:tav>
+                                        <p:tav tm="100000">
+                                          <p:val>
+                                            <p:strVal val="#ppt_x"/>
+                                          </p:val>
+                                        </p:tav>
+                                      </p:tavLst>
+                                    </p:anim>
+                                    <p:anim calcmode="lin" valueType="num">
+                                      <p:cBhvr>
+                                        <p:cTn id="9" dur="1000" fill="hold"/>
+                                        <p:tgtEl>
+                                          <p:spTgt spid="4">
+                                            <p:txEl>
+                                              <p:pRg st="1" end="1"/>
+                                            </p:txEl>
+                                          </p:spTgt>
+                                        </p:tgtEl>
+                                        <p:attrNameLst>
+                                          <p:attrName>ppt_y</p:attrName>
+                                        </p:attrNameLst>
+                                      </p:cBhvr>
+                                      <p:tavLst>
+                                        <p:tav tm="0">
+                                          <p:val>
+                                            <p:strVal val="#ppt_y+.1"/>
+                                          </p:val>
+                                        </p:tav>
+                                        <p:tav tm="100000">
+                                          <p:val>
+                                            <p:strVal val="#ppt_y"/>
+                                          </p:val>
+                                        </p:tav>
+                                      </p:tavLst>
+                                    </p:anim>
+                                  </p:childTnLst>
+                                </p:cTn>
+                              </p:par>
+                              <p:par>
+                                <p:cTn id="10" presetID="42" presetClass="entr" presetSubtype="0" fill="hold" grpId="0" nodeType="withEffect">
+                                  <p:stCondLst>
+                                    <p:cond delay="0"/>
+                                  </p:stCondLst>
+                                  <p:childTnLst>
+                                    <p:set>
+                                      <p:cBhvr>
+                                        <p:cTn id="11" dur="1" fill="hold">
+                                          <p:stCondLst>
+                                            <p:cond delay="0"/>
+                                          </p:stCondLst>
+                                        </p:cTn>
+                                        <p:tgtEl>
+                                          <p:spTgt spid="4">
+                                            <p:txEl>
+                                              <p:pRg st="3" end="3"/>
+                                            </p:txEl>
+                                          </p:spTgt>
+                                        </p:tgtEl>
+                                        <p:attrNameLst>
+                                          <p:attrName>style.visibility</p:attrName>
+                                        </p:attrNameLst>
+                                      </p:cBhvr>
+                                      <p:to>
+                                        <p:strVal val="visible"/>
+                                      </p:to>
+                                    </p:set>
+                                    <p:animEffect transition="in" filter="fade">
+                                      <p:cBhvr>
+                                        <p:cTn id="12" dur="1000"/>
+                                        <p:tgtEl>
+                                          <p:spTgt spid="4">
+                                            <p:txEl>
+                                              <p:pRg st="3" end="3"/>
+                                            </p:txEl>
+                                          </p:spTgt>
+                                        </p:tgtEl>
+                                      </p:cBhvr>
+                                    </p:animEffect>
+                                    <p:anim calcmode="lin" valueType="num">
+                                      <p:cBhvr>
+                                        <p:cTn id="13" dur="1000" fill="hold"/>
+                                        <p:tgtEl>
+                                          <p:spTgt spid="4">
+                                            <p:txEl>
+                                              <p:pRg st="3" end="3"/>
+                                            </p:txEl>
+                                          </p:spTgt>
+                                        </p:tgtEl>
+                                        <p:attrNameLst>
+                                          <p:attrName>ppt_x</p:attrName>
+                                        </p:attrNameLst>
+                                      </p:cBhvr>
+                                      <p:tavLst>
+                                        <p:tav tm="0">
+                                          <p:val>
+                                            <p:strVal val="#ppt_x"/>
+                                          </p:val>
+                                        </p:tav>
+                                        <p:tav tm="100000">
+                                          <p:val>
+                                            <p:strVal val="#ppt_x"/>
+                                          </p:val>
+                                        </p:tav>
+                                      </p:tavLst>
+                                    </p:anim>
+                                    <p:anim calcmode="lin" valueType="num">
+                                      <p:cBhvr>
+                                        <p:cTn id="14" dur="1000" fill="hold"/>
+                                        <p:tgtEl>
+                                          <p:spTgt spid="4">
+                                            <p:txEl>
+                                              <p:pRg st="3" end="3"/>
+                                            </p:txEl>
+                                          </p:spTgt>
+                                        </p:tgtEl>
+                                        <p:attrNameLst>
+                                          <p:attrName>ppt_y</p:attrName>
+                                        </p:attrNameLst>
+                                      </p:cBhvr>
+                                      <p:tavLst>
+                                        <p:tav tm="0">
+                                          <p:val>
+                                            <p:strVal val="#ppt_y+.1"/>
+                                          </p:val>
+                                        </p:tav>
+                                        <p:tav tm="100000">
+                                          <p:val>
+                                            <p:strVal val="#ppt_y"/>
+                                          </p:val>
+                                        </p:tav>
+                                      </p:tavLst>
+                                    </p:anim>
+                                  </p:childTnLst>
+                                </p:cTn>
+                              </p:par>
+                              <p:par>
+                                <p:cTn id="15" presetID="42" presetClass="entr" presetSubtype="0" fill="hold" grpId="0" nodeType="withEffect">
+                                  <p:stCondLst>
+                                    <p:cond delay="0"/>
+                                  </p:stCondLst>
+                                  <p:childTnLst>
+                                    <p:set>
+                                      <p:cBhvr>
+                                        <p:cTn id="16" dur="1" fill="hold">
+                                          <p:stCondLst>
+                                            <p:cond delay="0"/>
+                                          </p:stCondLst>
+                                        </p:cTn>
+                                        <p:tgtEl>
+                                          <p:spTgt spid="4">
+                                            <p:txEl>
+                                              <p:pRg st="4" end="4"/>
+                                            </p:txEl>
+                                          </p:spTgt>
+                                        </p:tgtEl>
+                                        <p:attrNameLst>
+                                          <p:attrName>style.visibility</p:attrName>
+                                        </p:attrNameLst>
+                                      </p:cBhvr>
+                                      <p:to>
+                                        <p:strVal val="visible"/>
+                                      </p:to>
+                                    </p:set>
+                                    <p:animEffect transition="in" filter="fade">
+                                      <p:cBhvr>
+                                        <p:cTn id="17" dur="1000"/>
+                                        <p:tgtEl>
+                                          <p:spTgt spid="4">
+                                            <p:txEl>
+                                              <p:pRg st="4" end="4"/>
+                                            </p:txEl>
+                                          </p:spTgt>
+                                        </p:tgtEl>
+                                      </p:cBhvr>
+                                    </p:animEffect>
+                                    <p:anim calcmode="lin" valueType="num">
+                                      <p:cBhvr>
+                                        <p:cTn id="18" dur="1000" fill="hold"/>
+                                        <p:tgtEl>
+                                          <p:spTgt spid="4">
+                                            <p:txEl>
+                                              <p:pRg st="4" end="4"/>
+                                            </p:txEl>
+                                          </p:spTgt>
+                                        </p:tgtEl>
+                                        <p:attrNameLst>
+                                          <p:attrName>ppt_x</p:attrName>
+                                        </p:attrNameLst>
+                                      </p:cBhvr>
+                                      <p:tavLst>
+                                        <p:tav tm="0">
+                                          <p:val>
+                                            <p:strVal val="#ppt_x"/>
+                                          </p:val>
+                                        </p:tav>
+                                        <p:tav tm="100000">
+                                          <p:val>
+                                            <p:strVal val="#ppt_x"/>
+                                          </p:val>
+                                        </p:tav>
+                                      </p:tavLst>
+                                    </p:anim>
+                                    <p:anim calcmode="lin" valueType="num">
+                                      <p:cBhvr>
+                                        <p:cTn id="19" dur="1000" fill="hold"/>
+                                        <p:tgtEl>
+                                          <p:spTgt spid="4">
+                                            <p:txEl>
+                                              <p:pRg st="4" end="4"/>
+                                            </p:txEl>
+                                          </p:spTgt>
+                                        </p:tgtEl>
+                                        <p:attrNameLst>
+                                          <p:attrName>ppt_y</p:attrName>
+                                        </p:attrNameLst>
+                                      </p:cBhvr>
+                                      <p:tavLst>
+                                        <p:tav tm="0">
+                                          <p:val>
+                                            <p:strVal val="#ppt_y+.1"/>
+                                          </p:val>
+                                        </p:tav>
+                                        <p:tav tm="100000">
+                                          <p:val>
+                                            <p:strVal val="#ppt_y"/>
+                                          </p:val>
+                                        </p:tav>
+                                      </p:tavLst>
+                                    </p:anim>
+                                  </p:childTnLst>
+                                </p:cTn>
+                              </p:par>
+                              <p:par>
+                                <p:cTn id="20" presetID="42" presetClass="entr" presetSubtype="0" fill="hold" grpId="0" nodeType="withEffect">
+                                  <p:stCondLst>
+                                    <p:cond delay="0"/>
+                                  </p:stCondLst>
+                                  <p:childTnLst>
+                                    <p:set>
+                                      <p:cBhvr>
+                                        <p:cTn id="21" dur="1" fill="hold">
+                                          <p:stCondLst>
+                                            <p:cond delay="0"/>
+                                          </p:stCondLst>
+                                        </p:cTn>
+                                        <p:tgtEl>
+                                          <p:spTgt spid="4">
+                                            <p:txEl>
+                                              <p:pRg st="5" end="5"/>
+                                            </p:txEl>
+                                          </p:spTgt>
+                                        </p:tgtEl>
+                                        <p:attrNameLst>
+                                          <p:attrName>style.visibility</p:attrName>
+                                        </p:attrNameLst>
+                                      </p:cBhvr>
+                                      <p:to>
+                                        <p:strVal val="visible"/>
+                                      </p:to>
+                                    </p:set>
+                                    <p:animEffect transition="in" filter="fade">
+                                      <p:cBhvr>
+                                        <p:cTn id="22" dur="1000"/>
+                                        <p:tgtEl>
+                                          <p:spTgt spid="4">
+                                            <p:txEl>
+                                              <p:pRg st="5" end="5"/>
+                                            </p:txEl>
+                                          </p:spTgt>
+                                        </p:tgtEl>
+                                      </p:cBhvr>
+                                    </p:animEffect>
+                                    <p:anim calcmode="lin" valueType="num">
+                                      <p:cBhvr>
+                                        <p:cTn id="23" dur="1000" fill="hold"/>
+                                        <p:tgtEl>
+                                          <p:spTgt spid="4">
+                                            <p:txEl>
+                                              <p:pRg st="5" end="5"/>
+                                            </p:txEl>
+                                          </p:spTgt>
+                                        </p:tgtEl>
+                                        <p:attrNameLst>
+                                          <p:attrName>ppt_x</p:attrName>
+                                        </p:attrNameLst>
+                                      </p:cBhvr>
+                                      <p:tavLst>
+                                        <p:tav tm="0">
+                                          <p:val>
+                                            <p:strVal val="#ppt_x"/>
+                                          </p:val>
+                                        </p:tav>
+                                        <p:tav tm="100000">
+                                          <p:val>
+                                            <p:strVal val="#ppt_x"/>
+                                          </p:val>
+                                        </p:tav>
+                                      </p:tavLst>
+                                    </p:anim>
+                                    <p:anim calcmode="lin" valueType="num">
+                                      <p:cBhvr>
+                                        <p:cTn id="24" dur="1000" fill="hold"/>
+                                        <p:tgtEl>
+                                          <p:spTgt spid="4">
+                                            <p:txEl>
+                                              <p:pRg st="5" end="5"/>
+                                            </p:txEl>
+                                          </p:spTgt>
+                                        </p:tgtEl>
+                                        <p:attrNameLst>
+                                          <p:attrName>ppt_y</p:attrName>
+                                        </p:attrNameLst>
+                                      </p:cBhvr>
+                                      <p:tavLst>
+                                        <p:tav tm="0">
+                                          <p:val>
+                                            <p:strVal val="#ppt_y+.1"/>
+                                          </p:val>
+                                        </p:tav>
+                                        <p:tav tm="100000">
+                                          <p:val>
+                                            <p:strVal val="#ppt_y"/>
+                                          </p:val>
+                                        </p:tav>
+                                      </p:tavLst>
+                                    </p:anim>
+                                  </p:childTnLst>
+                                </p:cTn>
+                              </p:par>
+                            </p:childTnLst>
+                          </p:cTn>
+                        </p:par>
+                      </p:childTnLst>
+                    </p:cTn>
+                  </p:par>
+                </p:childTnLst>
+              </p:cTn>
+              <p:prevCondLst>
+                <p:cond evt="onPrev" delay="0">
+                  <p:tgtEl>
+                    <p:sldTgt/>
+                  </p:tgtEl>
+                </p:cond>
+              </p:prevCondLst>
+              <p:nextCondLst>
+                <p:cond evt="onNext" delay="0">
+                  <p:tgtEl>
+                    <p:sldTgt/>
+                  </p:tgtEl>
+                </p:cond>
+              </p:nextCondLst>
+            </p:seq>
+          </p:childTnLst>
+        </p:cTn>
+      </p:par>
+    </p:tnLst>
+    <p:bldLst>
+      <p:bldP spid="4" grpId="0" uiExpand="1" build="allAtOnce"/>
+    </p:bldLst>
+  </p:timing>
 </p:sld>
 </file>
 
@@ -9035,7 +11243,7 @@
           <p:cNvPr id="2" name="Title 1">
             <a:extLst>
               <a:ext uri="{FF2B5EF4-FFF2-40B4-BE49-F238E27FC236}">
-                <a16:creationId xmlns:a16="http://schemas.microsoft.com/office/drawing/2014/main" id="{5EC9E542-460B-71CE-0A94-2D1744C8A330}"/>
+                <a16:creationId xmlns:a16="http://schemas.microsoft.com/office/drawing/2014/main" id="{9F4CB53C-A66E-62C5-BEDC-397091B461CA}"/>
               </a:ext>
             </a:extLst>
           </p:cNvPr>
@@ -9046,106 +11254,226 @@
             <p:ph type="title"/>
           </p:nvPr>
         </p:nvSpPr>
-        <p:spPr>
-          <a:xfrm>
-            <a:off x="8458200" y="2771472"/>
-            <a:ext cx="3161963" cy="1645920"/>
-          </a:xfrm>
-        </p:spPr>
-        <p:txBody>
-          <a:bodyPr>
-            <a:normAutofit fontScale="90000"/>
-          </a:bodyPr>
+        <p:spPr/>
+        <p:txBody>
+          <a:bodyPr/>
           <a:lstStyle/>
           <a:p>
             <a:r>
-              <a:rPr lang="pt-PT" dirty="0"/>
-              <a:t>Is the monthly fire count and burnt area distribution the same for all top 5 districts?</a:t>
-            </a:r>
-          </a:p>
-        </p:txBody>
-      </p:sp>
-      <p:pic>
-        <p:nvPicPr>
-          <p:cNvPr id="17" name="Picture 16">
+              <a:rPr lang="pt-PT" dirty="0">
+                <a:solidFill>
+                  <a:schemeClr val="bg1"/>
+                </a:solidFill>
+              </a:rPr>
+              <a:t>12 989 826</a:t>
+            </a:r>
+          </a:p>
+        </p:txBody>
+      </p:sp>
+      <p:sp>
+        <p:nvSpPr>
+          <p:cNvPr id="3" name="Text Placeholder 2">
             <a:extLst>
               <a:ext uri="{FF2B5EF4-FFF2-40B4-BE49-F238E27FC236}">
-                <a16:creationId xmlns:a16="http://schemas.microsoft.com/office/drawing/2014/main" id="{A06B2D82-6458-EF15-0918-7BC70DCF8EF1}"/>
+                <a16:creationId xmlns:a16="http://schemas.microsoft.com/office/drawing/2014/main" id="{FE7812D8-2607-4327-FD2F-29A302D351E2}"/>
               </a:ext>
             </a:extLst>
           </p:cNvPr>
-          <p:cNvPicPr>
-            <a:picLocks noChangeAspect="1"/>
-          </p:cNvPicPr>
-          <p:nvPr/>
-        </p:nvPicPr>
-        <p:blipFill>
-          <a:blip r:embed="rId3"/>
-          <a:stretch>
-            <a:fillRect/>
-          </a:stretch>
-        </p:blipFill>
-        <p:spPr>
-          <a:xfrm>
-            <a:off x="6454596" y="978485"/>
-            <a:ext cx="733384" cy="671949"/>
-          </a:xfrm>
-          <a:prstGeom prst="rect">
-            <a:avLst/>
-          </a:prstGeom>
-        </p:spPr>
-      </p:pic>
-      <p:pic>
-        <p:nvPicPr>
-          <p:cNvPr id="6" name="Content Placeholder 5">
-            <a:extLst>
-              <a:ext uri="{FF2B5EF4-FFF2-40B4-BE49-F238E27FC236}">
-                <a16:creationId xmlns:a16="http://schemas.microsoft.com/office/drawing/2014/main" id="{65A43F9F-B6E0-2BF6-610F-140DC7273059}"/>
-              </a:ext>
-            </a:extLst>
-          </p:cNvPr>
-          <p:cNvPicPr>
-            <a:picLocks noGrp="1" noChangeAspect="1"/>
-          </p:cNvPicPr>
-          <p:nvPr>
-            <p:ph idx="1"/>
-          </p:nvPr>
-        </p:nvPicPr>
-        <p:blipFill>
-          <a:blip r:embed="rId4">
-            <a:extLst>
-              <a:ext uri="{28A0092B-C50C-407E-A947-70E740481C1C}">
-                <a14:useLocalDpi xmlns:a14="http://schemas.microsoft.com/office/drawing/2010/main" val="0"/>
-              </a:ext>
-            </a:extLst>
-          </a:blip>
-          <a:stretch>
-            <a:fillRect/>
-          </a:stretch>
-        </p:blipFill>
-        <p:spPr>
-          <a:xfrm>
-            <a:off x="685800" y="708488"/>
-            <a:ext cx="6858000" cy="5136224"/>
-          </a:xfrm>
-        </p:spPr>
-      </p:pic>
+          <p:cNvSpPr>
+            <a:spLocks noGrp="1"/>
+          </p:cNvSpPr>
+          <p:nvPr>
+            <p:ph type="body" idx="1"/>
+          </p:nvPr>
+        </p:nvSpPr>
+        <p:spPr/>
+        <p:txBody>
+          <a:bodyPr/>
+          <a:lstStyle/>
+          <a:p>
+            <a:r>
+              <a:rPr lang="pt-PT" dirty="0">
+                <a:solidFill>
+                  <a:schemeClr val="bg1"/>
+                </a:solidFill>
+              </a:rPr>
+              <a:t>Co2 in T since 2013</a:t>
+            </a:r>
+          </a:p>
+        </p:txBody>
+      </p:sp>
     </p:spTree>
     <p:extLst>
       <p:ext uri="{BB962C8B-B14F-4D97-AF65-F5344CB8AC3E}">
-        <p14:creationId xmlns:p14="http://schemas.microsoft.com/office/powerpoint/2010/main" val="1984766668"/>
+        <p14:creationId xmlns:p14="http://schemas.microsoft.com/office/powerpoint/2010/main" val="3144691797"/>
       </p:ext>
     </p:extLst>
   </p:cSld>
   <p:clrMapOvr>
     <a:masterClrMapping/>
   </p:clrMapOvr>
+  <p:timing>
+    <p:tnLst>
+      <p:par>
+        <p:cTn id="1" dur="indefinite" restart="never" nodeType="tmRoot">
+          <p:childTnLst>
+            <p:seq concurrent="1" nextAc="seek">
+              <p:cTn id="2" dur="indefinite" nodeType="mainSeq">
+                <p:childTnLst>
+                  <p:par>
+                    <p:cTn id="3" fill="hold">
+                      <p:stCondLst>
+                        <p:cond delay="indefinite"/>
+                      </p:stCondLst>
+                      <p:childTnLst>
+                        <p:par>
+                          <p:cTn id="4" fill="hold">
+                            <p:stCondLst>
+                              <p:cond delay="0"/>
+                            </p:stCondLst>
+                            <p:childTnLst>
+                              <p:par>
+                                <p:cTn id="5" presetID="42" presetClass="entr" presetSubtype="0" fill="hold" grpId="0" nodeType="clickEffect">
+                                  <p:stCondLst>
+                                    <p:cond delay="0"/>
+                                  </p:stCondLst>
+                                  <p:childTnLst>
+                                    <p:set>
+                                      <p:cBhvr>
+                                        <p:cTn id="6" dur="1" fill="hold">
+                                          <p:stCondLst>
+                                            <p:cond delay="0"/>
+                                          </p:stCondLst>
+                                        </p:cTn>
+                                        <p:tgtEl>
+                                          <p:spTgt spid="3">
+                                            <p:txEl>
+                                              <p:pRg st="0" end="0"/>
+                                            </p:txEl>
+                                          </p:spTgt>
+                                        </p:tgtEl>
+                                        <p:attrNameLst>
+                                          <p:attrName>style.visibility</p:attrName>
+                                        </p:attrNameLst>
+                                      </p:cBhvr>
+                                      <p:to>
+                                        <p:strVal val="visible"/>
+                                      </p:to>
+                                    </p:set>
+                                    <p:animEffect transition="in" filter="fade">
+                                      <p:cBhvr>
+                                        <p:cTn id="7" dur="1000"/>
+                                        <p:tgtEl>
+                                          <p:spTgt spid="3">
+                                            <p:txEl>
+                                              <p:pRg st="0" end="0"/>
+                                            </p:txEl>
+                                          </p:spTgt>
+                                        </p:tgtEl>
+                                      </p:cBhvr>
+                                    </p:animEffect>
+                                    <p:anim calcmode="lin" valueType="num">
+                                      <p:cBhvr>
+                                        <p:cTn id="8" dur="1000" fill="hold"/>
+                                        <p:tgtEl>
+                                          <p:spTgt spid="3">
+                                            <p:txEl>
+                                              <p:pRg st="0" end="0"/>
+                                            </p:txEl>
+                                          </p:spTgt>
+                                        </p:tgtEl>
+                                        <p:attrNameLst>
+                                          <p:attrName>ppt_x</p:attrName>
+                                        </p:attrNameLst>
+                                      </p:cBhvr>
+                                      <p:tavLst>
+                                        <p:tav tm="0">
+                                          <p:val>
+                                            <p:strVal val="#ppt_x"/>
+                                          </p:val>
+                                        </p:tav>
+                                        <p:tav tm="100000">
+                                          <p:val>
+                                            <p:strVal val="#ppt_x"/>
+                                          </p:val>
+                                        </p:tav>
+                                      </p:tavLst>
+                                    </p:anim>
+                                    <p:anim calcmode="lin" valueType="num">
+                                      <p:cBhvr>
+                                        <p:cTn id="9" dur="1000" fill="hold"/>
+                                        <p:tgtEl>
+                                          <p:spTgt spid="3">
+                                            <p:txEl>
+                                              <p:pRg st="0" end="0"/>
+                                            </p:txEl>
+                                          </p:spTgt>
+                                        </p:tgtEl>
+                                        <p:attrNameLst>
+                                          <p:attrName>ppt_y</p:attrName>
+                                        </p:attrNameLst>
+                                      </p:cBhvr>
+                                      <p:tavLst>
+                                        <p:tav tm="0">
+                                          <p:val>
+                                            <p:strVal val="#ppt_y+.1"/>
+                                          </p:val>
+                                        </p:tav>
+                                        <p:tav tm="100000">
+                                          <p:val>
+                                            <p:strVal val="#ppt_y"/>
+                                          </p:val>
+                                        </p:tav>
+                                      </p:tavLst>
+                                    </p:anim>
+                                  </p:childTnLst>
+                                </p:cTn>
+                              </p:par>
+                            </p:childTnLst>
+                          </p:cTn>
+                        </p:par>
+                      </p:childTnLst>
+                    </p:cTn>
+                  </p:par>
+                </p:childTnLst>
+              </p:cTn>
+              <p:prevCondLst>
+                <p:cond evt="onPrev" delay="0">
+                  <p:tgtEl>
+                    <p:sldTgt/>
+                  </p:tgtEl>
+                </p:cond>
+              </p:prevCondLst>
+              <p:nextCondLst>
+                <p:cond evt="onNext" delay="0">
+                  <p:tgtEl>
+                    <p:sldTgt/>
+                  </p:tgtEl>
+                </p:cond>
+              </p:nextCondLst>
+            </p:seq>
+          </p:childTnLst>
+        </p:cTn>
+      </p:par>
+    </p:tnLst>
+    <p:bldLst>
+      <p:bldP spid="3" grpId="0" build="p"/>
+    </p:bldLst>
+  </p:timing>
 </p:sld>
 </file>
 
 <file path=ppt/slides/slide8.xml><?xml version="1.0" encoding="utf-8"?>
 <p:sld xmlns:a="http://schemas.openxmlformats.org/drawingml/2006/main" xmlns:r="http://schemas.openxmlformats.org/officeDocument/2006/relationships" xmlns:p="http://schemas.openxmlformats.org/presentationml/2006/main">
   <p:cSld>
+    <p:bg>
+      <p:bgPr>
+        <a:solidFill>
+          <a:schemeClr val="bg1"/>
+        </a:solidFill>
+        <a:effectLst/>
+      </p:bgPr>
+    </p:bg>
     <p:spTree>
       <p:nvGrpSpPr>
         <p:cNvPr id="1" name=""/>
@@ -9160,12 +11488,47 @@
           <a:chExt cx="0" cy="0"/>
         </a:xfrm>
       </p:grpSpPr>
+      <p:pic>
+        <p:nvPicPr>
+          <p:cNvPr id="21" name="Content Placeholder 20">
+            <a:extLst>
+              <a:ext uri="{FF2B5EF4-FFF2-40B4-BE49-F238E27FC236}">
+                <a16:creationId xmlns:a16="http://schemas.microsoft.com/office/drawing/2014/main" id="{A76533AE-2E44-55A6-A57B-075DD60C2B1F}"/>
+              </a:ext>
+            </a:extLst>
+          </p:cNvPr>
+          <p:cNvPicPr>
+            <a:picLocks noGrp="1" noChangeAspect="1"/>
+          </p:cNvPicPr>
+          <p:nvPr>
+            <p:ph idx="1"/>
+          </p:nvPr>
+        </p:nvPicPr>
+        <p:blipFill>
+          <a:blip r:embed="rId3">
+            <a:extLst>
+              <a:ext uri="{28A0092B-C50C-407E-A947-70E740481C1C}">
+                <a14:useLocalDpi xmlns:a14="http://schemas.microsoft.com/office/drawing/2010/main" val="0"/>
+              </a:ext>
+            </a:extLst>
+          </a:blip>
+          <a:stretch>
+            <a:fillRect/>
+          </a:stretch>
+        </p:blipFill>
+        <p:spPr>
+          <a:xfrm>
+            <a:off x="853084" y="618058"/>
+            <a:ext cx="6523431" cy="5334000"/>
+          </a:xfrm>
+        </p:spPr>
+      </p:pic>
       <p:sp>
         <p:nvSpPr>
           <p:cNvPr id="2" name="Title 1">
             <a:extLst>
               <a:ext uri="{FF2B5EF4-FFF2-40B4-BE49-F238E27FC236}">
-                <a16:creationId xmlns:a16="http://schemas.microsoft.com/office/drawing/2014/main" id="{0B359917-7591-2FC5-44C1-F5EBA05CEE19}"/>
+                <a16:creationId xmlns:a16="http://schemas.microsoft.com/office/drawing/2014/main" id="{5EC9E542-460B-71CE-0A94-2D1744C8A330}"/>
               </a:ext>
             </a:extLst>
           </p:cNvPr>
@@ -9174,6 +11537,34 @@
           </p:cNvSpPr>
           <p:nvPr>
             <p:ph type="title"/>
+          </p:nvPr>
+        </p:nvSpPr>
+        <p:spPr/>
+        <p:txBody>
+          <a:bodyPr/>
+          <a:lstStyle/>
+          <a:p>
+            <a:r>
+              <a:rPr lang="pt-PT" dirty="0"/>
+              <a:t>Are natural fires relevant?</a:t>
+            </a:r>
+          </a:p>
+        </p:txBody>
+      </p:sp>
+      <p:sp>
+        <p:nvSpPr>
+          <p:cNvPr id="13" name="Text Placeholder 12">
+            <a:extLst>
+              <a:ext uri="{FF2B5EF4-FFF2-40B4-BE49-F238E27FC236}">
+                <a16:creationId xmlns:a16="http://schemas.microsoft.com/office/drawing/2014/main" id="{844DD0CD-41CB-8297-CF34-1EEF3756F54E}"/>
+              </a:ext>
+            </a:extLst>
+          </p:cNvPr>
+          <p:cNvSpPr>
+            <a:spLocks noGrp="1"/>
+          </p:cNvSpPr>
+          <p:nvPr>
+            <p:ph type="body" sz="half" idx="2"/>
           </p:nvPr>
         </p:nvSpPr>
         <p:spPr/>
@@ -9184,51 +11575,42 @@
           <a:lstStyle/>
           <a:p>
             <a:r>
-              <a:rPr lang="pt-PT" sz="4400" b="1" dirty="0">
-                <a:solidFill>
-                  <a:schemeClr val="bg1"/>
-                </a:solidFill>
-              </a:rPr>
-              <a:t>Do the top 5 districts have a higher mean of fires than all the country?</a:t>
-            </a:r>
-          </a:p>
-        </p:txBody>
-      </p:sp>
-      <p:sp>
-        <p:nvSpPr>
-          <p:cNvPr id="3" name="Text Placeholder 2">
-            <a:extLst>
-              <a:ext uri="{FF2B5EF4-FFF2-40B4-BE49-F238E27FC236}">
-                <a16:creationId xmlns:a16="http://schemas.microsoft.com/office/drawing/2014/main" id="{D3920C8D-B001-8C9D-84C5-495B930B1BDD}"/>
-              </a:ext>
-            </a:extLst>
-          </p:cNvPr>
-          <p:cNvSpPr>
-            <a:spLocks noGrp="1"/>
-          </p:cNvSpPr>
-          <p:nvPr>
-            <p:ph type="body" idx="1"/>
-          </p:nvPr>
-        </p:nvSpPr>
-        <p:spPr>
-          <a:xfrm>
-            <a:off x="5974544" y="5345997"/>
-            <a:ext cx="8939784" cy="457200"/>
-          </a:xfrm>
-        </p:spPr>
-        <p:txBody>
-          <a:bodyPr>
-            <a:normAutofit/>
-          </a:bodyPr>
-          <a:lstStyle/>
-          <a:p>
-            <a:r>
-              <a:rPr lang="pt-PT" sz="1000" b="1" dirty="0">
-                <a:solidFill>
-                  <a:schemeClr val="bg1"/>
-                </a:solidFill>
-              </a:rPr>
-              <a:t>Hypothesis 1</a:t>
+              <a:rPr lang="pt-PT" sz="1600" b="1" dirty="0"/>
+              <a:t>No, they are not</a:t>
+            </a:r>
+            <a:r>
+              <a:rPr lang="pt-PT" sz="1600" dirty="0"/>
+              <a:t>, but we can look deeper and see interesting results as:</a:t>
+            </a:r>
+          </a:p>
+          <a:p>
+            <a:endParaRPr lang="pt-PT" sz="1600" dirty="0"/>
+          </a:p>
+          <a:p>
+            <a:pPr marL="342900" indent="-342900">
+              <a:buFont typeface="Arial" panose="020B0604020202020204" pitchFamily="34" charset="0"/>
+              <a:buChar char="•"/>
+            </a:pPr>
+            <a:r>
+              <a:rPr lang="pt-PT" sz="1400" dirty="0"/>
+              <a:t>Negligent fire is a problem in Portugal.</a:t>
+            </a:r>
+          </a:p>
+          <a:p>
+            <a:pPr marL="342900" indent="-342900">
+              <a:buFont typeface="Arial" panose="020B0604020202020204" pitchFamily="34" charset="0"/>
+              <a:buChar char="•"/>
+            </a:pPr>
+            <a:endParaRPr lang="pt-PT" sz="1400" dirty="0"/>
+          </a:p>
+          <a:p>
+            <a:pPr marL="342900" indent="-342900">
+              <a:buFont typeface="Arial" panose="020B0604020202020204" pitchFamily="34" charset="0"/>
+              <a:buChar char="•"/>
+            </a:pPr>
+            <a:r>
+              <a:rPr lang="pt-PT" sz="1400" dirty="0"/>
+              <a:t>The number of fires is actually decreasing.</a:t>
             </a:r>
           </a:p>
         </p:txBody>
@@ -9236,19 +11618,504 @@
     </p:spTree>
     <p:extLst>
       <p:ext uri="{BB962C8B-B14F-4D97-AF65-F5344CB8AC3E}">
-        <p14:creationId xmlns:p14="http://schemas.microsoft.com/office/powerpoint/2010/main" val="839735757"/>
+        <p14:creationId xmlns:p14="http://schemas.microsoft.com/office/powerpoint/2010/main" val="2108070086"/>
       </p:ext>
     </p:extLst>
   </p:cSld>
   <p:clrMapOvr>
     <a:masterClrMapping/>
   </p:clrMapOvr>
+  <p:timing>
+    <p:tnLst>
+      <p:par>
+        <p:cTn id="1" dur="indefinite" restart="never" nodeType="tmRoot">
+          <p:childTnLst>
+            <p:seq concurrent="1" nextAc="seek">
+              <p:cTn id="2" dur="indefinite" nodeType="mainSeq">
+                <p:childTnLst>
+                  <p:par>
+                    <p:cTn id="3" fill="hold">
+                      <p:stCondLst>
+                        <p:cond delay="indefinite"/>
+                      </p:stCondLst>
+                      <p:childTnLst>
+                        <p:par>
+                          <p:cTn id="4" fill="hold">
+                            <p:stCondLst>
+                              <p:cond delay="0"/>
+                            </p:stCondLst>
+                            <p:childTnLst>
+                              <p:par>
+                                <p:cTn id="5" presetID="42" presetClass="entr" presetSubtype="0" fill="hold" nodeType="clickEffect">
+                                  <p:stCondLst>
+                                    <p:cond delay="0"/>
+                                  </p:stCondLst>
+                                  <p:childTnLst>
+                                    <p:set>
+                                      <p:cBhvr>
+                                        <p:cTn id="6" dur="1" fill="hold">
+                                          <p:stCondLst>
+                                            <p:cond delay="0"/>
+                                          </p:stCondLst>
+                                        </p:cTn>
+                                        <p:tgtEl>
+                                          <p:spTgt spid="21"/>
+                                        </p:tgtEl>
+                                        <p:attrNameLst>
+                                          <p:attrName>style.visibility</p:attrName>
+                                        </p:attrNameLst>
+                                      </p:cBhvr>
+                                      <p:to>
+                                        <p:strVal val="visible"/>
+                                      </p:to>
+                                    </p:set>
+                                    <p:animEffect transition="in" filter="fade">
+                                      <p:cBhvr>
+                                        <p:cTn id="7" dur="1000"/>
+                                        <p:tgtEl>
+                                          <p:spTgt spid="21"/>
+                                        </p:tgtEl>
+                                      </p:cBhvr>
+                                    </p:animEffect>
+                                    <p:anim calcmode="lin" valueType="num">
+                                      <p:cBhvr>
+                                        <p:cTn id="8" dur="1000" fill="hold"/>
+                                        <p:tgtEl>
+                                          <p:spTgt spid="21"/>
+                                        </p:tgtEl>
+                                        <p:attrNameLst>
+                                          <p:attrName>ppt_x</p:attrName>
+                                        </p:attrNameLst>
+                                      </p:cBhvr>
+                                      <p:tavLst>
+                                        <p:tav tm="0">
+                                          <p:val>
+                                            <p:strVal val="#ppt_x"/>
+                                          </p:val>
+                                        </p:tav>
+                                        <p:tav tm="100000">
+                                          <p:val>
+                                            <p:strVal val="#ppt_x"/>
+                                          </p:val>
+                                        </p:tav>
+                                      </p:tavLst>
+                                    </p:anim>
+                                    <p:anim calcmode="lin" valueType="num">
+                                      <p:cBhvr>
+                                        <p:cTn id="9" dur="1000" fill="hold"/>
+                                        <p:tgtEl>
+                                          <p:spTgt spid="21"/>
+                                        </p:tgtEl>
+                                        <p:attrNameLst>
+                                          <p:attrName>ppt_y</p:attrName>
+                                        </p:attrNameLst>
+                                      </p:cBhvr>
+                                      <p:tavLst>
+                                        <p:tav tm="0">
+                                          <p:val>
+                                            <p:strVal val="#ppt_y+.1"/>
+                                          </p:val>
+                                        </p:tav>
+                                        <p:tav tm="100000">
+                                          <p:val>
+                                            <p:strVal val="#ppt_y"/>
+                                          </p:val>
+                                        </p:tav>
+                                      </p:tavLst>
+                                    </p:anim>
+                                  </p:childTnLst>
+                                </p:cTn>
+                              </p:par>
+                            </p:childTnLst>
+                          </p:cTn>
+                        </p:par>
+                      </p:childTnLst>
+                    </p:cTn>
+                  </p:par>
+                  <p:par>
+                    <p:cTn id="10" fill="hold">
+                      <p:stCondLst>
+                        <p:cond delay="indefinite"/>
+                      </p:stCondLst>
+                      <p:childTnLst>
+                        <p:par>
+                          <p:cTn id="11" fill="hold">
+                            <p:stCondLst>
+                              <p:cond delay="0"/>
+                            </p:stCondLst>
+                            <p:childTnLst>
+                              <p:par>
+                                <p:cTn id="12" presetID="42" presetClass="entr" presetSubtype="0" fill="hold" grpId="0" nodeType="clickEffect">
+                                  <p:stCondLst>
+                                    <p:cond delay="0"/>
+                                  </p:stCondLst>
+                                  <p:childTnLst>
+                                    <p:set>
+                                      <p:cBhvr>
+                                        <p:cTn id="13" dur="1" fill="hold">
+                                          <p:stCondLst>
+                                            <p:cond delay="0"/>
+                                          </p:stCondLst>
+                                        </p:cTn>
+                                        <p:tgtEl>
+                                          <p:spTgt spid="13">
+                                            <p:txEl>
+                                              <p:pRg st="0" end="0"/>
+                                            </p:txEl>
+                                          </p:spTgt>
+                                        </p:tgtEl>
+                                        <p:attrNameLst>
+                                          <p:attrName>style.visibility</p:attrName>
+                                        </p:attrNameLst>
+                                      </p:cBhvr>
+                                      <p:to>
+                                        <p:strVal val="visible"/>
+                                      </p:to>
+                                    </p:set>
+                                    <p:animEffect transition="in" filter="fade">
+                                      <p:cBhvr>
+                                        <p:cTn id="14" dur="1000"/>
+                                        <p:tgtEl>
+                                          <p:spTgt spid="13">
+                                            <p:txEl>
+                                              <p:pRg st="0" end="0"/>
+                                            </p:txEl>
+                                          </p:spTgt>
+                                        </p:tgtEl>
+                                      </p:cBhvr>
+                                    </p:animEffect>
+                                    <p:anim calcmode="lin" valueType="num">
+                                      <p:cBhvr>
+                                        <p:cTn id="15" dur="1000" fill="hold"/>
+                                        <p:tgtEl>
+                                          <p:spTgt spid="13">
+                                            <p:txEl>
+                                              <p:pRg st="0" end="0"/>
+                                            </p:txEl>
+                                          </p:spTgt>
+                                        </p:tgtEl>
+                                        <p:attrNameLst>
+                                          <p:attrName>ppt_x</p:attrName>
+                                        </p:attrNameLst>
+                                      </p:cBhvr>
+                                      <p:tavLst>
+                                        <p:tav tm="0">
+                                          <p:val>
+                                            <p:strVal val="#ppt_x"/>
+                                          </p:val>
+                                        </p:tav>
+                                        <p:tav tm="100000">
+                                          <p:val>
+                                            <p:strVal val="#ppt_x"/>
+                                          </p:val>
+                                        </p:tav>
+                                      </p:tavLst>
+                                    </p:anim>
+                                    <p:anim calcmode="lin" valueType="num">
+                                      <p:cBhvr>
+                                        <p:cTn id="16" dur="1000" fill="hold"/>
+                                        <p:tgtEl>
+                                          <p:spTgt spid="13">
+                                            <p:txEl>
+                                              <p:pRg st="0" end="0"/>
+                                            </p:txEl>
+                                          </p:spTgt>
+                                        </p:tgtEl>
+                                        <p:attrNameLst>
+                                          <p:attrName>ppt_y</p:attrName>
+                                        </p:attrNameLst>
+                                      </p:cBhvr>
+                                      <p:tavLst>
+                                        <p:tav tm="0">
+                                          <p:val>
+                                            <p:strVal val="#ppt_y+.1"/>
+                                          </p:val>
+                                        </p:tav>
+                                        <p:tav tm="100000">
+                                          <p:val>
+                                            <p:strVal val="#ppt_y"/>
+                                          </p:val>
+                                        </p:tav>
+                                      </p:tavLst>
+                                    </p:anim>
+                                  </p:childTnLst>
+                                </p:cTn>
+                              </p:par>
+                            </p:childTnLst>
+                          </p:cTn>
+                        </p:par>
+                      </p:childTnLst>
+                    </p:cTn>
+                  </p:par>
+                  <p:par>
+                    <p:cTn id="17" fill="hold">
+                      <p:stCondLst>
+                        <p:cond delay="indefinite"/>
+                      </p:stCondLst>
+                      <p:childTnLst>
+                        <p:par>
+                          <p:cTn id="18" fill="hold">
+                            <p:stCondLst>
+                              <p:cond delay="0"/>
+                            </p:stCondLst>
+                            <p:childTnLst>
+                              <p:par>
+                                <p:cTn id="19" presetID="42" presetClass="entr" presetSubtype="0" fill="hold" grpId="0" nodeType="clickEffect">
+                                  <p:stCondLst>
+                                    <p:cond delay="0"/>
+                                  </p:stCondLst>
+                                  <p:childTnLst>
+                                    <p:set>
+                                      <p:cBhvr>
+                                        <p:cTn id="20" dur="1" fill="hold">
+                                          <p:stCondLst>
+                                            <p:cond delay="0"/>
+                                          </p:stCondLst>
+                                        </p:cTn>
+                                        <p:tgtEl>
+                                          <p:spTgt spid="13">
+                                            <p:txEl>
+                                              <p:pRg st="2" end="2"/>
+                                            </p:txEl>
+                                          </p:spTgt>
+                                        </p:tgtEl>
+                                        <p:attrNameLst>
+                                          <p:attrName>style.visibility</p:attrName>
+                                        </p:attrNameLst>
+                                      </p:cBhvr>
+                                      <p:to>
+                                        <p:strVal val="visible"/>
+                                      </p:to>
+                                    </p:set>
+                                    <p:animEffect transition="in" filter="fade">
+                                      <p:cBhvr>
+                                        <p:cTn id="21" dur="1000"/>
+                                        <p:tgtEl>
+                                          <p:spTgt spid="13">
+                                            <p:txEl>
+                                              <p:pRg st="2" end="2"/>
+                                            </p:txEl>
+                                          </p:spTgt>
+                                        </p:tgtEl>
+                                      </p:cBhvr>
+                                    </p:animEffect>
+                                    <p:anim calcmode="lin" valueType="num">
+                                      <p:cBhvr>
+                                        <p:cTn id="22" dur="1000" fill="hold"/>
+                                        <p:tgtEl>
+                                          <p:spTgt spid="13">
+                                            <p:txEl>
+                                              <p:pRg st="2" end="2"/>
+                                            </p:txEl>
+                                          </p:spTgt>
+                                        </p:tgtEl>
+                                        <p:attrNameLst>
+                                          <p:attrName>ppt_x</p:attrName>
+                                        </p:attrNameLst>
+                                      </p:cBhvr>
+                                      <p:tavLst>
+                                        <p:tav tm="0">
+                                          <p:val>
+                                            <p:strVal val="#ppt_x"/>
+                                          </p:val>
+                                        </p:tav>
+                                        <p:tav tm="100000">
+                                          <p:val>
+                                            <p:strVal val="#ppt_x"/>
+                                          </p:val>
+                                        </p:tav>
+                                      </p:tavLst>
+                                    </p:anim>
+                                    <p:anim calcmode="lin" valueType="num">
+                                      <p:cBhvr>
+                                        <p:cTn id="23" dur="1000" fill="hold"/>
+                                        <p:tgtEl>
+                                          <p:spTgt spid="13">
+                                            <p:txEl>
+                                              <p:pRg st="2" end="2"/>
+                                            </p:txEl>
+                                          </p:spTgt>
+                                        </p:tgtEl>
+                                        <p:attrNameLst>
+                                          <p:attrName>ppt_y</p:attrName>
+                                        </p:attrNameLst>
+                                      </p:cBhvr>
+                                      <p:tavLst>
+                                        <p:tav tm="0">
+                                          <p:val>
+                                            <p:strVal val="#ppt_y+.1"/>
+                                          </p:val>
+                                        </p:tav>
+                                        <p:tav tm="100000">
+                                          <p:val>
+                                            <p:strVal val="#ppt_y"/>
+                                          </p:val>
+                                        </p:tav>
+                                      </p:tavLst>
+                                    </p:anim>
+                                  </p:childTnLst>
+                                </p:cTn>
+                              </p:par>
+                            </p:childTnLst>
+                          </p:cTn>
+                        </p:par>
+                      </p:childTnLst>
+                    </p:cTn>
+                  </p:par>
+                  <p:par>
+                    <p:cTn id="24" fill="hold">
+                      <p:stCondLst>
+                        <p:cond delay="indefinite"/>
+                      </p:stCondLst>
+                      <p:childTnLst>
+                        <p:par>
+                          <p:cTn id="25" fill="hold">
+                            <p:stCondLst>
+                              <p:cond delay="0"/>
+                            </p:stCondLst>
+                            <p:childTnLst>
+                              <p:par>
+                                <p:cTn id="26" presetID="42" presetClass="entr" presetSubtype="0" fill="hold" grpId="0" nodeType="clickEffect">
+                                  <p:stCondLst>
+                                    <p:cond delay="0"/>
+                                  </p:stCondLst>
+                                  <p:childTnLst>
+                                    <p:set>
+                                      <p:cBhvr>
+                                        <p:cTn id="27" dur="1" fill="hold">
+                                          <p:stCondLst>
+                                            <p:cond delay="0"/>
+                                          </p:stCondLst>
+                                        </p:cTn>
+                                        <p:tgtEl>
+                                          <p:spTgt spid="13">
+                                            <p:txEl>
+                                              <p:pRg st="4" end="4"/>
+                                            </p:txEl>
+                                          </p:spTgt>
+                                        </p:tgtEl>
+                                        <p:attrNameLst>
+                                          <p:attrName>style.visibility</p:attrName>
+                                        </p:attrNameLst>
+                                      </p:cBhvr>
+                                      <p:to>
+                                        <p:strVal val="visible"/>
+                                      </p:to>
+                                    </p:set>
+                                    <p:animEffect transition="in" filter="fade">
+                                      <p:cBhvr>
+                                        <p:cTn id="28" dur="1000"/>
+                                        <p:tgtEl>
+                                          <p:spTgt spid="13">
+                                            <p:txEl>
+                                              <p:pRg st="4" end="4"/>
+                                            </p:txEl>
+                                          </p:spTgt>
+                                        </p:tgtEl>
+                                      </p:cBhvr>
+                                    </p:animEffect>
+                                    <p:anim calcmode="lin" valueType="num">
+                                      <p:cBhvr>
+                                        <p:cTn id="29" dur="1000" fill="hold"/>
+                                        <p:tgtEl>
+                                          <p:spTgt spid="13">
+                                            <p:txEl>
+                                              <p:pRg st="4" end="4"/>
+                                            </p:txEl>
+                                          </p:spTgt>
+                                        </p:tgtEl>
+                                        <p:attrNameLst>
+                                          <p:attrName>ppt_x</p:attrName>
+                                        </p:attrNameLst>
+                                      </p:cBhvr>
+                                      <p:tavLst>
+                                        <p:tav tm="0">
+                                          <p:val>
+                                            <p:strVal val="#ppt_x"/>
+                                          </p:val>
+                                        </p:tav>
+                                        <p:tav tm="100000">
+                                          <p:val>
+                                            <p:strVal val="#ppt_x"/>
+                                          </p:val>
+                                        </p:tav>
+                                      </p:tavLst>
+                                    </p:anim>
+                                    <p:anim calcmode="lin" valueType="num">
+                                      <p:cBhvr>
+                                        <p:cTn id="30" dur="1000" fill="hold"/>
+                                        <p:tgtEl>
+                                          <p:spTgt spid="13">
+                                            <p:txEl>
+                                              <p:pRg st="4" end="4"/>
+                                            </p:txEl>
+                                          </p:spTgt>
+                                        </p:tgtEl>
+                                        <p:attrNameLst>
+                                          <p:attrName>ppt_y</p:attrName>
+                                        </p:attrNameLst>
+                                      </p:cBhvr>
+                                      <p:tavLst>
+                                        <p:tav tm="0">
+                                          <p:val>
+                                            <p:strVal val="#ppt_y+.1"/>
+                                          </p:val>
+                                        </p:tav>
+                                        <p:tav tm="100000">
+                                          <p:val>
+                                            <p:strVal val="#ppt_y"/>
+                                          </p:val>
+                                        </p:tav>
+                                      </p:tavLst>
+                                    </p:anim>
+                                  </p:childTnLst>
+                                </p:cTn>
+                              </p:par>
+                            </p:childTnLst>
+                          </p:cTn>
+                        </p:par>
+                      </p:childTnLst>
+                    </p:cTn>
+                  </p:par>
+                </p:childTnLst>
+              </p:cTn>
+              <p:prevCondLst>
+                <p:cond evt="onPrev" delay="0">
+                  <p:tgtEl>
+                    <p:sldTgt/>
+                  </p:tgtEl>
+                </p:cond>
+              </p:prevCondLst>
+              <p:nextCondLst>
+                <p:cond evt="onNext" delay="0">
+                  <p:tgtEl>
+                    <p:sldTgt/>
+                  </p:tgtEl>
+                </p:cond>
+              </p:nextCondLst>
+            </p:seq>
+          </p:childTnLst>
+        </p:cTn>
+      </p:par>
+    </p:tnLst>
+    <p:bldLst>
+      <p:bldP spid="13" grpId="0" uiExpand="1" build="p"/>
+    </p:bldLst>
+  </p:timing>
 </p:sld>
 </file>
 
 <file path=ppt/slides/slide9.xml><?xml version="1.0" encoding="utf-8"?>
 <p:sld xmlns:a="http://schemas.openxmlformats.org/drawingml/2006/main" xmlns:r="http://schemas.openxmlformats.org/officeDocument/2006/relationships" xmlns:p="http://schemas.openxmlformats.org/presentationml/2006/main">
   <p:cSld>
+    <p:bg>
+      <p:bgPr>
+        <a:solidFill>
+          <a:schemeClr val="bg1"/>
+        </a:solidFill>
+        <a:effectLst/>
+      </p:bgPr>
+    </p:bg>
     <p:spTree>
       <p:nvGrpSpPr>
         <p:cNvPr id="1" name=""/>
@@ -9263,12 +12130,47 @@
           <a:chExt cx="0" cy="0"/>
         </a:xfrm>
       </p:grpSpPr>
+      <p:pic>
+        <p:nvPicPr>
+          <p:cNvPr id="7" name="Content Placeholder 6">
+            <a:extLst>
+              <a:ext uri="{FF2B5EF4-FFF2-40B4-BE49-F238E27FC236}">
+                <a16:creationId xmlns:a16="http://schemas.microsoft.com/office/drawing/2014/main" id="{8B75252F-1AD3-C7F9-398E-BB7C9ABF06B9}"/>
+              </a:ext>
+            </a:extLst>
+          </p:cNvPr>
+          <p:cNvPicPr>
+            <a:picLocks noGrp="1" noChangeAspect="1"/>
+          </p:cNvPicPr>
+          <p:nvPr>
+            <p:ph idx="1"/>
+          </p:nvPr>
+        </p:nvPicPr>
+        <p:blipFill>
+          <a:blip r:embed="rId3">
+            <a:extLst>
+              <a:ext uri="{28A0092B-C50C-407E-A947-70E740481C1C}">
+                <a14:useLocalDpi xmlns:a14="http://schemas.microsoft.com/office/drawing/2010/main" val="0"/>
+              </a:ext>
+            </a:extLst>
+          </a:blip>
+          <a:stretch>
+            <a:fillRect/>
+          </a:stretch>
+        </p:blipFill>
+        <p:spPr>
+          <a:xfrm>
+            <a:off x="685800" y="894475"/>
+            <a:ext cx="6858000" cy="4764250"/>
+          </a:xfrm>
+        </p:spPr>
+      </p:pic>
       <p:sp>
         <p:nvSpPr>
           <p:cNvPr id="2" name="Title 1">
             <a:extLst>
               <a:ext uri="{FF2B5EF4-FFF2-40B4-BE49-F238E27FC236}">
-                <a16:creationId xmlns:a16="http://schemas.microsoft.com/office/drawing/2014/main" id="{0B359917-7591-2FC5-44C1-F5EBA05CEE19}"/>
+                <a16:creationId xmlns:a16="http://schemas.microsoft.com/office/drawing/2014/main" id="{5EC9E542-460B-71CE-0A94-2D1744C8A330}"/>
               </a:ext>
             </a:extLst>
           </p:cNvPr>
@@ -9279,59 +12181,21 @@
             <p:ph type="title"/>
           </p:nvPr>
         </p:nvSpPr>
-        <p:spPr/>
+        <p:spPr>
+          <a:xfrm>
+            <a:off x="8458200" y="2771472"/>
+            <a:ext cx="3161963" cy="1645920"/>
+          </a:xfrm>
+        </p:spPr>
         <p:txBody>
           <a:bodyPr>
-            <a:normAutofit/>
+            <a:normAutofit fontScale="90000"/>
           </a:bodyPr>
           <a:lstStyle/>
           <a:p>
             <a:r>
-              <a:rPr lang="pt-PT" sz="4400" b="1" dirty="0">
-                <a:solidFill>
-                  <a:schemeClr val="bg1"/>
-                </a:solidFill>
-              </a:rPr>
-              <a:t>Do the top 5 districts have a higher re-ignition mean than all the country?</a:t>
-            </a:r>
-          </a:p>
-        </p:txBody>
-      </p:sp>
-      <p:sp>
-        <p:nvSpPr>
-          <p:cNvPr id="3" name="Text Placeholder 2">
-            <a:extLst>
-              <a:ext uri="{FF2B5EF4-FFF2-40B4-BE49-F238E27FC236}">
-                <a16:creationId xmlns:a16="http://schemas.microsoft.com/office/drawing/2014/main" id="{D3920C8D-B001-8C9D-84C5-495B930B1BDD}"/>
-              </a:ext>
-            </a:extLst>
-          </p:cNvPr>
-          <p:cNvSpPr>
-            <a:spLocks noGrp="1"/>
-          </p:cNvSpPr>
-          <p:nvPr>
-            <p:ph type="body" idx="1"/>
-          </p:nvPr>
-        </p:nvSpPr>
-        <p:spPr>
-          <a:xfrm>
-            <a:off x="5946715" y="5334069"/>
-            <a:ext cx="8939784" cy="457200"/>
-          </a:xfrm>
-        </p:spPr>
-        <p:txBody>
-          <a:bodyPr>
-            <a:normAutofit/>
-          </a:bodyPr>
-          <a:lstStyle/>
-          <a:p>
-            <a:r>
-              <a:rPr lang="pt-PT" sz="1000" b="1" dirty="0">
-                <a:solidFill>
-                  <a:schemeClr val="bg1"/>
-                </a:solidFill>
-              </a:rPr>
-              <a:t>Hypothesis 2</a:t>
+              <a:rPr lang="pt-PT" dirty="0"/>
+              <a:t>Is the monthly fire count and burnt area distribution the same for all top 5 districts?</a:t>
             </a:r>
           </a:p>
         </p:txBody>
@@ -9339,7 +12203,7 @@
     </p:spTree>
     <p:extLst>
       <p:ext uri="{BB962C8B-B14F-4D97-AF65-F5344CB8AC3E}">
-        <p14:creationId xmlns:p14="http://schemas.microsoft.com/office/powerpoint/2010/main" val="1695507025"/>
+        <p14:creationId xmlns:p14="http://schemas.microsoft.com/office/powerpoint/2010/main" val="1984766668"/>
       </p:ext>
     </p:extLst>
   </p:cSld>

--- a/Presentation/The fires in Portugal.pptx
+++ b/Presentation/The fires in Portugal.pptx
@@ -20,8 +20,8 @@
     <p:sldId id="269" r:id="rId8"/>
     <p:sldId id="259" r:id="rId9"/>
     <p:sldId id="275" r:id="rId10"/>
-    <p:sldId id="276" r:id="rId11"/>
-    <p:sldId id="277" r:id="rId12"/>
+    <p:sldId id="281" r:id="rId11"/>
+    <p:sldId id="282" r:id="rId12"/>
     <p:sldId id="270" r:id="rId13"/>
     <p:sldId id="273" r:id="rId14"/>
     <p:sldId id="261" r:id="rId15"/>
@@ -820,7 +820,10 @@
           <a:bodyPr/>
           <a:lstStyle/>
           <a:p>
-            <a:endParaRPr lang="pt-PT"/>
+            <a:r>
+              <a:rPr lang="pt-PT" dirty="0"/>
+              <a:t>Only showing the worst 5 months, the worst ones.</a:t>
+            </a:r>
           </a:p>
         </p:txBody>
       </p:sp>
@@ -875,7 +878,7 @@
     </p:spTree>
     <p:extLst>
       <p:ext uri="{BB962C8B-B14F-4D97-AF65-F5344CB8AC3E}">
-        <p14:creationId xmlns:p14="http://schemas.microsoft.com/office/powerpoint/2010/main" val="3810864359"/>
+        <p14:creationId xmlns:p14="http://schemas.microsoft.com/office/powerpoint/2010/main" val="2657044271"/>
       </p:ext>
     </p:extLst>
   </p:cSld>
@@ -929,7 +932,10 @@
           <a:bodyPr/>
           <a:lstStyle/>
           <a:p>
-            <a:endParaRPr lang="pt-PT"/>
+            <a:r>
+              <a:rPr lang="pt-PT" dirty="0"/>
+              <a:t>Only showing the worst 5 months, the worst ones.</a:t>
+            </a:r>
           </a:p>
         </p:txBody>
       </p:sp>
@@ -984,7 +990,7 @@
     </p:spTree>
     <p:extLst>
       <p:ext uri="{BB962C8B-B14F-4D97-AF65-F5344CB8AC3E}">
-        <p14:creationId xmlns:p14="http://schemas.microsoft.com/office/powerpoint/2010/main" val="1738861002"/>
+        <p14:creationId xmlns:p14="http://schemas.microsoft.com/office/powerpoint/2010/main" val="1630937399"/>
       </p:ext>
     </p:extLst>
   </p:cSld>
@@ -1591,7 +1597,7 @@
           <a:p>
             <a:r>
               <a:rPr lang="pt-PT" dirty="0"/>
-              <a:t>Only scratched the surface.</a:t>
+              <a:t>Only scratched the surface, some of the next steps are:</a:t>
             </a:r>
           </a:p>
           <a:p>
@@ -1618,13 +1624,8 @@
             </a:pPr>
             <a:r>
               <a:rPr lang="pt-PT" dirty="0"/>
-              <a:t>Understand why the investigation of fires fails so much in some countys as Pt. </a:t>
-            </a:r>
-            <a:r>
-              <a:rPr lang="pt-PT"/>
-              <a:t>De lima in Viana.</a:t>
-            </a:r>
-            <a:endParaRPr lang="pt-PT" dirty="0"/>
+              <a:t>Understand why the investigation of fires fails so much in some countys as Pt. De lima in Viana.</a:t>
+            </a:r>
           </a:p>
           <a:p>
             <a:pPr marL="171450" indent="-171450">
@@ -7034,12 +7035,47 @@
           <a:chExt cx="0" cy="0"/>
         </a:xfrm>
       </p:grpSpPr>
+      <p:sp>
+        <p:nvSpPr>
+          <p:cNvPr id="2" name="Title 1">
+            <a:extLst>
+              <a:ext uri="{FF2B5EF4-FFF2-40B4-BE49-F238E27FC236}">
+                <a16:creationId xmlns:a16="http://schemas.microsoft.com/office/drawing/2014/main" id="{5EC9E542-460B-71CE-0A94-2D1744C8A330}"/>
+              </a:ext>
+            </a:extLst>
+          </p:cNvPr>
+          <p:cNvSpPr>
+            <a:spLocks noGrp="1"/>
+          </p:cNvSpPr>
+          <p:nvPr>
+            <p:ph type="title"/>
+          </p:nvPr>
+        </p:nvSpPr>
+        <p:spPr>
+          <a:xfrm>
+            <a:off x="8458200" y="1988288"/>
+            <a:ext cx="3161963" cy="2881424"/>
+          </a:xfrm>
+        </p:spPr>
+        <p:txBody>
+          <a:bodyPr>
+            <a:normAutofit fontScale="90000"/>
+          </a:bodyPr>
+          <a:lstStyle/>
+          <a:p>
+            <a:r>
+              <a:rPr lang="pt-PT" dirty="0"/>
+              <a:t>Are the monthly fire count and burnt area distribution the same for all top 5 districts?</a:t>
+            </a:r>
+          </a:p>
+        </p:txBody>
+      </p:sp>
       <p:pic>
         <p:nvPicPr>
           <p:cNvPr id="6" name="Content Placeholder 5">
             <a:extLst>
               <a:ext uri="{FF2B5EF4-FFF2-40B4-BE49-F238E27FC236}">
-                <a16:creationId xmlns:a16="http://schemas.microsoft.com/office/drawing/2014/main" id="{78214A06-CDE0-065D-836C-8C098E1337FB}"/>
+                <a16:creationId xmlns:a16="http://schemas.microsoft.com/office/drawing/2014/main" id="{E372D8BB-3295-DB46-43C8-235AB39FDA3B}"/>
               </a:ext>
             </a:extLst>
           </p:cNvPr>
@@ -7069,63 +7105,16 @@
           </a:xfrm>
         </p:spPr>
       </p:pic>
-      <p:sp>
-        <p:nvSpPr>
-          <p:cNvPr id="2" name="Title 1">
-            <a:extLst>
-              <a:ext uri="{FF2B5EF4-FFF2-40B4-BE49-F238E27FC236}">
-                <a16:creationId xmlns:a16="http://schemas.microsoft.com/office/drawing/2014/main" id="{5EC9E542-460B-71CE-0A94-2D1744C8A330}"/>
-              </a:ext>
-            </a:extLst>
-          </p:cNvPr>
-          <p:cNvSpPr>
-            <a:spLocks noGrp="1"/>
-          </p:cNvSpPr>
-          <p:nvPr>
-            <p:ph type="title"/>
-          </p:nvPr>
-        </p:nvSpPr>
-        <p:spPr>
-          <a:xfrm>
-            <a:off x="8458200" y="2771472"/>
-            <a:ext cx="3161963" cy="1645920"/>
-          </a:xfrm>
-        </p:spPr>
-        <p:txBody>
-          <a:bodyPr>
-            <a:normAutofit fontScale="90000"/>
-          </a:bodyPr>
-          <a:lstStyle/>
-          <a:p>
-            <a:r>
-              <a:rPr lang="pt-PT" dirty="0"/>
-              <a:t>Is the monthly fire count and burnt area distribution the same for all top 5 districts?</a:t>
-            </a:r>
-          </a:p>
-        </p:txBody>
-      </p:sp>
     </p:spTree>
     <p:extLst>
       <p:ext uri="{BB962C8B-B14F-4D97-AF65-F5344CB8AC3E}">
-        <p14:creationId xmlns:p14="http://schemas.microsoft.com/office/powerpoint/2010/main" val="2463697128"/>
+        <p14:creationId xmlns:p14="http://schemas.microsoft.com/office/powerpoint/2010/main" val="1875267913"/>
       </p:ext>
     </p:extLst>
   </p:cSld>
   <p:clrMapOvr>
     <a:masterClrMapping/>
   </p:clrMapOvr>
-  <mc:AlternateContent xmlns:mc="http://schemas.openxmlformats.org/markup-compatibility/2006" xmlns:p159="http://schemas.microsoft.com/office/powerpoint/2015/09/main">
-    <mc:Choice Requires="p159">
-      <p:transition xmlns:p14="http://schemas.microsoft.com/office/powerpoint/2010/main" spd="slow" p14:dur="2000">
-        <p159:morph option="byObject"/>
-      </p:transition>
-    </mc:Choice>
-    <mc:Fallback xmlns="">
-      <p:transition spd="slow">
-        <p:fade/>
-      </p:transition>
-    </mc:Fallback>
-  </mc:AlternateContent>
 </p:sld>
 </file>
 
@@ -7154,12 +7143,47 @@
           <a:chExt cx="0" cy="0"/>
         </a:xfrm>
       </p:grpSpPr>
+      <p:sp>
+        <p:nvSpPr>
+          <p:cNvPr id="2" name="Title 1">
+            <a:extLst>
+              <a:ext uri="{FF2B5EF4-FFF2-40B4-BE49-F238E27FC236}">
+                <a16:creationId xmlns:a16="http://schemas.microsoft.com/office/drawing/2014/main" id="{5EC9E542-460B-71CE-0A94-2D1744C8A330}"/>
+              </a:ext>
+            </a:extLst>
+          </p:cNvPr>
+          <p:cNvSpPr>
+            <a:spLocks noGrp="1"/>
+          </p:cNvSpPr>
+          <p:nvPr>
+            <p:ph type="title"/>
+          </p:nvPr>
+        </p:nvSpPr>
+        <p:spPr>
+          <a:xfrm>
+            <a:off x="8458200" y="1988288"/>
+            <a:ext cx="3161963" cy="2881424"/>
+          </a:xfrm>
+        </p:spPr>
+        <p:txBody>
+          <a:bodyPr>
+            <a:normAutofit fontScale="90000"/>
+          </a:bodyPr>
+          <a:lstStyle/>
+          <a:p>
+            <a:r>
+              <a:rPr lang="pt-PT" dirty="0"/>
+              <a:t>Are the monthly fire count and burnt area distribution the same for all top 5 districts?</a:t>
+            </a:r>
+          </a:p>
+        </p:txBody>
+      </p:sp>
       <p:pic>
         <p:nvPicPr>
           <p:cNvPr id="6" name="Content Placeholder 5">
             <a:extLst>
               <a:ext uri="{FF2B5EF4-FFF2-40B4-BE49-F238E27FC236}">
-                <a16:creationId xmlns:a16="http://schemas.microsoft.com/office/drawing/2014/main" id="{D7F6BA1C-643A-BF54-66F9-4EB2CE5416C2}"/>
+                <a16:creationId xmlns:a16="http://schemas.microsoft.com/office/drawing/2014/main" id="{AD4E12ED-3F34-7520-36BC-720B4160AF1D}"/>
               </a:ext>
             </a:extLst>
           </p:cNvPr>
@@ -7189,63 +7213,16 @@
           </a:xfrm>
         </p:spPr>
       </p:pic>
-      <p:sp>
-        <p:nvSpPr>
-          <p:cNvPr id="2" name="Title 1">
-            <a:extLst>
-              <a:ext uri="{FF2B5EF4-FFF2-40B4-BE49-F238E27FC236}">
-                <a16:creationId xmlns:a16="http://schemas.microsoft.com/office/drawing/2014/main" id="{5EC9E542-460B-71CE-0A94-2D1744C8A330}"/>
-              </a:ext>
-            </a:extLst>
-          </p:cNvPr>
-          <p:cNvSpPr>
-            <a:spLocks noGrp="1"/>
-          </p:cNvSpPr>
-          <p:nvPr>
-            <p:ph type="title"/>
-          </p:nvPr>
-        </p:nvSpPr>
-        <p:spPr>
-          <a:xfrm>
-            <a:off x="8458200" y="2771472"/>
-            <a:ext cx="3161963" cy="1645920"/>
-          </a:xfrm>
-        </p:spPr>
-        <p:txBody>
-          <a:bodyPr>
-            <a:normAutofit fontScale="90000"/>
-          </a:bodyPr>
-          <a:lstStyle/>
-          <a:p>
-            <a:r>
-              <a:rPr lang="pt-PT" dirty="0"/>
-              <a:t>Is the monthly fire count and burnt area distribution the same for all top 5 districts?</a:t>
-            </a:r>
-          </a:p>
-        </p:txBody>
-      </p:sp>
     </p:spTree>
     <p:extLst>
       <p:ext uri="{BB962C8B-B14F-4D97-AF65-F5344CB8AC3E}">
-        <p14:creationId xmlns:p14="http://schemas.microsoft.com/office/powerpoint/2010/main" val="1948297159"/>
+        <p14:creationId xmlns:p14="http://schemas.microsoft.com/office/powerpoint/2010/main" val="1914119302"/>
       </p:ext>
     </p:extLst>
   </p:cSld>
   <p:clrMapOvr>
     <a:masterClrMapping/>
   </p:clrMapOvr>
-  <mc:AlternateContent xmlns:mc="http://schemas.openxmlformats.org/markup-compatibility/2006" xmlns:p159="http://schemas.microsoft.com/office/powerpoint/2015/09/main">
-    <mc:Choice Requires="p159">
-      <p:transition xmlns:p14="http://schemas.microsoft.com/office/powerpoint/2010/main" spd="slow" p14:dur="2000">
-        <p159:morph option="byObject"/>
-      </p:transition>
-    </mc:Choice>
-    <mc:Fallback xmlns="">
-      <p:transition spd="slow">
-        <p:fade/>
-      </p:transition>
-    </mc:Fallback>
-  </mc:AlternateContent>
 </p:sld>
 </file>
 
@@ -8417,7 +8394,7 @@
           <a:p>
             <a:r>
               <a:rPr lang="pt-PT" dirty="0"/>
-              <a:t>The original data can’t be used without real cleaning, if a model is built arround this data it will completly skew the reality.</a:t>
+              <a:t>The original data can’t be used without real cleaning, if a model is built around this data it will completely skew the reality.</a:t>
             </a:r>
           </a:p>
           <a:p>
@@ -8919,7 +8896,7 @@
           <a:p>
             <a:r>
               <a:rPr lang="pt-PT" sz="3200" dirty="0"/>
-              <a:t>Re-ignition is a serious problem, significant resources should be allocated in the aftermath of fire.</a:t>
+              <a:t>Re-ignition is a serious problem, significant resources should be allocated in the aftermath of the fire.</a:t>
             </a:r>
           </a:p>
           <a:p>
@@ -9954,15 +9931,13 @@
             <a:endParaRPr lang="pt-PT" dirty="0"/>
           </a:p>
           <a:p>
+            <a:r>
+              <a:rPr lang="en-US" dirty="0"/>
+              <a:t>Different types of terrain have their hot spots.</a:t>
+            </a:r>
             <a:endParaRPr lang="pt-PT" dirty="0"/>
           </a:p>
           <a:p>
-            <a:r>
-              <a:rPr lang="pt-PT" dirty="0"/>
-              <a:t>Diferent types of terrain have their own hot spots.</a:t>
-            </a:r>
-          </a:p>
-          <a:p>
             <a:endParaRPr lang="pt-PT" dirty="0"/>
           </a:p>
           <a:p>
@@ -9972,12 +9947,9 @@
             <a:endParaRPr lang="pt-PT" dirty="0"/>
           </a:p>
           <a:p>
-            <a:endParaRPr lang="pt-PT" dirty="0"/>
-          </a:p>
-          <a:p>
             <a:r>
               <a:rPr lang="pt-PT" sz="1200" dirty="0"/>
-              <a:t>2017 excluded since it was an abnormal year and completly skews the reality.</a:t>
+              <a:t>2017 was excluded since it was an abnormal year and completely skews the reality.</a:t>
             </a:r>
           </a:p>
         </p:txBody>
@@ -10063,7 +10035,7 @@
                                         <p:tgtEl>
                                           <p:spTgt spid="4">
                                             <p:txEl>
-                                              <p:pRg st="2" end="2"/>
+                                              <p:pRg st="5" end="5"/>
                                             </p:txEl>
                                           </p:spTgt>
                                         </p:tgtEl>
@@ -10081,7 +10053,7 @@
                                         <p:tgtEl>
                                           <p:spTgt spid="4">
                                             <p:txEl>
-                                              <p:pRg st="2" end="2"/>
+                                              <p:pRg st="5" end="5"/>
                                             </p:txEl>
                                           </p:spTgt>
                                         </p:tgtEl>
@@ -10093,7 +10065,7 @@
                                         <p:tgtEl>
                                           <p:spTgt spid="4">
                                             <p:txEl>
-                                              <p:pRg st="2" end="2"/>
+                                              <p:pRg st="5" end="5"/>
                                             </p:txEl>
                                           </p:spTgt>
                                         </p:tgtEl>
@@ -10120,104 +10092,7 @@
                                         <p:tgtEl>
                                           <p:spTgt spid="4">
                                             <p:txEl>
-                                              <p:pRg st="2" end="2"/>
-                                            </p:txEl>
-                                          </p:spTgt>
-                                        </p:tgtEl>
-                                        <p:attrNameLst>
-                                          <p:attrName>ppt_y</p:attrName>
-                                        </p:attrNameLst>
-                                      </p:cBhvr>
-                                      <p:tavLst>
-                                        <p:tav tm="0">
-                                          <p:val>
-                                            <p:strVal val="#ppt_y+.1"/>
-                                          </p:val>
-                                        </p:tav>
-                                        <p:tav tm="100000">
-                                          <p:val>
-                                            <p:strVal val="#ppt_y"/>
-                                          </p:val>
-                                        </p:tav>
-                                      </p:tavLst>
-                                    </p:anim>
-                                  </p:childTnLst>
-                                </p:cTn>
-                              </p:par>
-                              <p:par>
-                                <p:cTn id="10" presetID="42" presetClass="entr" presetSubtype="0" fill="hold" grpId="0" nodeType="withEffect">
-                                  <p:stCondLst>
-                                    <p:cond delay="0"/>
-                                  </p:stCondLst>
-                                  <p:childTnLst>
-                                    <p:set>
-                                      <p:cBhvr>
-                                        <p:cTn id="11" dur="1" fill="hold">
-                                          <p:stCondLst>
-                                            <p:cond delay="0"/>
-                                          </p:stCondLst>
-                                        </p:cTn>
-                                        <p:tgtEl>
-                                          <p:spTgt spid="4">
-                                            <p:txEl>
-                                              <p:pRg st="7" end="7"/>
-                                            </p:txEl>
-                                          </p:spTgt>
-                                        </p:tgtEl>
-                                        <p:attrNameLst>
-                                          <p:attrName>style.visibility</p:attrName>
-                                        </p:attrNameLst>
-                                      </p:cBhvr>
-                                      <p:to>
-                                        <p:strVal val="visible"/>
-                                      </p:to>
-                                    </p:set>
-                                    <p:animEffect transition="in" filter="fade">
-                                      <p:cBhvr>
-                                        <p:cTn id="12" dur="1000"/>
-                                        <p:tgtEl>
-                                          <p:spTgt spid="4">
-                                            <p:txEl>
-                                              <p:pRg st="7" end="7"/>
-                                            </p:txEl>
-                                          </p:spTgt>
-                                        </p:tgtEl>
-                                      </p:cBhvr>
-                                    </p:animEffect>
-                                    <p:anim calcmode="lin" valueType="num">
-                                      <p:cBhvr>
-                                        <p:cTn id="13" dur="1000" fill="hold"/>
-                                        <p:tgtEl>
-                                          <p:spTgt spid="4">
-                                            <p:txEl>
-                                              <p:pRg st="7" end="7"/>
-                                            </p:txEl>
-                                          </p:spTgt>
-                                        </p:tgtEl>
-                                        <p:attrNameLst>
-                                          <p:attrName>ppt_x</p:attrName>
-                                        </p:attrNameLst>
-                                      </p:cBhvr>
-                                      <p:tavLst>
-                                        <p:tav tm="0">
-                                          <p:val>
-                                            <p:strVal val="#ppt_x"/>
-                                          </p:val>
-                                        </p:tav>
-                                        <p:tav tm="100000">
-                                          <p:val>
-                                            <p:strVal val="#ppt_x"/>
-                                          </p:val>
-                                        </p:tav>
-                                      </p:tavLst>
-                                    </p:anim>
-                                    <p:anim calcmode="lin" valueType="num">
-                                      <p:cBhvr>
-                                        <p:cTn id="14" dur="1000" fill="hold"/>
-                                        <p:tgtEl>
-                                          <p:spTgt spid="4">
-                                            <p:txEl>
-                                              <p:pRg st="7" end="7"/>
+                                              <p:pRg st="5" end="5"/>
                                             </p:txEl>
                                           </p:spTgt>
                                         </p:tgtEl>
@@ -10363,15 +10238,13 @@
             <a:endParaRPr lang="pt-PT" dirty="0"/>
           </a:p>
           <a:p>
+            <a:r>
+              <a:rPr lang="en-US" dirty="0"/>
+              <a:t>Different types of terrain have their hot spots.</a:t>
+            </a:r>
             <a:endParaRPr lang="pt-PT" dirty="0"/>
           </a:p>
           <a:p>
-            <a:r>
-              <a:rPr lang="pt-PT" dirty="0"/>
-              <a:t>Diferent types of terrain have their own hot spots.</a:t>
-            </a:r>
-          </a:p>
-          <a:p>
             <a:endParaRPr lang="pt-PT" dirty="0"/>
           </a:p>
           <a:p>
@@ -10381,12 +10254,9 @@
             <a:endParaRPr lang="pt-PT" dirty="0"/>
           </a:p>
           <a:p>
-            <a:endParaRPr lang="pt-PT" dirty="0"/>
-          </a:p>
-          <a:p>
             <a:r>
               <a:rPr lang="pt-PT" sz="1200" dirty="0"/>
-              <a:t>2017 excluded since it was an abnormal year and completly skews the reality.</a:t>
+              <a:t>2017 was excluded since it was an abnormal year and completely skews the reality.</a:t>
             </a:r>
           </a:p>
         </p:txBody>
@@ -10539,15 +10409,13 @@
             <a:endParaRPr lang="pt-PT" dirty="0"/>
           </a:p>
           <a:p>
+            <a:r>
+              <a:rPr lang="en-US" dirty="0"/>
+              <a:t>Different types of terrain have their hot spots.</a:t>
+            </a:r>
             <a:endParaRPr lang="pt-PT" dirty="0"/>
           </a:p>
           <a:p>
-            <a:r>
-              <a:rPr lang="pt-PT" dirty="0"/>
-              <a:t>Diferent types of terrain have their own hot spots.</a:t>
-            </a:r>
-          </a:p>
-          <a:p>
             <a:endParaRPr lang="pt-PT" dirty="0"/>
           </a:p>
           <a:p>
@@ -10557,12 +10425,9 @@
             <a:endParaRPr lang="pt-PT" dirty="0"/>
           </a:p>
           <a:p>
-            <a:endParaRPr lang="pt-PT" dirty="0"/>
-          </a:p>
-          <a:p>
             <a:r>
               <a:rPr lang="pt-PT" sz="1200" dirty="0"/>
-              <a:t>2017 excluded since it was an abnormal year and completly skews the reality.</a:t>
+              <a:t>2017 was excluded since it was an abnormal year and completely skews the reality.</a:t>
             </a:r>
           </a:p>
         </p:txBody>
@@ -10708,7 +10573,7 @@
           <a:p>
             <a:r>
               <a:rPr lang="pt-PT" dirty="0"/>
-              <a:t>A lot of factors come into play, but the emissions generated by the fires are actually the biggest problem as they affect the quality of the air.</a:t>
+              <a:t>A lot of factors come into play, but the emissions generated by the fires are the biggest problem as they affect the quality of the air.</a:t>
             </a:r>
           </a:p>
           <a:p>
@@ -11580,7 +11445,7 @@
             </a:r>
             <a:r>
               <a:rPr lang="pt-PT" sz="1600" dirty="0"/>
-              <a:t>, but we can look deeper and see interesting results as:</a:t>
+              <a:t>, but we can look deeper and see interesting results:</a:t>
             </a:r>
           </a:p>
           <a:p>
@@ -11610,7 +11475,7 @@
             </a:pPr>
             <a:r>
               <a:rPr lang="pt-PT" sz="1400" dirty="0"/>
-              <a:t>The number of fires is actually decreasing.</a:t>
+              <a:t>The number of fires is decreasing.</a:t>
             </a:r>
           </a:p>
         </p:txBody>
@@ -12183,8 +12048,8 @@
         </p:nvSpPr>
         <p:spPr>
           <a:xfrm>
-            <a:off x="8458200" y="2771472"/>
-            <a:ext cx="3161963" cy="1645920"/>
+            <a:off x="8458200" y="1988288"/>
+            <a:ext cx="3161963" cy="2881424"/>
           </a:xfrm>
         </p:spPr>
         <p:txBody>
@@ -12195,7 +12060,7 @@
           <a:p>
             <a:r>
               <a:rPr lang="pt-PT" dirty="0"/>
-              <a:t>Is the monthly fire count and burnt area distribution the same for all top 5 districts?</a:t>
+              <a:t>Are the monthly fire count and burnt area distribution the same for all top 5 districts?</a:t>
             </a:r>
           </a:p>
         </p:txBody>
